--- a/考研.pptx
+++ b/考研.pptx
@@ -2,31 +2,46 @@
 <file path=ppt/presentation.xml><?xml version="1.0" encoding="utf-8"?>
 <p:presentation xmlns:a="http://schemas.openxmlformats.org/drawingml/2006/main" xmlns:r="http://schemas.openxmlformats.org/officeDocument/2006/relationships" xmlns:p="http://schemas.openxmlformats.org/presentationml/2006/main" saveSubsetFonts="1">
   <p:sldMasterIdLst>
-    <p:sldMasterId id="2147483648" r:id="rId1"/>
+    <p:sldMasterId id="2147483672" r:id="rId1"/>
   </p:sldMasterIdLst>
+  <p:notesMasterIdLst>
+    <p:notesMasterId r:id="rId28"/>
+  </p:notesMasterIdLst>
   <p:sldIdLst>
     <p:sldId id="256" r:id="rId2"/>
-    <p:sldId id="257" r:id="rId3"/>
-    <p:sldId id="264" r:id="rId4"/>
-    <p:sldId id="263" r:id="rId5"/>
-    <p:sldId id="267" r:id="rId6"/>
-    <p:sldId id="265" r:id="rId7"/>
-    <p:sldId id="266" r:id="rId8"/>
-    <p:sldId id="268" r:id="rId9"/>
-    <p:sldId id="269" r:id="rId10"/>
-    <p:sldId id="258" r:id="rId11"/>
-    <p:sldId id="259" r:id="rId12"/>
-    <p:sldId id="260" r:id="rId13"/>
-    <p:sldId id="261" r:id="rId14"/>
-    <p:sldId id="262" r:id="rId15"/>
+    <p:sldId id="271" r:id="rId3"/>
+    <p:sldId id="257" r:id="rId4"/>
+    <p:sldId id="264" r:id="rId5"/>
+    <p:sldId id="263" r:id="rId6"/>
+    <p:sldId id="272" r:id="rId7"/>
+    <p:sldId id="267" r:id="rId8"/>
+    <p:sldId id="265" r:id="rId9"/>
+    <p:sldId id="266" r:id="rId10"/>
+    <p:sldId id="274" r:id="rId11"/>
+    <p:sldId id="268" r:id="rId12"/>
+    <p:sldId id="269" r:id="rId13"/>
+    <p:sldId id="270" r:id="rId14"/>
+    <p:sldId id="275" r:id="rId15"/>
+    <p:sldId id="276" r:id="rId16"/>
+    <p:sldId id="273" r:id="rId17"/>
+    <p:sldId id="277" r:id="rId18"/>
+    <p:sldId id="278" r:id="rId19"/>
+    <p:sldId id="279" r:id="rId20"/>
+    <p:sldId id="280" r:id="rId21"/>
+    <p:sldId id="281" r:id="rId22"/>
+    <p:sldId id="282" r:id="rId23"/>
+    <p:sldId id="283" r:id="rId24"/>
+    <p:sldId id="284" r:id="rId25"/>
+    <p:sldId id="285" r:id="rId26"/>
+    <p:sldId id="286" r:id="rId27"/>
   </p:sldIdLst>
   <p:sldSz cx="12192000" cy="6858000"/>
   <p:notesSz cx="6858000" cy="9144000"/>
   <p:defaultTextStyle>
     <a:defPPr>
-      <a:defRPr lang="zh-TW"/>
+      <a:defRPr lang="en-US"/>
     </a:defPPr>
-    <a:lvl1pPr marL="0" algn="l" defTabSz="914400" rtl="0" eaLnBrk="1" latinLnBrk="0" hangingPunct="1">
+    <a:lvl1pPr marL="0" algn="l" defTabSz="457200" rtl="0" eaLnBrk="1" latinLnBrk="0" hangingPunct="1">
       <a:defRPr sz="1800" kern="1200">
         <a:solidFill>
           <a:schemeClr val="tx1"/>
@@ -36,7 +51,7 @@
         <a:cs typeface="+mn-cs"/>
       </a:defRPr>
     </a:lvl1pPr>
-    <a:lvl2pPr marL="457200" algn="l" defTabSz="914400" rtl="0" eaLnBrk="1" latinLnBrk="0" hangingPunct="1">
+    <a:lvl2pPr marL="457200" algn="l" defTabSz="457200" rtl="0" eaLnBrk="1" latinLnBrk="0" hangingPunct="1">
       <a:defRPr sz="1800" kern="1200">
         <a:solidFill>
           <a:schemeClr val="tx1"/>
@@ -46,7 +61,7 @@
         <a:cs typeface="+mn-cs"/>
       </a:defRPr>
     </a:lvl2pPr>
-    <a:lvl3pPr marL="914400" algn="l" defTabSz="914400" rtl="0" eaLnBrk="1" latinLnBrk="0" hangingPunct="1">
+    <a:lvl3pPr marL="914400" algn="l" defTabSz="457200" rtl="0" eaLnBrk="1" latinLnBrk="0" hangingPunct="1">
       <a:defRPr sz="1800" kern="1200">
         <a:solidFill>
           <a:schemeClr val="tx1"/>
@@ -56,7 +71,7 @@
         <a:cs typeface="+mn-cs"/>
       </a:defRPr>
     </a:lvl3pPr>
-    <a:lvl4pPr marL="1371600" algn="l" defTabSz="914400" rtl="0" eaLnBrk="1" latinLnBrk="0" hangingPunct="1">
+    <a:lvl4pPr marL="1371600" algn="l" defTabSz="457200" rtl="0" eaLnBrk="1" latinLnBrk="0" hangingPunct="1">
       <a:defRPr sz="1800" kern="1200">
         <a:solidFill>
           <a:schemeClr val="tx1"/>
@@ -66,7 +81,7 @@
         <a:cs typeface="+mn-cs"/>
       </a:defRPr>
     </a:lvl4pPr>
-    <a:lvl5pPr marL="1828800" algn="l" defTabSz="914400" rtl="0" eaLnBrk="1" latinLnBrk="0" hangingPunct="1">
+    <a:lvl5pPr marL="1828800" algn="l" defTabSz="457200" rtl="0" eaLnBrk="1" latinLnBrk="0" hangingPunct="1">
       <a:defRPr sz="1800" kern="1200">
         <a:solidFill>
           <a:schemeClr val="tx1"/>
@@ -76,7 +91,7 @@
         <a:cs typeface="+mn-cs"/>
       </a:defRPr>
     </a:lvl5pPr>
-    <a:lvl6pPr marL="2286000" algn="l" defTabSz="914400" rtl="0" eaLnBrk="1" latinLnBrk="0" hangingPunct="1">
+    <a:lvl6pPr marL="2286000" algn="l" defTabSz="457200" rtl="0" eaLnBrk="1" latinLnBrk="0" hangingPunct="1">
       <a:defRPr sz="1800" kern="1200">
         <a:solidFill>
           <a:schemeClr val="tx1"/>
@@ -86,7 +101,7 @@
         <a:cs typeface="+mn-cs"/>
       </a:defRPr>
     </a:lvl6pPr>
-    <a:lvl7pPr marL="2743200" algn="l" defTabSz="914400" rtl="0" eaLnBrk="1" latinLnBrk="0" hangingPunct="1">
+    <a:lvl7pPr marL="2743200" algn="l" defTabSz="457200" rtl="0" eaLnBrk="1" latinLnBrk="0" hangingPunct="1">
       <a:defRPr sz="1800" kern="1200">
         <a:solidFill>
           <a:schemeClr val="tx1"/>
@@ -96,7 +111,7 @@
         <a:cs typeface="+mn-cs"/>
       </a:defRPr>
     </a:lvl7pPr>
-    <a:lvl8pPr marL="3200400" algn="l" defTabSz="914400" rtl="0" eaLnBrk="1" latinLnBrk="0" hangingPunct="1">
+    <a:lvl8pPr marL="3200400" algn="l" defTabSz="457200" rtl="0" eaLnBrk="1" latinLnBrk="0" hangingPunct="1">
       <a:defRPr sz="1800" kern="1200">
         <a:solidFill>
           <a:schemeClr val="tx1"/>
@@ -106,7 +121,7 @@
         <a:cs typeface="+mn-cs"/>
       </a:defRPr>
     </a:lvl8pPr>
-    <a:lvl9pPr marL="3657600" algn="l" defTabSz="914400" rtl="0" eaLnBrk="1" latinLnBrk="0" hangingPunct="1">
+    <a:lvl9pPr marL="3657600" algn="l" defTabSz="457200" rtl="0" eaLnBrk="1" latinLnBrk="0" hangingPunct="1">
       <a:defRPr sz="1800" kern="1200">
         <a:solidFill>
           <a:schemeClr val="tx1"/>
@@ -117,12 +132,22 @@
       </a:defRPr>
     </a:lvl9pPr>
   </p:defaultTextStyle>
+  <p:extLst>
+    <p:ext uri="{EFAFB233-063F-42B5-8137-9DF3F51BA10A}">
+      <p15:sldGuideLst xmlns:p15="http://schemas.microsoft.com/office/powerpoint/2012/main"/>
+    </p:ext>
+  </p:extLst>
 </p:presentation>
 </file>
 
-<file path=ppt/slideLayouts/slideLayout1.xml><?xml version="1.0" encoding="utf-8"?>
-<p:sldLayout xmlns:a="http://schemas.openxmlformats.org/drawingml/2006/main" xmlns:r="http://schemas.openxmlformats.org/officeDocument/2006/relationships" xmlns:p="http://schemas.openxmlformats.org/presentationml/2006/main" type="title" preserve="1">
-  <p:cSld name="Title Slide">
+<file path=ppt/notesMasters/notesMaster1.xml><?xml version="1.0" encoding="utf-8"?>
+<p:notesMaster xmlns:a="http://schemas.openxmlformats.org/drawingml/2006/main" xmlns:r="http://schemas.openxmlformats.org/officeDocument/2006/relationships" xmlns:p="http://schemas.openxmlformats.org/presentationml/2006/main">
+  <p:cSld>
+    <p:bg>
+      <p:bgRef idx="1001">
+        <a:schemeClr val="bg1"/>
+      </p:bgRef>
+    </p:bg>
     <p:spTree>
       <p:nvGrpSpPr>
         <p:cNvPr id="1" name=""/>
@@ -139,10 +164,462 @@
       </p:grpSpPr>
       <p:sp>
         <p:nvSpPr>
-          <p:cNvPr id="2" name="Title 1">
+          <p:cNvPr id="2" name="頁首版面配置區 1"/>
+          <p:cNvSpPr>
+            <a:spLocks noGrp="1"/>
+          </p:cNvSpPr>
+          <p:nvPr>
+            <p:ph type="hdr" sz="quarter"/>
+          </p:nvPr>
+        </p:nvSpPr>
+        <p:spPr>
+          <a:xfrm>
+            <a:off x="0" y="0"/>
+            <a:ext cx="2971800" cy="458788"/>
+          </a:xfrm>
+          <a:prstGeom prst="rect">
+            <a:avLst/>
+          </a:prstGeom>
+        </p:spPr>
+        <p:txBody>
+          <a:bodyPr vert="horz" lIns="91440" tIns="45720" rIns="91440" bIns="45720" rtlCol="0"/>
+          <a:lstStyle>
+            <a:lvl1pPr algn="l">
+              <a:defRPr sz="1200"/>
+            </a:lvl1pPr>
+          </a:lstStyle>
+          <a:p>
+            <a:endParaRPr lang="zh-TW" altLang="en-US"/>
+          </a:p>
+        </p:txBody>
+      </p:sp>
+      <p:sp>
+        <p:nvSpPr>
+          <p:cNvPr id="3" name="日期版面配置區 2"/>
+          <p:cNvSpPr>
+            <a:spLocks noGrp="1"/>
+          </p:cNvSpPr>
+          <p:nvPr>
+            <p:ph type="dt" idx="1"/>
+          </p:nvPr>
+        </p:nvSpPr>
+        <p:spPr>
+          <a:xfrm>
+            <a:off x="3884613" y="0"/>
+            <a:ext cx="2971800" cy="458788"/>
+          </a:xfrm>
+          <a:prstGeom prst="rect">
+            <a:avLst/>
+          </a:prstGeom>
+        </p:spPr>
+        <p:txBody>
+          <a:bodyPr vert="horz" lIns="91440" tIns="45720" rIns="91440" bIns="45720" rtlCol="0"/>
+          <a:lstStyle>
+            <a:lvl1pPr algn="r">
+              <a:defRPr sz="1200"/>
+            </a:lvl1pPr>
+          </a:lstStyle>
+          <a:p>
+            <a:fld id="{07E5D595-80C0-4B28-BA03-ED45ADACC533}" type="datetimeFigureOut">
+              <a:rPr lang="zh-TW" altLang="en-US" smtClean="0"/>
+              <a:t>2026/1/30</a:t>
+            </a:fld>
+            <a:endParaRPr lang="zh-TW" altLang="en-US"/>
+          </a:p>
+        </p:txBody>
+      </p:sp>
+      <p:sp>
+        <p:nvSpPr>
+          <p:cNvPr id="4" name="投影片影像版面配置區 3"/>
+          <p:cNvSpPr>
+            <a:spLocks noGrp="1" noRot="1" noChangeAspect="1"/>
+          </p:cNvSpPr>
+          <p:nvPr>
+            <p:ph type="sldImg" idx="2"/>
+          </p:nvPr>
+        </p:nvSpPr>
+        <p:spPr>
+          <a:xfrm>
+            <a:off x="685800" y="1143000"/>
+            <a:ext cx="5486400" cy="3086100"/>
+          </a:xfrm>
+          <a:prstGeom prst="rect">
+            <a:avLst/>
+          </a:prstGeom>
+          <a:noFill/>
+          <a:ln w="12700">
+            <a:solidFill>
+              <a:prstClr val="black"/>
+            </a:solidFill>
+          </a:ln>
+        </p:spPr>
+        <p:txBody>
+          <a:bodyPr vert="horz" lIns="91440" tIns="45720" rIns="91440" bIns="45720" rtlCol="0" anchor="ctr"/>
+          <a:lstStyle/>
+          <a:p>
+            <a:endParaRPr lang="zh-TW" altLang="en-US"/>
+          </a:p>
+        </p:txBody>
+      </p:sp>
+      <p:sp>
+        <p:nvSpPr>
+          <p:cNvPr id="5" name="備忘稿版面配置區 4"/>
+          <p:cNvSpPr>
+            <a:spLocks noGrp="1"/>
+          </p:cNvSpPr>
+          <p:nvPr>
+            <p:ph type="body" sz="quarter" idx="3"/>
+          </p:nvPr>
+        </p:nvSpPr>
+        <p:spPr>
+          <a:xfrm>
+            <a:off x="685800" y="4400550"/>
+            <a:ext cx="5486400" cy="3600450"/>
+          </a:xfrm>
+          <a:prstGeom prst="rect">
+            <a:avLst/>
+          </a:prstGeom>
+        </p:spPr>
+        <p:txBody>
+          <a:bodyPr vert="horz" lIns="91440" tIns="45720" rIns="91440" bIns="45720" rtlCol="0"/>
+          <a:lstStyle/>
+          <a:p>
+            <a:pPr lvl="0"/>
+            <a:r>
+              <a:rPr lang="zh-TW" altLang="en-US"/>
+              <a:t>按一下以編輯母片文字樣式</a:t>
+            </a:r>
+          </a:p>
+          <a:p>
+            <a:pPr lvl="1"/>
+            <a:r>
+              <a:rPr lang="zh-TW" altLang="en-US"/>
+              <a:t>第二層</a:t>
+            </a:r>
+          </a:p>
+          <a:p>
+            <a:pPr lvl="2"/>
+            <a:r>
+              <a:rPr lang="zh-TW" altLang="en-US"/>
+              <a:t>第三層</a:t>
+            </a:r>
+          </a:p>
+          <a:p>
+            <a:pPr lvl="3"/>
+            <a:r>
+              <a:rPr lang="zh-TW" altLang="en-US"/>
+              <a:t>第四層</a:t>
+            </a:r>
+          </a:p>
+          <a:p>
+            <a:pPr lvl="4"/>
+            <a:r>
+              <a:rPr lang="zh-TW" altLang="en-US"/>
+              <a:t>第五層</a:t>
+            </a:r>
+          </a:p>
+        </p:txBody>
+      </p:sp>
+      <p:sp>
+        <p:nvSpPr>
+          <p:cNvPr id="6" name="頁尾版面配置區 5"/>
+          <p:cNvSpPr>
+            <a:spLocks noGrp="1"/>
+          </p:cNvSpPr>
+          <p:nvPr>
+            <p:ph type="ftr" sz="quarter" idx="4"/>
+          </p:nvPr>
+        </p:nvSpPr>
+        <p:spPr>
+          <a:xfrm>
+            <a:off x="0" y="8685213"/>
+            <a:ext cx="2971800" cy="458787"/>
+          </a:xfrm>
+          <a:prstGeom prst="rect">
+            <a:avLst/>
+          </a:prstGeom>
+        </p:spPr>
+        <p:txBody>
+          <a:bodyPr vert="horz" lIns="91440" tIns="45720" rIns="91440" bIns="45720" rtlCol="0" anchor="b"/>
+          <a:lstStyle>
+            <a:lvl1pPr algn="l">
+              <a:defRPr sz="1200"/>
+            </a:lvl1pPr>
+          </a:lstStyle>
+          <a:p>
+            <a:endParaRPr lang="zh-TW" altLang="en-US"/>
+          </a:p>
+        </p:txBody>
+      </p:sp>
+      <p:sp>
+        <p:nvSpPr>
+          <p:cNvPr id="7" name="投影片編號版面配置區 6"/>
+          <p:cNvSpPr>
+            <a:spLocks noGrp="1"/>
+          </p:cNvSpPr>
+          <p:nvPr>
+            <p:ph type="sldNum" sz="quarter" idx="5"/>
+          </p:nvPr>
+        </p:nvSpPr>
+        <p:spPr>
+          <a:xfrm>
+            <a:off x="3884613" y="8685213"/>
+            <a:ext cx="2971800" cy="458787"/>
+          </a:xfrm>
+          <a:prstGeom prst="rect">
+            <a:avLst/>
+          </a:prstGeom>
+        </p:spPr>
+        <p:txBody>
+          <a:bodyPr vert="horz" lIns="91440" tIns="45720" rIns="91440" bIns="45720" rtlCol="0" anchor="b"/>
+          <a:lstStyle>
+            <a:lvl1pPr algn="r">
+              <a:defRPr sz="1200"/>
+            </a:lvl1pPr>
+          </a:lstStyle>
+          <a:p>
+            <a:fld id="{5281C8EC-84E3-4AA0-83D2-C262AD0C7E35}" type="slidenum">
+              <a:rPr lang="zh-TW" altLang="en-US" smtClean="0"/>
+              <a:t>‹#›</a:t>
+            </a:fld>
+            <a:endParaRPr lang="zh-TW" altLang="en-US"/>
+          </a:p>
+        </p:txBody>
+      </p:sp>
+    </p:spTree>
+    <p:extLst>
+      <p:ext uri="{BB962C8B-B14F-4D97-AF65-F5344CB8AC3E}">
+        <p14:creationId xmlns:p14="http://schemas.microsoft.com/office/powerpoint/2010/main" val="3387258508"/>
+      </p:ext>
+    </p:extLst>
+  </p:cSld>
+  <p:clrMap bg1="lt1" tx1="dk1" bg2="lt2" tx2="dk2" accent1="accent1" accent2="accent2" accent3="accent3" accent4="accent4" accent5="accent5" accent6="accent6" hlink="hlink" folHlink="folHlink"/>
+  <p:notesStyle>
+    <a:lvl1pPr marL="0" algn="l" defTabSz="914400" rtl="0" eaLnBrk="1" latinLnBrk="0" hangingPunct="1">
+      <a:defRPr sz="1200" kern="1200">
+        <a:solidFill>
+          <a:schemeClr val="tx1"/>
+        </a:solidFill>
+        <a:latin typeface="+mn-lt"/>
+        <a:ea typeface="+mn-ea"/>
+        <a:cs typeface="+mn-cs"/>
+      </a:defRPr>
+    </a:lvl1pPr>
+    <a:lvl2pPr marL="457200" algn="l" defTabSz="914400" rtl="0" eaLnBrk="1" latinLnBrk="0" hangingPunct="1">
+      <a:defRPr sz="1200" kern="1200">
+        <a:solidFill>
+          <a:schemeClr val="tx1"/>
+        </a:solidFill>
+        <a:latin typeface="+mn-lt"/>
+        <a:ea typeface="+mn-ea"/>
+        <a:cs typeface="+mn-cs"/>
+      </a:defRPr>
+    </a:lvl2pPr>
+    <a:lvl3pPr marL="914400" algn="l" defTabSz="914400" rtl="0" eaLnBrk="1" latinLnBrk="0" hangingPunct="1">
+      <a:defRPr sz="1200" kern="1200">
+        <a:solidFill>
+          <a:schemeClr val="tx1"/>
+        </a:solidFill>
+        <a:latin typeface="+mn-lt"/>
+        <a:ea typeface="+mn-ea"/>
+        <a:cs typeface="+mn-cs"/>
+      </a:defRPr>
+    </a:lvl3pPr>
+    <a:lvl4pPr marL="1371600" algn="l" defTabSz="914400" rtl="0" eaLnBrk="1" latinLnBrk="0" hangingPunct="1">
+      <a:defRPr sz="1200" kern="1200">
+        <a:solidFill>
+          <a:schemeClr val="tx1"/>
+        </a:solidFill>
+        <a:latin typeface="+mn-lt"/>
+        <a:ea typeface="+mn-ea"/>
+        <a:cs typeface="+mn-cs"/>
+      </a:defRPr>
+    </a:lvl4pPr>
+    <a:lvl5pPr marL="1828800" algn="l" defTabSz="914400" rtl="0" eaLnBrk="1" latinLnBrk="0" hangingPunct="1">
+      <a:defRPr sz="1200" kern="1200">
+        <a:solidFill>
+          <a:schemeClr val="tx1"/>
+        </a:solidFill>
+        <a:latin typeface="+mn-lt"/>
+        <a:ea typeface="+mn-ea"/>
+        <a:cs typeface="+mn-cs"/>
+      </a:defRPr>
+    </a:lvl5pPr>
+    <a:lvl6pPr marL="2286000" algn="l" defTabSz="914400" rtl="0" eaLnBrk="1" latinLnBrk="0" hangingPunct="1">
+      <a:defRPr sz="1200" kern="1200">
+        <a:solidFill>
+          <a:schemeClr val="tx1"/>
+        </a:solidFill>
+        <a:latin typeface="+mn-lt"/>
+        <a:ea typeface="+mn-ea"/>
+        <a:cs typeface="+mn-cs"/>
+      </a:defRPr>
+    </a:lvl6pPr>
+    <a:lvl7pPr marL="2743200" algn="l" defTabSz="914400" rtl="0" eaLnBrk="1" latinLnBrk="0" hangingPunct="1">
+      <a:defRPr sz="1200" kern="1200">
+        <a:solidFill>
+          <a:schemeClr val="tx1"/>
+        </a:solidFill>
+        <a:latin typeface="+mn-lt"/>
+        <a:ea typeface="+mn-ea"/>
+        <a:cs typeface="+mn-cs"/>
+      </a:defRPr>
+    </a:lvl7pPr>
+    <a:lvl8pPr marL="3200400" algn="l" defTabSz="914400" rtl="0" eaLnBrk="1" latinLnBrk="0" hangingPunct="1">
+      <a:defRPr sz="1200" kern="1200">
+        <a:solidFill>
+          <a:schemeClr val="tx1"/>
+        </a:solidFill>
+        <a:latin typeface="+mn-lt"/>
+        <a:ea typeface="+mn-ea"/>
+        <a:cs typeface="+mn-cs"/>
+      </a:defRPr>
+    </a:lvl8pPr>
+    <a:lvl9pPr marL="3657600" algn="l" defTabSz="914400" rtl="0" eaLnBrk="1" latinLnBrk="0" hangingPunct="1">
+      <a:defRPr sz="1200" kern="1200">
+        <a:solidFill>
+          <a:schemeClr val="tx1"/>
+        </a:solidFill>
+        <a:latin typeface="+mn-lt"/>
+        <a:ea typeface="+mn-ea"/>
+        <a:cs typeface="+mn-cs"/>
+      </a:defRPr>
+    </a:lvl9pPr>
+  </p:notesStyle>
+</p:notesMaster>
+</file>
+
+<file path=ppt/notesSlides/notesSlide1.xml><?xml version="1.0" encoding="utf-8"?>
+<p:notes xmlns:a="http://schemas.openxmlformats.org/drawingml/2006/main" xmlns:r="http://schemas.openxmlformats.org/officeDocument/2006/relationships" xmlns:p="http://schemas.openxmlformats.org/presentationml/2006/main">
+  <p:cSld>
+    <p:spTree>
+      <p:nvGrpSpPr>
+        <p:cNvPr id="1" name=""/>
+        <p:cNvGrpSpPr/>
+        <p:nvPr/>
+      </p:nvGrpSpPr>
+      <p:grpSpPr>
+        <a:xfrm>
+          <a:off x="0" y="0"/>
+          <a:ext cx="0" cy="0"/>
+          <a:chOff x="0" y="0"/>
+          <a:chExt cx="0" cy="0"/>
+        </a:xfrm>
+      </p:grpSpPr>
+      <p:sp>
+        <p:nvSpPr>
+          <p:cNvPr id="2" name="投影片影像版面配置區 1"/>
+          <p:cNvSpPr>
+            <a:spLocks noGrp="1" noRot="1" noChangeAspect="1"/>
+          </p:cNvSpPr>
+          <p:nvPr>
+            <p:ph type="sldImg"/>
+          </p:nvPr>
+        </p:nvSpPr>
+        <p:spPr/>
+      </p:sp>
+      <p:sp>
+        <p:nvSpPr>
+          <p:cNvPr id="3" name="備忘稿版面配置區 2"/>
+          <p:cNvSpPr>
+            <a:spLocks noGrp="1"/>
+          </p:cNvSpPr>
+          <p:nvPr>
+            <p:ph type="body" idx="1"/>
+          </p:nvPr>
+        </p:nvSpPr>
+        <p:spPr/>
+        <p:txBody>
+          <a:bodyPr/>
+          <a:lstStyle/>
+          <a:p>
+            <a:endParaRPr lang="zh-TW" altLang="en-US" dirty="0"/>
+          </a:p>
+        </p:txBody>
+      </p:sp>
+      <p:sp>
+        <p:nvSpPr>
+          <p:cNvPr id="4" name="投影片編號版面配置區 3"/>
+          <p:cNvSpPr>
+            <a:spLocks noGrp="1"/>
+          </p:cNvSpPr>
+          <p:nvPr>
+            <p:ph type="sldNum" sz="quarter" idx="5"/>
+          </p:nvPr>
+        </p:nvSpPr>
+        <p:spPr/>
+        <p:txBody>
+          <a:bodyPr/>
+          <a:lstStyle/>
+          <a:p>
+            <a:fld id="{5281C8EC-84E3-4AA0-83D2-C262AD0C7E35}" type="slidenum">
+              <a:rPr lang="zh-TW" altLang="en-US" smtClean="0"/>
+              <a:t>24</a:t>
+            </a:fld>
+            <a:endParaRPr lang="zh-TW" altLang="en-US"/>
+          </a:p>
+        </p:txBody>
+      </p:sp>
+    </p:spTree>
+    <p:extLst>
+      <p:ext uri="{BB962C8B-B14F-4D97-AF65-F5344CB8AC3E}">
+        <p14:creationId xmlns:p14="http://schemas.microsoft.com/office/powerpoint/2010/main" val="2259837151"/>
+      </p:ext>
+    </p:extLst>
+  </p:cSld>
+  <p:clrMapOvr>
+    <a:masterClrMapping/>
+  </p:clrMapOvr>
+</p:notes>
+</file>
+
+<file path=ppt/notesSlides/notesSlide2.xml><?xml version="1.0" encoding="utf-8"?>
+<p:notes xmlns:a="http://schemas.openxmlformats.org/drawingml/2006/main" xmlns:r="http://schemas.openxmlformats.org/officeDocument/2006/relationships" xmlns:p="http://schemas.openxmlformats.org/presentationml/2006/main">
+  <p:cSld>
+    <p:spTree>
+      <p:nvGrpSpPr>
+        <p:cNvPr id="1" name="">
+          <a:extLst>
+            <a:ext uri="{FF2B5EF4-FFF2-40B4-BE49-F238E27FC236}">
+              <a16:creationId xmlns:a16="http://schemas.microsoft.com/office/drawing/2014/main" id="{3392CC74-856F-F0CB-F4C0-BCBFCED96863}"/>
+            </a:ext>
+          </a:extLst>
+        </p:cNvPr>
+        <p:cNvGrpSpPr/>
+        <p:nvPr/>
+      </p:nvGrpSpPr>
+      <p:grpSpPr>
+        <a:xfrm>
+          <a:off x="0" y="0"/>
+          <a:ext cx="0" cy="0"/>
+          <a:chOff x="0" y="0"/>
+          <a:chExt cx="0" cy="0"/>
+        </a:xfrm>
+      </p:grpSpPr>
+      <p:sp>
+        <p:nvSpPr>
+          <p:cNvPr id="2" name="投影片影像版面配置區 1">
             <a:extLst>
               <a:ext uri="{FF2B5EF4-FFF2-40B4-BE49-F238E27FC236}">
-                <a16:creationId xmlns:a16="http://schemas.microsoft.com/office/drawing/2014/main" id="{E7B6DC5C-3CF0-D793-68AD-561D3886F6C3}"/>
+                <a16:creationId xmlns:a16="http://schemas.microsoft.com/office/drawing/2014/main" id="{530E3E27-44A2-CD9D-43D8-4CDDB8F3A43A}"/>
+              </a:ext>
+            </a:extLst>
+          </p:cNvPr>
+          <p:cNvSpPr>
+            <a:spLocks noGrp="1" noRot="1" noChangeAspect="1"/>
+          </p:cNvSpPr>
+          <p:nvPr>
+            <p:ph type="sldImg"/>
+          </p:nvPr>
+        </p:nvSpPr>
+        <p:spPr/>
+      </p:sp>
+      <p:sp>
+        <p:nvSpPr>
+          <p:cNvPr id="3" name="備忘稿版面配置區 2">
+            <a:extLst>
+              <a:ext uri="{FF2B5EF4-FFF2-40B4-BE49-F238E27FC236}">
+                <a16:creationId xmlns:a16="http://schemas.microsoft.com/office/drawing/2014/main" id="{32C2539D-5942-13C1-18E6-EABAC8BA3355}"/>
               </a:ext>
             </a:extLst>
           </p:cNvPr>
@@ -150,6 +627,192 @@
             <a:spLocks noGrp="1"/>
           </p:cNvSpPr>
           <p:nvPr>
+            <p:ph type="body" idx="1"/>
+          </p:nvPr>
+        </p:nvSpPr>
+        <p:spPr/>
+        <p:txBody>
+          <a:bodyPr/>
+          <a:lstStyle/>
+          <a:p>
+            <a:endParaRPr lang="zh-TW" altLang="en-US" dirty="0"/>
+          </a:p>
+        </p:txBody>
+      </p:sp>
+      <p:sp>
+        <p:nvSpPr>
+          <p:cNvPr id="4" name="投影片編號版面配置區 3">
+            <a:extLst>
+              <a:ext uri="{FF2B5EF4-FFF2-40B4-BE49-F238E27FC236}">
+                <a16:creationId xmlns:a16="http://schemas.microsoft.com/office/drawing/2014/main" id="{92D34D7B-0416-4284-1366-CAC2803481DB}"/>
+              </a:ext>
+            </a:extLst>
+          </p:cNvPr>
+          <p:cNvSpPr>
+            <a:spLocks noGrp="1"/>
+          </p:cNvSpPr>
+          <p:nvPr>
+            <p:ph type="sldNum" sz="quarter" idx="5"/>
+          </p:nvPr>
+        </p:nvSpPr>
+        <p:spPr/>
+        <p:txBody>
+          <a:bodyPr/>
+          <a:lstStyle/>
+          <a:p>
+            <a:fld id="{5281C8EC-84E3-4AA0-83D2-C262AD0C7E35}" type="slidenum">
+              <a:rPr lang="zh-TW" altLang="en-US" smtClean="0"/>
+              <a:t>25</a:t>
+            </a:fld>
+            <a:endParaRPr lang="zh-TW" altLang="en-US"/>
+          </a:p>
+        </p:txBody>
+      </p:sp>
+    </p:spTree>
+    <p:extLst>
+      <p:ext uri="{BB962C8B-B14F-4D97-AF65-F5344CB8AC3E}">
+        <p14:creationId xmlns:p14="http://schemas.microsoft.com/office/powerpoint/2010/main" val="4008794183"/>
+      </p:ext>
+    </p:extLst>
+  </p:cSld>
+  <p:clrMapOvr>
+    <a:masterClrMapping/>
+  </p:clrMapOvr>
+</p:notes>
+</file>
+
+<file path=ppt/notesSlides/notesSlide3.xml><?xml version="1.0" encoding="utf-8"?>
+<p:notes xmlns:a="http://schemas.openxmlformats.org/drawingml/2006/main" xmlns:r="http://schemas.openxmlformats.org/officeDocument/2006/relationships" xmlns:p="http://schemas.openxmlformats.org/presentationml/2006/main">
+  <p:cSld>
+    <p:spTree>
+      <p:nvGrpSpPr>
+        <p:cNvPr id="1" name="">
+          <a:extLst>
+            <a:ext uri="{FF2B5EF4-FFF2-40B4-BE49-F238E27FC236}">
+              <a16:creationId xmlns:a16="http://schemas.microsoft.com/office/drawing/2014/main" id="{5C399D78-E40C-297C-C5CC-7EFA0D37609F}"/>
+            </a:ext>
+          </a:extLst>
+        </p:cNvPr>
+        <p:cNvGrpSpPr/>
+        <p:nvPr/>
+      </p:nvGrpSpPr>
+      <p:grpSpPr>
+        <a:xfrm>
+          <a:off x="0" y="0"/>
+          <a:ext cx="0" cy="0"/>
+          <a:chOff x="0" y="0"/>
+          <a:chExt cx="0" cy="0"/>
+        </a:xfrm>
+      </p:grpSpPr>
+      <p:sp>
+        <p:nvSpPr>
+          <p:cNvPr id="2" name="投影片影像版面配置區 1">
+            <a:extLst>
+              <a:ext uri="{FF2B5EF4-FFF2-40B4-BE49-F238E27FC236}">
+                <a16:creationId xmlns:a16="http://schemas.microsoft.com/office/drawing/2014/main" id="{68534B62-3CAA-A0AB-379D-AF814DAB9619}"/>
+              </a:ext>
+            </a:extLst>
+          </p:cNvPr>
+          <p:cNvSpPr>
+            <a:spLocks noGrp="1" noRot="1" noChangeAspect="1"/>
+          </p:cNvSpPr>
+          <p:nvPr>
+            <p:ph type="sldImg"/>
+          </p:nvPr>
+        </p:nvSpPr>
+        <p:spPr/>
+      </p:sp>
+      <p:sp>
+        <p:nvSpPr>
+          <p:cNvPr id="3" name="備忘稿版面配置區 2">
+            <a:extLst>
+              <a:ext uri="{FF2B5EF4-FFF2-40B4-BE49-F238E27FC236}">
+                <a16:creationId xmlns:a16="http://schemas.microsoft.com/office/drawing/2014/main" id="{0A9F7E3C-B175-D1DA-591B-3AA431229613}"/>
+              </a:ext>
+            </a:extLst>
+          </p:cNvPr>
+          <p:cNvSpPr>
+            <a:spLocks noGrp="1"/>
+          </p:cNvSpPr>
+          <p:nvPr>
+            <p:ph type="body" idx="1"/>
+          </p:nvPr>
+        </p:nvSpPr>
+        <p:spPr/>
+        <p:txBody>
+          <a:bodyPr/>
+          <a:lstStyle/>
+          <a:p>
+            <a:endParaRPr lang="zh-TW" altLang="en-US" dirty="0"/>
+          </a:p>
+        </p:txBody>
+      </p:sp>
+      <p:sp>
+        <p:nvSpPr>
+          <p:cNvPr id="4" name="投影片編號版面配置區 3">
+            <a:extLst>
+              <a:ext uri="{FF2B5EF4-FFF2-40B4-BE49-F238E27FC236}">
+                <a16:creationId xmlns:a16="http://schemas.microsoft.com/office/drawing/2014/main" id="{20D57664-3B35-EB96-664D-8059A6B82501}"/>
+              </a:ext>
+            </a:extLst>
+          </p:cNvPr>
+          <p:cNvSpPr>
+            <a:spLocks noGrp="1"/>
+          </p:cNvSpPr>
+          <p:nvPr>
+            <p:ph type="sldNum" sz="quarter" idx="5"/>
+          </p:nvPr>
+        </p:nvSpPr>
+        <p:spPr/>
+        <p:txBody>
+          <a:bodyPr/>
+          <a:lstStyle/>
+          <a:p>
+            <a:fld id="{5281C8EC-84E3-4AA0-83D2-C262AD0C7E35}" type="slidenum">
+              <a:rPr lang="zh-TW" altLang="en-US" smtClean="0"/>
+              <a:t>26</a:t>
+            </a:fld>
+            <a:endParaRPr lang="zh-TW" altLang="en-US"/>
+          </a:p>
+        </p:txBody>
+      </p:sp>
+    </p:spTree>
+    <p:extLst>
+      <p:ext uri="{BB962C8B-B14F-4D97-AF65-F5344CB8AC3E}">
+        <p14:creationId xmlns:p14="http://schemas.microsoft.com/office/powerpoint/2010/main" val="1214811976"/>
+      </p:ext>
+    </p:extLst>
+  </p:cSld>
+  <p:clrMapOvr>
+    <a:masterClrMapping/>
+  </p:clrMapOvr>
+</p:notes>
+</file>
+
+<file path=ppt/slideLayouts/slideLayout1.xml><?xml version="1.0" encoding="utf-8"?>
+<p:sldLayout xmlns:a="http://schemas.openxmlformats.org/drawingml/2006/main" xmlns:r="http://schemas.openxmlformats.org/officeDocument/2006/relationships" xmlns:p="http://schemas.openxmlformats.org/presentationml/2006/main" type="title" preserve="1">
+  <p:cSld name="標題投影片">
+    <p:spTree>
+      <p:nvGrpSpPr>
+        <p:cNvPr id="1" name=""/>
+        <p:cNvGrpSpPr/>
+        <p:nvPr/>
+      </p:nvGrpSpPr>
+      <p:grpSpPr>
+        <a:xfrm>
+          <a:off x="0" y="0"/>
+          <a:ext cx="0" cy="0"/>
+          <a:chOff x="0" y="0"/>
+          <a:chExt cx="0" cy="0"/>
+        </a:xfrm>
+      </p:grpSpPr>
+      <p:sp>
+        <p:nvSpPr>
+          <p:cNvPr id="2" name="Title 1"/>
+          <p:cNvSpPr>
+            <a:spLocks noGrp="1"/>
+          </p:cNvSpPr>
+          <p:nvPr>
             <p:ph type="ctrTitle"/>
           </p:nvPr>
         </p:nvSpPr>
@@ -168,22 +831,16 @@
           </a:lstStyle>
           <a:p>
             <a:r>
-              <a:rPr lang="en-US" altLang="zh-TW"/>
-              <a:t>Click to edit Master title style</a:t>
-            </a:r>
-            <a:endParaRPr lang="zh-TW" altLang="en-US"/>
-          </a:p>
-        </p:txBody>
-      </p:sp>
-      <p:sp>
-        <p:nvSpPr>
-          <p:cNvPr id="3" name="Subtitle 2">
-            <a:extLst>
-              <a:ext uri="{FF2B5EF4-FFF2-40B4-BE49-F238E27FC236}">
-                <a16:creationId xmlns:a16="http://schemas.microsoft.com/office/drawing/2014/main" id="{7C47DA73-55EA-1951-FC39-9BF4B660EFBE}"/>
-              </a:ext>
-            </a:extLst>
-          </p:cNvPr>
+              <a:rPr lang="zh-TW" altLang="en-US"/>
+              <a:t>按一下以編輯母片標題樣式</a:t>
+            </a:r>
+            <a:endParaRPr lang="en-US" dirty="0"/>
+          </a:p>
+        </p:txBody>
+      </p:sp>
+      <p:sp>
+        <p:nvSpPr>
+          <p:cNvPr id="3" name="Subtitle 2"/>
           <p:cNvSpPr>
             <a:spLocks noGrp="1"/>
           </p:cNvSpPr>
@@ -239,22 +896,16 @@
           </a:lstStyle>
           <a:p>
             <a:r>
-              <a:rPr lang="en-US" altLang="zh-TW"/>
-              <a:t>Click to edit Master subtitle style</a:t>
-            </a:r>
-            <a:endParaRPr lang="zh-TW" altLang="en-US"/>
-          </a:p>
-        </p:txBody>
-      </p:sp>
-      <p:sp>
-        <p:nvSpPr>
-          <p:cNvPr id="4" name="Date Placeholder 3">
-            <a:extLst>
-              <a:ext uri="{FF2B5EF4-FFF2-40B4-BE49-F238E27FC236}">
-                <a16:creationId xmlns:a16="http://schemas.microsoft.com/office/drawing/2014/main" id="{1A253B38-04A7-BFFE-E5AF-4B8EBE771678}"/>
-              </a:ext>
-            </a:extLst>
-          </p:cNvPr>
+              <a:rPr lang="zh-TW" altLang="en-US"/>
+              <a:t>按一下以編輯母片子標題樣式</a:t>
+            </a:r>
+            <a:endParaRPr lang="en-US" dirty="0"/>
+          </a:p>
+        </p:txBody>
+      </p:sp>
+      <p:sp>
+        <p:nvSpPr>
+          <p:cNvPr id="4" name="Date Placeholder 3"/>
           <p:cNvSpPr>
             <a:spLocks noGrp="1"/>
           </p:cNvSpPr>
@@ -269,7 +920,7 @@
           <a:p>
             <a:fld id="{17ED38C7-CC33-4A9A-AE74-C01421608BED}" type="datetimeFigureOut">
               <a:rPr lang="zh-TW" altLang="en-US" smtClean="0"/>
-              <a:t>2026/1/21</a:t>
+              <a:t>2026/1/30</a:t>
             </a:fld>
             <a:endParaRPr lang="zh-TW" altLang="en-US"/>
           </a:p>
@@ -277,13 +928,7 @@
       </p:sp>
       <p:sp>
         <p:nvSpPr>
-          <p:cNvPr id="5" name="Footer Placeholder 4">
-            <a:extLst>
-              <a:ext uri="{FF2B5EF4-FFF2-40B4-BE49-F238E27FC236}">
-                <a16:creationId xmlns:a16="http://schemas.microsoft.com/office/drawing/2014/main" id="{A8FE0A25-4A11-3223-790D-7CAE076E405A}"/>
-              </a:ext>
-            </a:extLst>
-          </p:cNvPr>
+          <p:cNvPr id="5" name="Footer Placeholder 4"/>
           <p:cNvSpPr>
             <a:spLocks noGrp="1"/>
           </p:cNvSpPr>
@@ -302,13 +947,7 @@
       </p:sp>
       <p:sp>
         <p:nvSpPr>
-          <p:cNvPr id="6" name="Slide Number Placeholder 5">
-            <a:extLst>
-              <a:ext uri="{FF2B5EF4-FFF2-40B4-BE49-F238E27FC236}">
-                <a16:creationId xmlns:a16="http://schemas.microsoft.com/office/drawing/2014/main" id="{FA82AD04-2EA9-0A46-B1FF-C35108BECD89}"/>
-              </a:ext>
-            </a:extLst>
-          </p:cNvPr>
+          <p:cNvPr id="6" name="Slide Number Placeholder 5"/>
           <p:cNvSpPr>
             <a:spLocks noGrp="1"/>
           </p:cNvSpPr>
@@ -332,7 +971,7 @@
     </p:spTree>
     <p:extLst>
       <p:ext uri="{BB962C8B-B14F-4D97-AF65-F5344CB8AC3E}">
-        <p14:creationId xmlns:p14="http://schemas.microsoft.com/office/powerpoint/2010/main" val="2648988538"/>
+        <p14:creationId xmlns:p14="http://schemas.microsoft.com/office/powerpoint/2010/main" val="2537340327"/>
       </p:ext>
     </p:extLst>
   </p:cSld>
@@ -344,7 +983,7 @@
 
 <file path=ppt/slideLayouts/slideLayout10.xml><?xml version="1.0" encoding="utf-8"?>
 <p:sldLayout xmlns:a="http://schemas.openxmlformats.org/drawingml/2006/main" xmlns:r="http://schemas.openxmlformats.org/officeDocument/2006/relationships" xmlns:p="http://schemas.openxmlformats.org/presentationml/2006/main" type="vertTx" preserve="1">
-  <p:cSld name="Title and Vertical Text">
+  <p:cSld name="標題及直排文字">
     <p:spTree>
       <p:nvGrpSpPr>
         <p:cNvPr id="1" name=""/>
@@ -361,13 +1000,7 @@
       </p:grpSpPr>
       <p:sp>
         <p:nvSpPr>
-          <p:cNvPr id="2" name="Title 1">
-            <a:extLst>
-              <a:ext uri="{FF2B5EF4-FFF2-40B4-BE49-F238E27FC236}">
-                <a16:creationId xmlns:a16="http://schemas.microsoft.com/office/drawing/2014/main" id="{7EAD627B-53BB-A1FB-283F-73DB0598C4FC}"/>
-              </a:ext>
-            </a:extLst>
-          </p:cNvPr>
+          <p:cNvPr id="2" name="Title 1"/>
           <p:cNvSpPr>
             <a:spLocks noGrp="1"/>
           </p:cNvSpPr>
@@ -381,22 +1014,16 @@
           <a:lstStyle/>
           <a:p>
             <a:r>
-              <a:rPr lang="en-US" altLang="zh-TW"/>
-              <a:t>Click to edit Master title style</a:t>
-            </a:r>
-            <a:endParaRPr lang="zh-TW" altLang="en-US"/>
-          </a:p>
-        </p:txBody>
-      </p:sp>
-      <p:sp>
-        <p:nvSpPr>
-          <p:cNvPr id="3" name="Vertical Text Placeholder 2">
-            <a:extLst>
-              <a:ext uri="{FF2B5EF4-FFF2-40B4-BE49-F238E27FC236}">
-                <a16:creationId xmlns:a16="http://schemas.microsoft.com/office/drawing/2014/main" id="{69CA7448-F92E-7B56-79CD-21A956BD9804}"/>
-              </a:ext>
-            </a:extLst>
-          </p:cNvPr>
+              <a:rPr lang="zh-TW" altLang="en-US"/>
+              <a:t>按一下以編輯母片標題樣式</a:t>
+            </a:r>
+            <a:endParaRPr lang="en-US" dirty="0"/>
+          </a:p>
+        </p:txBody>
+      </p:sp>
+      <p:sp>
+        <p:nvSpPr>
+          <p:cNvPr id="3" name="Vertical Text Placeholder 2"/>
           <p:cNvSpPr>
             <a:spLocks noGrp="1"/>
           </p:cNvSpPr>
@@ -411,50 +1038,44 @@
           <a:p>
             <a:pPr lvl="0"/>
             <a:r>
-              <a:rPr lang="en-US" altLang="zh-TW"/>
-              <a:t>Click to edit Master text styles</a:t>
+              <a:rPr lang="zh-TW" altLang="en-US"/>
+              <a:t>按一下以編輯母片文字樣式</a:t>
             </a:r>
           </a:p>
           <a:p>
             <a:pPr lvl="1"/>
             <a:r>
-              <a:rPr lang="en-US" altLang="zh-TW"/>
-              <a:t>Second level</a:t>
+              <a:rPr lang="zh-TW" altLang="en-US"/>
+              <a:t>第二層</a:t>
             </a:r>
           </a:p>
           <a:p>
             <a:pPr lvl="2"/>
             <a:r>
-              <a:rPr lang="en-US" altLang="zh-TW"/>
-              <a:t>Third level</a:t>
+              <a:rPr lang="zh-TW" altLang="en-US"/>
+              <a:t>第三層</a:t>
             </a:r>
           </a:p>
           <a:p>
             <a:pPr lvl="3"/>
             <a:r>
-              <a:rPr lang="en-US" altLang="zh-TW"/>
-              <a:t>Fourth level</a:t>
+              <a:rPr lang="zh-TW" altLang="en-US"/>
+              <a:t>第四層</a:t>
             </a:r>
           </a:p>
           <a:p>
             <a:pPr lvl="4"/>
             <a:r>
-              <a:rPr lang="en-US" altLang="zh-TW"/>
-              <a:t>Fifth level</a:t>
-            </a:r>
-            <a:endParaRPr lang="zh-TW" altLang="en-US"/>
-          </a:p>
-        </p:txBody>
-      </p:sp>
-      <p:sp>
-        <p:nvSpPr>
-          <p:cNvPr id="4" name="Date Placeholder 3">
-            <a:extLst>
-              <a:ext uri="{FF2B5EF4-FFF2-40B4-BE49-F238E27FC236}">
-                <a16:creationId xmlns:a16="http://schemas.microsoft.com/office/drawing/2014/main" id="{F0DAE1A1-04A0-7689-6714-DD03D23A99E5}"/>
-              </a:ext>
-            </a:extLst>
-          </p:cNvPr>
+              <a:rPr lang="zh-TW" altLang="en-US"/>
+              <a:t>第五層</a:t>
+            </a:r>
+            <a:endParaRPr lang="en-US" dirty="0"/>
+          </a:p>
+        </p:txBody>
+      </p:sp>
+      <p:sp>
+        <p:nvSpPr>
+          <p:cNvPr id="4" name="Date Placeholder 3"/>
           <p:cNvSpPr>
             <a:spLocks noGrp="1"/>
           </p:cNvSpPr>
@@ -469,7 +1090,7 @@
           <a:p>
             <a:fld id="{17ED38C7-CC33-4A9A-AE74-C01421608BED}" type="datetimeFigureOut">
               <a:rPr lang="zh-TW" altLang="en-US" smtClean="0"/>
-              <a:t>2026/1/21</a:t>
+              <a:t>2026/1/30</a:t>
             </a:fld>
             <a:endParaRPr lang="zh-TW" altLang="en-US"/>
           </a:p>
@@ -477,13 +1098,7 @@
       </p:sp>
       <p:sp>
         <p:nvSpPr>
-          <p:cNvPr id="5" name="Footer Placeholder 4">
-            <a:extLst>
-              <a:ext uri="{FF2B5EF4-FFF2-40B4-BE49-F238E27FC236}">
-                <a16:creationId xmlns:a16="http://schemas.microsoft.com/office/drawing/2014/main" id="{A4F39F8C-A676-1AFF-C0EF-E6BE4C96D35E}"/>
-              </a:ext>
-            </a:extLst>
-          </p:cNvPr>
+          <p:cNvPr id="5" name="Footer Placeholder 4"/>
           <p:cNvSpPr>
             <a:spLocks noGrp="1"/>
           </p:cNvSpPr>
@@ -502,13 +1117,7 @@
       </p:sp>
       <p:sp>
         <p:nvSpPr>
-          <p:cNvPr id="6" name="Slide Number Placeholder 5">
-            <a:extLst>
-              <a:ext uri="{FF2B5EF4-FFF2-40B4-BE49-F238E27FC236}">
-                <a16:creationId xmlns:a16="http://schemas.microsoft.com/office/drawing/2014/main" id="{63A696FE-7094-9791-76F9-6DAD142DB412}"/>
-              </a:ext>
-            </a:extLst>
-          </p:cNvPr>
+          <p:cNvPr id="6" name="Slide Number Placeholder 5"/>
           <p:cNvSpPr>
             <a:spLocks noGrp="1"/>
           </p:cNvSpPr>
@@ -532,7 +1141,7 @@
     </p:spTree>
     <p:extLst>
       <p:ext uri="{BB962C8B-B14F-4D97-AF65-F5344CB8AC3E}">
-        <p14:creationId xmlns:p14="http://schemas.microsoft.com/office/powerpoint/2010/main" val="3587027739"/>
+        <p14:creationId xmlns:p14="http://schemas.microsoft.com/office/powerpoint/2010/main" val="4260443132"/>
       </p:ext>
     </p:extLst>
   </p:cSld>
@@ -544,7 +1153,7 @@
 
 <file path=ppt/slideLayouts/slideLayout11.xml><?xml version="1.0" encoding="utf-8"?>
 <p:sldLayout xmlns:a="http://schemas.openxmlformats.org/drawingml/2006/main" xmlns:r="http://schemas.openxmlformats.org/officeDocument/2006/relationships" xmlns:p="http://schemas.openxmlformats.org/presentationml/2006/main" type="vertTitleAndTx" preserve="1">
-  <p:cSld name="Vertical Title and Text">
+  <p:cSld name="直排標題及文字">
     <p:spTree>
       <p:nvGrpSpPr>
         <p:cNvPr id="1" name=""/>
@@ -561,13 +1170,7 @@
       </p:grpSpPr>
       <p:sp>
         <p:nvSpPr>
-          <p:cNvPr id="2" name="Vertical Title 1">
-            <a:extLst>
-              <a:ext uri="{FF2B5EF4-FFF2-40B4-BE49-F238E27FC236}">
-                <a16:creationId xmlns:a16="http://schemas.microsoft.com/office/drawing/2014/main" id="{AEC104D9-F445-58AC-0180-A5A0C1165416}"/>
-              </a:ext>
-            </a:extLst>
-          </p:cNvPr>
+          <p:cNvPr id="2" name="Vertical Title 1"/>
           <p:cNvSpPr>
             <a:spLocks noGrp="1"/>
           </p:cNvSpPr>
@@ -586,22 +1189,16 @@
           <a:lstStyle/>
           <a:p>
             <a:r>
-              <a:rPr lang="en-US" altLang="zh-TW"/>
-              <a:t>Click to edit Master title style</a:t>
-            </a:r>
-            <a:endParaRPr lang="zh-TW" altLang="en-US"/>
-          </a:p>
-        </p:txBody>
-      </p:sp>
-      <p:sp>
-        <p:nvSpPr>
-          <p:cNvPr id="3" name="Vertical Text Placeholder 2">
-            <a:extLst>
-              <a:ext uri="{FF2B5EF4-FFF2-40B4-BE49-F238E27FC236}">
-                <a16:creationId xmlns:a16="http://schemas.microsoft.com/office/drawing/2014/main" id="{2F832329-D416-5AED-D734-009BA78D054C}"/>
-              </a:ext>
-            </a:extLst>
-          </p:cNvPr>
+              <a:rPr lang="zh-TW" altLang="en-US"/>
+              <a:t>按一下以編輯母片標題樣式</a:t>
+            </a:r>
+            <a:endParaRPr lang="en-US" dirty="0"/>
+          </a:p>
+        </p:txBody>
+      </p:sp>
+      <p:sp>
+        <p:nvSpPr>
+          <p:cNvPr id="3" name="Vertical Text Placeholder 2"/>
           <p:cNvSpPr>
             <a:spLocks noGrp="1"/>
           </p:cNvSpPr>
@@ -621,50 +1218,44 @@
           <a:p>
             <a:pPr lvl="0"/>
             <a:r>
-              <a:rPr lang="en-US" altLang="zh-TW"/>
-              <a:t>Click to edit Master text styles</a:t>
+              <a:rPr lang="zh-TW" altLang="en-US"/>
+              <a:t>按一下以編輯母片文字樣式</a:t>
             </a:r>
           </a:p>
           <a:p>
             <a:pPr lvl="1"/>
             <a:r>
-              <a:rPr lang="en-US" altLang="zh-TW"/>
-              <a:t>Second level</a:t>
+              <a:rPr lang="zh-TW" altLang="en-US"/>
+              <a:t>第二層</a:t>
             </a:r>
           </a:p>
           <a:p>
             <a:pPr lvl="2"/>
             <a:r>
-              <a:rPr lang="en-US" altLang="zh-TW"/>
-              <a:t>Third level</a:t>
+              <a:rPr lang="zh-TW" altLang="en-US"/>
+              <a:t>第三層</a:t>
             </a:r>
           </a:p>
           <a:p>
             <a:pPr lvl="3"/>
             <a:r>
-              <a:rPr lang="en-US" altLang="zh-TW"/>
-              <a:t>Fourth level</a:t>
+              <a:rPr lang="zh-TW" altLang="en-US"/>
+              <a:t>第四層</a:t>
             </a:r>
           </a:p>
           <a:p>
             <a:pPr lvl="4"/>
             <a:r>
-              <a:rPr lang="en-US" altLang="zh-TW"/>
-              <a:t>Fifth level</a:t>
-            </a:r>
-            <a:endParaRPr lang="zh-TW" altLang="en-US"/>
-          </a:p>
-        </p:txBody>
-      </p:sp>
-      <p:sp>
-        <p:nvSpPr>
-          <p:cNvPr id="4" name="Date Placeholder 3">
-            <a:extLst>
-              <a:ext uri="{FF2B5EF4-FFF2-40B4-BE49-F238E27FC236}">
-                <a16:creationId xmlns:a16="http://schemas.microsoft.com/office/drawing/2014/main" id="{C1F30A59-88FC-8387-A70A-3A1BC838AF91}"/>
-              </a:ext>
-            </a:extLst>
-          </p:cNvPr>
+              <a:rPr lang="zh-TW" altLang="en-US"/>
+              <a:t>第五層</a:t>
+            </a:r>
+            <a:endParaRPr lang="en-US" dirty="0"/>
+          </a:p>
+        </p:txBody>
+      </p:sp>
+      <p:sp>
+        <p:nvSpPr>
+          <p:cNvPr id="4" name="Date Placeholder 3"/>
           <p:cNvSpPr>
             <a:spLocks noGrp="1"/>
           </p:cNvSpPr>
@@ -679,7 +1270,7 @@
           <a:p>
             <a:fld id="{17ED38C7-CC33-4A9A-AE74-C01421608BED}" type="datetimeFigureOut">
               <a:rPr lang="zh-TW" altLang="en-US" smtClean="0"/>
-              <a:t>2026/1/21</a:t>
+              <a:t>2026/1/30</a:t>
             </a:fld>
             <a:endParaRPr lang="zh-TW" altLang="en-US"/>
           </a:p>
@@ -687,13 +1278,7 @@
       </p:sp>
       <p:sp>
         <p:nvSpPr>
-          <p:cNvPr id="5" name="Footer Placeholder 4">
-            <a:extLst>
-              <a:ext uri="{FF2B5EF4-FFF2-40B4-BE49-F238E27FC236}">
-                <a16:creationId xmlns:a16="http://schemas.microsoft.com/office/drawing/2014/main" id="{A2314B6F-168A-84A7-B81A-F917CD0FDE97}"/>
-              </a:ext>
-            </a:extLst>
-          </p:cNvPr>
+          <p:cNvPr id="5" name="Footer Placeholder 4"/>
           <p:cNvSpPr>
             <a:spLocks noGrp="1"/>
           </p:cNvSpPr>
@@ -712,13 +1297,7 @@
       </p:sp>
       <p:sp>
         <p:nvSpPr>
-          <p:cNvPr id="6" name="Slide Number Placeholder 5">
-            <a:extLst>
-              <a:ext uri="{FF2B5EF4-FFF2-40B4-BE49-F238E27FC236}">
-                <a16:creationId xmlns:a16="http://schemas.microsoft.com/office/drawing/2014/main" id="{9E580C8E-5229-45FE-2751-7E748597B237}"/>
-              </a:ext>
-            </a:extLst>
-          </p:cNvPr>
+          <p:cNvPr id="6" name="Slide Number Placeholder 5"/>
           <p:cNvSpPr>
             <a:spLocks noGrp="1"/>
           </p:cNvSpPr>
@@ -742,7 +1321,7 @@
     </p:spTree>
     <p:extLst>
       <p:ext uri="{BB962C8B-B14F-4D97-AF65-F5344CB8AC3E}">
-        <p14:creationId xmlns:p14="http://schemas.microsoft.com/office/powerpoint/2010/main" val="638258641"/>
+        <p14:creationId xmlns:p14="http://schemas.microsoft.com/office/powerpoint/2010/main" val="3070553884"/>
       </p:ext>
     </p:extLst>
   </p:cSld>
@@ -754,7 +1333,7 @@
 
 <file path=ppt/slideLayouts/slideLayout2.xml><?xml version="1.0" encoding="utf-8"?>
 <p:sldLayout xmlns:a="http://schemas.openxmlformats.org/drawingml/2006/main" xmlns:r="http://schemas.openxmlformats.org/officeDocument/2006/relationships" xmlns:p="http://schemas.openxmlformats.org/presentationml/2006/main" type="obj" preserve="1">
-  <p:cSld name="Title and Content">
+  <p:cSld name="標題及內容">
     <p:spTree>
       <p:nvGrpSpPr>
         <p:cNvPr id="1" name=""/>
@@ -771,13 +1350,7 @@
       </p:grpSpPr>
       <p:sp>
         <p:nvSpPr>
-          <p:cNvPr id="2" name="Title 1">
-            <a:extLst>
-              <a:ext uri="{FF2B5EF4-FFF2-40B4-BE49-F238E27FC236}">
-                <a16:creationId xmlns:a16="http://schemas.microsoft.com/office/drawing/2014/main" id="{147E73DA-267C-9B61-AB18-08C14D11A18E}"/>
-              </a:ext>
-            </a:extLst>
-          </p:cNvPr>
+          <p:cNvPr id="2" name="Title 1"/>
           <p:cNvSpPr>
             <a:spLocks noGrp="1"/>
           </p:cNvSpPr>
@@ -791,22 +1364,16 @@
           <a:lstStyle/>
           <a:p>
             <a:r>
-              <a:rPr lang="en-US" altLang="zh-TW"/>
-              <a:t>Click to edit Master title style</a:t>
-            </a:r>
-            <a:endParaRPr lang="zh-TW" altLang="en-US"/>
-          </a:p>
-        </p:txBody>
-      </p:sp>
-      <p:sp>
-        <p:nvSpPr>
-          <p:cNvPr id="3" name="Content Placeholder 2">
-            <a:extLst>
-              <a:ext uri="{FF2B5EF4-FFF2-40B4-BE49-F238E27FC236}">
-                <a16:creationId xmlns:a16="http://schemas.microsoft.com/office/drawing/2014/main" id="{DCB91CEB-654B-815A-3CCB-394A69DBB6C1}"/>
-              </a:ext>
-            </a:extLst>
-          </p:cNvPr>
+              <a:rPr lang="zh-TW" altLang="en-US"/>
+              <a:t>按一下以編輯母片標題樣式</a:t>
+            </a:r>
+            <a:endParaRPr lang="en-US" dirty="0"/>
+          </a:p>
+        </p:txBody>
+      </p:sp>
+      <p:sp>
+        <p:nvSpPr>
+          <p:cNvPr id="3" name="Content Placeholder 2"/>
           <p:cNvSpPr>
             <a:spLocks noGrp="1"/>
           </p:cNvSpPr>
@@ -821,50 +1388,44 @@
           <a:p>
             <a:pPr lvl="0"/>
             <a:r>
-              <a:rPr lang="en-US" altLang="zh-TW"/>
-              <a:t>Click to edit Master text styles</a:t>
+              <a:rPr lang="zh-TW" altLang="en-US"/>
+              <a:t>按一下以編輯母片文字樣式</a:t>
             </a:r>
           </a:p>
           <a:p>
             <a:pPr lvl="1"/>
             <a:r>
-              <a:rPr lang="en-US" altLang="zh-TW"/>
-              <a:t>Second level</a:t>
+              <a:rPr lang="zh-TW" altLang="en-US"/>
+              <a:t>第二層</a:t>
             </a:r>
           </a:p>
           <a:p>
             <a:pPr lvl="2"/>
             <a:r>
-              <a:rPr lang="en-US" altLang="zh-TW"/>
-              <a:t>Third level</a:t>
+              <a:rPr lang="zh-TW" altLang="en-US"/>
+              <a:t>第三層</a:t>
             </a:r>
           </a:p>
           <a:p>
             <a:pPr lvl="3"/>
             <a:r>
-              <a:rPr lang="en-US" altLang="zh-TW"/>
-              <a:t>Fourth level</a:t>
+              <a:rPr lang="zh-TW" altLang="en-US"/>
+              <a:t>第四層</a:t>
             </a:r>
           </a:p>
           <a:p>
             <a:pPr lvl="4"/>
             <a:r>
-              <a:rPr lang="en-US" altLang="zh-TW"/>
-              <a:t>Fifth level</a:t>
-            </a:r>
-            <a:endParaRPr lang="zh-TW" altLang="en-US"/>
-          </a:p>
-        </p:txBody>
-      </p:sp>
-      <p:sp>
-        <p:nvSpPr>
-          <p:cNvPr id="4" name="Date Placeholder 3">
-            <a:extLst>
-              <a:ext uri="{FF2B5EF4-FFF2-40B4-BE49-F238E27FC236}">
-                <a16:creationId xmlns:a16="http://schemas.microsoft.com/office/drawing/2014/main" id="{C6D661EF-6E19-4C25-5000-515A84A5AF79}"/>
-              </a:ext>
-            </a:extLst>
-          </p:cNvPr>
+              <a:rPr lang="zh-TW" altLang="en-US"/>
+              <a:t>第五層</a:t>
+            </a:r>
+            <a:endParaRPr lang="en-US" dirty="0"/>
+          </a:p>
+        </p:txBody>
+      </p:sp>
+      <p:sp>
+        <p:nvSpPr>
+          <p:cNvPr id="4" name="Date Placeholder 3"/>
           <p:cNvSpPr>
             <a:spLocks noGrp="1"/>
           </p:cNvSpPr>
@@ -879,7 +1440,7 @@
           <a:p>
             <a:fld id="{17ED38C7-CC33-4A9A-AE74-C01421608BED}" type="datetimeFigureOut">
               <a:rPr lang="zh-TW" altLang="en-US" smtClean="0"/>
-              <a:t>2026/1/21</a:t>
+              <a:t>2026/1/30</a:t>
             </a:fld>
             <a:endParaRPr lang="zh-TW" altLang="en-US"/>
           </a:p>
@@ -887,13 +1448,7 @@
       </p:sp>
       <p:sp>
         <p:nvSpPr>
-          <p:cNvPr id="5" name="Footer Placeholder 4">
-            <a:extLst>
-              <a:ext uri="{FF2B5EF4-FFF2-40B4-BE49-F238E27FC236}">
-                <a16:creationId xmlns:a16="http://schemas.microsoft.com/office/drawing/2014/main" id="{3CF323BA-223F-7198-7DB1-58BDDCFC1088}"/>
-              </a:ext>
-            </a:extLst>
-          </p:cNvPr>
+          <p:cNvPr id="5" name="Footer Placeholder 4"/>
           <p:cNvSpPr>
             <a:spLocks noGrp="1"/>
           </p:cNvSpPr>
@@ -912,13 +1467,7 @@
       </p:sp>
       <p:sp>
         <p:nvSpPr>
-          <p:cNvPr id="6" name="Slide Number Placeholder 5">
-            <a:extLst>
-              <a:ext uri="{FF2B5EF4-FFF2-40B4-BE49-F238E27FC236}">
-                <a16:creationId xmlns:a16="http://schemas.microsoft.com/office/drawing/2014/main" id="{FEDA9F29-C928-76A7-9013-5DC2E59DDA3B}"/>
-              </a:ext>
-            </a:extLst>
-          </p:cNvPr>
+          <p:cNvPr id="6" name="Slide Number Placeholder 5"/>
           <p:cNvSpPr>
             <a:spLocks noGrp="1"/>
           </p:cNvSpPr>
@@ -942,7 +1491,7 @@
     </p:spTree>
     <p:extLst>
       <p:ext uri="{BB962C8B-B14F-4D97-AF65-F5344CB8AC3E}">
-        <p14:creationId xmlns:p14="http://schemas.microsoft.com/office/powerpoint/2010/main" val="4130664508"/>
+        <p14:creationId xmlns:p14="http://schemas.microsoft.com/office/powerpoint/2010/main" val="3868626154"/>
       </p:ext>
     </p:extLst>
   </p:cSld>
@@ -954,7 +1503,7 @@
 
 <file path=ppt/slideLayouts/slideLayout3.xml><?xml version="1.0" encoding="utf-8"?>
 <p:sldLayout xmlns:a="http://schemas.openxmlformats.org/drawingml/2006/main" xmlns:r="http://schemas.openxmlformats.org/officeDocument/2006/relationships" xmlns:p="http://schemas.openxmlformats.org/presentationml/2006/main" type="secHead" preserve="1">
-  <p:cSld name="Section Header">
+  <p:cSld name="章節標題">
     <p:spTree>
       <p:nvGrpSpPr>
         <p:cNvPr id="1" name=""/>
@@ -971,13 +1520,7 @@
       </p:grpSpPr>
       <p:sp>
         <p:nvSpPr>
-          <p:cNvPr id="2" name="Title 1">
-            <a:extLst>
-              <a:ext uri="{FF2B5EF4-FFF2-40B4-BE49-F238E27FC236}">
-                <a16:creationId xmlns:a16="http://schemas.microsoft.com/office/drawing/2014/main" id="{2A63305D-49B7-DBC6-ED6E-4AE19C16523E}"/>
-              </a:ext>
-            </a:extLst>
-          </p:cNvPr>
+          <p:cNvPr id="2" name="Title 1"/>
           <p:cNvSpPr>
             <a:spLocks noGrp="1"/>
           </p:cNvSpPr>
@@ -1000,22 +1543,16 @@
           </a:lstStyle>
           <a:p>
             <a:r>
-              <a:rPr lang="en-US" altLang="zh-TW"/>
-              <a:t>Click to edit Master title style</a:t>
-            </a:r>
-            <a:endParaRPr lang="zh-TW" altLang="en-US"/>
-          </a:p>
-        </p:txBody>
-      </p:sp>
-      <p:sp>
-        <p:nvSpPr>
-          <p:cNvPr id="3" name="Text Placeholder 2">
-            <a:extLst>
-              <a:ext uri="{FF2B5EF4-FFF2-40B4-BE49-F238E27FC236}">
-                <a16:creationId xmlns:a16="http://schemas.microsoft.com/office/drawing/2014/main" id="{86074A83-D8D9-30BF-DFDE-1C6E8B9A9E0A}"/>
-              </a:ext>
-            </a:extLst>
-          </p:cNvPr>
+              <a:rPr lang="zh-TW" altLang="en-US"/>
+              <a:t>按一下以編輯母片標題樣式</a:t>
+            </a:r>
+            <a:endParaRPr lang="en-US" dirty="0"/>
+          </a:p>
+        </p:txBody>
+      </p:sp>
+      <p:sp>
+        <p:nvSpPr>
+          <p:cNvPr id="3" name="Text Placeholder 2"/>
           <p:cNvSpPr>
             <a:spLocks noGrp="1"/>
           </p:cNvSpPr>
@@ -1126,21 +1663,15 @@
           <a:p>
             <a:pPr lvl="0"/>
             <a:r>
-              <a:rPr lang="en-US" altLang="zh-TW"/>
-              <a:t>Click to edit Master text styles</a:t>
-            </a:r>
-          </a:p>
-        </p:txBody>
-      </p:sp>
-      <p:sp>
-        <p:nvSpPr>
-          <p:cNvPr id="4" name="Date Placeholder 3">
-            <a:extLst>
-              <a:ext uri="{FF2B5EF4-FFF2-40B4-BE49-F238E27FC236}">
-                <a16:creationId xmlns:a16="http://schemas.microsoft.com/office/drawing/2014/main" id="{90DEEA4B-A675-0651-6AB0-03701459701F}"/>
-              </a:ext>
-            </a:extLst>
-          </p:cNvPr>
+              <a:rPr lang="zh-TW" altLang="en-US"/>
+              <a:t>按一下以編輯母片文字樣式</a:t>
+            </a:r>
+          </a:p>
+        </p:txBody>
+      </p:sp>
+      <p:sp>
+        <p:nvSpPr>
+          <p:cNvPr id="4" name="Date Placeholder 3"/>
           <p:cNvSpPr>
             <a:spLocks noGrp="1"/>
           </p:cNvSpPr>
@@ -1155,7 +1686,7 @@
           <a:p>
             <a:fld id="{17ED38C7-CC33-4A9A-AE74-C01421608BED}" type="datetimeFigureOut">
               <a:rPr lang="zh-TW" altLang="en-US" smtClean="0"/>
-              <a:t>2026/1/21</a:t>
+              <a:t>2026/1/30</a:t>
             </a:fld>
             <a:endParaRPr lang="zh-TW" altLang="en-US"/>
           </a:p>
@@ -1163,13 +1694,7 @@
       </p:sp>
       <p:sp>
         <p:nvSpPr>
-          <p:cNvPr id="5" name="Footer Placeholder 4">
-            <a:extLst>
-              <a:ext uri="{FF2B5EF4-FFF2-40B4-BE49-F238E27FC236}">
-                <a16:creationId xmlns:a16="http://schemas.microsoft.com/office/drawing/2014/main" id="{B0373050-A808-BF3B-3F6E-9CF54E6C662D}"/>
-              </a:ext>
-            </a:extLst>
-          </p:cNvPr>
+          <p:cNvPr id="5" name="Footer Placeholder 4"/>
           <p:cNvSpPr>
             <a:spLocks noGrp="1"/>
           </p:cNvSpPr>
@@ -1188,13 +1713,7 @@
       </p:sp>
       <p:sp>
         <p:nvSpPr>
-          <p:cNvPr id="6" name="Slide Number Placeholder 5">
-            <a:extLst>
-              <a:ext uri="{FF2B5EF4-FFF2-40B4-BE49-F238E27FC236}">
-                <a16:creationId xmlns:a16="http://schemas.microsoft.com/office/drawing/2014/main" id="{E89A952A-C9C2-2D21-7B3C-02EFDCD89444}"/>
-              </a:ext>
-            </a:extLst>
-          </p:cNvPr>
+          <p:cNvPr id="6" name="Slide Number Placeholder 5"/>
           <p:cNvSpPr>
             <a:spLocks noGrp="1"/>
           </p:cNvSpPr>
@@ -1218,7 +1737,7 @@
     </p:spTree>
     <p:extLst>
       <p:ext uri="{BB962C8B-B14F-4D97-AF65-F5344CB8AC3E}">
-        <p14:creationId xmlns:p14="http://schemas.microsoft.com/office/powerpoint/2010/main" val="371748129"/>
+        <p14:creationId xmlns:p14="http://schemas.microsoft.com/office/powerpoint/2010/main" val="2110695517"/>
       </p:ext>
     </p:extLst>
   </p:cSld>
@@ -1230,7 +1749,7 @@
 
 <file path=ppt/slideLayouts/slideLayout4.xml><?xml version="1.0" encoding="utf-8"?>
 <p:sldLayout xmlns:a="http://schemas.openxmlformats.org/drawingml/2006/main" xmlns:r="http://schemas.openxmlformats.org/officeDocument/2006/relationships" xmlns:p="http://schemas.openxmlformats.org/presentationml/2006/main" type="twoObj" preserve="1">
-  <p:cSld name="Two Content">
+  <p:cSld name="兩個內容">
     <p:spTree>
       <p:nvGrpSpPr>
         <p:cNvPr id="1" name=""/>
@@ -1247,13 +1766,7 @@
       </p:grpSpPr>
       <p:sp>
         <p:nvSpPr>
-          <p:cNvPr id="2" name="Title 1">
-            <a:extLst>
-              <a:ext uri="{FF2B5EF4-FFF2-40B4-BE49-F238E27FC236}">
-                <a16:creationId xmlns:a16="http://schemas.microsoft.com/office/drawing/2014/main" id="{7F0C84CB-1CD1-A991-1EAD-C0463E1D5CFC}"/>
-              </a:ext>
-            </a:extLst>
-          </p:cNvPr>
+          <p:cNvPr id="2" name="Title 1"/>
           <p:cNvSpPr>
             <a:spLocks noGrp="1"/>
           </p:cNvSpPr>
@@ -1267,22 +1780,16 @@
           <a:lstStyle/>
           <a:p>
             <a:r>
-              <a:rPr lang="en-US" altLang="zh-TW"/>
-              <a:t>Click to edit Master title style</a:t>
-            </a:r>
-            <a:endParaRPr lang="zh-TW" altLang="en-US"/>
-          </a:p>
-        </p:txBody>
-      </p:sp>
-      <p:sp>
-        <p:nvSpPr>
-          <p:cNvPr id="3" name="Content Placeholder 2">
-            <a:extLst>
-              <a:ext uri="{FF2B5EF4-FFF2-40B4-BE49-F238E27FC236}">
-                <a16:creationId xmlns:a16="http://schemas.microsoft.com/office/drawing/2014/main" id="{8AE50F83-84C3-3011-8501-CFFC9F55577A}"/>
-              </a:ext>
-            </a:extLst>
-          </p:cNvPr>
+              <a:rPr lang="zh-TW" altLang="en-US"/>
+              <a:t>按一下以編輯母片標題樣式</a:t>
+            </a:r>
+            <a:endParaRPr lang="en-US" dirty="0"/>
+          </a:p>
+        </p:txBody>
+      </p:sp>
+      <p:sp>
+        <p:nvSpPr>
+          <p:cNvPr id="3" name="Content Placeholder 2"/>
           <p:cNvSpPr>
             <a:spLocks noGrp="1"/>
           </p:cNvSpPr>
@@ -1302,50 +1809,44 @@
           <a:p>
             <a:pPr lvl="0"/>
             <a:r>
-              <a:rPr lang="en-US" altLang="zh-TW"/>
-              <a:t>Click to edit Master text styles</a:t>
+              <a:rPr lang="zh-TW" altLang="en-US"/>
+              <a:t>按一下以編輯母片文字樣式</a:t>
             </a:r>
           </a:p>
           <a:p>
             <a:pPr lvl="1"/>
             <a:r>
-              <a:rPr lang="en-US" altLang="zh-TW"/>
-              <a:t>Second level</a:t>
+              <a:rPr lang="zh-TW" altLang="en-US"/>
+              <a:t>第二層</a:t>
             </a:r>
           </a:p>
           <a:p>
             <a:pPr lvl="2"/>
             <a:r>
-              <a:rPr lang="en-US" altLang="zh-TW"/>
-              <a:t>Third level</a:t>
+              <a:rPr lang="zh-TW" altLang="en-US"/>
+              <a:t>第三層</a:t>
             </a:r>
           </a:p>
           <a:p>
             <a:pPr lvl="3"/>
             <a:r>
-              <a:rPr lang="en-US" altLang="zh-TW"/>
-              <a:t>Fourth level</a:t>
+              <a:rPr lang="zh-TW" altLang="en-US"/>
+              <a:t>第四層</a:t>
             </a:r>
           </a:p>
           <a:p>
             <a:pPr lvl="4"/>
             <a:r>
-              <a:rPr lang="en-US" altLang="zh-TW"/>
-              <a:t>Fifth level</a:t>
-            </a:r>
-            <a:endParaRPr lang="zh-TW" altLang="en-US"/>
-          </a:p>
-        </p:txBody>
-      </p:sp>
-      <p:sp>
-        <p:nvSpPr>
-          <p:cNvPr id="4" name="Content Placeholder 3">
-            <a:extLst>
-              <a:ext uri="{FF2B5EF4-FFF2-40B4-BE49-F238E27FC236}">
-                <a16:creationId xmlns:a16="http://schemas.microsoft.com/office/drawing/2014/main" id="{09E98454-35EA-2B29-F24A-034682C428F8}"/>
-              </a:ext>
-            </a:extLst>
-          </p:cNvPr>
+              <a:rPr lang="zh-TW" altLang="en-US"/>
+              <a:t>第五層</a:t>
+            </a:r>
+            <a:endParaRPr lang="en-US" dirty="0"/>
+          </a:p>
+        </p:txBody>
+      </p:sp>
+      <p:sp>
+        <p:nvSpPr>
+          <p:cNvPr id="4" name="Content Placeholder 3"/>
           <p:cNvSpPr>
             <a:spLocks noGrp="1"/>
           </p:cNvSpPr>
@@ -1365,50 +1866,44 @@
           <a:p>
             <a:pPr lvl="0"/>
             <a:r>
-              <a:rPr lang="en-US" altLang="zh-TW"/>
-              <a:t>Click to edit Master text styles</a:t>
+              <a:rPr lang="zh-TW" altLang="en-US"/>
+              <a:t>按一下以編輯母片文字樣式</a:t>
             </a:r>
           </a:p>
           <a:p>
             <a:pPr lvl="1"/>
             <a:r>
-              <a:rPr lang="en-US" altLang="zh-TW"/>
-              <a:t>Second level</a:t>
+              <a:rPr lang="zh-TW" altLang="en-US"/>
+              <a:t>第二層</a:t>
             </a:r>
           </a:p>
           <a:p>
             <a:pPr lvl="2"/>
             <a:r>
-              <a:rPr lang="en-US" altLang="zh-TW"/>
-              <a:t>Third level</a:t>
+              <a:rPr lang="zh-TW" altLang="en-US"/>
+              <a:t>第三層</a:t>
             </a:r>
           </a:p>
           <a:p>
             <a:pPr lvl="3"/>
             <a:r>
-              <a:rPr lang="en-US" altLang="zh-TW"/>
-              <a:t>Fourth level</a:t>
+              <a:rPr lang="zh-TW" altLang="en-US"/>
+              <a:t>第四層</a:t>
             </a:r>
           </a:p>
           <a:p>
             <a:pPr lvl="4"/>
             <a:r>
-              <a:rPr lang="en-US" altLang="zh-TW"/>
-              <a:t>Fifth level</a:t>
-            </a:r>
-            <a:endParaRPr lang="zh-TW" altLang="en-US"/>
-          </a:p>
-        </p:txBody>
-      </p:sp>
-      <p:sp>
-        <p:nvSpPr>
-          <p:cNvPr id="5" name="Date Placeholder 4">
-            <a:extLst>
-              <a:ext uri="{FF2B5EF4-FFF2-40B4-BE49-F238E27FC236}">
-                <a16:creationId xmlns:a16="http://schemas.microsoft.com/office/drawing/2014/main" id="{3488C986-20A5-5756-2C43-9242AD3F69F5}"/>
-              </a:ext>
-            </a:extLst>
-          </p:cNvPr>
+              <a:rPr lang="zh-TW" altLang="en-US"/>
+              <a:t>第五層</a:t>
+            </a:r>
+            <a:endParaRPr lang="en-US" dirty="0"/>
+          </a:p>
+        </p:txBody>
+      </p:sp>
+      <p:sp>
+        <p:nvSpPr>
+          <p:cNvPr id="5" name="Date Placeholder 4"/>
           <p:cNvSpPr>
             <a:spLocks noGrp="1"/>
           </p:cNvSpPr>
@@ -1423,7 +1918,7 @@
           <a:p>
             <a:fld id="{17ED38C7-CC33-4A9A-AE74-C01421608BED}" type="datetimeFigureOut">
               <a:rPr lang="zh-TW" altLang="en-US" smtClean="0"/>
-              <a:t>2026/1/21</a:t>
+              <a:t>2026/1/30</a:t>
             </a:fld>
             <a:endParaRPr lang="zh-TW" altLang="en-US"/>
           </a:p>
@@ -1431,13 +1926,7 @@
       </p:sp>
       <p:sp>
         <p:nvSpPr>
-          <p:cNvPr id="6" name="Footer Placeholder 5">
-            <a:extLst>
-              <a:ext uri="{FF2B5EF4-FFF2-40B4-BE49-F238E27FC236}">
-                <a16:creationId xmlns:a16="http://schemas.microsoft.com/office/drawing/2014/main" id="{68CB4865-3D9A-CCB9-34CC-81FD694E068D}"/>
-              </a:ext>
-            </a:extLst>
-          </p:cNvPr>
+          <p:cNvPr id="6" name="Footer Placeholder 5"/>
           <p:cNvSpPr>
             <a:spLocks noGrp="1"/>
           </p:cNvSpPr>
@@ -1456,13 +1945,7 @@
       </p:sp>
       <p:sp>
         <p:nvSpPr>
-          <p:cNvPr id="7" name="Slide Number Placeholder 6">
-            <a:extLst>
-              <a:ext uri="{FF2B5EF4-FFF2-40B4-BE49-F238E27FC236}">
-                <a16:creationId xmlns:a16="http://schemas.microsoft.com/office/drawing/2014/main" id="{05B400A5-0BBD-2D64-6C3C-E928F5A86B35}"/>
-              </a:ext>
-            </a:extLst>
-          </p:cNvPr>
+          <p:cNvPr id="7" name="Slide Number Placeholder 6"/>
           <p:cNvSpPr>
             <a:spLocks noGrp="1"/>
           </p:cNvSpPr>
@@ -1486,7 +1969,7 @@
     </p:spTree>
     <p:extLst>
       <p:ext uri="{BB962C8B-B14F-4D97-AF65-F5344CB8AC3E}">
-        <p14:creationId xmlns:p14="http://schemas.microsoft.com/office/powerpoint/2010/main" val="2660029310"/>
+        <p14:creationId xmlns:p14="http://schemas.microsoft.com/office/powerpoint/2010/main" val="2132901301"/>
       </p:ext>
     </p:extLst>
   </p:cSld>
@@ -1498,7 +1981,7 @@
 
 <file path=ppt/slideLayouts/slideLayout5.xml><?xml version="1.0" encoding="utf-8"?>
 <p:sldLayout xmlns:a="http://schemas.openxmlformats.org/drawingml/2006/main" xmlns:r="http://schemas.openxmlformats.org/officeDocument/2006/relationships" xmlns:p="http://schemas.openxmlformats.org/presentationml/2006/main" type="twoTxTwoObj" preserve="1">
-  <p:cSld name="Comparison">
+  <p:cSld name="比較">
     <p:spTree>
       <p:nvGrpSpPr>
         <p:cNvPr id="1" name=""/>
@@ -1515,13 +1998,7 @@
       </p:grpSpPr>
       <p:sp>
         <p:nvSpPr>
-          <p:cNvPr id="2" name="Title 1">
-            <a:extLst>
-              <a:ext uri="{FF2B5EF4-FFF2-40B4-BE49-F238E27FC236}">
-                <a16:creationId xmlns:a16="http://schemas.microsoft.com/office/drawing/2014/main" id="{71861577-BAB6-BA89-36B9-4C6EC00245B6}"/>
-              </a:ext>
-            </a:extLst>
-          </p:cNvPr>
+          <p:cNvPr id="2" name="Title 1"/>
           <p:cNvSpPr>
             <a:spLocks noGrp="1"/>
           </p:cNvSpPr>
@@ -1540,22 +2017,16 @@
           <a:lstStyle/>
           <a:p>
             <a:r>
-              <a:rPr lang="en-US" altLang="zh-TW"/>
-              <a:t>Click to edit Master title style</a:t>
-            </a:r>
-            <a:endParaRPr lang="zh-TW" altLang="en-US"/>
-          </a:p>
-        </p:txBody>
-      </p:sp>
-      <p:sp>
-        <p:nvSpPr>
-          <p:cNvPr id="3" name="Text Placeholder 2">
-            <a:extLst>
-              <a:ext uri="{FF2B5EF4-FFF2-40B4-BE49-F238E27FC236}">
-                <a16:creationId xmlns:a16="http://schemas.microsoft.com/office/drawing/2014/main" id="{B4253272-14E8-17E3-A493-2C1D48F973A6}"/>
-              </a:ext>
-            </a:extLst>
-          </p:cNvPr>
+              <a:rPr lang="zh-TW" altLang="en-US"/>
+              <a:t>按一下以編輯母片標題樣式</a:t>
+            </a:r>
+            <a:endParaRPr lang="en-US" dirty="0"/>
+          </a:p>
+        </p:txBody>
+      </p:sp>
+      <p:sp>
+        <p:nvSpPr>
+          <p:cNvPr id="3" name="Text Placeholder 2"/>
           <p:cNvSpPr>
             <a:spLocks noGrp="1"/>
           </p:cNvSpPr>
@@ -1612,21 +2083,15 @@
           <a:p>
             <a:pPr lvl="0"/>
             <a:r>
-              <a:rPr lang="en-US" altLang="zh-TW"/>
-              <a:t>Click to edit Master text styles</a:t>
-            </a:r>
-          </a:p>
-        </p:txBody>
-      </p:sp>
-      <p:sp>
-        <p:nvSpPr>
-          <p:cNvPr id="4" name="Content Placeholder 3">
-            <a:extLst>
-              <a:ext uri="{FF2B5EF4-FFF2-40B4-BE49-F238E27FC236}">
-                <a16:creationId xmlns:a16="http://schemas.microsoft.com/office/drawing/2014/main" id="{2D17F7FF-9CC9-0960-7749-DE7BF00EF47A}"/>
-              </a:ext>
-            </a:extLst>
-          </p:cNvPr>
+              <a:rPr lang="zh-TW" altLang="en-US"/>
+              <a:t>按一下以編輯母片文字樣式</a:t>
+            </a:r>
+          </a:p>
+        </p:txBody>
+      </p:sp>
+      <p:sp>
+        <p:nvSpPr>
+          <p:cNvPr id="4" name="Content Placeholder 3"/>
           <p:cNvSpPr>
             <a:spLocks noGrp="1"/>
           </p:cNvSpPr>
@@ -1646,50 +2111,44 @@
           <a:p>
             <a:pPr lvl="0"/>
             <a:r>
-              <a:rPr lang="en-US" altLang="zh-TW"/>
-              <a:t>Click to edit Master text styles</a:t>
+              <a:rPr lang="zh-TW" altLang="en-US"/>
+              <a:t>按一下以編輯母片文字樣式</a:t>
             </a:r>
           </a:p>
           <a:p>
             <a:pPr lvl="1"/>
             <a:r>
-              <a:rPr lang="en-US" altLang="zh-TW"/>
-              <a:t>Second level</a:t>
+              <a:rPr lang="zh-TW" altLang="en-US"/>
+              <a:t>第二層</a:t>
             </a:r>
           </a:p>
           <a:p>
             <a:pPr lvl="2"/>
             <a:r>
-              <a:rPr lang="en-US" altLang="zh-TW"/>
-              <a:t>Third level</a:t>
+              <a:rPr lang="zh-TW" altLang="en-US"/>
+              <a:t>第三層</a:t>
             </a:r>
           </a:p>
           <a:p>
             <a:pPr lvl="3"/>
             <a:r>
-              <a:rPr lang="en-US" altLang="zh-TW"/>
-              <a:t>Fourth level</a:t>
+              <a:rPr lang="zh-TW" altLang="en-US"/>
+              <a:t>第四層</a:t>
             </a:r>
           </a:p>
           <a:p>
             <a:pPr lvl="4"/>
             <a:r>
-              <a:rPr lang="en-US" altLang="zh-TW"/>
-              <a:t>Fifth level</a:t>
-            </a:r>
-            <a:endParaRPr lang="zh-TW" altLang="en-US"/>
-          </a:p>
-        </p:txBody>
-      </p:sp>
-      <p:sp>
-        <p:nvSpPr>
-          <p:cNvPr id="5" name="Text Placeholder 4">
-            <a:extLst>
-              <a:ext uri="{FF2B5EF4-FFF2-40B4-BE49-F238E27FC236}">
-                <a16:creationId xmlns:a16="http://schemas.microsoft.com/office/drawing/2014/main" id="{820A9875-C938-5FA0-2B41-719C2F4499E8}"/>
-              </a:ext>
-            </a:extLst>
-          </p:cNvPr>
+              <a:rPr lang="zh-TW" altLang="en-US"/>
+              <a:t>第五層</a:t>
+            </a:r>
+            <a:endParaRPr lang="en-US" dirty="0"/>
+          </a:p>
+        </p:txBody>
+      </p:sp>
+      <p:sp>
+        <p:nvSpPr>
+          <p:cNvPr id="5" name="Text Placeholder 4"/>
           <p:cNvSpPr>
             <a:spLocks noGrp="1"/>
           </p:cNvSpPr>
@@ -1746,21 +2205,15 @@
           <a:p>
             <a:pPr lvl="0"/>
             <a:r>
-              <a:rPr lang="en-US" altLang="zh-TW"/>
-              <a:t>Click to edit Master text styles</a:t>
-            </a:r>
-          </a:p>
-        </p:txBody>
-      </p:sp>
-      <p:sp>
-        <p:nvSpPr>
-          <p:cNvPr id="6" name="Content Placeholder 5">
-            <a:extLst>
-              <a:ext uri="{FF2B5EF4-FFF2-40B4-BE49-F238E27FC236}">
-                <a16:creationId xmlns:a16="http://schemas.microsoft.com/office/drawing/2014/main" id="{B924DB31-7341-E584-228B-916C9D198CA5}"/>
-              </a:ext>
-            </a:extLst>
-          </p:cNvPr>
+              <a:rPr lang="zh-TW" altLang="en-US"/>
+              <a:t>按一下以編輯母片文字樣式</a:t>
+            </a:r>
+          </a:p>
+        </p:txBody>
+      </p:sp>
+      <p:sp>
+        <p:nvSpPr>
+          <p:cNvPr id="6" name="Content Placeholder 5"/>
           <p:cNvSpPr>
             <a:spLocks noGrp="1"/>
           </p:cNvSpPr>
@@ -1780,50 +2233,44 @@
           <a:p>
             <a:pPr lvl="0"/>
             <a:r>
-              <a:rPr lang="en-US" altLang="zh-TW"/>
-              <a:t>Click to edit Master text styles</a:t>
+              <a:rPr lang="zh-TW" altLang="en-US"/>
+              <a:t>按一下以編輯母片文字樣式</a:t>
             </a:r>
           </a:p>
           <a:p>
             <a:pPr lvl="1"/>
             <a:r>
-              <a:rPr lang="en-US" altLang="zh-TW"/>
-              <a:t>Second level</a:t>
+              <a:rPr lang="zh-TW" altLang="en-US"/>
+              <a:t>第二層</a:t>
             </a:r>
           </a:p>
           <a:p>
             <a:pPr lvl="2"/>
             <a:r>
-              <a:rPr lang="en-US" altLang="zh-TW"/>
-              <a:t>Third level</a:t>
+              <a:rPr lang="zh-TW" altLang="en-US"/>
+              <a:t>第三層</a:t>
             </a:r>
           </a:p>
           <a:p>
             <a:pPr lvl="3"/>
             <a:r>
-              <a:rPr lang="en-US" altLang="zh-TW"/>
-              <a:t>Fourth level</a:t>
+              <a:rPr lang="zh-TW" altLang="en-US"/>
+              <a:t>第四層</a:t>
             </a:r>
           </a:p>
           <a:p>
             <a:pPr lvl="4"/>
             <a:r>
-              <a:rPr lang="en-US" altLang="zh-TW"/>
-              <a:t>Fifth level</a:t>
-            </a:r>
-            <a:endParaRPr lang="zh-TW" altLang="en-US"/>
-          </a:p>
-        </p:txBody>
-      </p:sp>
-      <p:sp>
-        <p:nvSpPr>
-          <p:cNvPr id="7" name="Date Placeholder 6">
-            <a:extLst>
-              <a:ext uri="{FF2B5EF4-FFF2-40B4-BE49-F238E27FC236}">
-                <a16:creationId xmlns:a16="http://schemas.microsoft.com/office/drawing/2014/main" id="{872F34CE-CD22-48CC-9F6A-D8652438FD00}"/>
-              </a:ext>
-            </a:extLst>
-          </p:cNvPr>
+              <a:rPr lang="zh-TW" altLang="en-US"/>
+              <a:t>第五層</a:t>
+            </a:r>
+            <a:endParaRPr lang="en-US" dirty="0"/>
+          </a:p>
+        </p:txBody>
+      </p:sp>
+      <p:sp>
+        <p:nvSpPr>
+          <p:cNvPr id="7" name="Date Placeholder 6"/>
           <p:cNvSpPr>
             <a:spLocks noGrp="1"/>
           </p:cNvSpPr>
@@ -1838,7 +2285,7 @@
           <a:p>
             <a:fld id="{17ED38C7-CC33-4A9A-AE74-C01421608BED}" type="datetimeFigureOut">
               <a:rPr lang="zh-TW" altLang="en-US" smtClean="0"/>
-              <a:t>2026/1/21</a:t>
+              <a:t>2026/1/30</a:t>
             </a:fld>
             <a:endParaRPr lang="zh-TW" altLang="en-US"/>
           </a:p>
@@ -1846,13 +2293,7 @@
       </p:sp>
       <p:sp>
         <p:nvSpPr>
-          <p:cNvPr id="8" name="Footer Placeholder 7">
-            <a:extLst>
-              <a:ext uri="{FF2B5EF4-FFF2-40B4-BE49-F238E27FC236}">
-                <a16:creationId xmlns:a16="http://schemas.microsoft.com/office/drawing/2014/main" id="{7706D975-D08D-0ADF-4AC0-734C115D837B}"/>
-              </a:ext>
-            </a:extLst>
-          </p:cNvPr>
+          <p:cNvPr id="8" name="Footer Placeholder 7"/>
           <p:cNvSpPr>
             <a:spLocks noGrp="1"/>
           </p:cNvSpPr>
@@ -1871,13 +2312,7 @@
       </p:sp>
       <p:sp>
         <p:nvSpPr>
-          <p:cNvPr id="9" name="Slide Number Placeholder 8">
-            <a:extLst>
-              <a:ext uri="{FF2B5EF4-FFF2-40B4-BE49-F238E27FC236}">
-                <a16:creationId xmlns:a16="http://schemas.microsoft.com/office/drawing/2014/main" id="{8D9A2757-EDE5-1254-34A2-3807954443AC}"/>
-              </a:ext>
-            </a:extLst>
-          </p:cNvPr>
+          <p:cNvPr id="9" name="Slide Number Placeholder 8"/>
           <p:cNvSpPr>
             <a:spLocks noGrp="1"/>
           </p:cNvSpPr>
@@ -1901,7 +2336,7 @@
     </p:spTree>
     <p:extLst>
       <p:ext uri="{BB962C8B-B14F-4D97-AF65-F5344CB8AC3E}">
-        <p14:creationId xmlns:p14="http://schemas.microsoft.com/office/powerpoint/2010/main" val="98072748"/>
+        <p14:creationId xmlns:p14="http://schemas.microsoft.com/office/powerpoint/2010/main" val="101742143"/>
       </p:ext>
     </p:extLst>
   </p:cSld>
@@ -1913,7 +2348,7 @@
 
 <file path=ppt/slideLayouts/slideLayout6.xml><?xml version="1.0" encoding="utf-8"?>
 <p:sldLayout xmlns:a="http://schemas.openxmlformats.org/drawingml/2006/main" xmlns:r="http://schemas.openxmlformats.org/officeDocument/2006/relationships" xmlns:p="http://schemas.openxmlformats.org/presentationml/2006/main" type="titleOnly" preserve="1">
-  <p:cSld name="Title Only">
+  <p:cSld name="只有標題">
     <p:spTree>
       <p:nvGrpSpPr>
         <p:cNvPr id="1" name=""/>
@@ -1930,13 +2365,7 @@
       </p:grpSpPr>
       <p:sp>
         <p:nvSpPr>
-          <p:cNvPr id="2" name="Title 1">
-            <a:extLst>
-              <a:ext uri="{FF2B5EF4-FFF2-40B4-BE49-F238E27FC236}">
-                <a16:creationId xmlns:a16="http://schemas.microsoft.com/office/drawing/2014/main" id="{FA3D8817-37C2-73DE-D06F-4033C695BE2C}"/>
-              </a:ext>
-            </a:extLst>
-          </p:cNvPr>
+          <p:cNvPr id="2" name="Title 1"/>
           <p:cNvSpPr>
             <a:spLocks noGrp="1"/>
           </p:cNvSpPr>
@@ -1950,22 +2379,16 @@
           <a:lstStyle/>
           <a:p>
             <a:r>
-              <a:rPr lang="en-US" altLang="zh-TW"/>
-              <a:t>Click to edit Master title style</a:t>
-            </a:r>
-            <a:endParaRPr lang="zh-TW" altLang="en-US"/>
-          </a:p>
-        </p:txBody>
-      </p:sp>
-      <p:sp>
-        <p:nvSpPr>
-          <p:cNvPr id="3" name="Date Placeholder 2">
-            <a:extLst>
-              <a:ext uri="{FF2B5EF4-FFF2-40B4-BE49-F238E27FC236}">
-                <a16:creationId xmlns:a16="http://schemas.microsoft.com/office/drawing/2014/main" id="{EC87CD85-7C5B-CBF7-39DA-04E16CB75DA7}"/>
-              </a:ext>
-            </a:extLst>
-          </p:cNvPr>
+              <a:rPr lang="zh-TW" altLang="en-US"/>
+              <a:t>按一下以編輯母片標題樣式</a:t>
+            </a:r>
+            <a:endParaRPr lang="en-US" dirty="0"/>
+          </a:p>
+        </p:txBody>
+      </p:sp>
+      <p:sp>
+        <p:nvSpPr>
+          <p:cNvPr id="3" name="Date Placeholder 2"/>
           <p:cNvSpPr>
             <a:spLocks noGrp="1"/>
           </p:cNvSpPr>
@@ -1980,7 +2403,7 @@
           <a:p>
             <a:fld id="{17ED38C7-CC33-4A9A-AE74-C01421608BED}" type="datetimeFigureOut">
               <a:rPr lang="zh-TW" altLang="en-US" smtClean="0"/>
-              <a:t>2026/1/21</a:t>
+              <a:t>2026/1/30</a:t>
             </a:fld>
             <a:endParaRPr lang="zh-TW" altLang="en-US"/>
           </a:p>
@@ -1988,13 +2411,7 @@
       </p:sp>
       <p:sp>
         <p:nvSpPr>
-          <p:cNvPr id="4" name="Footer Placeholder 3">
-            <a:extLst>
-              <a:ext uri="{FF2B5EF4-FFF2-40B4-BE49-F238E27FC236}">
-                <a16:creationId xmlns:a16="http://schemas.microsoft.com/office/drawing/2014/main" id="{FCF94100-6EA7-E1B4-2F80-30A0BFA37333}"/>
-              </a:ext>
-            </a:extLst>
-          </p:cNvPr>
+          <p:cNvPr id="4" name="Footer Placeholder 3"/>
           <p:cNvSpPr>
             <a:spLocks noGrp="1"/>
           </p:cNvSpPr>
@@ -2013,13 +2430,7 @@
       </p:sp>
       <p:sp>
         <p:nvSpPr>
-          <p:cNvPr id="5" name="Slide Number Placeholder 4">
-            <a:extLst>
-              <a:ext uri="{FF2B5EF4-FFF2-40B4-BE49-F238E27FC236}">
-                <a16:creationId xmlns:a16="http://schemas.microsoft.com/office/drawing/2014/main" id="{2A2E4474-D85A-645E-4093-C7380BCB86B9}"/>
-              </a:ext>
-            </a:extLst>
-          </p:cNvPr>
+          <p:cNvPr id="5" name="Slide Number Placeholder 4"/>
           <p:cNvSpPr>
             <a:spLocks noGrp="1"/>
           </p:cNvSpPr>
@@ -2043,7 +2454,7 @@
     </p:spTree>
     <p:extLst>
       <p:ext uri="{BB962C8B-B14F-4D97-AF65-F5344CB8AC3E}">
-        <p14:creationId xmlns:p14="http://schemas.microsoft.com/office/powerpoint/2010/main" val="2750881357"/>
+        <p14:creationId xmlns:p14="http://schemas.microsoft.com/office/powerpoint/2010/main" val="3838379661"/>
       </p:ext>
     </p:extLst>
   </p:cSld>
@@ -2055,7 +2466,7 @@
 
 <file path=ppt/slideLayouts/slideLayout7.xml><?xml version="1.0" encoding="utf-8"?>
 <p:sldLayout xmlns:a="http://schemas.openxmlformats.org/drawingml/2006/main" xmlns:r="http://schemas.openxmlformats.org/officeDocument/2006/relationships" xmlns:p="http://schemas.openxmlformats.org/presentationml/2006/main" type="blank" preserve="1">
-  <p:cSld name="Blank">
+  <p:cSld name="空白">
     <p:spTree>
       <p:nvGrpSpPr>
         <p:cNvPr id="1" name=""/>
@@ -2072,13 +2483,7 @@
       </p:grpSpPr>
       <p:sp>
         <p:nvSpPr>
-          <p:cNvPr id="2" name="Date Placeholder 1">
-            <a:extLst>
-              <a:ext uri="{FF2B5EF4-FFF2-40B4-BE49-F238E27FC236}">
-                <a16:creationId xmlns:a16="http://schemas.microsoft.com/office/drawing/2014/main" id="{7B56CD6C-2268-D741-E4C3-8994C57BEB69}"/>
-              </a:ext>
-            </a:extLst>
-          </p:cNvPr>
+          <p:cNvPr id="2" name="Date Placeholder 1"/>
           <p:cNvSpPr>
             <a:spLocks noGrp="1"/>
           </p:cNvSpPr>
@@ -2093,7 +2498,7 @@
           <a:p>
             <a:fld id="{17ED38C7-CC33-4A9A-AE74-C01421608BED}" type="datetimeFigureOut">
               <a:rPr lang="zh-TW" altLang="en-US" smtClean="0"/>
-              <a:t>2026/1/21</a:t>
+              <a:t>2026/1/30</a:t>
             </a:fld>
             <a:endParaRPr lang="zh-TW" altLang="en-US"/>
           </a:p>
@@ -2101,13 +2506,7 @@
       </p:sp>
       <p:sp>
         <p:nvSpPr>
-          <p:cNvPr id="3" name="Footer Placeholder 2">
-            <a:extLst>
-              <a:ext uri="{FF2B5EF4-FFF2-40B4-BE49-F238E27FC236}">
-                <a16:creationId xmlns:a16="http://schemas.microsoft.com/office/drawing/2014/main" id="{7E2FE239-F860-53E8-5A49-D08A6777A402}"/>
-              </a:ext>
-            </a:extLst>
-          </p:cNvPr>
+          <p:cNvPr id="3" name="Footer Placeholder 2"/>
           <p:cNvSpPr>
             <a:spLocks noGrp="1"/>
           </p:cNvSpPr>
@@ -2126,13 +2525,7 @@
       </p:sp>
       <p:sp>
         <p:nvSpPr>
-          <p:cNvPr id="4" name="Slide Number Placeholder 3">
-            <a:extLst>
-              <a:ext uri="{FF2B5EF4-FFF2-40B4-BE49-F238E27FC236}">
-                <a16:creationId xmlns:a16="http://schemas.microsoft.com/office/drawing/2014/main" id="{B2F3E121-3997-1AEF-45CF-076893F8B294}"/>
-              </a:ext>
-            </a:extLst>
-          </p:cNvPr>
+          <p:cNvPr id="4" name="Slide Number Placeholder 3"/>
           <p:cNvSpPr>
             <a:spLocks noGrp="1"/>
           </p:cNvSpPr>
@@ -2156,7 +2549,7 @@
     </p:spTree>
     <p:extLst>
       <p:ext uri="{BB962C8B-B14F-4D97-AF65-F5344CB8AC3E}">
-        <p14:creationId xmlns:p14="http://schemas.microsoft.com/office/powerpoint/2010/main" val="1375227240"/>
+        <p14:creationId xmlns:p14="http://schemas.microsoft.com/office/powerpoint/2010/main" val="4070406412"/>
       </p:ext>
     </p:extLst>
   </p:cSld>
@@ -2168,7 +2561,7 @@
 
 <file path=ppt/slideLayouts/slideLayout8.xml><?xml version="1.0" encoding="utf-8"?>
 <p:sldLayout xmlns:a="http://schemas.openxmlformats.org/drawingml/2006/main" xmlns:r="http://schemas.openxmlformats.org/officeDocument/2006/relationships" xmlns:p="http://schemas.openxmlformats.org/presentationml/2006/main" type="objTx" preserve="1">
-  <p:cSld name="Content with Caption">
+  <p:cSld name="含輔助字幕的內容">
     <p:spTree>
       <p:nvGrpSpPr>
         <p:cNvPr id="1" name=""/>
@@ -2185,13 +2578,7 @@
       </p:grpSpPr>
       <p:sp>
         <p:nvSpPr>
-          <p:cNvPr id="2" name="Title 1">
-            <a:extLst>
-              <a:ext uri="{FF2B5EF4-FFF2-40B4-BE49-F238E27FC236}">
-                <a16:creationId xmlns:a16="http://schemas.microsoft.com/office/drawing/2014/main" id="{DBB4C094-7C90-F18C-3DC3-5ABB6BCEFF76}"/>
-              </a:ext>
-            </a:extLst>
-          </p:cNvPr>
+          <p:cNvPr id="2" name="Title 1"/>
           <p:cNvSpPr>
             <a:spLocks noGrp="1"/>
           </p:cNvSpPr>
@@ -2214,22 +2601,16 @@
           </a:lstStyle>
           <a:p>
             <a:r>
-              <a:rPr lang="en-US" altLang="zh-TW"/>
-              <a:t>Click to edit Master title style</a:t>
-            </a:r>
-            <a:endParaRPr lang="zh-TW" altLang="en-US"/>
-          </a:p>
-        </p:txBody>
-      </p:sp>
-      <p:sp>
-        <p:nvSpPr>
-          <p:cNvPr id="3" name="Content Placeholder 2">
-            <a:extLst>
-              <a:ext uri="{FF2B5EF4-FFF2-40B4-BE49-F238E27FC236}">
-                <a16:creationId xmlns:a16="http://schemas.microsoft.com/office/drawing/2014/main" id="{62F7AE2E-6BD6-BF64-FDF3-D9B2B1986266}"/>
-              </a:ext>
-            </a:extLst>
-          </p:cNvPr>
+              <a:rPr lang="zh-TW" altLang="en-US"/>
+              <a:t>按一下以編輯母片標題樣式</a:t>
+            </a:r>
+            <a:endParaRPr lang="en-US" dirty="0"/>
+          </a:p>
+        </p:txBody>
+      </p:sp>
+      <p:sp>
+        <p:nvSpPr>
+          <p:cNvPr id="3" name="Content Placeholder 2"/>
           <p:cNvSpPr>
             <a:spLocks noGrp="1"/>
           </p:cNvSpPr>
@@ -2277,50 +2658,44 @@
           <a:p>
             <a:pPr lvl="0"/>
             <a:r>
-              <a:rPr lang="en-US" altLang="zh-TW"/>
-              <a:t>Click to edit Master text styles</a:t>
+              <a:rPr lang="zh-TW" altLang="en-US"/>
+              <a:t>按一下以編輯母片文字樣式</a:t>
             </a:r>
           </a:p>
           <a:p>
             <a:pPr lvl="1"/>
             <a:r>
-              <a:rPr lang="en-US" altLang="zh-TW"/>
-              <a:t>Second level</a:t>
+              <a:rPr lang="zh-TW" altLang="en-US"/>
+              <a:t>第二層</a:t>
             </a:r>
           </a:p>
           <a:p>
             <a:pPr lvl="2"/>
             <a:r>
-              <a:rPr lang="en-US" altLang="zh-TW"/>
-              <a:t>Third level</a:t>
+              <a:rPr lang="zh-TW" altLang="en-US"/>
+              <a:t>第三層</a:t>
             </a:r>
           </a:p>
           <a:p>
             <a:pPr lvl="3"/>
             <a:r>
-              <a:rPr lang="en-US" altLang="zh-TW"/>
-              <a:t>Fourth level</a:t>
+              <a:rPr lang="zh-TW" altLang="en-US"/>
+              <a:t>第四層</a:t>
             </a:r>
           </a:p>
           <a:p>
             <a:pPr lvl="4"/>
             <a:r>
-              <a:rPr lang="en-US" altLang="zh-TW"/>
-              <a:t>Fifth level</a:t>
-            </a:r>
-            <a:endParaRPr lang="zh-TW" altLang="en-US"/>
-          </a:p>
-        </p:txBody>
-      </p:sp>
-      <p:sp>
-        <p:nvSpPr>
-          <p:cNvPr id="4" name="Text Placeholder 3">
-            <a:extLst>
-              <a:ext uri="{FF2B5EF4-FFF2-40B4-BE49-F238E27FC236}">
-                <a16:creationId xmlns:a16="http://schemas.microsoft.com/office/drawing/2014/main" id="{C6F19E02-B24E-9081-DAF1-0DEAF7D6A365}"/>
-              </a:ext>
-            </a:extLst>
-          </p:cNvPr>
+              <a:rPr lang="zh-TW" altLang="en-US"/>
+              <a:t>第五層</a:t>
+            </a:r>
+            <a:endParaRPr lang="en-US" dirty="0"/>
+          </a:p>
+        </p:txBody>
+      </p:sp>
+      <p:sp>
+        <p:nvSpPr>
+          <p:cNvPr id="4" name="Text Placeholder 3"/>
           <p:cNvSpPr>
             <a:spLocks noGrp="1"/>
           </p:cNvSpPr>
@@ -2377,21 +2752,15 @@
           <a:p>
             <a:pPr lvl="0"/>
             <a:r>
-              <a:rPr lang="en-US" altLang="zh-TW"/>
-              <a:t>Click to edit Master text styles</a:t>
-            </a:r>
-          </a:p>
-        </p:txBody>
-      </p:sp>
-      <p:sp>
-        <p:nvSpPr>
-          <p:cNvPr id="5" name="Date Placeholder 4">
-            <a:extLst>
-              <a:ext uri="{FF2B5EF4-FFF2-40B4-BE49-F238E27FC236}">
-                <a16:creationId xmlns:a16="http://schemas.microsoft.com/office/drawing/2014/main" id="{39F58EF5-E311-A74E-9E83-D5207F9F5F80}"/>
-              </a:ext>
-            </a:extLst>
-          </p:cNvPr>
+              <a:rPr lang="zh-TW" altLang="en-US"/>
+              <a:t>按一下以編輯母片文字樣式</a:t>
+            </a:r>
+          </a:p>
+        </p:txBody>
+      </p:sp>
+      <p:sp>
+        <p:nvSpPr>
+          <p:cNvPr id="5" name="Date Placeholder 4"/>
           <p:cNvSpPr>
             <a:spLocks noGrp="1"/>
           </p:cNvSpPr>
@@ -2406,7 +2775,7 @@
           <a:p>
             <a:fld id="{17ED38C7-CC33-4A9A-AE74-C01421608BED}" type="datetimeFigureOut">
               <a:rPr lang="zh-TW" altLang="en-US" smtClean="0"/>
-              <a:t>2026/1/21</a:t>
+              <a:t>2026/1/30</a:t>
             </a:fld>
             <a:endParaRPr lang="zh-TW" altLang="en-US"/>
           </a:p>
@@ -2414,13 +2783,7 @@
       </p:sp>
       <p:sp>
         <p:nvSpPr>
-          <p:cNvPr id="6" name="Footer Placeholder 5">
-            <a:extLst>
-              <a:ext uri="{FF2B5EF4-FFF2-40B4-BE49-F238E27FC236}">
-                <a16:creationId xmlns:a16="http://schemas.microsoft.com/office/drawing/2014/main" id="{9C11108D-9E29-3FFD-DF6C-83CF7ECB9DBA}"/>
-              </a:ext>
-            </a:extLst>
-          </p:cNvPr>
+          <p:cNvPr id="6" name="Footer Placeholder 5"/>
           <p:cNvSpPr>
             <a:spLocks noGrp="1"/>
           </p:cNvSpPr>
@@ -2439,13 +2802,7 @@
       </p:sp>
       <p:sp>
         <p:nvSpPr>
-          <p:cNvPr id="7" name="Slide Number Placeholder 6">
-            <a:extLst>
-              <a:ext uri="{FF2B5EF4-FFF2-40B4-BE49-F238E27FC236}">
-                <a16:creationId xmlns:a16="http://schemas.microsoft.com/office/drawing/2014/main" id="{DD8535F3-C9D0-942C-DF79-FBCA8E32E075}"/>
-              </a:ext>
-            </a:extLst>
-          </p:cNvPr>
+          <p:cNvPr id="7" name="Slide Number Placeholder 6"/>
           <p:cNvSpPr>
             <a:spLocks noGrp="1"/>
           </p:cNvSpPr>
@@ -2469,7 +2826,7 @@
     </p:spTree>
     <p:extLst>
       <p:ext uri="{BB962C8B-B14F-4D97-AF65-F5344CB8AC3E}">
-        <p14:creationId xmlns:p14="http://schemas.microsoft.com/office/powerpoint/2010/main" val="2183521901"/>
+        <p14:creationId xmlns:p14="http://schemas.microsoft.com/office/powerpoint/2010/main" val="4066030044"/>
       </p:ext>
     </p:extLst>
   </p:cSld>
@@ -2481,7 +2838,7 @@
 
 <file path=ppt/slideLayouts/slideLayout9.xml><?xml version="1.0" encoding="utf-8"?>
 <p:sldLayout xmlns:a="http://schemas.openxmlformats.org/drawingml/2006/main" xmlns:r="http://schemas.openxmlformats.org/officeDocument/2006/relationships" xmlns:p="http://schemas.openxmlformats.org/presentationml/2006/main" type="picTx" preserve="1">
-  <p:cSld name="Picture with Caption">
+  <p:cSld name="含輔助字幕的圖片">
     <p:spTree>
       <p:nvGrpSpPr>
         <p:cNvPr id="1" name=""/>
@@ -2498,13 +2855,7 @@
       </p:grpSpPr>
       <p:sp>
         <p:nvSpPr>
-          <p:cNvPr id="2" name="Title 1">
-            <a:extLst>
-              <a:ext uri="{FF2B5EF4-FFF2-40B4-BE49-F238E27FC236}">
-                <a16:creationId xmlns:a16="http://schemas.microsoft.com/office/drawing/2014/main" id="{10397C8D-D1A6-4220-BC91-4BD080124ECD}"/>
-              </a:ext>
-            </a:extLst>
-          </p:cNvPr>
+          <p:cNvPr id="2" name="Title 1"/>
           <p:cNvSpPr>
             <a:spLocks noGrp="1"/>
           </p:cNvSpPr>
@@ -2527,24 +2878,18 @@
           </a:lstStyle>
           <a:p>
             <a:r>
-              <a:rPr lang="en-US" altLang="zh-TW"/>
-              <a:t>Click to edit Master title style</a:t>
-            </a:r>
-            <a:endParaRPr lang="zh-TW" altLang="en-US"/>
-          </a:p>
-        </p:txBody>
-      </p:sp>
-      <p:sp>
-        <p:nvSpPr>
-          <p:cNvPr id="3" name="Picture Placeholder 2">
-            <a:extLst>
-              <a:ext uri="{FF2B5EF4-FFF2-40B4-BE49-F238E27FC236}">
-                <a16:creationId xmlns:a16="http://schemas.microsoft.com/office/drawing/2014/main" id="{99965828-AA2F-F9F1-5F5E-FC694661C5EB}"/>
-              </a:ext>
-            </a:extLst>
-          </p:cNvPr>
+              <a:rPr lang="zh-TW" altLang="en-US"/>
+              <a:t>按一下以編輯母片標題樣式</a:t>
+            </a:r>
+            <a:endParaRPr lang="en-US" dirty="0"/>
+          </a:p>
+        </p:txBody>
+      </p:sp>
+      <p:sp>
+        <p:nvSpPr>
+          <p:cNvPr id="3" name="Picture Placeholder 2"/>
           <p:cNvSpPr>
-            <a:spLocks noGrp="1"/>
+            <a:spLocks noGrp="1" noChangeAspect="1"/>
           </p:cNvSpPr>
           <p:nvPr>
             <p:ph type="pic" idx="1"/>
@@ -2557,7 +2902,7 @@
           </a:xfrm>
         </p:spPr>
         <p:txBody>
-          <a:bodyPr/>
+          <a:bodyPr anchor="t"/>
           <a:lstStyle>
             <a:lvl1pPr marL="0" indent="0">
               <a:buNone/>
@@ -2597,19 +2942,17 @@
             </a:lvl9pPr>
           </a:lstStyle>
           <a:p>
-            <a:endParaRPr lang="zh-TW" altLang="en-US"/>
-          </a:p>
-        </p:txBody>
-      </p:sp>
-      <p:sp>
-        <p:nvSpPr>
-          <p:cNvPr id="4" name="Text Placeholder 3">
-            <a:extLst>
-              <a:ext uri="{FF2B5EF4-FFF2-40B4-BE49-F238E27FC236}">
-                <a16:creationId xmlns:a16="http://schemas.microsoft.com/office/drawing/2014/main" id="{A42E6BC6-0687-5BD4-6FB7-158A16E14374}"/>
-              </a:ext>
-            </a:extLst>
-          </p:cNvPr>
+            <a:r>
+              <a:rPr lang="zh-TW" altLang="en-US"/>
+              <a:t>按一下圖示以新增圖片</a:t>
+            </a:r>
+            <a:endParaRPr lang="en-US" dirty="0"/>
+          </a:p>
+        </p:txBody>
+      </p:sp>
+      <p:sp>
+        <p:nvSpPr>
+          <p:cNvPr id="4" name="Text Placeholder 3"/>
           <p:cNvSpPr>
             <a:spLocks noGrp="1"/>
           </p:cNvSpPr>
@@ -2666,21 +3009,15 @@
           <a:p>
             <a:pPr lvl="0"/>
             <a:r>
-              <a:rPr lang="en-US" altLang="zh-TW"/>
-              <a:t>Click to edit Master text styles</a:t>
-            </a:r>
-          </a:p>
-        </p:txBody>
-      </p:sp>
-      <p:sp>
-        <p:nvSpPr>
-          <p:cNvPr id="5" name="Date Placeholder 4">
-            <a:extLst>
-              <a:ext uri="{FF2B5EF4-FFF2-40B4-BE49-F238E27FC236}">
-                <a16:creationId xmlns:a16="http://schemas.microsoft.com/office/drawing/2014/main" id="{6D256DC3-4EC5-837F-5807-3360116EAE98}"/>
-              </a:ext>
-            </a:extLst>
-          </p:cNvPr>
+              <a:rPr lang="zh-TW" altLang="en-US"/>
+              <a:t>按一下以編輯母片文字樣式</a:t>
+            </a:r>
+          </a:p>
+        </p:txBody>
+      </p:sp>
+      <p:sp>
+        <p:nvSpPr>
+          <p:cNvPr id="5" name="Date Placeholder 4"/>
           <p:cNvSpPr>
             <a:spLocks noGrp="1"/>
           </p:cNvSpPr>
@@ -2695,7 +3032,7 @@
           <a:p>
             <a:fld id="{17ED38C7-CC33-4A9A-AE74-C01421608BED}" type="datetimeFigureOut">
               <a:rPr lang="zh-TW" altLang="en-US" smtClean="0"/>
-              <a:t>2026/1/21</a:t>
+              <a:t>2026/1/30</a:t>
             </a:fld>
             <a:endParaRPr lang="zh-TW" altLang="en-US"/>
           </a:p>
@@ -2703,13 +3040,7 @@
       </p:sp>
       <p:sp>
         <p:nvSpPr>
-          <p:cNvPr id="6" name="Footer Placeholder 5">
-            <a:extLst>
-              <a:ext uri="{FF2B5EF4-FFF2-40B4-BE49-F238E27FC236}">
-                <a16:creationId xmlns:a16="http://schemas.microsoft.com/office/drawing/2014/main" id="{401C7950-CBB0-EC4D-438B-20F06A8ABD40}"/>
-              </a:ext>
-            </a:extLst>
-          </p:cNvPr>
+          <p:cNvPr id="6" name="Footer Placeholder 5"/>
           <p:cNvSpPr>
             <a:spLocks noGrp="1"/>
           </p:cNvSpPr>
@@ -2728,13 +3059,7 @@
       </p:sp>
       <p:sp>
         <p:nvSpPr>
-          <p:cNvPr id="7" name="Slide Number Placeholder 6">
-            <a:extLst>
-              <a:ext uri="{FF2B5EF4-FFF2-40B4-BE49-F238E27FC236}">
-                <a16:creationId xmlns:a16="http://schemas.microsoft.com/office/drawing/2014/main" id="{34007CB7-5CDB-34C2-2059-8E8433AC2724}"/>
-              </a:ext>
-            </a:extLst>
-          </p:cNvPr>
+          <p:cNvPr id="7" name="Slide Number Placeholder 6"/>
           <p:cNvSpPr>
             <a:spLocks noGrp="1"/>
           </p:cNvSpPr>
@@ -2758,7 +3083,7 @@
     </p:spTree>
     <p:extLst>
       <p:ext uri="{BB962C8B-B14F-4D97-AF65-F5344CB8AC3E}">
-        <p14:creationId xmlns:p14="http://schemas.microsoft.com/office/powerpoint/2010/main" val="2851396266"/>
+        <p14:creationId xmlns:p14="http://schemas.microsoft.com/office/powerpoint/2010/main" val="3462320468"/>
       </p:ext>
     </p:extLst>
   </p:cSld>
@@ -2792,13 +3117,7 @@
       </p:grpSpPr>
       <p:sp>
         <p:nvSpPr>
-          <p:cNvPr id="2" name="Title Placeholder 1">
-            <a:extLst>
-              <a:ext uri="{FF2B5EF4-FFF2-40B4-BE49-F238E27FC236}">
-                <a16:creationId xmlns:a16="http://schemas.microsoft.com/office/drawing/2014/main" id="{D4149B37-C754-B2DA-444D-060ECDC146B8}"/>
-              </a:ext>
-            </a:extLst>
-          </p:cNvPr>
+          <p:cNvPr id="2" name="Title Placeholder 1"/>
           <p:cNvSpPr>
             <a:spLocks noGrp="1"/>
           </p:cNvSpPr>
@@ -2822,22 +3141,16 @@
           <a:lstStyle/>
           <a:p>
             <a:r>
-              <a:rPr lang="en-US" altLang="zh-TW"/>
-              <a:t>Click to edit Master title style</a:t>
-            </a:r>
-            <a:endParaRPr lang="zh-TW" altLang="en-US"/>
-          </a:p>
-        </p:txBody>
-      </p:sp>
-      <p:sp>
-        <p:nvSpPr>
-          <p:cNvPr id="3" name="Text Placeholder 2">
-            <a:extLst>
-              <a:ext uri="{FF2B5EF4-FFF2-40B4-BE49-F238E27FC236}">
-                <a16:creationId xmlns:a16="http://schemas.microsoft.com/office/drawing/2014/main" id="{A3BBEF49-2607-4E81-A6E8-FCF008F563FF}"/>
-              </a:ext>
-            </a:extLst>
-          </p:cNvPr>
+              <a:rPr lang="zh-TW" altLang="en-US"/>
+              <a:t>按一下以編輯母片標題樣式</a:t>
+            </a:r>
+            <a:endParaRPr lang="en-US" dirty="0"/>
+          </a:p>
+        </p:txBody>
+      </p:sp>
+      <p:sp>
+        <p:nvSpPr>
+          <p:cNvPr id="3" name="Text Placeholder 2"/>
           <p:cNvSpPr>
             <a:spLocks noGrp="1"/>
           </p:cNvSpPr>
@@ -2862,50 +3175,44 @@
           <a:p>
             <a:pPr lvl="0"/>
             <a:r>
-              <a:rPr lang="en-US" altLang="zh-TW"/>
-              <a:t>Click to edit Master text styles</a:t>
+              <a:rPr lang="zh-TW" altLang="en-US"/>
+              <a:t>按一下以編輯母片文字樣式</a:t>
             </a:r>
           </a:p>
           <a:p>
             <a:pPr lvl="1"/>
             <a:r>
-              <a:rPr lang="en-US" altLang="zh-TW"/>
-              <a:t>Second level</a:t>
+              <a:rPr lang="zh-TW" altLang="en-US"/>
+              <a:t>第二層</a:t>
             </a:r>
           </a:p>
           <a:p>
             <a:pPr lvl="2"/>
             <a:r>
-              <a:rPr lang="en-US" altLang="zh-TW"/>
-              <a:t>Third level</a:t>
+              <a:rPr lang="zh-TW" altLang="en-US"/>
+              <a:t>第三層</a:t>
             </a:r>
           </a:p>
           <a:p>
             <a:pPr lvl="3"/>
             <a:r>
-              <a:rPr lang="en-US" altLang="zh-TW"/>
-              <a:t>Fourth level</a:t>
+              <a:rPr lang="zh-TW" altLang="en-US"/>
+              <a:t>第四層</a:t>
             </a:r>
           </a:p>
           <a:p>
             <a:pPr lvl="4"/>
             <a:r>
-              <a:rPr lang="en-US" altLang="zh-TW"/>
-              <a:t>Fifth level</a:t>
-            </a:r>
-            <a:endParaRPr lang="zh-TW" altLang="en-US"/>
-          </a:p>
-        </p:txBody>
-      </p:sp>
-      <p:sp>
-        <p:nvSpPr>
-          <p:cNvPr id="4" name="Date Placeholder 3">
-            <a:extLst>
-              <a:ext uri="{FF2B5EF4-FFF2-40B4-BE49-F238E27FC236}">
-                <a16:creationId xmlns:a16="http://schemas.microsoft.com/office/drawing/2014/main" id="{439470F4-B544-7195-8A53-B1210F9FC8D6}"/>
-              </a:ext>
-            </a:extLst>
-          </p:cNvPr>
+              <a:rPr lang="zh-TW" altLang="en-US"/>
+              <a:t>第五層</a:t>
+            </a:r>
+            <a:endParaRPr lang="en-US" dirty="0"/>
+          </a:p>
+        </p:txBody>
+      </p:sp>
+      <p:sp>
+        <p:nvSpPr>
+          <p:cNvPr id="4" name="Date Placeholder 3"/>
           <p:cNvSpPr>
             <a:spLocks noGrp="1"/>
           </p:cNvSpPr>
@@ -2938,7 +3245,7 @@
           <a:p>
             <a:fld id="{17ED38C7-CC33-4A9A-AE74-C01421608BED}" type="datetimeFigureOut">
               <a:rPr lang="zh-TW" altLang="en-US" smtClean="0"/>
-              <a:t>2026/1/21</a:t>
+              <a:t>2026/1/30</a:t>
             </a:fld>
             <a:endParaRPr lang="zh-TW" altLang="en-US"/>
           </a:p>
@@ -2946,13 +3253,7 @@
       </p:sp>
       <p:sp>
         <p:nvSpPr>
-          <p:cNvPr id="5" name="Footer Placeholder 4">
-            <a:extLst>
-              <a:ext uri="{FF2B5EF4-FFF2-40B4-BE49-F238E27FC236}">
-                <a16:creationId xmlns:a16="http://schemas.microsoft.com/office/drawing/2014/main" id="{EB3B4A0B-3C7F-65F6-36FA-49BCBFA4A594}"/>
-              </a:ext>
-            </a:extLst>
-          </p:cNvPr>
+          <p:cNvPr id="5" name="Footer Placeholder 4"/>
           <p:cNvSpPr>
             <a:spLocks noGrp="1"/>
           </p:cNvSpPr>
@@ -2989,13 +3290,7 @@
       </p:sp>
       <p:sp>
         <p:nvSpPr>
-          <p:cNvPr id="6" name="Slide Number Placeholder 5">
-            <a:extLst>
-              <a:ext uri="{FF2B5EF4-FFF2-40B4-BE49-F238E27FC236}">
-                <a16:creationId xmlns:a16="http://schemas.microsoft.com/office/drawing/2014/main" id="{6E5437F8-B49B-4017-7DF7-B97148DF22CE}"/>
-              </a:ext>
-            </a:extLst>
-          </p:cNvPr>
+          <p:cNvPr id="6" name="Slide Number Placeholder 5"/>
           <p:cNvSpPr>
             <a:spLocks noGrp="1"/>
           </p:cNvSpPr>
@@ -3037,23 +3332,23 @@
     </p:spTree>
     <p:extLst>
       <p:ext uri="{BB962C8B-B14F-4D97-AF65-F5344CB8AC3E}">
-        <p14:creationId xmlns:p14="http://schemas.microsoft.com/office/powerpoint/2010/main" val="2020043397"/>
+        <p14:creationId xmlns:p14="http://schemas.microsoft.com/office/powerpoint/2010/main" val="3189831421"/>
       </p:ext>
     </p:extLst>
   </p:cSld>
   <p:clrMap bg1="lt1" tx1="dk1" bg2="lt2" tx2="dk2" accent1="accent1" accent2="accent2" accent3="accent3" accent4="accent4" accent5="accent5" accent6="accent6" hlink="hlink" folHlink="folHlink"/>
   <p:sldLayoutIdLst>
-    <p:sldLayoutId id="2147483649" r:id="rId1"/>
-    <p:sldLayoutId id="2147483650" r:id="rId2"/>
-    <p:sldLayoutId id="2147483651" r:id="rId3"/>
-    <p:sldLayoutId id="2147483652" r:id="rId4"/>
-    <p:sldLayoutId id="2147483653" r:id="rId5"/>
-    <p:sldLayoutId id="2147483654" r:id="rId6"/>
-    <p:sldLayoutId id="2147483655" r:id="rId7"/>
-    <p:sldLayoutId id="2147483656" r:id="rId8"/>
-    <p:sldLayoutId id="2147483657" r:id="rId9"/>
-    <p:sldLayoutId id="2147483658" r:id="rId10"/>
-    <p:sldLayoutId id="2147483659" r:id="rId11"/>
+    <p:sldLayoutId id="2147483673" r:id="rId1"/>
+    <p:sldLayoutId id="2147483674" r:id="rId2"/>
+    <p:sldLayoutId id="2147483675" r:id="rId3"/>
+    <p:sldLayoutId id="2147483676" r:id="rId4"/>
+    <p:sldLayoutId id="2147483677" r:id="rId5"/>
+    <p:sldLayoutId id="2147483678" r:id="rId6"/>
+    <p:sldLayoutId id="2147483679" r:id="rId7"/>
+    <p:sldLayoutId id="2147483680" r:id="rId8"/>
+    <p:sldLayoutId id="2147483681" r:id="rId9"/>
+    <p:sldLayoutId id="2147483682" r:id="rId10"/>
+    <p:sldLayoutId id="2147483683" r:id="rId11"/>
   </p:sldLayoutIdLst>
   <p:txStyles>
     <p:titleStyle>
@@ -3241,7 +3536,7 @@
     </p:bodyStyle>
     <p:otherStyle>
       <a:defPPr>
-        <a:defRPr lang="zh-TW"/>
+        <a:defRPr lang="en-US"/>
       </a:defPPr>
       <a:lvl1pPr marL="0" algn="l" defTabSz="914400" rtl="0" eaLnBrk="1" latinLnBrk="0" hangingPunct="1">
         <a:defRPr sz="1800" kern="1200">
@@ -3424,6 +3719,1521 @@
 <file path=ppt/slides/slide10.xml><?xml version="1.0" encoding="utf-8"?>
 <p:sld xmlns:a="http://schemas.openxmlformats.org/drawingml/2006/main" xmlns:r="http://schemas.openxmlformats.org/officeDocument/2006/relationships" xmlns:p="http://schemas.openxmlformats.org/presentationml/2006/main">
   <p:cSld>
+    <p:bg>
+      <p:bgPr>
+        <a:solidFill>
+          <a:srgbClr val="FFC000"/>
+        </a:solidFill>
+        <a:effectLst/>
+      </p:bgPr>
+    </p:bg>
+    <p:spTree>
+      <p:nvGrpSpPr>
+        <p:cNvPr id="1" name="">
+          <a:extLst>
+            <a:ext uri="{FF2B5EF4-FFF2-40B4-BE49-F238E27FC236}">
+              <a16:creationId xmlns:a16="http://schemas.microsoft.com/office/drawing/2014/main" id="{8F2091B7-D08F-52C2-3053-551161D60217}"/>
+            </a:ext>
+          </a:extLst>
+        </p:cNvPr>
+        <p:cNvGrpSpPr/>
+        <p:nvPr/>
+      </p:nvGrpSpPr>
+      <p:grpSpPr>
+        <a:xfrm>
+          <a:off x="0" y="0"/>
+          <a:ext cx="0" cy="0"/>
+          <a:chOff x="0" y="0"/>
+          <a:chExt cx="0" cy="0"/>
+        </a:xfrm>
+      </p:grpSpPr>
+      <p:sp>
+        <p:nvSpPr>
+          <p:cNvPr id="2" name="標題 1">
+            <a:extLst>
+              <a:ext uri="{FF2B5EF4-FFF2-40B4-BE49-F238E27FC236}">
+                <a16:creationId xmlns:a16="http://schemas.microsoft.com/office/drawing/2014/main" id="{2F1128FF-0439-DFB6-E8B6-D6B00E7109AA}"/>
+              </a:ext>
+            </a:extLst>
+          </p:cNvPr>
+          <p:cNvSpPr>
+            <a:spLocks noGrp="1"/>
+          </p:cNvSpPr>
+          <p:nvPr>
+            <p:ph type="title"/>
+          </p:nvPr>
+        </p:nvSpPr>
+        <p:spPr/>
+        <p:txBody>
+          <a:bodyPr/>
+          <a:lstStyle/>
+          <a:p>
+            <a:r>
+              <a:rPr lang="en-US" altLang="zh-TW" dirty="0">
+                <a:solidFill>
+                  <a:schemeClr val="bg1"/>
+                </a:solidFill>
+              </a:rPr>
+              <a:t>AM</a:t>
+            </a:r>
+            <a:endParaRPr lang="zh-TW" altLang="en-US" dirty="0">
+              <a:solidFill>
+                <a:schemeClr val="bg1"/>
+              </a:solidFill>
+            </a:endParaRPr>
+          </a:p>
+        </p:txBody>
+      </p:sp>
+      <p:sp>
+        <p:nvSpPr>
+          <p:cNvPr id="3" name="文字版面配置區 2">
+            <a:extLst>
+              <a:ext uri="{FF2B5EF4-FFF2-40B4-BE49-F238E27FC236}">
+                <a16:creationId xmlns:a16="http://schemas.microsoft.com/office/drawing/2014/main" id="{FCAB4BEE-1CAE-33C9-9BD8-304270274B25}"/>
+              </a:ext>
+            </a:extLst>
+          </p:cNvPr>
+          <p:cNvSpPr>
+            <a:spLocks noGrp="1"/>
+          </p:cNvSpPr>
+          <p:nvPr>
+            <p:ph type="body" idx="1"/>
+          </p:nvPr>
+        </p:nvSpPr>
+        <p:spPr/>
+        <p:txBody>
+          <a:bodyPr/>
+          <a:lstStyle/>
+          <a:p>
+            <a:endParaRPr lang="zh-TW" altLang="en-US"/>
+          </a:p>
+        </p:txBody>
+      </p:sp>
+    </p:spTree>
+    <p:extLst>
+      <p:ext uri="{BB962C8B-B14F-4D97-AF65-F5344CB8AC3E}">
+        <p14:creationId xmlns:p14="http://schemas.microsoft.com/office/powerpoint/2010/main" val="410527569"/>
+      </p:ext>
+    </p:extLst>
+  </p:cSld>
+  <p:clrMapOvr>
+    <a:masterClrMapping/>
+  </p:clrMapOvr>
+</p:sld>
+</file>
+
+<file path=ppt/slides/slide11.xml><?xml version="1.0" encoding="utf-8"?>
+<p:sld xmlns:a="http://schemas.openxmlformats.org/drawingml/2006/main" xmlns:r="http://schemas.openxmlformats.org/officeDocument/2006/relationships" xmlns:p="http://schemas.openxmlformats.org/presentationml/2006/main">
+  <p:cSld>
+    <p:spTree>
+      <p:nvGrpSpPr>
+        <p:cNvPr id="1" name="">
+          <a:extLst>
+            <a:ext uri="{FF2B5EF4-FFF2-40B4-BE49-F238E27FC236}">
+              <a16:creationId xmlns:a16="http://schemas.microsoft.com/office/drawing/2014/main" id="{207FBE3F-F781-91E4-A82B-B49C7C81B3BB}"/>
+            </a:ext>
+          </a:extLst>
+        </p:cNvPr>
+        <p:cNvGrpSpPr/>
+        <p:nvPr/>
+      </p:nvGrpSpPr>
+      <p:grpSpPr>
+        <a:xfrm>
+          <a:off x="0" y="0"/>
+          <a:ext cx="0" cy="0"/>
+          <a:chOff x="0" y="0"/>
+          <a:chExt cx="0" cy="0"/>
+        </a:xfrm>
+      </p:grpSpPr>
+      <p:sp>
+        <p:nvSpPr>
+          <p:cNvPr id="2" name="TextBox 1">
+            <a:extLst>
+              <a:ext uri="{FF2B5EF4-FFF2-40B4-BE49-F238E27FC236}">
+                <a16:creationId xmlns:a16="http://schemas.microsoft.com/office/drawing/2014/main" id="{83CF2076-D7E4-121F-ED08-4A7D15E4E261}"/>
+              </a:ext>
+            </a:extLst>
+          </p:cNvPr>
+          <p:cNvSpPr txBox="1"/>
+          <p:nvPr/>
+        </p:nvSpPr>
+        <p:spPr>
+          <a:xfrm>
+            <a:off x="889000" y="702734"/>
+            <a:ext cx="3471244" cy="830997"/>
+          </a:xfrm>
+          <a:prstGeom prst="rect">
+            <a:avLst/>
+          </a:prstGeom>
+          <a:noFill/>
+        </p:spPr>
+        <p:txBody>
+          <a:bodyPr wrap="square" rtlCol="0">
+            <a:spAutoFit/>
+          </a:bodyPr>
+          <a:lstStyle/>
+          <a:p>
+            <a:r>
+              <a:rPr lang="en-US" altLang="zh-TW" sz="4800" dirty="0"/>
+              <a:t>AM - graph</a:t>
+            </a:r>
+            <a:endParaRPr lang="zh-TW" altLang="en-US" sz="4800" dirty="0"/>
+          </a:p>
+        </p:txBody>
+      </p:sp>
+      <p:sp>
+        <p:nvSpPr>
+          <p:cNvPr id="3" name="TextBox 2">
+            <a:extLst>
+              <a:ext uri="{FF2B5EF4-FFF2-40B4-BE49-F238E27FC236}">
+                <a16:creationId xmlns:a16="http://schemas.microsoft.com/office/drawing/2014/main" id="{3F499FC3-D207-6041-8517-05A640E37618}"/>
+              </a:ext>
+            </a:extLst>
+          </p:cNvPr>
+          <p:cNvSpPr txBox="1"/>
+          <p:nvPr/>
+        </p:nvSpPr>
+        <p:spPr>
+          <a:xfrm>
+            <a:off x="889000" y="1595021"/>
+            <a:ext cx="9238381" cy="3416320"/>
+          </a:xfrm>
+          <a:prstGeom prst="rect">
+            <a:avLst/>
+          </a:prstGeom>
+          <a:noFill/>
+        </p:spPr>
+        <p:txBody>
+          <a:bodyPr wrap="square" rtlCol="0">
+            <a:spAutoFit/>
+          </a:bodyPr>
+          <a:lstStyle/>
+          <a:p>
+            <a:pPr marL="457200" indent="-457200">
+              <a:buAutoNum type="arabicPeriod"/>
+            </a:pPr>
+            <a:r>
+              <a:rPr lang="en-US" altLang="zh-TW" sz="2400" dirty="0"/>
+              <a:t>MST(Minimum Spanning Tree)</a:t>
+            </a:r>
+          </a:p>
+          <a:p>
+            <a:pPr marL="457200" indent="-457200">
+              <a:buAutoNum type="arabicPeriod"/>
+            </a:pPr>
+            <a:r>
+              <a:rPr lang="en-US" altLang="zh-TW" sz="2400" dirty="0"/>
+              <a:t>Shortest Path Problem</a:t>
+            </a:r>
+          </a:p>
+          <a:p>
+            <a:pPr marL="457200" indent="-457200">
+              <a:buAutoNum type="arabicPeriod"/>
+            </a:pPr>
+            <a:r>
+              <a:rPr lang="en-US" altLang="zh-TW" sz="2400" dirty="0"/>
+              <a:t>Max flow problem</a:t>
+            </a:r>
+          </a:p>
+          <a:p>
+            <a:pPr marL="457200" indent="-457200">
+              <a:buAutoNum type="arabicPeriod"/>
+            </a:pPr>
+            <a:r>
+              <a:rPr lang="en-US" altLang="zh-TW" sz="2400" dirty="0"/>
+              <a:t> </a:t>
+            </a:r>
+          </a:p>
+          <a:p>
+            <a:pPr marL="1371600" lvl="2" indent="-457200">
+              <a:buAutoNum type="arabicPeriod"/>
+            </a:pPr>
+            <a:endParaRPr lang="en-US" altLang="zh-TW" sz="2400" dirty="0"/>
+          </a:p>
+          <a:p>
+            <a:pPr marL="914400" lvl="1" indent="-457200">
+              <a:buAutoNum type="arabicPeriod"/>
+            </a:pPr>
+            <a:endParaRPr lang="en-US" altLang="zh-TW" sz="2400" dirty="0"/>
+          </a:p>
+          <a:p>
+            <a:pPr marL="1371600" lvl="2" indent="-457200">
+              <a:buAutoNum type="arabicPeriod"/>
+            </a:pPr>
+            <a:endParaRPr lang="en-US" altLang="zh-TW" sz="2400" dirty="0"/>
+          </a:p>
+          <a:p>
+            <a:pPr marL="1371600" lvl="2" indent="-457200">
+              <a:buAutoNum type="arabicPeriod"/>
+            </a:pPr>
+            <a:endParaRPr lang="en-US" altLang="zh-TW" sz="2400" b="0" dirty="0"/>
+          </a:p>
+          <a:p>
+            <a:pPr marL="1371600" lvl="2" indent="-457200">
+              <a:buAutoNum type="arabicPeriod"/>
+            </a:pPr>
+            <a:endParaRPr lang="zh-TW" altLang="en-US" sz="2400" dirty="0"/>
+          </a:p>
+        </p:txBody>
+      </p:sp>
+    </p:spTree>
+    <p:extLst>
+      <p:ext uri="{BB962C8B-B14F-4D97-AF65-F5344CB8AC3E}">
+        <p14:creationId xmlns:p14="http://schemas.microsoft.com/office/powerpoint/2010/main" val="2390224448"/>
+      </p:ext>
+    </p:extLst>
+  </p:cSld>
+  <p:clrMapOvr>
+    <a:masterClrMapping/>
+  </p:clrMapOvr>
+</p:sld>
+</file>
+
+<file path=ppt/slides/slide12.xml><?xml version="1.0" encoding="utf-8"?>
+<p:sld xmlns:a="http://schemas.openxmlformats.org/drawingml/2006/main" xmlns:r="http://schemas.openxmlformats.org/officeDocument/2006/relationships" xmlns:p="http://schemas.openxmlformats.org/presentationml/2006/main">
+  <p:cSld>
+    <p:spTree>
+      <p:nvGrpSpPr>
+        <p:cNvPr id="1" name="">
+          <a:extLst>
+            <a:ext uri="{FF2B5EF4-FFF2-40B4-BE49-F238E27FC236}">
+              <a16:creationId xmlns:a16="http://schemas.microsoft.com/office/drawing/2014/main" id="{DAAD0A7C-8E96-38C7-A648-F405B3A96D9C}"/>
+            </a:ext>
+          </a:extLst>
+        </p:cNvPr>
+        <p:cNvGrpSpPr/>
+        <p:nvPr/>
+      </p:nvGrpSpPr>
+      <p:grpSpPr>
+        <a:xfrm>
+          <a:off x="0" y="0"/>
+          <a:ext cx="0" cy="0"/>
+          <a:chOff x="0" y="0"/>
+          <a:chExt cx="0" cy="0"/>
+        </a:xfrm>
+      </p:grpSpPr>
+      <p:sp>
+        <p:nvSpPr>
+          <p:cNvPr id="2" name="TextBox 1">
+            <a:extLst>
+              <a:ext uri="{FF2B5EF4-FFF2-40B4-BE49-F238E27FC236}">
+                <a16:creationId xmlns:a16="http://schemas.microsoft.com/office/drawing/2014/main" id="{1D6F7A4B-11B9-54C7-2A11-AB4043EE36B1}"/>
+              </a:ext>
+            </a:extLst>
+          </p:cNvPr>
+          <p:cNvSpPr txBox="1"/>
+          <p:nvPr/>
+        </p:nvSpPr>
+        <p:spPr>
+          <a:xfrm>
+            <a:off x="889000" y="702734"/>
+            <a:ext cx="5207000" cy="830997"/>
+          </a:xfrm>
+          <a:prstGeom prst="rect">
+            <a:avLst/>
+          </a:prstGeom>
+          <a:noFill/>
+        </p:spPr>
+        <p:txBody>
+          <a:bodyPr wrap="square" rtlCol="0">
+            <a:spAutoFit/>
+          </a:bodyPr>
+          <a:lstStyle/>
+          <a:p>
+            <a:r>
+              <a:rPr lang="en-US" altLang="zh-TW" sz="4800" dirty="0"/>
+              <a:t>AM – NP hardness</a:t>
+            </a:r>
+            <a:endParaRPr lang="zh-TW" altLang="en-US" sz="4800" dirty="0"/>
+          </a:p>
+        </p:txBody>
+      </p:sp>
+      <p:sp>
+        <p:nvSpPr>
+          <p:cNvPr id="3" name="TextBox 2">
+            <a:extLst>
+              <a:ext uri="{FF2B5EF4-FFF2-40B4-BE49-F238E27FC236}">
+                <a16:creationId xmlns:a16="http://schemas.microsoft.com/office/drawing/2014/main" id="{334D3564-369C-09DA-2124-5BBBA111D6B2}"/>
+              </a:ext>
+            </a:extLst>
+          </p:cNvPr>
+          <p:cNvSpPr txBox="1"/>
+          <p:nvPr/>
+        </p:nvSpPr>
+        <p:spPr>
+          <a:xfrm>
+            <a:off x="889000" y="1595021"/>
+            <a:ext cx="9238381" cy="3416320"/>
+          </a:xfrm>
+          <a:prstGeom prst="rect">
+            <a:avLst/>
+          </a:prstGeom>
+          <a:noFill/>
+        </p:spPr>
+        <p:txBody>
+          <a:bodyPr wrap="square" rtlCol="0">
+            <a:spAutoFit/>
+          </a:bodyPr>
+          <a:lstStyle/>
+          <a:p>
+            <a:pPr marL="457200" indent="-457200">
+              <a:buAutoNum type="arabicPeriod"/>
+            </a:pPr>
+            <a:r>
+              <a:rPr lang="en-US" altLang="zh-TW" sz="2400" dirty="0"/>
+              <a:t>reduction</a:t>
+            </a:r>
+          </a:p>
+          <a:p>
+            <a:pPr marL="457200" indent="-457200">
+              <a:buAutoNum type="arabicPeriod"/>
+            </a:pPr>
+            <a:r>
+              <a:rPr lang="en-US" altLang="zh-TW" sz="2400" dirty="0"/>
+              <a:t>Definition</a:t>
+            </a:r>
+          </a:p>
+          <a:p>
+            <a:pPr marL="457200" indent="-457200">
+              <a:buAutoNum type="arabicPeriod"/>
+            </a:pPr>
+            <a:r>
+              <a:rPr lang="en-US" altLang="zh-TW" sz="2400" dirty="0"/>
+              <a:t>Example</a:t>
+            </a:r>
+          </a:p>
+          <a:p>
+            <a:pPr marL="914400" lvl="1" indent="-457200">
+              <a:buAutoNum type="arabicPeriod"/>
+            </a:pPr>
+            <a:r>
+              <a:rPr lang="en-US" altLang="zh-TW" sz="2400" dirty="0"/>
+              <a:t>TSP(Travel Salesman Problem)</a:t>
+            </a:r>
+          </a:p>
+          <a:p>
+            <a:pPr marL="1371600" lvl="2" indent="-457200">
+              <a:buAutoNum type="arabicPeriod"/>
+            </a:pPr>
+            <a:endParaRPr lang="en-US" altLang="zh-TW" sz="2400" dirty="0"/>
+          </a:p>
+          <a:p>
+            <a:pPr marL="914400" lvl="1" indent="-457200">
+              <a:buAutoNum type="arabicPeriod"/>
+            </a:pPr>
+            <a:endParaRPr lang="en-US" altLang="zh-TW" sz="2400" dirty="0"/>
+          </a:p>
+          <a:p>
+            <a:pPr marL="1371600" lvl="2" indent="-457200">
+              <a:buAutoNum type="arabicPeriod"/>
+            </a:pPr>
+            <a:endParaRPr lang="en-US" altLang="zh-TW" sz="2400" dirty="0"/>
+          </a:p>
+          <a:p>
+            <a:pPr marL="1371600" lvl="2" indent="-457200">
+              <a:buAutoNum type="arabicPeriod"/>
+            </a:pPr>
+            <a:endParaRPr lang="en-US" altLang="zh-TW" sz="2400" b="0" dirty="0"/>
+          </a:p>
+          <a:p>
+            <a:pPr marL="1371600" lvl="2" indent="-457200">
+              <a:buAutoNum type="arabicPeriod"/>
+            </a:pPr>
+            <a:endParaRPr lang="zh-TW" altLang="en-US" sz="2400" dirty="0"/>
+          </a:p>
+        </p:txBody>
+      </p:sp>
+    </p:spTree>
+    <p:extLst>
+      <p:ext uri="{BB962C8B-B14F-4D97-AF65-F5344CB8AC3E}">
+        <p14:creationId xmlns:p14="http://schemas.microsoft.com/office/powerpoint/2010/main" val="813923832"/>
+      </p:ext>
+    </p:extLst>
+  </p:cSld>
+  <p:clrMapOvr>
+    <a:masterClrMapping/>
+  </p:clrMapOvr>
+</p:sld>
+</file>
+
+<file path=ppt/slides/slide13.xml><?xml version="1.0" encoding="utf-8"?>
+<p:sld xmlns:a="http://schemas.openxmlformats.org/drawingml/2006/main" xmlns:r="http://schemas.openxmlformats.org/officeDocument/2006/relationships" xmlns:p="http://schemas.openxmlformats.org/presentationml/2006/main">
+  <p:cSld>
+    <p:spTree>
+      <p:nvGrpSpPr>
+        <p:cNvPr id="1" name="">
+          <a:extLst>
+            <a:ext uri="{FF2B5EF4-FFF2-40B4-BE49-F238E27FC236}">
+              <a16:creationId xmlns:a16="http://schemas.microsoft.com/office/drawing/2014/main" id="{A1878F6C-8EF5-127C-1773-D6B806773B12}"/>
+            </a:ext>
+          </a:extLst>
+        </p:cNvPr>
+        <p:cNvGrpSpPr/>
+        <p:nvPr/>
+      </p:nvGrpSpPr>
+      <p:grpSpPr>
+        <a:xfrm>
+          <a:off x="0" y="0"/>
+          <a:ext cx="0" cy="0"/>
+          <a:chOff x="0" y="0"/>
+          <a:chExt cx="0" cy="0"/>
+        </a:xfrm>
+      </p:grpSpPr>
+      <p:sp>
+        <p:nvSpPr>
+          <p:cNvPr id="2" name="TextBox 1">
+            <a:extLst>
+              <a:ext uri="{FF2B5EF4-FFF2-40B4-BE49-F238E27FC236}">
+                <a16:creationId xmlns:a16="http://schemas.microsoft.com/office/drawing/2014/main" id="{AEE29D69-E629-3D08-DB6B-7A1CDC3050A2}"/>
+              </a:ext>
+            </a:extLst>
+          </p:cNvPr>
+          <p:cNvSpPr txBox="1"/>
+          <p:nvPr/>
+        </p:nvSpPr>
+        <p:spPr>
+          <a:xfrm>
+            <a:off x="889000" y="702734"/>
+            <a:ext cx="5207000" cy="830997"/>
+          </a:xfrm>
+          <a:prstGeom prst="rect">
+            <a:avLst/>
+          </a:prstGeom>
+          <a:noFill/>
+        </p:spPr>
+        <p:txBody>
+          <a:bodyPr wrap="square" rtlCol="0">
+            <a:spAutoFit/>
+          </a:bodyPr>
+          <a:lstStyle/>
+          <a:p>
+            <a:r>
+              <a:rPr lang="en-US" altLang="zh-TW" sz="4800" dirty="0"/>
+              <a:t>AM – NP hardness</a:t>
+            </a:r>
+            <a:endParaRPr lang="zh-TW" altLang="en-US" sz="4800" dirty="0"/>
+          </a:p>
+        </p:txBody>
+      </p:sp>
+      <p:sp>
+        <p:nvSpPr>
+          <p:cNvPr id="3" name="TextBox 2">
+            <a:extLst>
+              <a:ext uri="{FF2B5EF4-FFF2-40B4-BE49-F238E27FC236}">
+                <a16:creationId xmlns:a16="http://schemas.microsoft.com/office/drawing/2014/main" id="{8327DC9C-9907-702E-E0B6-02453A93F0F5}"/>
+              </a:ext>
+            </a:extLst>
+          </p:cNvPr>
+          <p:cNvSpPr txBox="1"/>
+          <p:nvPr/>
+        </p:nvSpPr>
+        <p:spPr>
+          <a:xfrm>
+            <a:off x="889000" y="1595021"/>
+            <a:ext cx="9238381" cy="3416320"/>
+          </a:xfrm>
+          <a:prstGeom prst="rect">
+            <a:avLst/>
+          </a:prstGeom>
+          <a:noFill/>
+        </p:spPr>
+        <p:txBody>
+          <a:bodyPr wrap="square" rtlCol="0">
+            <a:spAutoFit/>
+          </a:bodyPr>
+          <a:lstStyle/>
+          <a:p>
+            <a:pPr marL="457200" indent="-457200">
+              <a:buAutoNum type="arabicPeriod"/>
+            </a:pPr>
+            <a:r>
+              <a:rPr lang="en-US" altLang="zh-TW" sz="2400" dirty="0"/>
+              <a:t>reduction</a:t>
+            </a:r>
+          </a:p>
+          <a:p>
+            <a:pPr marL="457200" indent="-457200">
+              <a:buAutoNum type="arabicPeriod"/>
+            </a:pPr>
+            <a:r>
+              <a:rPr lang="en-US" altLang="zh-TW" sz="2400" dirty="0"/>
+              <a:t>Definition</a:t>
+            </a:r>
+          </a:p>
+          <a:p>
+            <a:pPr marL="457200" indent="-457200">
+              <a:buAutoNum type="arabicPeriod"/>
+            </a:pPr>
+            <a:r>
+              <a:rPr lang="en-US" altLang="zh-TW" sz="2400" dirty="0"/>
+              <a:t>Example</a:t>
+            </a:r>
+          </a:p>
+          <a:p>
+            <a:pPr marL="914400" lvl="1" indent="-457200">
+              <a:buAutoNum type="arabicPeriod"/>
+            </a:pPr>
+            <a:r>
+              <a:rPr lang="en-US" altLang="zh-TW" sz="2400" dirty="0"/>
+              <a:t>TSP(Travel Salesman Problem)</a:t>
+            </a:r>
+          </a:p>
+          <a:p>
+            <a:pPr marL="1371600" lvl="2" indent="-457200">
+              <a:buAutoNum type="arabicPeriod"/>
+            </a:pPr>
+            <a:endParaRPr lang="en-US" altLang="zh-TW" sz="2400" dirty="0"/>
+          </a:p>
+          <a:p>
+            <a:pPr marL="914400" lvl="1" indent="-457200">
+              <a:buAutoNum type="arabicPeriod"/>
+            </a:pPr>
+            <a:endParaRPr lang="en-US" altLang="zh-TW" sz="2400" dirty="0"/>
+          </a:p>
+          <a:p>
+            <a:pPr marL="1371600" lvl="2" indent="-457200">
+              <a:buAutoNum type="arabicPeriod"/>
+            </a:pPr>
+            <a:endParaRPr lang="en-US" altLang="zh-TW" sz="2400" dirty="0"/>
+          </a:p>
+          <a:p>
+            <a:pPr marL="1371600" lvl="2" indent="-457200">
+              <a:buAutoNum type="arabicPeriod"/>
+            </a:pPr>
+            <a:endParaRPr lang="en-US" altLang="zh-TW" sz="2400" b="0" dirty="0"/>
+          </a:p>
+          <a:p>
+            <a:pPr marL="1371600" lvl="2" indent="-457200">
+              <a:buAutoNum type="arabicPeriod"/>
+            </a:pPr>
+            <a:endParaRPr lang="zh-TW" altLang="en-US" sz="2400" dirty="0"/>
+          </a:p>
+        </p:txBody>
+      </p:sp>
+    </p:spTree>
+    <p:extLst>
+      <p:ext uri="{BB962C8B-B14F-4D97-AF65-F5344CB8AC3E}">
+        <p14:creationId xmlns:p14="http://schemas.microsoft.com/office/powerpoint/2010/main" val="3650700889"/>
+      </p:ext>
+    </p:extLst>
+  </p:cSld>
+  <p:clrMapOvr>
+    <a:masterClrMapping/>
+  </p:clrMapOvr>
+</p:sld>
+</file>
+
+<file path=ppt/slides/slide14.xml><?xml version="1.0" encoding="utf-8"?>
+<p:sld xmlns:a="http://schemas.openxmlformats.org/drawingml/2006/main" xmlns:r="http://schemas.openxmlformats.org/officeDocument/2006/relationships" xmlns:p="http://schemas.openxmlformats.org/presentationml/2006/main">
+  <p:cSld>
+    <p:bg>
+      <p:bgPr>
+        <a:solidFill>
+          <a:schemeClr val="accent6"/>
+        </a:solidFill>
+        <a:effectLst/>
+      </p:bgPr>
+    </p:bg>
+    <p:spTree>
+      <p:nvGrpSpPr>
+        <p:cNvPr id="1" name="">
+          <a:extLst>
+            <a:ext uri="{FF2B5EF4-FFF2-40B4-BE49-F238E27FC236}">
+              <a16:creationId xmlns:a16="http://schemas.microsoft.com/office/drawing/2014/main" id="{034687B5-C7E1-3354-14F9-B19F936702B0}"/>
+            </a:ext>
+          </a:extLst>
+        </p:cNvPr>
+        <p:cNvGrpSpPr/>
+        <p:nvPr/>
+      </p:nvGrpSpPr>
+      <p:grpSpPr>
+        <a:xfrm>
+          <a:off x="0" y="0"/>
+          <a:ext cx="0" cy="0"/>
+          <a:chOff x="0" y="0"/>
+          <a:chExt cx="0" cy="0"/>
+        </a:xfrm>
+      </p:grpSpPr>
+      <p:sp>
+        <p:nvSpPr>
+          <p:cNvPr id="2" name="標題 1">
+            <a:extLst>
+              <a:ext uri="{FF2B5EF4-FFF2-40B4-BE49-F238E27FC236}">
+                <a16:creationId xmlns:a16="http://schemas.microsoft.com/office/drawing/2014/main" id="{B4B08184-F59A-B668-FC9D-BF4A429C1987}"/>
+              </a:ext>
+            </a:extLst>
+          </p:cNvPr>
+          <p:cNvSpPr>
+            <a:spLocks noGrp="1"/>
+          </p:cNvSpPr>
+          <p:nvPr>
+            <p:ph type="title"/>
+          </p:nvPr>
+        </p:nvSpPr>
+        <p:spPr/>
+        <p:txBody>
+          <a:bodyPr/>
+          <a:lstStyle/>
+          <a:p>
+            <a:r>
+              <a:rPr lang="en-US" altLang="zh-TW" dirty="0">
+                <a:solidFill>
+                  <a:schemeClr val="bg1"/>
+                </a:solidFill>
+              </a:rPr>
+              <a:t>DS</a:t>
+            </a:r>
+            <a:endParaRPr lang="zh-TW" altLang="en-US" dirty="0">
+              <a:solidFill>
+                <a:schemeClr val="bg1"/>
+              </a:solidFill>
+            </a:endParaRPr>
+          </a:p>
+        </p:txBody>
+      </p:sp>
+      <p:sp>
+        <p:nvSpPr>
+          <p:cNvPr id="3" name="文字版面配置區 2">
+            <a:extLst>
+              <a:ext uri="{FF2B5EF4-FFF2-40B4-BE49-F238E27FC236}">
+                <a16:creationId xmlns:a16="http://schemas.microsoft.com/office/drawing/2014/main" id="{5DC13677-7179-7BDB-F41B-5C703DB937D1}"/>
+              </a:ext>
+            </a:extLst>
+          </p:cNvPr>
+          <p:cNvSpPr>
+            <a:spLocks noGrp="1"/>
+          </p:cNvSpPr>
+          <p:nvPr>
+            <p:ph type="body" idx="1"/>
+          </p:nvPr>
+        </p:nvSpPr>
+        <p:spPr/>
+        <p:txBody>
+          <a:bodyPr/>
+          <a:lstStyle/>
+          <a:p>
+            <a:endParaRPr lang="zh-TW" altLang="en-US"/>
+          </a:p>
+        </p:txBody>
+      </p:sp>
+    </p:spTree>
+    <p:extLst>
+      <p:ext uri="{BB962C8B-B14F-4D97-AF65-F5344CB8AC3E}">
+        <p14:creationId xmlns:p14="http://schemas.microsoft.com/office/powerpoint/2010/main" val="2710053036"/>
+      </p:ext>
+    </p:extLst>
+  </p:cSld>
+  <p:clrMapOvr>
+    <a:masterClrMapping/>
+  </p:clrMapOvr>
+</p:sld>
+</file>
+
+<file path=ppt/slides/slide15.xml><?xml version="1.0" encoding="utf-8"?>
+<p:sld xmlns:a="http://schemas.openxmlformats.org/drawingml/2006/main" xmlns:r="http://schemas.openxmlformats.org/officeDocument/2006/relationships" xmlns:p="http://schemas.openxmlformats.org/presentationml/2006/main">
+  <p:cSld>
+    <p:bg>
+      <p:bgPr>
+        <a:solidFill>
+          <a:schemeClr val="accent1"/>
+        </a:solidFill>
+        <a:effectLst/>
+      </p:bgPr>
+    </p:bg>
+    <p:spTree>
+      <p:nvGrpSpPr>
+        <p:cNvPr id="1" name="">
+          <a:extLst>
+            <a:ext uri="{FF2B5EF4-FFF2-40B4-BE49-F238E27FC236}">
+              <a16:creationId xmlns:a16="http://schemas.microsoft.com/office/drawing/2014/main" id="{F39623FE-7CFB-8A1D-60B2-CE5E18611C9B}"/>
+            </a:ext>
+          </a:extLst>
+        </p:cNvPr>
+        <p:cNvGrpSpPr/>
+        <p:nvPr/>
+      </p:nvGrpSpPr>
+      <p:grpSpPr>
+        <a:xfrm>
+          <a:off x="0" y="0"/>
+          <a:ext cx="0" cy="0"/>
+          <a:chOff x="0" y="0"/>
+          <a:chExt cx="0" cy="0"/>
+        </a:xfrm>
+      </p:grpSpPr>
+      <p:sp>
+        <p:nvSpPr>
+          <p:cNvPr id="2" name="標題 1">
+            <a:extLst>
+              <a:ext uri="{FF2B5EF4-FFF2-40B4-BE49-F238E27FC236}">
+                <a16:creationId xmlns:a16="http://schemas.microsoft.com/office/drawing/2014/main" id="{BE727D12-B963-356E-717A-5E7CFB4680A7}"/>
+              </a:ext>
+            </a:extLst>
+          </p:cNvPr>
+          <p:cNvSpPr>
+            <a:spLocks noGrp="1"/>
+          </p:cNvSpPr>
+          <p:nvPr>
+            <p:ph type="title"/>
+          </p:nvPr>
+        </p:nvSpPr>
+        <p:spPr/>
+        <p:txBody>
+          <a:bodyPr/>
+          <a:lstStyle/>
+          <a:p>
+            <a:r>
+              <a:rPr lang="en-US" altLang="zh-TW" dirty="0">
+                <a:solidFill>
+                  <a:schemeClr val="bg1"/>
+                </a:solidFill>
+              </a:rPr>
+              <a:t>OS</a:t>
+            </a:r>
+            <a:endParaRPr lang="zh-TW" altLang="en-US" dirty="0">
+              <a:solidFill>
+                <a:schemeClr val="bg1"/>
+              </a:solidFill>
+            </a:endParaRPr>
+          </a:p>
+        </p:txBody>
+      </p:sp>
+      <p:sp>
+        <p:nvSpPr>
+          <p:cNvPr id="3" name="文字版面配置區 2">
+            <a:extLst>
+              <a:ext uri="{FF2B5EF4-FFF2-40B4-BE49-F238E27FC236}">
+                <a16:creationId xmlns:a16="http://schemas.microsoft.com/office/drawing/2014/main" id="{9DC13A09-8684-8EEB-8B50-14A35AF12B1C}"/>
+              </a:ext>
+            </a:extLst>
+          </p:cNvPr>
+          <p:cNvSpPr>
+            <a:spLocks noGrp="1"/>
+          </p:cNvSpPr>
+          <p:nvPr>
+            <p:ph type="body" idx="1"/>
+          </p:nvPr>
+        </p:nvSpPr>
+        <p:spPr/>
+        <p:txBody>
+          <a:bodyPr/>
+          <a:lstStyle/>
+          <a:p>
+            <a:endParaRPr lang="zh-TW" altLang="en-US"/>
+          </a:p>
+        </p:txBody>
+      </p:sp>
+    </p:spTree>
+    <p:extLst>
+      <p:ext uri="{BB962C8B-B14F-4D97-AF65-F5344CB8AC3E}">
+        <p14:creationId xmlns:p14="http://schemas.microsoft.com/office/powerpoint/2010/main" val="1314435485"/>
+      </p:ext>
+    </p:extLst>
+  </p:cSld>
+  <p:clrMapOvr>
+    <a:masterClrMapping/>
+  </p:clrMapOvr>
+</p:sld>
+</file>
+
+<file path=ppt/slides/slide16.xml><?xml version="1.0" encoding="utf-8"?>
+<p:sld xmlns:a="http://schemas.openxmlformats.org/drawingml/2006/main" xmlns:r="http://schemas.openxmlformats.org/officeDocument/2006/relationships" xmlns:p="http://schemas.openxmlformats.org/presentationml/2006/main">
+  <p:cSld>
+    <p:bg>
+      <p:bgPr>
+        <a:solidFill>
+          <a:schemeClr val="accent5">
+            <a:lumMod val="75000"/>
+          </a:schemeClr>
+        </a:solidFill>
+        <a:effectLst/>
+      </p:bgPr>
+    </p:bg>
+    <p:spTree>
+      <p:nvGrpSpPr>
+        <p:cNvPr id="1" name="">
+          <a:extLst>
+            <a:ext uri="{FF2B5EF4-FFF2-40B4-BE49-F238E27FC236}">
+              <a16:creationId xmlns:a16="http://schemas.microsoft.com/office/drawing/2014/main" id="{5D0E528D-FCCC-6940-D33D-D8B77FF5F724}"/>
+            </a:ext>
+          </a:extLst>
+        </p:cNvPr>
+        <p:cNvGrpSpPr/>
+        <p:nvPr/>
+      </p:nvGrpSpPr>
+      <p:grpSpPr>
+        <a:xfrm>
+          <a:off x="0" y="0"/>
+          <a:ext cx="0" cy="0"/>
+          <a:chOff x="0" y="0"/>
+          <a:chExt cx="0" cy="0"/>
+        </a:xfrm>
+      </p:grpSpPr>
+      <p:sp>
+        <p:nvSpPr>
+          <p:cNvPr id="2" name="標題 1">
+            <a:extLst>
+              <a:ext uri="{FF2B5EF4-FFF2-40B4-BE49-F238E27FC236}">
+                <a16:creationId xmlns:a16="http://schemas.microsoft.com/office/drawing/2014/main" id="{B5A546BE-BEA2-73FE-A874-8AFA496994CC}"/>
+              </a:ext>
+            </a:extLst>
+          </p:cNvPr>
+          <p:cNvSpPr>
+            <a:spLocks noGrp="1"/>
+          </p:cNvSpPr>
+          <p:nvPr>
+            <p:ph type="title"/>
+          </p:nvPr>
+        </p:nvSpPr>
+        <p:spPr/>
+        <p:txBody>
+          <a:bodyPr/>
+          <a:lstStyle/>
+          <a:p>
+            <a:r>
+              <a:rPr lang="en-US" altLang="zh-TW" dirty="0">
+                <a:solidFill>
+                  <a:schemeClr val="bg1"/>
+                </a:solidFill>
+              </a:rPr>
+              <a:t>CO</a:t>
+            </a:r>
+            <a:endParaRPr lang="zh-TW" altLang="en-US" dirty="0">
+              <a:solidFill>
+                <a:schemeClr val="bg1"/>
+              </a:solidFill>
+            </a:endParaRPr>
+          </a:p>
+        </p:txBody>
+      </p:sp>
+      <p:sp>
+        <p:nvSpPr>
+          <p:cNvPr id="3" name="文字版面配置區 2">
+            <a:extLst>
+              <a:ext uri="{FF2B5EF4-FFF2-40B4-BE49-F238E27FC236}">
+                <a16:creationId xmlns:a16="http://schemas.microsoft.com/office/drawing/2014/main" id="{C9BA028C-C34D-9C70-F128-F4C3BEA13022}"/>
+              </a:ext>
+            </a:extLst>
+          </p:cNvPr>
+          <p:cNvSpPr>
+            <a:spLocks noGrp="1"/>
+          </p:cNvSpPr>
+          <p:nvPr>
+            <p:ph type="body" idx="1"/>
+          </p:nvPr>
+        </p:nvSpPr>
+        <p:spPr/>
+        <p:txBody>
+          <a:bodyPr/>
+          <a:lstStyle/>
+          <a:p>
+            <a:endParaRPr lang="zh-TW" altLang="en-US"/>
+          </a:p>
+        </p:txBody>
+      </p:sp>
+    </p:spTree>
+    <p:extLst>
+      <p:ext uri="{BB962C8B-B14F-4D97-AF65-F5344CB8AC3E}">
+        <p14:creationId xmlns:p14="http://schemas.microsoft.com/office/powerpoint/2010/main" val="388639354"/>
+      </p:ext>
+    </p:extLst>
+  </p:cSld>
+  <p:clrMapOvr>
+    <a:masterClrMapping/>
+  </p:clrMapOvr>
+</p:sld>
+</file>
+
+<file path=ppt/slides/slide17.xml><?xml version="1.0" encoding="utf-8"?>
+<p:sld xmlns:a="http://schemas.openxmlformats.org/drawingml/2006/main" xmlns:r="http://schemas.openxmlformats.org/officeDocument/2006/relationships" xmlns:p="http://schemas.openxmlformats.org/presentationml/2006/main">
+  <p:cSld>
+    <p:spTree>
+      <p:nvGrpSpPr>
+        <p:cNvPr id="1" name="">
+          <a:extLst>
+            <a:ext uri="{FF2B5EF4-FFF2-40B4-BE49-F238E27FC236}">
+              <a16:creationId xmlns:a16="http://schemas.microsoft.com/office/drawing/2014/main" id="{75225AF5-8363-7097-802B-3E46D53AFCFE}"/>
+            </a:ext>
+          </a:extLst>
+        </p:cNvPr>
+        <p:cNvGrpSpPr/>
+        <p:nvPr/>
+      </p:nvGrpSpPr>
+      <p:grpSpPr>
+        <a:xfrm>
+          <a:off x="0" y="0"/>
+          <a:ext cx="0" cy="0"/>
+          <a:chOff x="0" y="0"/>
+          <a:chExt cx="0" cy="0"/>
+        </a:xfrm>
+      </p:grpSpPr>
+      <p:sp>
+        <p:nvSpPr>
+          <p:cNvPr id="2" name="TextBox 1">
+            <a:extLst>
+              <a:ext uri="{FF2B5EF4-FFF2-40B4-BE49-F238E27FC236}">
+                <a16:creationId xmlns:a16="http://schemas.microsoft.com/office/drawing/2014/main" id="{3DC68F91-4F8A-3086-772C-F3471195B366}"/>
+              </a:ext>
+            </a:extLst>
+          </p:cNvPr>
+          <p:cNvSpPr txBox="1"/>
+          <p:nvPr/>
+        </p:nvSpPr>
+        <p:spPr>
+          <a:xfrm>
+            <a:off x="889000" y="702734"/>
+            <a:ext cx="6665686" cy="830997"/>
+          </a:xfrm>
+          <a:prstGeom prst="rect">
+            <a:avLst/>
+          </a:prstGeom>
+          <a:noFill/>
+        </p:spPr>
+        <p:txBody>
+          <a:bodyPr wrap="square" rtlCol="0">
+            <a:spAutoFit/>
+          </a:bodyPr>
+          <a:lstStyle/>
+          <a:p>
+            <a:r>
+              <a:rPr lang="en-US" altLang="zh-TW" sz="4800" dirty="0"/>
+              <a:t>CO – CPU performance</a:t>
+            </a:r>
+            <a:endParaRPr lang="zh-TW" altLang="en-US" sz="4800" dirty="0"/>
+          </a:p>
+        </p:txBody>
+      </p:sp>
+      <p:sp>
+        <p:nvSpPr>
+          <p:cNvPr id="3" name="TextBox 2">
+            <a:extLst>
+              <a:ext uri="{FF2B5EF4-FFF2-40B4-BE49-F238E27FC236}">
+                <a16:creationId xmlns:a16="http://schemas.microsoft.com/office/drawing/2014/main" id="{0CDFFA52-BFA7-3EE9-5103-C3C87122479C}"/>
+              </a:ext>
+            </a:extLst>
+          </p:cNvPr>
+          <p:cNvSpPr txBox="1"/>
+          <p:nvPr/>
+        </p:nvSpPr>
+        <p:spPr>
+          <a:xfrm>
+            <a:off x="889000" y="1595021"/>
+            <a:ext cx="9238381" cy="1569660"/>
+          </a:xfrm>
+          <a:prstGeom prst="rect">
+            <a:avLst/>
+          </a:prstGeom>
+          <a:noFill/>
+        </p:spPr>
+        <p:txBody>
+          <a:bodyPr wrap="square" rtlCol="0">
+            <a:spAutoFit/>
+          </a:bodyPr>
+          <a:lstStyle/>
+          <a:p>
+            <a:pPr marL="457200" indent="-457200">
+              <a:buAutoNum type="arabicPeriod"/>
+            </a:pPr>
+            <a:r>
+              <a:rPr lang="en-US" altLang="zh-TW" sz="2400" dirty="0"/>
+              <a:t>MIPS (Million Instructions per second)</a:t>
+            </a:r>
+          </a:p>
+          <a:p>
+            <a:pPr marL="1371600" lvl="2" indent="-457200">
+              <a:buAutoNum type="arabicPeriod"/>
+            </a:pPr>
+            <a:endParaRPr lang="en-US" altLang="zh-TW" sz="2400" dirty="0"/>
+          </a:p>
+          <a:p>
+            <a:pPr marL="1371600" lvl="2" indent="-457200">
+              <a:buAutoNum type="arabicPeriod"/>
+            </a:pPr>
+            <a:endParaRPr lang="en-US" altLang="zh-TW" sz="2400" b="0" dirty="0"/>
+          </a:p>
+          <a:p>
+            <a:pPr marL="1371600" lvl="2" indent="-457200">
+              <a:buAutoNum type="arabicPeriod"/>
+            </a:pPr>
+            <a:endParaRPr lang="zh-TW" altLang="en-US" sz="2400" dirty="0"/>
+          </a:p>
+        </p:txBody>
+      </p:sp>
+      <p:pic>
+        <p:nvPicPr>
+          <p:cNvPr id="7" name="圖片 6" descr="一張含有 文字, 字型, 白色, 行 的圖片&#10;&#10;AI 產生的內容可能不正確。">
+            <a:extLst>
+              <a:ext uri="{FF2B5EF4-FFF2-40B4-BE49-F238E27FC236}">
+                <a16:creationId xmlns:a16="http://schemas.microsoft.com/office/drawing/2014/main" id="{4D661A8E-7EA9-D5C9-236E-2AC7105EF41B}"/>
+              </a:ext>
+            </a:extLst>
+          </p:cNvPr>
+          <p:cNvPicPr>
+            <a:picLocks noChangeAspect="1"/>
+          </p:cNvPicPr>
+          <p:nvPr/>
+        </p:nvPicPr>
+        <p:blipFill>
+          <a:blip r:embed="rId2"/>
+          <a:stretch>
+            <a:fillRect/>
+          </a:stretch>
+        </p:blipFill>
+        <p:spPr>
+          <a:xfrm>
+            <a:off x="7195456" y="1128138"/>
+            <a:ext cx="4844143" cy="1245858"/>
+          </a:xfrm>
+          <a:prstGeom prst="rect">
+            <a:avLst/>
+          </a:prstGeom>
+        </p:spPr>
+      </p:pic>
+      <p:pic>
+        <p:nvPicPr>
+          <p:cNvPr id="11" name="圖片 10">
+            <a:extLst>
+              <a:ext uri="{FF2B5EF4-FFF2-40B4-BE49-F238E27FC236}">
+                <a16:creationId xmlns:a16="http://schemas.microsoft.com/office/drawing/2014/main" id="{338B167C-08BB-4E55-2B88-C06EC56FF989}"/>
+              </a:ext>
+            </a:extLst>
+          </p:cNvPr>
+          <p:cNvPicPr>
+            <a:picLocks noChangeAspect="1"/>
+          </p:cNvPicPr>
+          <p:nvPr/>
+        </p:nvPicPr>
+        <p:blipFill>
+          <a:blip r:embed="rId3"/>
+          <a:stretch>
+            <a:fillRect/>
+          </a:stretch>
+        </p:blipFill>
+        <p:spPr>
+          <a:xfrm>
+            <a:off x="993979" y="5262979"/>
+            <a:ext cx="10469078" cy="1057961"/>
+          </a:xfrm>
+          <a:prstGeom prst="rect">
+            <a:avLst/>
+          </a:prstGeom>
+        </p:spPr>
+      </p:pic>
+      <p:pic>
+        <p:nvPicPr>
+          <p:cNvPr id="13" name="圖片 12">
+            <a:extLst>
+              <a:ext uri="{FF2B5EF4-FFF2-40B4-BE49-F238E27FC236}">
+                <a16:creationId xmlns:a16="http://schemas.microsoft.com/office/drawing/2014/main" id="{4A222D1C-047B-41CC-F501-981523BC25C6}"/>
+              </a:ext>
+            </a:extLst>
+          </p:cNvPr>
+          <p:cNvPicPr>
+            <a:picLocks noChangeAspect="1"/>
+          </p:cNvPicPr>
+          <p:nvPr/>
+        </p:nvPicPr>
+        <p:blipFill>
+          <a:blip r:embed="rId4"/>
+          <a:stretch>
+            <a:fillRect/>
+          </a:stretch>
+        </p:blipFill>
+        <p:spPr>
+          <a:xfrm>
+            <a:off x="889000" y="2638315"/>
+            <a:ext cx="10498015" cy="790685"/>
+          </a:xfrm>
+          <a:prstGeom prst="rect">
+            <a:avLst/>
+          </a:prstGeom>
+        </p:spPr>
+      </p:pic>
+      <p:pic>
+        <p:nvPicPr>
+          <p:cNvPr id="15" name="圖片 14" descr="一張含有 文字, 字型, 白色, 行 的圖片&#10;&#10;AI 產生的內容可能不正確。">
+            <a:extLst>
+              <a:ext uri="{FF2B5EF4-FFF2-40B4-BE49-F238E27FC236}">
+                <a16:creationId xmlns:a16="http://schemas.microsoft.com/office/drawing/2014/main" id="{D4787894-AFDA-6756-2C18-A44C0B897F10}"/>
+              </a:ext>
+            </a:extLst>
+          </p:cNvPr>
+          <p:cNvPicPr>
+            <a:picLocks noChangeAspect="1"/>
+          </p:cNvPicPr>
+          <p:nvPr/>
+        </p:nvPicPr>
+        <p:blipFill>
+          <a:blip r:embed="rId5"/>
+          <a:stretch>
+            <a:fillRect/>
+          </a:stretch>
+        </p:blipFill>
+        <p:spPr>
+          <a:xfrm>
+            <a:off x="3001687" y="3607816"/>
+            <a:ext cx="7125694" cy="1390844"/>
+          </a:xfrm>
+          <a:prstGeom prst="rect">
+            <a:avLst/>
+          </a:prstGeom>
+        </p:spPr>
+      </p:pic>
+    </p:spTree>
+    <p:extLst>
+      <p:ext uri="{BB962C8B-B14F-4D97-AF65-F5344CB8AC3E}">
+        <p14:creationId xmlns:p14="http://schemas.microsoft.com/office/powerpoint/2010/main" val="2832390394"/>
+      </p:ext>
+    </p:extLst>
+  </p:cSld>
+  <p:clrMapOvr>
+    <a:masterClrMapping/>
+  </p:clrMapOvr>
+</p:sld>
+</file>
+
+<file path=ppt/slides/slide18.xml><?xml version="1.0" encoding="utf-8"?>
+<p:sld xmlns:a="http://schemas.openxmlformats.org/drawingml/2006/main" xmlns:r="http://schemas.openxmlformats.org/officeDocument/2006/relationships" xmlns:p="http://schemas.openxmlformats.org/presentationml/2006/main">
+  <p:cSld>
+    <p:spTree>
+      <p:nvGrpSpPr>
+        <p:cNvPr id="1" name="">
+          <a:extLst>
+            <a:ext uri="{FF2B5EF4-FFF2-40B4-BE49-F238E27FC236}">
+              <a16:creationId xmlns:a16="http://schemas.microsoft.com/office/drawing/2014/main" id="{85371668-9030-D0B6-FFB7-0FDBEA21A39A}"/>
+            </a:ext>
+          </a:extLst>
+        </p:cNvPr>
+        <p:cNvGrpSpPr/>
+        <p:nvPr/>
+      </p:nvGrpSpPr>
+      <p:grpSpPr>
+        <a:xfrm>
+          <a:off x="0" y="0"/>
+          <a:ext cx="0" cy="0"/>
+          <a:chOff x="0" y="0"/>
+          <a:chExt cx="0" cy="0"/>
+        </a:xfrm>
+      </p:grpSpPr>
+      <p:sp>
+        <p:nvSpPr>
+          <p:cNvPr id="2" name="TextBox 1">
+            <a:extLst>
+              <a:ext uri="{FF2B5EF4-FFF2-40B4-BE49-F238E27FC236}">
+                <a16:creationId xmlns:a16="http://schemas.microsoft.com/office/drawing/2014/main" id="{64DF3151-ECC7-1B30-FA75-6352A19DC6C1}"/>
+              </a:ext>
+            </a:extLst>
+          </p:cNvPr>
+          <p:cNvSpPr txBox="1"/>
+          <p:nvPr/>
+        </p:nvSpPr>
+        <p:spPr>
+          <a:xfrm>
+            <a:off x="889000" y="702734"/>
+            <a:ext cx="5207000" cy="830997"/>
+          </a:xfrm>
+          <a:prstGeom prst="rect">
+            <a:avLst/>
+          </a:prstGeom>
+          <a:noFill/>
+        </p:spPr>
+        <p:txBody>
+          <a:bodyPr wrap="square" rtlCol="0">
+            <a:spAutoFit/>
+          </a:bodyPr>
+          <a:lstStyle/>
+          <a:p>
+            <a:r>
+              <a:rPr lang="en-US" altLang="zh-TW" sz="4800" dirty="0"/>
+              <a:t>CO – power wall</a:t>
+            </a:r>
+            <a:endParaRPr lang="zh-TW" altLang="en-US" sz="4800" dirty="0"/>
+          </a:p>
+        </p:txBody>
+      </p:sp>
+      <p:sp>
+        <p:nvSpPr>
+          <p:cNvPr id="3" name="TextBox 2">
+            <a:extLst>
+              <a:ext uri="{FF2B5EF4-FFF2-40B4-BE49-F238E27FC236}">
+                <a16:creationId xmlns:a16="http://schemas.microsoft.com/office/drawing/2014/main" id="{24DC400A-7861-75CE-636D-363EF8322BEA}"/>
+              </a:ext>
+            </a:extLst>
+          </p:cNvPr>
+          <p:cNvSpPr txBox="1"/>
+          <p:nvPr/>
+        </p:nvSpPr>
+        <p:spPr>
+          <a:xfrm>
+            <a:off x="889000" y="1595021"/>
+            <a:ext cx="9238381" cy="1569660"/>
+          </a:xfrm>
+          <a:prstGeom prst="rect">
+            <a:avLst/>
+          </a:prstGeom>
+          <a:noFill/>
+        </p:spPr>
+        <p:txBody>
+          <a:bodyPr wrap="square" rtlCol="0">
+            <a:spAutoFit/>
+          </a:bodyPr>
+          <a:lstStyle/>
+          <a:p>
+            <a:pPr marL="457200" indent="-457200">
+              <a:buAutoNum type="arabicPeriod"/>
+            </a:pPr>
+            <a:r>
+              <a:rPr lang="en-US" altLang="zh-TW" sz="2400" dirty="0"/>
+              <a:t>Dynamic power consumption (CMOS)</a:t>
+            </a:r>
+          </a:p>
+          <a:p>
+            <a:pPr marL="1371600" lvl="2" indent="-457200">
+              <a:buAutoNum type="arabicPeriod"/>
+            </a:pPr>
+            <a:endParaRPr lang="en-US" altLang="zh-TW" sz="2400" dirty="0"/>
+          </a:p>
+          <a:p>
+            <a:pPr marL="1371600" lvl="2" indent="-457200">
+              <a:buAutoNum type="arabicPeriod"/>
+            </a:pPr>
+            <a:endParaRPr lang="en-US" altLang="zh-TW" sz="2400" b="0" dirty="0"/>
+          </a:p>
+          <a:p>
+            <a:pPr marL="1371600" lvl="2" indent="-457200">
+              <a:buAutoNum type="arabicPeriod"/>
+            </a:pPr>
+            <a:endParaRPr lang="zh-TW" altLang="en-US" sz="2400" dirty="0"/>
+          </a:p>
+        </p:txBody>
+      </p:sp>
+      <p:pic>
+        <p:nvPicPr>
+          <p:cNvPr id="6" name="圖片 5" descr="一張含有 字型, 文字, 印刷術, 書法 的圖片&#10;&#10;AI 產生的內容可能不正確。">
+            <a:extLst>
+              <a:ext uri="{FF2B5EF4-FFF2-40B4-BE49-F238E27FC236}">
+                <a16:creationId xmlns:a16="http://schemas.microsoft.com/office/drawing/2014/main" id="{B41C93E0-1144-2584-FEB8-BA889A9B58FE}"/>
+              </a:ext>
+            </a:extLst>
+          </p:cNvPr>
+          <p:cNvPicPr>
+            <a:picLocks noChangeAspect="1"/>
+          </p:cNvPicPr>
+          <p:nvPr/>
+        </p:nvPicPr>
+        <p:blipFill>
+          <a:blip r:embed="rId2"/>
+          <a:stretch>
+            <a:fillRect/>
+          </a:stretch>
+        </p:blipFill>
+        <p:spPr>
+          <a:xfrm>
+            <a:off x="2406549" y="3107450"/>
+            <a:ext cx="7944959" cy="1171739"/>
+          </a:xfrm>
+          <a:prstGeom prst="rect">
+            <a:avLst/>
+          </a:prstGeom>
+        </p:spPr>
+      </p:pic>
+    </p:spTree>
+    <p:extLst>
+      <p:ext uri="{BB962C8B-B14F-4D97-AF65-F5344CB8AC3E}">
+        <p14:creationId xmlns:p14="http://schemas.microsoft.com/office/powerpoint/2010/main" val="2168229321"/>
+      </p:ext>
+    </p:extLst>
+  </p:cSld>
+  <p:clrMapOvr>
+    <a:masterClrMapping/>
+  </p:clrMapOvr>
+</p:sld>
+</file>
+
+<file path=ppt/slides/slide19.xml><?xml version="1.0" encoding="utf-8"?>
+<p:sld xmlns:a="http://schemas.openxmlformats.org/drawingml/2006/main" xmlns:r="http://schemas.openxmlformats.org/officeDocument/2006/relationships" xmlns:p="http://schemas.openxmlformats.org/presentationml/2006/main">
+  <p:cSld>
+    <p:spTree>
+      <p:nvGrpSpPr>
+        <p:cNvPr id="1" name="">
+          <a:extLst>
+            <a:ext uri="{FF2B5EF4-FFF2-40B4-BE49-F238E27FC236}">
+              <a16:creationId xmlns:a16="http://schemas.microsoft.com/office/drawing/2014/main" id="{B4C06216-874D-5CD4-7638-0D109BFE05AB}"/>
+            </a:ext>
+          </a:extLst>
+        </p:cNvPr>
+        <p:cNvGrpSpPr/>
+        <p:nvPr/>
+      </p:nvGrpSpPr>
+      <p:grpSpPr>
+        <a:xfrm>
+          <a:off x="0" y="0"/>
+          <a:ext cx="0" cy="0"/>
+          <a:chOff x="0" y="0"/>
+          <a:chExt cx="0" cy="0"/>
+        </a:xfrm>
+      </p:grpSpPr>
+      <p:sp>
+        <p:nvSpPr>
+          <p:cNvPr id="2" name="TextBox 1">
+            <a:extLst>
+              <a:ext uri="{FF2B5EF4-FFF2-40B4-BE49-F238E27FC236}">
+                <a16:creationId xmlns:a16="http://schemas.microsoft.com/office/drawing/2014/main" id="{49AADD31-DC24-0854-981A-71428F2D7340}"/>
+              </a:ext>
+            </a:extLst>
+          </p:cNvPr>
+          <p:cNvSpPr txBox="1"/>
+          <p:nvPr/>
+        </p:nvSpPr>
+        <p:spPr>
+          <a:xfrm>
+            <a:off x="1037771" y="592436"/>
+            <a:ext cx="10116457" cy="1569660"/>
+          </a:xfrm>
+          <a:prstGeom prst="rect">
+            <a:avLst/>
+          </a:prstGeom>
+          <a:noFill/>
+        </p:spPr>
+        <p:txBody>
+          <a:bodyPr wrap="square" rtlCol="0">
+            <a:spAutoFit/>
+          </a:bodyPr>
+          <a:lstStyle/>
+          <a:p>
+            <a:r>
+              <a:rPr lang="en-US" altLang="zh-TW" sz="4800" dirty="0"/>
+              <a:t>CO – pitfall (</a:t>
+            </a:r>
+            <a:r>
+              <a:rPr lang="zh-TW" altLang="en-US" sz="4800" dirty="0"/>
+              <a:t>不是越多 </a:t>
+            </a:r>
+            <a:r>
+              <a:rPr lang="en-US" altLang="zh-TW" sz="4800" dirty="0"/>
+              <a:t>CPU </a:t>
+            </a:r>
+            <a:r>
+              <a:rPr lang="zh-TW" altLang="en-US" sz="4800" dirty="0"/>
+              <a:t>就能有更好的效能</a:t>
+            </a:r>
+            <a:r>
+              <a:rPr lang="en-US" altLang="zh-TW" sz="4800" dirty="0"/>
+              <a:t>)</a:t>
+            </a:r>
+            <a:endParaRPr lang="zh-TW" altLang="en-US" sz="4800" dirty="0"/>
+          </a:p>
+        </p:txBody>
+      </p:sp>
+      <p:sp>
+        <p:nvSpPr>
+          <p:cNvPr id="3" name="TextBox 2">
+            <a:extLst>
+              <a:ext uri="{FF2B5EF4-FFF2-40B4-BE49-F238E27FC236}">
+                <a16:creationId xmlns:a16="http://schemas.microsoft.com/office/drawing/2014/main" id="{43CBC0A6-1E48-A936-9152-A3742595F7D6}"/>
+              </a:ext>
+            </a:extLst>
+          </p:cNvPr>
+          <p:cNvSpPr txBox="1"/>
+          <p:nvPr/>
+        </p:nvSpPr>
+        <p:spPr>
+          <a:xfrm>
+            <a:off x="1158419" y="2644170"/>
+            <a:ext cx="9238381" cy="1569660"/>
+          </a:xfrm>
+          <a:prstGeom prst="rect">
+            <a:avLst/>
+          </a:prstGeom>
+          <a:noFill/>
+        </p:spPr>
+        <p:txBody>
+          <a:bodyPr wrap="square" rtlCol="0">
+            <a:spAutoFit/>
+          </a:bodyPr>
+          <a:lstStyle/>
+          <a:p>
+            <a:pPr marL="457200" indent="-457200">
+              <a:buAutoNum type="arabicPeriod"/>
+            </a:pPr>
+            <a:r>
+              <a:rPr lang="en-US" altLang="zh-TW" sz="2400" dirty="0"/>
+              <a:t>Amdahl’s law</a:t>
+            </a:r>
+          </a:p>
+          <a:p>
+            <a:pPr marL="1371600" lvl="2" indent="-457200">
+              <a:buAutoNum type="arabicPeriod"/>
+            </a:pPr>
+            <a:endParaRPr lang="en-US" altLang="zh-TW" sz="2400" dirty="0"/>
+          </a:p>
+          <a:p>
+            <a:pPr marL="1371600" lvl="2" indent="-457200">
+              <a:buAutoNum type="arabicPeriod"/>
+            </a:pPr>
+            <a:endParaRPr lang="en-US" altLang="zh-TW" sz="2400" b="0" dirty="0"/>
+          </a:p>
+          <a:p>
+            <a:pPr marL="1371600" lvl="2" indent="-457200">
+              <a:buAutoNum type="arabicPeriod"/>
+            </a:pPr>
+            <a:endParaRPr lang="zh-TW" altLang="en-US" sz="2400" dirty="0"/>
+          </a:p>
+        </p:txBody>
+      </p:sp>
+      <p:pic>
+        <p:nvPicPr>
+          <p:cNvPr id="4" name="圖片 3" descr="一張含有 文字, 字型, 螢幕擷取畫面, 行 的圖片&#10;&#10;AI 產生的內容可能不正確。">
+            <a:extLst>
+              <a:ext uri="{FF2B5EF4-FFF2-40B4-BE49-F238E27FC236}">
+                <a16:creationId xmlns:a16="http://schemas.microsoft.com/office/drawing/2014/main" id="{546CDA3F-65ED-2CE5-2001-1ABE04F7EDFC}"/>
+              </a:ext>
+            </a:extLst>
+          </p:cNvPr>
+          <p:cNvPicPr>
+            <a:picLocks noChangeAspect="1"/>
+          </p:cNvPicPr>
+          <p:nvPr/>
+        </p:nvPicPr>
+        <p:blipFill>
+          <a:blip r:embed="rId2"/>
+          <a:stretch>
+            <a:fillRect/>
+          </a:stretch>
+        </p:blipFill>
+        <p:spPr>
+          <a:xfrm>
+            <a:off x="2483703" y="3700271"/>
+            <a:ext cx="8514516" cy="1503972"/>
+          </a:xfrm>
+          <a:prstGeom prst="rect">
+            <a:avLst/>
+          </a:prstGeom>
+        </p:spPr>
+      </p:pic>
+    </p:spTree>
+    <p:extLst>
+      <p:ext uri="{BB962C8B-B14F-4D97-AF65-F5344CB8AC3E}">
+        <p14:creationId xmlns:p14="http://schemas.microsoft.com/office/powerpoint/2010/main" val="1966147551"/>
+      </p:ext>
+    </p:extLst>
+  </p:cSld>
+  <p:clrMapOvr>
+    <a:masterClrMapping/>
+  </p:clrMapOvr>
+</p:sld>
+</file>
+
+<file path=ppt/slides/slide2.xml><?xml version="1.0" encoding="utf-8"?>
+<p:sld xmlns:a="http://schemas.openxmlformats.org/drawingml/2006/main" xmlns:r="http://schemas.openxmlformats.org/officeDocument/2006/relationships" xmlns:p="http://schemas.openxmlformats.org/presentationml/2006/main">
+  <p:cSld>
+    <p:bg>
+      <p:bgPr>
+        <a:solidFill>
+          <a:srgbClr val="C00000"/>
+        </a:solidFill>
+        <a:effectLst/>
+      </p:bgPr>
+    </p:bg>
     <p:spTree>
       <p:nvGrpSpPr>
         <p:cNvPr id="1" name=""/>
@@ -3438,10 +5248,72 @@
           <a:chExt cx="0" cy="0"/>
         </a:xfrm>
       </p:grpSpPr>
+      <p:sp>
+        <p:nvSpPr>
+          <p:cNvPr id="2" name="標題 1">
+            <a:extLst>
+              <a:ext uri="{FF2B5EF4-FFF2-40B4-BE49-F238E27FC236}">
+                <a16:creationId xmlns:a16="http://schemas.microsoft.com/office/drawing/2014/main" id="{59D8FD69-50C2-186D-E10D-C83563B4A3E1}"/>
+              </a:ext>
+            </a:extLst>
+          </p:cNvPr>
+          <p:cNvSpPr>
+            <a:spLocks noGrp="1"/>
+          </p:cNvSpPr>
+          <p:nvPr>
+            <p:ph type="title"/>
+          </p:nvPr>
+        </p:nvSpPr>
+        <p:spPr/>
+        <p:txBody>
+          <a:bodyPr/>
+          <a:lstStyle/>
+          <a:p>
+            <a:r>
+              <a:rPr lang="en-US" altLang="zh-TW" dirty="0">
+                <a:solidFill>
+                  <a:schemeClr val="bg1"/>
+                </a:solidFill>
+              </a:rPr>
+              <a:t>LA</a:t>
+            </a:r>
+            <a:endParaRPr lang="zh-TW" altLang="en-US" dirty="0">
+              <a:solidFill>
+                <a:schemeClr val="bg1"/>
+              </a:solidFill>
+            </a:endParaRPr>
+          </a:p>
+        </p:txBody>
+      </p:sp>
+      <p:sp>
+        <p:nvSpPr>
+          <p:cNvPr id="3" name="文字版面配置區 2">
+            <a:extLst>
+              <a:ext uri="{FF2B5EF4-FFF2-40B4-BE49-F238E27FC236}">
+                <a16:creationId xmlns:a16="http://schemas.microsoft.com/office/drawing/2014/main" id="{7C923D1B-6572-7248-C4F6-AE1B9BAF2624}"/>
+              </a:ext>
+            </a:extLst>
+          </p:cNvPr>
+          <p:cNvSpPr>
+            <a:spLocks noGrp="1"/>
+          </p:cNvSpPr>
+          <p:nvPr>
+            <p:ph type="body" idx="1"/>
+          </p:nvPr>
+        </p:nvSpPr>
+        <p:spPr/>
+        <p:txBody>
+          <a:bodyPr/>
+          <a:lstStyle/>
+          <a:p>
+            <a:endParaRPr lang="zh-TW" altLang="en-US"/>
+          </a:p>
+        </p:txBody>
+      </p:sp>
     </p:spTree>
     <p:extLst>
       <p:ext uri="{BB962C8B-B14F-4D97-AF65-F5344CB8AC3E}">
-        <p14:creationId xmlns:p14="http://schemas.microsoft.com/office/powerpoint/2010/main" val="1293280099"/>
+        <p14:creationId xmlns:p14="http://schemas.microsoft.com/office/powerpoint/2010/main" val="436492494"/>
       </p:ext>
     </p:extLst>
   </p:cSld>
@@ -3451,7 +5323,1778 @@
 </p:sld>
 </file>
 
-<file path=ppt/slides/slide11.xml><?xml version="1.0" encoding="utf-8"?>
+<file path=ppt/slides/slide20.xml><?xml version="1.0" encoding="utf-8"?>
+<p:sld xmlns:a="http://schemas.openxmlformats.org/drawingml/2006/main" xmlns:r="http://schemas.openxmlformats.org/officeDocument/2006/relationships" xmlns:p="http://schemas.openxmlformats.org/presentationml/2006/main">
+  <p:cSld>
+    <p:spTree>
+      <p:nvGrpSpPr>
+        <p:cNvPr id="1" name="">
+          <a:extLst>
+            <a:ext uri="{FF2B5EF4-FFF2-40B4-BE49-F238E27FC236}">
+              <a16:creationId xmlns:a16="http://schemas.microsoft.com/office/drawing/2014/main" id="{C9F48C21-2C86-2651-BB9E-DF6DB6E26261}"/>
+            </a:ext>
+          </a:extLst>
+        </p:cNvPr>
+        <p:cNvGrpSpPr/>
+        <p:nvPr/>
+      </p:nvGrpSpPr>
+      <p:grpSpPr>
+        <a:xfrm>
+          <a:off x="0" y="0"/>
+          <a:ext cx="0" cy="0"/>
+          <a:chOff x="0" y="0"/>
+          <a:chExt cx="0" cy="0"/>
+        </a:xfrm>
+      </p:grpSpPr>
+      <p:sp>
+        <p:nvSpPr>
+          <p:cNvPr id="2" name="TextBox 1">
+            <a:extLst>
+              <a:ext uri="{FF2B5EF4-FFF2-40B4-BE49-F238E27FC236}">
+                <a16:creationId xmlns:a16="http://schemas.microsoft.com/office/drawing/2014/main" id="{3347AB4C-942D-9F5D-FB9D-0564EF81F258}"/>
+              </a:ext>
+            </a:extLst>
+          </p:cNvPr>
+          <p:cNvSpPr txBox="1"/>
+          <p:nvPr/>
+        </p:nvSpPr>
+        <p:spPr>
+          <a:xfrm>
+            <a:off x="1037771" y="592436"/>
+            <a:ext cx="10116457" cy="830997"/>
+          </a:xfrm>
+          <a:prstGeom prst="rect">
+            <a:avLst/>
+          </a:prstGeom>
+          <a:noFill/>
+        </p:spPr>
+        <p:txBody>
+          <a:bodyPr wrap="square" rtlCol="0">
+            <a:spAutoFit/>
+          </a:bodyPr>
+          <a:lstStyle/>
+          <a:p>
+            <a:r>
+              <a:rPr lang="en-US" altLang="zh-TW" sz="4800" dirty="0"/>
+              <a:t>CO – instruction</a:t>
+            </a:r>
+            <a:endParaRPr lang="zh-TW" altLang="en-US" sz="4800" dirty="0"/>
+          </a:p>
+        </p:txBody>
+      </p:sp>
+      <p:pic>
+        <p:nvPicPr>
+          <p:cNvPr id="6" name="圖片 5" descr="一張含有 文字, 螢幕擷取畫面, 數字, 字型 的圖片&#10;&#10;AI 產生的內容可能不正確。">
+            <a:extLst>
+              <a:ext uri="{FF2B5EF4-FFF2-40B4-BE49-F238E27FC236}">
+                <a16:creationId xmlns:a16="http://schemas.microsoft.com/office/drawing/2014/main" id="{8349C925-CF1B-A1BA-B294-7383EB98631F}"/>
+              </a:ext>
+            </a:extLst>
+          </p:cNvPr>
+          <p:cNvPicPr>
+            <a:picLocks noChangeAspect="1"/>
+          </p:cNvPicPr>
+          <p:nvPr/>
+        </p:nvPicPr>
+        <p:blipFill>
+          <a:blip r:embed="rId2"/>
+          <a:stretch>
+            <a:fillRect/>
+          </a:stretch>
+        </p:blipFill>
+        <p:spPr>
+          <a:xfrm>
+            <a:off x="506166" y="1838170"/>
+            <a:ext cx="11179666" cy="4220566"/>
+          </a:xfrm>
+          <a:prstGeom prst="rect">
+            <a:avLst/>
+          </a:prstGeom>
+        </p:spPr>
+      </p:pic>
+    </p:spTree>
+    <p:extLst>
+      <p:ext uri="{BB962C8B-B14F-4D97-AF65-F5344CB8AC3E}">
+        <p14:creationId xmlns:p14="http://schemas.microsoft.com/office/powerpoint/2010/main" val="1477092689"/>
+      </p:ext>
+    </p:extLst>
+  </p:cSld>
+  <p:clrMapOvr>
+    <a:masterClrMapping/>
+  </p:clrMapOvr>
+</p:sld>
+</file>
+
+<file path=ppt/slides/slide21.xml><?xml version="1.0" encoding="utf-8"?>
+<p:sld xmlns:a="http://schemas.openxmlformats.org/drawingml/2006/main" xmlns:r="http://schemas.openxmlformats.org/officeDocument/2006/relationships" xmlns:p="http://schemas.openxmlformats.org/presentationml/2006/main">
+  <p:cSld>
+    <p:spTree>
+      <p:nvGrpSpPr>
+        <p:cNvPr id="1" name="">
+          <a:extLst>
+            <a:ext uri="{FF2B5EF4-FFF2-40B4-BE49-F238E27FC236}">
+              <a16:creationId xmlns:a16="http://schemas.microsoft.com/office/drawing/2014/main" id="{91681E29-39B1-00CC-9BDF-4887DA090C4C}"/>
+            </a:ext>
+          </a:extLst>
+        </p:cNvPr>
+        <p:cNvGrpSpPr/>
+        <p:nvPr/>
+      </p:nvGrpSpPr>
+      <p:grpSpPr>
+        <a:xfrm>
+          <a:off x="0" y="0"/>
+          <a:ext cx="0" cy="0"/>
+          <a:chOff x="0" y="0"/>
+          <a:chExt cx="0" cy="0"/>
+        </a:xfrm>
+      </p:grpSpPr>
+      <p:sp>
+        <p:nvSpPr>
+          <p:cNvPr id="2" name="TextBox 1">
+            <a:extLst>
+              <a:ext uri="{FF2B5EF4-FFF2-40B4-BE49-F238E27FC236}">
+                <a16:creationId xmlns:a16="http://schemas.microsoft.com/office/drawing/2014/main" id="{C4FAD9E3-5084-8EED-A078-1D23DE16EB33}"/>
+              </a:ext>
+            </a:extLst>
+          </p:cNvPr>
+          <p:cNvSpPr txBox="1"/>
+          <p:nvPr/>
+        </p:nvSpPr>
+        <p:spPr>
+          <a:xfrm>
+            <a:off x="1037771" y="592436"/>
+            <a:ext cx="10116457" cy="830997"/>
+          </a:xfrm>
+          <a:prstGeom prst="rect">
+            <a:avLst/>
+          </a:prstGeom>
+          <a:noFill/>
+        </p:spPr>
+        <p:txBody>
+          <a:bodyPr wrap="square" rtlCol="0">
+            <a:spAutoFit/>
+          </a:bodyPr>
+          <a:lstStyle/>
+          <a:p>
+            <a:r>
+              <a:rPr lang="en-US" altLang="zh-TW" sz="4800" dirty="0"/>
+              <a:t>CO – instruction</a:t>
+            </a:r>
+            <a:endParaRPr lang="zh-TW" altLang="en-US" sz="4800" dirty="0"/>
+          </a:p>
+        </p:txBody>
+      </p:sp>
+      <p:sp>
+        <p:nvSpPr>
+          <p:cNvPr id="3" name="TextBox 2">
+            <a:extLst>
+              <a:ext uri="{FF2B5EF4-FFF2-40B4-BE49-F238E27FC236}">
+                <a16:creationId xmlns:a16="http://schemas.microsoft.com/office/drawing/2014/main" id="{01500482-3284-ED57-FCAF-DAFF600847EF}"/>
+              </a:ext>
+            </a:extLst>
+          </p:cNvPr>
+          <p:cNvSpPr txBox="1"/>
+          <p:nvPr/>
+        </p:nvSpPr>
+        <p:spPr>
+          <a:xfrm>
+            <a:off x="4205514" y="324454"/>
+            <a:ext cx="9238381" cy="1569660"/>
+          </a:xfrm>
+          <a:prstGeom prst="rect">
+            <a:avLst/>
+          </a:prstGeom>
+          <a:noFill/>
+        </p:spPr>
+        <p:txBody>
+          <a:bodyPr wrap="square" rtlCol="0">
+            <a:spAutoFit/>
+          </a:bodyPr>
+          <a:lstStyle/>
+          <a:p>
+            <a:pPr marL="457200" indent="-457200">
+              <a:buAutoNum type="arabicPeriod"/>
+            </a:pPr>
+            <a:r>
+              <a:rPr lang="en-US" altLang="zh-TW" sz="2400" dirty="0"/>
+              <a:t>Amdahl’s law</a:t>
+            </a:r>
+          </a:p>
+          <a:p>
+            <a:pPr marL="1371600" lvl="2" indent="-457200">
+              <a:buAutoNum type="arabicPeriod"/>
+            </a:pPr>
+            <a:endParaRPr lang="en-US" altLang="zh-TW" sz="2400" dirty="0"/>
+          </a:p>
+          <a:p>
+            <a:pPr marL="1371600" lvl="2" indent="-457200">
+              <a:buAutoNum type="arabicPeriod"/>
+            </a:pPr>
+            <a:endParaRPr lang="en-US" altLang="zh-TW" sz="2400" b="0" dirty="0"/>
+          </a:p>
+          <a:p>
+            <a:pPr marL="1371600" lvl="2" indent="-457200">
+              <a:buAutoNum type="arabicPeriod"/>
+            </a:pPr>
+            <a:endParaRPr lang="zh-TW" altLang="en-US" sz="2400" dirty="0"/>
+          </a:p>
+        </p:txBody>
+      </p:sp>
+      <p:pic>
+        <p:nvPicPr>
+          <p:cNvPr id="5" name="圖片 4" descr="一張含有 文字, 數字, 字型, 文件 的圖片&#10;&#10;AI 產生的內容可能不正確。">
+            <a:extLst>
+              <a:ext uri="{FF2B5EF4-FFF2-40B4-BE49-F238E27FC236}">
+                <a16:creationId xmlns:a16="http://schemas.microsoft.com/office/drawing/2014/main" id="{EDAF8E2D-A208-1452-FD8E-F4965B3113BD}"/>
+              </a:ext>
+            </a:extLst>
+          </p:cNvPr>
+          <p:cNvPicPr>
+            <a:picLocks noChangeAspect="1"/>
+          </p:cNvPicPr>
+          <p:nvPr/>
+        </p:nvPicPr>
+        <p:blipFill>
+          <a:blip r:embed="rId2"/>
+          <a:stretch>
+            <a:fillRect/>
+          </a:stretch>
+        </p:blipFill>
+        <p:spPr>
+          <a:xfrm>
+            <a:off x="843642" y="1263015"/>
+            <a:ext cx="10504714" cy="5435240"/>
+          </a:xfrm>
+          <a:prstGeom prst="rect">
+            <a:avLst/>
+          </a:prstGeom>
+        </p:spPr>
+      </p:pic>
+    </p:spTree>
+    <p:extLst>
+      <p:ext uri="{BB962C8B-B14F-4D97-AF65-F5344CB8AC3E}">
+        <p14:creationId xmlns:p14="http://schemas.microsoft.com/office/powerpoint/2010/main" val="3669690729"/>
+      </p:ext>
+    </p:extLst>
+  </p:cSld>
+  <p:clrMapOvr>
+    <a:masterClrMapping/>
+  </p:clrMapOvr>
+</p:sld>
+</file>
+
+<file path=ppt/slides/slide22.xml><?xml version="1.0" encoding="utf-8"?>
+<p:sld xmlns:a="http://schemas.openxmlformats.org/drawingml/2006/main" xmlns:r="http://schemas.openxmlformats.org/officeDocument/2006/relationships" xmlns:p="http://schemas.openxmlformats.org/presentationml/2006/main">
+  <p:cSld>
+    <p:spTree>
+      <p:nvGrpSpPr>
+        <p:cNvPr id="1" name="">
+          <a:extLst>
+            <a:ext uri="{FF2B5EF4-FFF2-40B4-BE49-F238E27FC236}">
+              <a16:creationId xmlns:a16="http://schemas.microsoft.com/office/drawing/2014/main" id="{F7DC0347-DA8B-13EE-0417-71985FD14713}"/>
+            </a:ext>
+          </a:extLst>
+        </p:cNvPr>
+        <p:cNvGrpSpPr/>
+        <p:nvPr/>
+      </p:nvGrpSpPr>
+      <p:grpSpPr>
+        <a:xfrm>
+          <a:off x="0" y="0"/>
+          <a:ext cx="0" cy="0"/>
+          <a:chOff x="0" y="0"/>
+          <a:chExt cx="0" cy="0"/>
+        </a:xfrm>
+      </p:grpSpPr>
+      <p:sp>
+        <p:nvSpPr>
+          <p:cNvPr id="2" name="TextBox 1">
+            <a:extLst>
+              <a:ext uri="{FF2B5EF4-FFF2-40B4-BE49-F238E27FC236}">
+                <a16:creationId xmlns:a16="http://schemas.microsoft.com/office/drawing/2014/main" id="{CDB16338-8DB4-E902-F14D-3252756BF979}"/>
+              </a:ext>
+            </a:extLst>
+          </p:cNvPr>
+          <p:cNvSpPr txBox="1"/>
+          <p:nvPr/>
+        </p:nvSpPr>
+        <p:spPr>
+          <a:xfrm>
+            <a:off x="1037771" y="592436"/>
+            <a:ext cx="10116457" cy="830997"/>
+          </a:xfrm>
+          <a:prstGeom prst="rect">
+            <a:avLst/>
+          </a:prstGeom>
+          <a:noFill/>
+        </p:spPr>
+        <p:txBody>
+          <a:bodyPr wrap="square" rtlCol="0">
+            <a:spAutoFit/>
+          </a:bodyPr>
+          <a:lstStyle/>
+          <a:p>
+            <a:r>
+              <a:rPr lang="en-US" altLang="zh-TW" sz="4800" dirty="0"/>
+              <a:t>CO – instruction</a:t>
+            </a:r>
+            <a:endParaRPr lang="zh-TW" altLang="en-US" sz="4800" dirty="0"/>
+          </a:p>
+        </p:txBody>
+      </p:sp>
+      <p:sp>
+        <p:nvSpPr>
+          <p:cNvPr id="3" name="TextBox 2">
+            <a:extLst>
+              <a:ext uri="{FF2B5EF4-FFF2-40B4-BE49-F238E27FC236}">
+                <a16:creationId xmlns:a16="http://schemas.microsoft.com/office/drawing/2014/main" id="{C00C2E78-8C50-1DA0-5018-251C63921CEE}"/>
+              </a:ext>
+            </a:extLst>
+          </p:cNvPr>
+          <p:cNvSpPr txBox="1"/>
+          <p:nvPr/>
+        </p:nvSpPr>
+        <p:spPr>
+          <a:xfrm>
+            <a:off x="1037771" y="1797654"/>
+            <a:ext cx="9238381" cy="5632311"/>
+          </a:xfrm>
+          <a:prstGeom prst="rect">
+            <a:avLst/>
+          </a:prstGeom>
+          <a:noFill/>
+        </p:spPr>
+        <p:txBody>
+          <a:bodyPr wrap="square" rtlCol="0">
+            <a:spAutoFit/>
+          </a:bodyPr>
+          <a:lstStyle/>
+          <a:p>
+            <a:pPr marL="457200" indent="-457200">
+              <a:buAutoNum type="arabicPeriod"/>
+            </a:pPr>
+            <a:r>
+              <a:rPr lang="en-US" altLang="zh-TW" sz="2400" dirty="0"/>
+              <a:t>WORD = 32 bits</a:t>
+            </a:r>
+          </a:p>
+          <a:p>
+            <a:pPr marL="457200" indent="-457200">
+              <a:buAutoNum type="arabicPeriod"/>
+            </a:pPr>
+            <a:r>
+              <a:rPr lang="en-US" altLang="zh-TW" sz="2400" dirty="0"/>
+              <a:t>Register</a:t>
+            </a:r>
+          </a:p>
+          <a:p>
+            <a:pPr marL="914400" lvl="1" indent="-457200">
+              <a:buAutoNum type="arabicPeriod"/>
+            </a:pPr>
+            <a:r>
+              <a:rPr lang="en-US" altLang="zh-TW" sz="2400" dirty="0"/>
+              <a:t>$s0, $s1 … for variables in C</a:t>
+            </a:r>
+          </a:p>
+          <a:p>
+            <a:pPr marL="914400" lvl="1" indent="-457200">
+              <a:buAutoNum type="arabicPeriod"/>
+            </a:pPr>
+            <a:r>
+              <a:rPr lang="en-US" altLang="zh-TW" sz="2400" dirty="0"/>
+              <a:t>$t0, $t1 … for temporary register</a:t>
+            </a:r>
+          </a:p>
+          <a:p>
+            <a:pPr marL="457200" indent="-457200">
+              <a:buAutoNum type="arabicPeriod"/>
+            </a:pPr>
+            <a:r>
+              <a:rPr lang="en-US" altLang="zh-TW" sz="2400" dirty="0"/>
+              <a:t>Data transfer instruction(move data between memory &amp; register)</a:t>
+            </a:r>
+          </a:p>
+          <a:p>
+            <a:pPr marL="914400" lvl="1" indent="-457200">
+              <a:buAutoNum type="arabicPeriod"/>
+            </a:pPr>
+            <a:r>
+              <a:rPr lang="en-US" altLang="zh-TW" sz="2400" dirty="0"/>
+              <a:t>Load : copy data from memory to register</a:t>
+            </a:r>
+          </a:p>
+          <a:p>
+            <a:pPr marL="914400" lvl="1" indent="-457200">
+              <a:buAutoNum type="arabicPeriod"/>
+            </a:pPr>
+            <a:r>
+              <a:rPr lang="en-US" altLang="zh-TW" sz="2400" dirty="0"/>
+              <a:t>Store : copy data from register to memory</a:t>
+            </a:r>
+          </a:p>
+          <a:p>
+            <a:pPr marL="457200" indent="-457200">
+              <a:buAutoNum type="arabicPeriod"/>
+            </a:pPr>
+            <a:r>
+              <a:rPr lang="en-US" altLang="zh-TW" sz="2400" dirty="0"/>
+              <a:t>Alignment</a:t>
+            </a:r>
+          </a:p>
+          <a:p>
+            <a:pPr marL="914400" lvl="1" indent="-457200">
+              <a:buAutoNum type="arabicPeriod"/>
+            </a:pPr>
+            <a:r>
+              <a:rPr lang="en-US" altLang="zh-TW" sz="2400" dirty="0"/>
+              <a:t>1 WORD = 4 bytes</a:t>
+            </a:r>
+          </a:p>
+          <a:p>
+            <a:pPr marL="914400" lvl="1" indent="-457200">
+              <a:buAutoNum type="arabicPeriod"/>
+            </a:pPr>
+            <a:r>
+              <a:rPr lang="en-US" altLang="zh-TW" sz="2400" dirty="0"/>
+              <a:t>Big endian(MIPS) , Little endian</a:t>
+            </a:r>
+          </a:p>
+          <a:p>
+            <a:pPr marL="457200" indent="-457200">
+              <a:buAutoNum type="arabicPeriod"/>
+            </a:pPr>
+            <a:endParaRPr lang="en-US" altLang="zh-TW" sz="2400" dirty="0"/>
+          </a:p>
+          <a:p>
+            <a:pPr marL="914400" lvl="1" indent="-457200">
+              <a:buAutoNum type="arabicPeriod"/>
+            </a:pPr>
+            <a:endParaRPr lang="en-US" altLang="zh-TW" sz="2400" dirty="0"/>
+          </a:p>
+          <a:p>
+            <a:pPr marL="1371600" lvl="2" indent="-457200">
+              <a:buAutoNum type="arabicPeriod"/>
+            </a:pPr>
+            <a:endParaRPr lang="en-US" altLang="zh-TW" sz="2400" dirty="0"/>
+          </a:p>
+          <a:p>
+            <a:pPr marL="1371600" lvl="2" indent="-457200">
+              <a:buAutoNum type="arabicPeriod"/>
+            </a:pPr>
+            <a:endParaRPr lang="en-US" altLang="zh-TW" sz="2400" b="0" dirty="0"/>
+          </a:p>
+          <a:p>
+            <a:pPr marL="1371600" lvl="2" indent="-457200">
+              <a:buAutoNum type="arabicPeriod"/>
+            </a:pPr>
+            <a:endParaRPr lang="zh-TW" altLang="en-US" sz="2400" dirty="0"/>
+          </a:p>
+        </p:txBody>
+      </p:sp>
+      <p:pic>
+        <p:nvPicPr>
+          <p:cNvPr id="6" name="圖片 5" descr="一張含有 文字, 螢幕擷取畫面, 圖表, 行 的圖片&#10;&#10;AI 產生的內容可能不正確。">
+            <a:extLst>
+              <a:ext uri="{FF2B5EF4-FFF2-40B4-BE49-F238E27FC236}">
+                <a16:creationId xmlns:a16="http://schemas.microsoft.com/office/drawing/2014/main" id="{06116BE2-40A4-51CB-E6B9-2A37E474AAC1}"/>
+              </a:ext>
+            </a:extLst>
+          </p:cNvPr>
+          <p:cNvPicPr>
+            <a:picLocks noChangeAspect="1"/>
+          </p:cNvPicPr>
+          <p:nvPr/>
+        </p:nvPicPr>
+        <p:blipFill>
+          <a:blip r:embed="rId2"/>
+          <a:stretch>
+            <a:fillRect/>
+          </a:stretch>
+        </p:blipFill>
+        <p:spPr>
+          <a:xfrm>
+            <a:off x="6700464" y="433041"/>
+            <a:ext cx="4935064" cy="2355006"/>
+          </a:xfrm>
+          <a:prstGeom prst="rect">
+            <a:avLst/>
+          </a:prstGeom>
+        </p:spPr>
+      </p:pic>
+    </p:spTree>
+    <p:extLst>
+      <p:ext uri="{BB962C8B-B14F-4D97-AF65-F5344CB8AC3E}">
+        <p14:creationId xmlns:p14="http://schemas.microsoft.com/office/powerpoint/2010/main" val="4179340661"/>
+      </p:ext>
+    </p:extLst>
+  </p:cSld>
+  <p:clrMapOvr>
+    <a:masterClrMapping/>
+  </p:clrMapOvr>
+</p:sld>
+</file>
+
+<file path=ppt/slides/slide23.xml><?xml version="1.0" encoding="utf-8"?>
+<p:sld xmlns:a="http://schemas.openxmlformats.org/drawingml/2006/main" xmlns:r="http://schemas.openxmlformats.org/officeDocument/2006/relationships" xmlns:p="http://schemas.openxmlformats.org/presentationml/2006/main">
+  <p:cSld>
+    <p:spTree>
+      <p:nvGrpSpPr>
+        <p:cNvPr id="1" name="">
+          <a:extLst>
+            <a:ext uri="{FF2B5EF4-FFF2-40B4-BE49-F238E27FC236}">
+              <a16:creationId xmlns:a16="http://schemas.microsoft.com/office/drawing/2014/main" id="{2A4E00B5-B231-9CF4-87BA-E91A78AF0F72}"/>
+            </a:ext>
+          </a:extLst>
+        </p:cNvPr>
+        <p:cNvGrpSpPr/>
+        <p:nvPr/>
+      </p:nvGrpSpPr>
+      <p:grpSpPr>
+        <a:xfrm>
+          <a:off x="0" y="0"/>
+          <a:ext cx="0" cy="0"/>
+          <a:chOff x="0" y="0"/>
+          <a:chExt cx="0" cy="0"/>
+        </a:xfrm>
+      </p:grpSpPr>
+      <p:sp>
+        <p:nvSpPr>
+          <p:cNvPr id="2" name="TextBox 1">
+            <a:extLst>
+              <a:ext uri="{FF2B5EF4-FFF2-40B4-BE49-F238E27FC236}">
+                <a16:creationId xmlns:a16="http://schemas.microsoft.com/office/drawing/2014/main" id="{EE3CDF32-5F5F-E905-91A6-435C678647BE}"/>
+              </a:ext>
+            </a:extLst>
+          </p:cNvPr>
+          <p:cNvSpPr txBox="1"/>
+          <p:nvPr/>
+        </p:nvSpPr>
+        <p:spPr>
+          <a:xfrm>
+            <a:off x="1037771" y="592436"/>
+            <a:ext cx="10116457" cy="830997"/>
+          </a:xfrm>
+          <a:prstGeom prst="rect">
+            <a:avLst/>
+          </a:prstGeom>
+          <a:noFill/>
+        </p:spPr>
+        <p:txBody>
+          <a:bodyPr wrap="square" rtlCol="0">
+            <a:spAutoFit/>
+          </a:bodyPr>
+          <a:lstStyle/>
+          <a:p>
+            <a:r>
+              <a:rPr lang="en-US" altLang="zh-TW" sz="4800" dirty="0"/>
+              <a:t>CO – instruction</a:t>
+            </a:r>
+            <a:endParaRPr lang="zh-TW" altLang="en-US" sz="4800" dirty="0"/>
+          </a:p>
+        </p:txBody>
+      </p:sp>
+      <p:pic>
+        <p:nvPicPr>
+          <p:cNvPr id="6" name="圖片 5" descr="一張含有 文字, 螢幕擷取畫面, 圖表, 行 的圖片&#10;&#10;AI 產生的內容可能不正確。">
+            <a:extLst>
+              <a:ext uri="{FF2B5EF4-FFF2-40B4-BE49-F238E27FC236}">
+                <a16:creationId xmlns:a16="http://schemas.microsoft.com/office/drawing/2014/main" id="{41E98F34-3D16-A2A4-07A0-AC3B0995A791}"/>
+              </a:ext>
+            </a:extLst>
+          </p:cNvPr>
+          <p:cNvPicPr>
+            <a:picLocks noChangeAspect="1"/>
+          </p:cNvPicPr>
+          <p:nvPr/>
+        </p:nvPicPr>
+        <p:blipFill>
+          <a:blip r:embed="rId2"/>
+          <a:stretch>
+            <a:fillRect/>
+          </a:stretch>
+        </p:blipFill>
+        <p:spPr>
+          <a:xfrm>
+            <a:off x="3541987" y="2081230"/>
+            <a:ext cx="4935064" cy="2355006"/>
+          </a:xfrm>
+          <a:prstGeom prst="rect">
+            <a:avLst/>
+          </a:prstGeom>
+        </p:spPr>
+      </p:pic>
+      <p:grpSp>
+        <p:nvGrpSpPr>
+          <p:cNvPr id="4" name="群組 3">
+            <a:extLst>
+              <a:ext uri="{FF2B5EF4-FFF2-40B4-BE49-F238E27FC236}">
+                <a16:creationId xmlns:a16="http://schemas.microsoft.com/office/drawing/2014/main" id="{7E302BCF-2916-F302-25EA-4F4EA87D7442}"/>
+              </a:ext>
+            </a:extLst>
+          </p:cNvPr>
+          <p:cNvGrpSpPr/>
+          <p:nvPr/>
+        </p:nvGrpSpPr>
+        <p:grpSpPr>
+          <a:xfrm>
+            <a:off x="1479981" y="4776770"/>
+            <a:ext cx="9940650" cy="1302092"/>
+            <a:chOff x="1383728" y="3486985"/>
+            <a:chExt cx="9940650" cy="1302092"/>
+          </a:xfrm>
+        </p:grpSpPr>
+        <p:pic>
+          <p:nvPicPr>
+            <p:cNvPr id="8" name="圖片 7" descr="一張含有 文字, 字型, 行, 螢幕擷取畫面 的圖片&#10;&#10;AI 產生的內容可能不正確。">
+              <a:extLst>
+                <a:ext uri="{FF2B5EF4-FFF2-40B4-BE49-F238E27FC236}">
+                  <a16:creationId xmlns:a16="http://schemas.microsoft.com/office/drawing/2014/main" id="{AA88ADA0-16A4-443C-2600-1640783C6AA6}"/>
+                </a:ext>
+              </a:extLst>
+            </p:cNvPr>
+            <p:cNvPicPr>
+              <a:picLocks noChangeAspect="1"/>
+            </p:cNvPicPr>
+            <p:nvPr/>
+          </p:nvPicPr>
+          <p:blipFill>
+            <a:blip r:embed="rId3"/>
+            <a:stretch>
+              <a:fillRect/>
+            </a:stretch>
+          </p:blipFill>
+          <p:spPr>
+            <a:xfrm>
+              <a:off x="2614222" y="3486985"/>
+              <a:ext cx="7542998" cy="1165938"/>
+            </a:xfrm>
+            <a:prstGeom prst="rect">
+              <a:avLst/>
+            </a:prstGeom>
+          </p:spPr>
+        </p:pic>
+        <p:sp>
+          <p:nvSpPr>
+            <p:cNvPr id="9" name="矩形 8">
+              <a:extLst>
+                <a:ext uri="{FF2B5EF4-FFF2-40B4-BE49-F238E27FC236}">
+                  <a16:creationId xmlns:a16="http://schemas.microsoft.com/office/drawing/2014/main" id="{AC2DFBF6-AEF2-349D-3CCC-32D58EC8E873}"/>
+                </a:ext>
+              </a:extLst>
+            </p:cNvPr>
+            <p:cNvSpPr/>
+            <p:nvPr/>
+          </p:nvSpPr>
+          <p:spPr>
+            <a:xfrm>
+              <a:off x="2638515" y="3574627"/>
+              <a:ext cx="269240" cy="762000"/>
+            </a:xfrm>
+            <a:prstGeom prst="rect">
+              <a:avLst/>
+            </a:prstGeom>
+            <a:noFill/>
+            <a:ln w="38100">
+              <a:solidFill>
+                <a:srgbClr val="C00000"/>
+              </a:solidFill>
+            </a:ln>
+          </p:spPr>
+          <p:style>
+            <a:lnRef idx="2">
+              <a:schemeClr val="accent1">
+                <a:shade val="15000"/>
+              </a:schemeClr>
+            </a:lnRef>
+            <a:fillRef idx="1">
+              <a:schemeClr val="accent1"/>
+            </a:fillRef>
+            <a:effectRef idx="0">
+              <a:schemeClr val="accent1"/>
+            </a:effectRef>
+            <a:fontRef idx="minor">
+              <a:schemeClr val="lt1"/>
+            </a:fontRef>
+          </p:style>
+          <p:txBody>
+            <a:bodyPr rtlCol="0" anchor="ctr"/>
+            <a:lstStyle/>
+            <a:p>
+              <a:pPr algn="ctr"/>
+              <a:endParaRPr lang="zh-TW" altLang="en-US"/>
+            </a:p>
+          </p:txBody>
+        </p:sp>
+        <p:sp>
+          <p:nvSpPr>
+            <p:cNvPr id="10" name="矩形 9">
+              <a:extLst>
+                <a:ext uri="{FF2B5EF4-FFF2-40B4-BE49-F238E27FC236}">
+                  <a16:creationId xmlns:a16="http://schemas.microsoft.com/office/drawing/2014/main" id="{FF1448C2-1AC7-369D-0866-7F4BD2390C1B}"/>
+                </a:ext>
+              </a:extLst>
+            </p:cNvPr>
+            <p:cNvSpPr/>
+            <p:nvPr/>
+          </p:nvSpPr>
+          <p:spPr>
+            <a:xfrm>
+              <a:off x="9767436" y="3574627"/>
+              <a:ext cx="269240" cy="762000"/>
+            </a:xfrm>
+            <a:prstGeom prst="rect">
+              <a:avLst/>
+            </a:prstGeom>
+            <a:noFill/>
+            <a:ln w="38100">
+              <a:solidFill>
+                <a:srgbClr val="00B050"/>
+              </a:solidFill>
+            </a:ln>
+          </p:spPr>
+          <p:style>
+            <a:lnRef idx="2">
+              <a:schemeClr val="accent1">
+                <a:shade val="15000"/>
+              </a:schemeClr>
+            </a:lnRef>
+            <a:fillRef idx="1">
+              <a:schemeClr val="accent1"/>
+            </a:fillRef>
+            <a:effectRef idx="0">
+              <a:schemeClr val="accent1"/>
+            </a:effectRef>
+            <a:fontRef idx="minor">
+              <a:schemeClr val="lt1"/>
+            </a:fontRef>
+          </p:style>
+          <p:txBody>
+            <a:bodyPr rtlCol="0" anchor="ctr"/>
+            <a:lstStyle/>
+            <a:p>
+              <a:pPr algn="ctr"/>
+              <a:endParaRPr lang="zh-TW" altLang="en-US">
+                <a:solidFill>
+                  <a:srgbClr val="00B050"/>
+                </a:solidFill>
+              </a:endParaRPr>
+            </a:p>
+          </p:txBody>
+        </p:sp>
+        <p:sp>
+          <p:nvSpPr>
+            <p:cNvPr id="11" name="文字方塊 10">
+              <a:extLst>
+                <a:ext uri="{FF2B5EF4-FFF2-40B4-BE49-F238E27FC236}">
+                  <a16:creationId xmlns:a16="http://schemas.microsoft.com/office/drawing/2014/main" id="{ECC8C34E-DA56-A657-7ED1-A83C693D214A}"/>
+                </a:ext>
+              </a:extLst>
+            </p:cNvPr>
+            <p:cNvSpPr txBox="1"/>
+            <p:nvPr/>
+          </p:nvSpPr>
+          <p:spPr>
+            <a:xfrm>
+              <a:off x="8367763" y="4419745"/>
+              <a:ext cx="2956615" cy="369332"/>
+            </a:xfrm>
+            <a:prstGeom prst="rect">
+              <a:avLst/>
+            </a:prstGeom>
+            <a:noFill/>
+          </p:spPr>
+          <p:txBody>
+            <a:bodyPr wrap="square" rtlCol="0">
+              <a:spAutoFit/>
+            </a:bodyPr>
+            <a:lstStyle/>
+            <a:p>
+              <a:r>
+                <a:rPr lang="en-US" altLang="zh-TW" dirty="0">
+                  <a:solidFill>
+                    <a:srgbClr val="00B050"/>
+                  </a:solidFill>
+                </a:rPr>
+                <a:t>Least significant bit (rightest)</a:t>
+              </a:r>
+              <a:endParaRPr lang="zh-TW" altLang="en-US" dirty="0">
+                <a:solidFill>
+                  <a:srgbClr val="00B050"/>
+                </a:solidFill>
+              </a:endParaRPr>
+            </a:p>
+          </p:txBody>
+        </p:sp>
+        <p:sp>
+          <p:nvSpPr>
+            <p:cNvPr id="12" name="文字方塊 11">
+              <a:extLst>
+                <a:ext uri="{FF2B5EF4-FFF2-40B4-BE49-F238E27FC236}">
+                  <a16:creationId xmlns:a16="http://schemas.microsoft.com/office/drawing/2014/main" id="{FD7A6548-C95F-E7A2-82F5-690585DBB8AA}"/>
+                </a:ext>
+              </a:extLst>
+            </p:cNvPr>
+            <p:cNvSpPr txBox="1"/>
+            <p:nvPr/>
+          </p:nvSpPr>
+          <p:spPr>
+            <a:xfrm>
+              <a:off x="1383728" y="4419745"/>
+              <a:ext cx="2956615" cy="369332"/>
+            </a:xfrm>
+            <a:prstGeom prst="rect">
+              <a:avLst/>
+            </a:prstGeom>
+            <a:noFill/>
+          </p:spPr>
+          <p:txBody>
+            <a:bodyPr wrap="square" rtlCol="0">
+              <a:spAutoFit/>
+            </a:bodyPr>
+            <a:lstStyle/>
+            <a:p>
+              <a:r>
+                <a:rPr lang="en-US" altLang="zh-TW" dirty="0">
+                  <a:solidFill>
+                    <a:srgbClr val="C00000"/>
+                  </a:solidFill>
+                </a:rPr>
+                <a:t>most significant bit (</a:t>
+              </a:r>
+              <a:r>
+                <a:rPr lang="en-US" altLang="zh-TW" dirty="0" err="1">
+                  <a:solidFill>
+                    <a:srgbClr val="C00000"/>
+                  </a:solidFill>
+                </a:rPr>
+                <a:t>leftest</a:t>
+              </a:r>
+              <a:r>
+                <a:rPr lang="en-US" altLang="zh-TW" dirty="0">
+                  <a:solidFill>
+                    <a:srgbClr val="C00000"/>
+                  </a:solidFill>
+                </a:rPr>
+                <a:t>)</a:t>
+              </a:r>
+              <a:endParaRPr lang="zh-TW" altLang="en-US" dirty="0">
+                <a:solidFill>
+                  <a:srgbClr val="C00000"/>
+                </a:solidFill>
+              </a:endParaRPr>
+            </a:p>
+          </p:txBody>
+        </p:sp>
+      </p:grpSp>
+      <p:pic>
+        <p:nvPicPr>
+          <p:cNvPr id="7" name="圖片 6" descr="一張含有 字型, 印刷術, 文字, 白色 的圖片&#10;&#10;AI 產生的內容可能不正確。">
+            <a:extLst>
+              <a:ext uri="{FF2B5EF4-FFF2-40B4-BE49-F238E27FC236}">
+                <a16:creationId xmlns:a16="http://schemas.microsoft.com/office/drawing/2014/main" id="{EE89A5D9-862E-69E7-4230-CAE24623CF60}"/>
+              </a:ext>
+            </a:extLst>
+          </p:cNvPr>
+          <p:cNvPicPr>
+            <a:picLocks noChangeAspect="1"/>
+          </p:cNvPicPr>
+          <p:nvPr/>
+        </p:nvPicPr>
+        <p:blipFill>
+          <a:blip r:embed="rId4"/>
+          <a:stretch>
+            <a:fillRect/>
+          </a:stretch>
+        </p:blipFill>
+        <p:spPr>
+          <a:xfrm>
+            <a:off x="8200724" y="1518129"/>
+            <a:ext cx="3144295" cy="491676"/>
+          </a:xfrm>
+          <a:prstGeom prst="rect">
+            <a:avLst/>
+          </a:prstGeom>
+        </p:spPr>
+      </p:pic>
+      <p:pic>
+        <p:nvPicPr>
+          <p:cNvPr id="14" name="圖片 13" descr="一張含有 字型, 行, 符號, 螢幕擷取畫面 的圖片&#10;&#10;AI 產生的內容可能不正確。">
+            <a:extLst>
+              <a:ext uri="{FF2B5EF4-FFF2-40B4-BE49-F238E27FC236}">
+                <a16:creationId xmlns:a16="http://schemas.microsoft.com/office/drawing/2014/main" id="{A472F880-9B45-266C-6384-4C97B35C6BEC}"/>
+              </a:ext>
+            </a:extLst>
+          </p:cNvPr>
+          <p:cNvPicPr>
+            <a:picLocks noChangeAspect="1"/>
+          </p:cNvPicPr>
+          <p:nvPr/>
+        </p:nvPicPr>
+        <p:blipFill>
+          <a:blip r:embed="rId5"/>
+          <a:stretch>
+            <a:fillRect/>
+          </a:stretch>
+        </p:blipFill>
+        <p:spPr>
+          <a:xfrm>
+            <a:off x="7810152" y="2223679"/>
+            <a:ext cx="3610479" cy="876422"/>
+          </a:xfrm>
+          <a:prstGeom prst="rect">
+            <a:avLst/>
+          </a:prstGeom>
+        </p:spPr>
+      </p:pic>
+      <p:sp>
+        <p:nvSpPr>
+          <p:cNvPr id="15" name="TextBox 2">
+            <a:extLst>
+              <a:ext uri="{FF2B5EF4-FFF2-40B4-BE49-F238E27FC236}">
+                <a16:creationId xmlns:a16="http://schemas.microsoft.com/office/drawing/2014/main" id="{99CB4E8C-ED4B-DB1B-2FFF-D561CB409655}"/>
+              </a:ext>
+            </a:extLst>
+          </p:cNvPr>
+          <p:cNvSpPr txBox="1"/>
+          <p:nvPr/>
+        </p:nvSpPr>
+        <p:spPr>
+          <a:xfrm>
+            <a:off x="1037771" y="1797654"/>
+            <a:ext cx="9238381" cy="4154984"/>
+          </a:xfrm>
+          <a:prstGeom prst="rect">
+            <a:avLst/>
+          </a:prstGeom>
+          <a:noFill/>
+        </p:spPr>
+        <p:txBody>
+          <a:bodyPr wrap="square" rtlCol="0">
+            <a:spAutoFit/>
+          </a:bodyPr>
+          <a:lstStyle/>
+          <a:p>
+            <a:pPr marL="457200" indent="-457200">
+              <a:buAutoNum type="arabicPeriod"/>
+            </a:pPr>
+            <a:r>
+              <a:rPr lang="en-US" altLang="zh-TW" sz="2400" dirty="0"/>
+              <a:t>Two’s complement</a:t>
+            </a:r>
+          </a:p>
+          <a:p>
+            <a:pPr marL="914400" lvl="1" indent="-457200">
+              <a:buAutoNum type="arabicPeriod"/>
+            </a:pPr>
+            <a:r>
+              <a:rPr lang="en-US" altLang="zh-TW" sz="2400" dirty="0"/>
+              <a:t>Sign + magnitude</a:t>
+            </a:r>
+          </a:p>
+          <a:p>
+            <a:pPr marL="457200" indent="-457200">
+              <a:buAutoNum type="arabicPeriod"/>
+            </a:pPr>
+            <a:r>
+              <a:rPr lang="en-US" altLang="zh-TW" sz="2400" dirty="0"/>
+              <a:t>Sign extension (ex. 16-bit to 32-bit)</a:t>
+            </a:r>
+          </a:p>
+          <a:p>
+            <a:pPr marL="914400" lvl="1" indent="-457200">
+              <a:buAutoNum type="arabicPeriod"/>
+            </a:pPr>
+            <a:r>
+              <a:rPr lang="en-US" altLang="zh-TW" sz="2400" dirty="0"/>
+              <a:t>Positive(0) -&gt;</a:t>
+            </a:r>
+            <a:r>
+              <a:rPr lang="zh-TW" altLang="en-US" sz="2400" dirty="0"/>
+              <a:t>直接前面補 </a:t>
+            </a:r>
+            <a:r>
+              <a:rPr lang="en-US" altLang="zh-TW" sz="2400" dirty="0"/>
+              <a:t>0</a:t>
+            </a:r>
+          </a:p>
+          <a:p>
+            <a:pPr marL="914400" lvl="1" indent="-457200">
+              <a:buAutoNum type="arabicPeriod"/>
+            </a:pPr>
+            <a:r>
+              <a:rPr lang="en-US" altLang="zh-TW" sz="2400" dirty="0"/>
+              <a:t>Negative(1) -&gt; </a:t>
+            </a:r>
+            <a:r>
+              <a:rPr lang="zh-TW" altLang="en-US" sz="2400" dirty="0"/>
+              <a:t>直接前面補 </a:t>
+            </a:r>
+            <a:r>
+              <a:rPr lang="en-US" altLang="zh-TW" sz="2400" dirty="0"/>
+              <a:t>1</a:t>
+            </a:r>
+          </a:p>
+          <a:p>
+            <a:pPr marL="457200" indent="-457200">
+              <a:buAutoNum type="arabicPeriod"/>
+            </a:pPr>
+            <a:endParaRPr lang="en-US" altLang="zh-TW" sz="2400" dirty="0"/>
+          </a:p>
+          <a:p>
+            <a:pPr marL="457200" indent="-457200">
+              <a:buAutoNum type="arabicPeriod"/>
+            </a:pPr>
+            <a:endParaRPr lang="en-US" altLang="zh-TW" sz="2400" dirty="0"/>
+          </a:p>
+          <a:p>
+            <a:pPr marL="914400" lvl="1" indent="-457200">
+              <a:buAutoNum type="arabicPeriod"/>
+            </a:pPr>
+            <a:endParaRPr lang="en-US" altLang="zh-TW" sz="2400" dirty="0"/>
+          </a:p>
+          <a:p>
+            <a:pPr marL="1371600" lvl="2" indent="-457200">
+              <a:buAutoNum type="arabicPeriod"/>
+            </a:pPr>
+            <a:endParaRPr lang="en-US" altLang="zh-TW" sz="2400" dirty="0"/>
+          </a:p>
+          <a:p>
+            <a:pPr marL="1371600" lvl="2" indent="-457200">
+              <a:buAutoNum type="arabicPeriod"/>
+            </a:pPr>
+            <a:endParaRPr lang="en-US" altLang="zh-TW" sz="2400" b="0" dirty="0"/>
+          </a:p>
+          <a:p>
+            <a:pPr marL="1371600" lvl="2" indent="-457200">
+              <a:buAutoNum type="arabicPeriod"/>
+            </a:pPr>
+            <a:endParaRPr lang="zh-TW" altLang="en-US" sz="2400" dirty="0"/>
+          </a:p>
+        </p:txBody>
+      </p:sp>
+    </p:spTree>
+    <p:extLst>
+      <p:ext uri="{BB962C8B-B14F-4D97-AF65-F5344CB8AC3E}">
+        <p14:creationId xmlns:p14="http://schemas.microsoft.com/office/powerpoint/2010/main" val="4202253259"/>
+      </p:ext>
+    </p:extLst>
+  </p:cSld>
+  <p:clrMapOvr>
+    <a:masterClrMapping/>
+  </p:clrMapOvr>
+</p:sld>
+</file>
+
+<file path=ppt/slides/slide24.xml><?xml version="1.0" encoding="utf-8"?>
+<p:sld xmlns:a="http://schemas.openxmlformats.org/drawingml/2006/main" xmlns:r="http://schemas.openxmlformats.org/officeDocument/2006/relationships" xmlns:p="http://schemas.openxmlformats.org/presentationml/2006/main">
+  <p:cSld>
+    <p:spTree>
+      <p:nvGrpSpPr>
+        <p:cNvPr id="1" name="">
+          <a:extLst>
+            <a:ext uri="{FF2B5EF4-FFF2-40B4-BE49-F238E27FC236}">
+              <a16:creationId xmlns:a16="http://schemas.microsoft.com/office/drawing/2014/main" id="{D931D34C-1841-17E1-6C65-7E2414BBF740}"/>
+            </a:ext>
+          </a:extLst>
+        </p:cNvPr>
+        <p:cNvGrpSpPr/>
+        <p:nvPr/>
+      </p:nvGrpSpPr>
+      <p:grpSpPr>
+        <a:xfrm>
+          <a:off x="0" y="0"/>
+          <a:ext cx="0" cy="0"/>
+          <a:chOff x="0" y="0"/>
+          <a:chExt cx="0" cy="0"/>
+        </a:xfrm>
+      </p:grpSpPr>
+      <p:sp>
+        <p:nvSpPr>
+          <p:cNvPr id="2" name="TextBox 1">
+            <a:extLst>
+              <a:ext uri="{FF2B5EF4-FFF2-40B4-BE49-F238E27FC236}">
+                <a16:creationId xmlns:a16="http://schemas.microsoft.com/office/drawing/2014/main" id="{8053BC9A-038E-7CDF-9983-072DEABE5146}"/>
+              </a:ext>
+            </a:extLst>
+          </p:cNvPr>
+          <p:cNvSpPr txBox="1"/>
+          <p:nvPr/>
+        </p:nvSpPr>
+        <p:spPr>
+          <a:xfrm>
+            <a:off x="1037771" y="592436"/>
+            <a:ext cx="10116457" cy="830997"/>
+          </a:xfrm>
+          <a:prstGeom prst="rect">
+            <a:avLst/>
+          </a:prstGeom>
+          <a:noFill/>
+        </p:spPr>
+        <p:txBody>
+          <a:bodyPr wrap="square" rtlCol="0">
+            <a:spAutoFit/>
+          </a:bodyPr>
+          <a:lstStyle/>
+          <a:p>
+            <a:r>
+              <a:rPr lang="en-US" altLang="zh-TW" sz="4800" dirty="0"/>
+              <a:t>CO – instruction</a:t>
+            </a:r>
+            <a:endParaRPr lang="zh-TW" altLang="en-US" sz="4800" dirty="0"/>
+          </a:p>
+        </p:txBody>
+      </p:sp>
+      <p:sp>
+        <p:nvSpPr>
+          <p:cNvPr id="15" name="TextBox 2">
+            <a:extLst>
+              <a:ext uri="{FF2B5EF4-FFF2-40B4-BE49-F238E27FC236}">
+                <a16:creationId xmlns:a16="http://schemas.microsoft.com/office/drawing/2014/main" id="{19CC99A9-D1FB-BB46-FCB2-E878D75AA03C}"/>
+              </a:ext>
+            </a:extLst>
+          </p:cNvPr>
+          <p:cNvSpPr txBox="1"/>
+          <p:nvPr/>
+        </p:nvSpPr>
+        <p:spPr>
+          <a:xfrm>
+            <a:off x="1037771" y="1732561"/>
+            <a:ext cx="9238381" cy="4154984"/>
+          </a:xfrm>
+          <a:prstGeom prst="rect">
+            <a:avLst/>
+          </a:prstGeom>
+          <a:noFill/>
+        </p:spPr>
+        <p:txBody>
+          <a:bodyPr wrap="square" rtlCol="0">
+            <a:spAutoFit/>
+          </a:bodyPr>
+          <a:lstStyle/>
+          <a:p>
+            <a:pPr marL="457200" indent="-457200">
+              <a:buAutoNum type="arabicPeriod"/>
+            </a:pPr>
+            <a:r>
+              <a:rPr lang="en-US" altLang="zh-TW" sz="2400" dirty="0"/>
+              <a:t>Two’s complement</a:t>
+            </a:r>
+          </a:p>
+          <a:p>
+            <a:pPr marL="914400" lvl="1" indent="-457200">
+              <a:buAutoNum type="arabicPeriod"/>
+            </a:pPr>
+            <a:r>
+              <a:rPr lang="en-US" altLang="zh-TW" sz="2400" dirty="0"/>
+              <a:t>Sign + magnitude</a:t>
+            </a:r>
+          </a:p>
+          <a:p>
+            <a:pPr marL="457200" indent="-457200">
+              <a:buAutoNum type="arabicPeriod"/>
+            </a:pPr>
+            <a:r>
+              <a:rPr lang="en-US" altLang="zh-TW" sz="2400" dirty="0"/>
+              <a:t>Sign extension (ex. 16-bit to 32-bit)</a:t>
+            </a:r>
+          </a:p>
+          <a:p>
+            <a:pPr marL="914400" lvl="1" indent="-457200">
+              <a:buAutoNum type="arabicPeriod"/>
+            </a:pPr>
+            <a:r>
+              <a:rPr lang="en-US" altLang="zh-TW" sz="2400" dirty="0"/>
+              <a:t>Positive(0) -&gt;</a:t>
+            </a:r>
+            <a:r>
+              <a:rPr lang="zh-TW" altLang="en-US" sz="2400" dirty="0"/>
+              <a:t>直接前面補 </a:t>
+            </a:r>
+            <a:r>
+              <a:rPr lang="en-US" altLang="zh-TW" sz="2400" dirty="0"/>
+              <a:t>0</a:t>
+            </a:r>
+          </a:p>
+          <a:p>
+            <a:pPr marL="914400" lvl="1" indent="-457200">
+              <a:buAutoNum type="arabicPeriod"/>
+            </a:pPr>
+            <a:r>
+              <a:rPr lang="en-US" altLang="zh-TW" sz="2400" dirty="0"/>
+              <a:t>Negative(1) -&gt; </a:t>
+            </a:r>
+            <a:r>
+              <a:rPr lang="zh-TW" altLang="en-US" sz="2400" dirty="0"/>
+              <a:t>直接前面補 </a:t>
+            </a:r>
+            <a:r>
+              <a:rPr lang="en-US" altLang="zh-TW" sz="2400" dirty="0"/>
+              <a:t>1</a:t>
+            </a:r>
+          </a:p>
+          <a:p>
+            <a:pPr marL="457200" indent="-457200">
+              <a:buAutoNum type="arabicPeriod"/>
+            </a:pPr>
+            <a:endParaRPr lang="en-US" altLang="zh-TW" sz="2400" dirty="0"/>
+          </a:p>
+          <a:p>
+            <a:pPr marL="457200" indent="-457200">
+              <a:buAutoNum type="arabicPeriod"/>
+            </a:pPr>
+            <a:endParaRPr lang="en-US" altLang="zh-TW" sz="2400" dirty="0"/>
+          </a:p>
+          <a:p>
+            <a:pPr marL="914400" lvl="1" indent="-457200">
+              <a:buAutoNum type="arabicPeriod"/>
+            </a:pPr>
+            <a:endParaRPr lang="en-US" altLang="zh-TW" sz="2400" dirty="0"/>
+          </a:p>
+          <a:p>
+            <a:pPr marL="1371600" lvl="2" indent="-457200">
+              <a:buAutoNum type="arabicPeriod"/>
+            </a:pPr>
+            <a:endParaRPr lang="en-US" altLang="zh-TW" sz="2400" dirty="0"/>
+          </a:p>
+          <a:p>
+            <a:pPr marL="1371600" lvl="2" indent="-457200">
+              <a:buAutoNum type="arabicPeriod"/>
+            </a:pPr>
+            <a:endParaRPr lang="en-US" altLang="zh-TW" sz="2400" b="0" dirty="0"/>
+          </a:p>
+          <a:p>
+            <a:pPr marL="1371600" lvl="2" indent="-457200">
+              <a:buAutoNum type="arabicPeriod"/>
+            </a:pPr>
+            <a:endParaRPr lang="zh-TW" altLang="en-US" sz="2400" dirty="0"/>
+          </a:p>
+        </p:txBody>
+      </p:sp>
+      <p:pic>
+        <p:nvPicPr>
+          <p:cNvPr id="17" name="圖片 16">
+            <a:extLst>
+              <a:ext uri="{FF2B5EF4-FFF2-40B4-BE49-F238E27FC236}">
+                <a16:creationId xmlns:a16="http://schemas.microsoft.com/office/drawing/2014/main" id="{0D05C07E-0D4D-E963-6CD0-0ADADAF1C0AF}"/>
+              </a:ext>
+            </a:extLst>
+          </p:cNvPr>
+          <p:cNvPicPr>
+            <a:picLocks noChangeAspect="1"/>
+          </p:cNvPicPr>
+          <p:nvPr/>
+        </p:nvPicPr>
+        <p:blipFill>
+          <a:blip r:embed="rId3"/>
+          <a:stretch>
+            <a:fillRect/>
+          </a:stretch>
+        </p:blipFill>
+        <p:spPr>
+          <a:xfrm>
+            <a:off x="5993278" y="3781176"/>
+            <a:ext cx="5160950" cy="622739"/>
+          </a:xfrm>
+          <a:prstGeom prst="rect">
+            <a:avLst/>
+          </a:prstGeom>
+        </p:spPr>
+      </p:pic>
+      <p:pic>
+        <p:nvPicPr>
+          <p:cNvPr id="5" name="圖片 4">
+            <a:extLst>
+              <a:ext uri="{FF2B5EF4-FFF2-40B4-BE49-F238E27FC236}">
+                <a16:creationId xmlns:a16="http://schemas.microsoft.com/office/drawing/2014/main" id="{7A56B9D5-7600-AF99-D069-B8C12EAC9D4B}"/>
+              </a:ext>
+            </a:extLst>
+          </p:cNvPr>
+          <p:cNvPicPr>
+            <a:picLocks noChangeAspect="1"/>
+          </p:cNvPicPr>
+          <p:nvPr/>
+        </p:nvPicPr>
+        <p:blipFill>
+          <a:blip r:embed="rId4"/>
+          <a:stretch>
+            <a:fillRect/>
+          </a:stretch>
+        </p:blipFill>
+        <p:spPr>
+          <a:xfrm>
+            <a:off x="1620851" y="4403915"/>
+            <a:ext cx="9828607" cy="740037"/>
+          </a:xfrm>
+          <a:prstGeom prst="rect">
+            <a:avLst/>
+          </a:prstGeom>
+        </p:spPr>
+      </p:pic>
+      <p:pic>
+        <p:nvPicPr>
+          <p:cNvPr id="16" name="圖片 15" descr="一張含有 字型, 行, 印刷術 的圖片&#10;&#10;AI 產生的內容可能不正確。">
+            <a:extLst>
+              <a:ext uri="{FF2B5EF4-FFF2-40B4-BE49-F238E27FC236}">
+                <a16:creationId xmlns:a16="http://schemas.microsoft.com/office/drawing/2014/main" id="{8CC8CFBF-68D6-800B-6FD4-96A9B8DEE531}"/>
+              </a:ext>
+            </a:extLst>
+          </p:cNvPr>
+          <p:cNvPicPr>
+            <a:picLocks noChangeAspect="1"/>
+          </p:cNvPicPr>
+          <p:nvPr/>
+        </p:nvPicPr>
+        <p:blipFill>
+          <a:blip r:embed="rId5"/>
+          <a:stretch>
+            <a:fillRect/>
+          </a:stretch>
+        </p:blipFill>
+        <p:spPr>
+          <a:xfrm>
+            <a:off x="6095999" y="5246967"/>
+            <a:ext cx="5106113" cy="876422"/>
+          </a:xfrm>
+          <a:prstGeom prst="rect">
+            <a:avLst/>
+          </a:prstGeom>
+        </p:spPr>
+      </p:pic>
+      <p:pic>
+        <p:nvPicPr>
+          <p:cNvPr id="19" name="圖片 18">
+            <a:extLst>
+              <a:ext uri="{FF2B5EF4-FFF2-40B4-BE49-F238E27FC236}">
+                <a16:creationId xmlns:a16="http://schemas.microsoft.com/office/drawing/2014/main" id="{104A542B-516A-56DB-A174-5FC1BFD3E8FB}"/>
+              </a:ext>
+            </a:extLst>
+          </p:cNvPr>
+          <p:cNvPicPr>
+            <a:picLocks noChangeAspect="1"/>
+          </p:cNvPicPr>
+          <p:nvPr/>
+        </p:nvPicPr>
+        <p:blipFill>
+          <a:blip r:embed="rId6"/>
+          <a:stretch>
+            <a:fillRect/>
+          </a:stretch>
+        </p:blipFill>
+        <p:spPr>
+          <a:xfrm>
+            <a:off x="989888" y="5959110"/>
+            <a:ext cx="10998184" cy="802548"/>
+          </a:xfrm>
+          <a:prstGeom prst="rect">
+            <a:avLst/>
+          </a:prstGeom>
+        </p:spPr>
+      </p:pic>
+    </p:spTree>
+    <p:extLst>
+      <p:ext uri="{BB962C8B-B14F-4D97-AF65-F5344CB8AC3E}">
+        <p14:creationId xmlns:p14="http://schemas.microsoft.com/office/powerpoint/2010/main" val="2927110301"/>
+      </p:ext>
+    </p:extLst>
+  </p:cSld>
+  <p:clrMapOvr>
+    <a:masterClrMapping/>
+  </p:clrMapOvr>
+</p:sld>
+</file>
+
+<file path=ppt/slides/slide25.xml><?xml version="1.0" encoding="utf-8"?>
+<p:sld xmlns:a="http://schemas.openxmlformats.org/drawingml/2006/main" xmlns:r="http://schemas.openxmlformats.org/officeDocument/2006/relationships" xmlns:p="http://schemas.openxmlformats.org/presentationml/2006/main">
+  <p:cSld>
+    <p:spTree>
+      <p:nvGrpSpPr>
+        <p:cNvPr id="1" name="">
+          <a:extLst>
+            <a:ext uri="{FF2B5EF4-FFF2-40B4-BE49-F238E27FC236}">
+              <a16:creationId xmlns:a16="http://schemas.microsoft.com/office/drawing/2014/main" id="{437E6034-2B18-C668-E486-37866966F662}"/>
+            </a:ext>
+          </a:extLst>
+        </p:cNvPr>
+        <p:cNvGrpSpPr/>
+        <p:nvPr/>
+      </p:nvGrpSpPr>
+      <p:grpSpPr>
+        <a:xfrm>
+          <a:off x="0" y="0"/>
+          <a:ext cx="0" cy="0"/>
+          <a:chOff x="0" y="0"/>
+          <a:chExt cx="0" cy="0"/>
+        </a:xfrm>
+      </p:grpSpPr>
+      <p:sp>
+        <p:nvSpPr>
+          <p:cNvPr id="2" name="TextBox 1">
+            <a:extLst>
+              <a:ext uri="{FF2B5EF4-FFF2-40B4-BE49-F238E27FC236}">
+                <a16:creationId xmlns:a16="http://schemas.microsoft.com/office/drawing/2014/main" id="{0CD6793E-E5C8-307A-2EC5-8AA4910A2E42}"/>
+              </a:ext>
+            </a:extLst>
+          </p:cNvPr>
+          <p:cNvSpPr txBox="1"/>
+          <p:nvPr/>
+        </p:nvSpPr>
+        <p:spPr>
+          <a:xfrm>
+            <a:off x="1037771" y="592436"/>
+            <a:ext cx="10116457" cy="830997"/>
+          </a:xfrm>
+          <a:prstGeom prst="rect">
+            <a:avLst/>
+          </a:prstGeom>
+          <a:noFill/>
+        </p:spPr>
+        <p:txBody>
+          <a:bodyPr wrap="square" rtlCol="0">
+            <a:spAutoFit/>
+          </a:bodyPr>
+          <a:lstStyle/>
+          <a:p>
+            <a:r>
+              <a:rPr lang="en-US" altLang="zh-TW" sz="4800" dirty="0"/>
+              <a:t>CO – to machine code</a:t>
+            </a:r>
+            <a:endParaRPr lang="zh-TW" altLang="en-US" sz="4800" dirty="0"/>
+          </a:p>
+        </p:txBody>
+      </p:sp>
+      <p:sp>
+        <p:nvSpPr>
+          <p:cNvPr id="15" name="TextBox 2">
+            <a:extLst>
+              <a:ext uri="{FF2B5EF4-FFF2-40B4-BE49-F238E27FC236}">
+                <a16:creationId xmlns:a16="http://schemas.microsoft.com/office/drawing/2014/main" id="{C7563F1F-BE45-CFFB-75A1-5E4261169918}"/>
+              </a:ext>
+            </a:extLst>
+          </p:cNvPr>
+          <p:cNvSpPr txBox="1"/>
+          <p:nvPr/>
+        </p:nvSpPr>
+        <p:spPr>
+          <a:xfrm>
+            <a:off x="1037771" y="1732561"/>
+            <a:ext cx="9238381" cy="2677656"/>
+          </a:xfrm>
+          <a:prstGeom prst="rect">
+            <a:avLst/>
+          </a:prstGeom>
+          <a:noFill/>
+        </p:spPr>
+        <p:txBody>
+          <a:bodyPr wrap="square" rtlCol="0">
+            <a:spAutoFit/>
+          </a:bodyPr>
+          <a:lstStyle/>
+          <a:p>
+            <a:pPr marL="457200" indent="-457200">
+              <a:buAutoNum type="arabicPeriod"/>
+            </a:pPr>
+            <a:r>
+              <a:rPr lang="en-US" altLang="zh-TW" sz="2400" dirty="0"/>
+              <a:t>dd</a:t>
+            </a:r>
+          </a:p>
+          <a:p>
+            <a:pPr marL="457200" indent="-457200">
+              <a:buAutoNum type="arabicPeriod"/>
+            </a:pPr>
+            <a:endParaRPr lang="en-US" altLang="zh-TW" sz="2400" dirty="0"/>
+          </a:p>
+          <a:p>
+            <a:pPr marL="457200" indent="-457200">
+              <a:buAutoNum type="arabicPeriod"/>
+            </a:pPr>
+            <a:endParaRPr lang="en-US" altLang="zh-TW" sz="2400" dirty="0"/>
+          </a:p>
+          <a:p>
+            <a:pPr marL="914400" lvl="1" indent="-457200">
+              <a:buAutoNum type="arabicPeriod"/>
+            </a:pPr>
+            <a:endParaRPr lang="en-US" altLang="zh-TW" sz="2400" dirty="0"/>
+          </a:p>
+          <a:p>
+            <a:pPr marL="1371600" lvl="2" indent="-457200">
+              <a:buAutoNum type="arabicPeriod"/>
+            </a:pPr>
+            <a:endParaRPr lang="en-US" altLang="zh-TW" sz="2400" dirty="0"/>
+          </a:p>
+          <a:p>
+            <a:pPr marL="1371600" lvl="2" indent="-457200">
+              <a:buAutoNum type="arabicPeriod"/>
+            </a:pPr>
+            <a:endParaRPr lang="en-US" altLang="zh-TW" sz="2400" b="0" dirty="0"/>
+          </a:p>
+          <a:p>
+            <a:pPr marL="1371600" lvl="2" indent="-457200">
+              <a:buAutoNum type="arabicPeriod"/>
+            </a:pPr>
+            <a:endParaRPr lang="zh-TW" altLang="en-US" sz="2400" dirty="0"/>
+          </a:p>
+        </p:txBody>
+      </p:sp>
+      <p:pic>
+        <p:nvPicPr>
+          <p:cNvPr id="4" name="圖片 3" descr="一張含有 文字, 螢幕擷取畫面, 字型, 數字 的圖片&#10;&#10;AI 產生的內容可能不正確。">
+            <a:extLst>
+              <a:ext uri="{FF2B5EF4-FFF2-40B4-BE49-F238E27FC236}">
+                <a16:creationId xmlns:a16="http://schemas.microsoft.com/office/drawing/2014/main" id="{327D3099-6E5E-4B7A-C3F7-D6479356E222}"/>
+              </a:ext>
+            </a:extLst>
+          </p:cNvPr>
+          <p:cNvPicPr>
+            <a:picLocks noChangeAspect="1"/>
+          </p:cNvPicPr>
+          <p:nvPr/>
+        </p:nvPicPr>
+        <p:blipFill>
+          <a:blip r:embed="rId3"/>
+          <a:stretch>
+            <a:fillRect/>
+          </a:stretch>
+        </p:blipFill>
+        <p:spPr>
+          <a:xfrm>
+            <a:off x="4789714" y="3034419"/>
+            <a:ext cx="6727371" cy="3162254"/>
+          </a:xfrm>
+          <a:prstGeom prst="rect">
+            <a:avLst/>
+          </a:prstGeom>
+        </p:spPr>
+      </p:pic>
+    </p:spTree>
+    <p:extLst>
+      <p:ext uri="{BB962C8B-B14F-4D97-AF65-F5344CB8AC3E}">
+        <p14:creationId xmlns:p14="http://schemas.microsoft.com/office/powerpoint/2010/main" val="341903947"/>
+      </p:ext>
+    </p:extLst>
+  </p:cSld>
+  <p:clrMapOvr>
+    <a:masterClrMapping/>
+  </p:clrMapOvr>
+</p:sld>
+</file>
+
+<file path=ppt/slides/slide26.xml><?xml version="1.0" encoding="utf-8"?>
+<p:sld xmlns:a="http://schemas.openxmlformats.org/drawingml/2006/main" xmlns:r="http://schemas.openxmlformats.org/officeDocument/2006/relationships" xmlns:p="http://schemas.openxmlformats.org/presentationml/2006/main">
+  <p:cSld>
+    <p:spTree>
+      <p:nvGrpSpPr>
+        <p:cNvPr id="1" name="">
+          <a:extLst>
+            <a:ext uri="{FF2B5EF4-FFF2-40B4-BE49-F238E27FC236}">
+              <a16:creationId xmlns:a16="http://schemas.microsoft.com/office/drawing/2014/main" id="{B81AE26B-F4B5-1E20-C222-944EA169C34A}"/>
+            </a:ext>
+          </a:extLst>
+        </p:cNvPr>
+        <p:cNvGrpSpPr/>
+        <p:nvPr/>
+      </p:nvGrpSpPr>
+      <p:grpSpPr>
+        <a:xfrm>
+          <a:off x="0" y="0"/>
+          <a:ext cx="0" cy="0"/>
+          <a:chOff x="0" y="0"/>
+          <a:chExt cx="0" cy="0"/>
+        </a:xfrm>
+      </p:grpSpPr>
+      <p:sp>
+        <p:nvSpPr>
+          <p:cNvPr id="2" name="TextBox 1">
+            <a:extLst>
+              <a:ext uri="{FF2B5EF4-FFF2-40B4-BE49-F238E27FC236}">
+                <a16:creationId xmlns:a16="http://schemas.microsoft.com/office/drawing/2014/main" id="{755AC512-64F0-BA72-58E3-7050F90DACA9}"/>
+              </a:ext>
+            </a:extLst>
+          </p:cNvPr>
+          <p:cNvSpPr txBox="1"/>
+          <p:nvPr/>
+        </p:nvSpPr>
+        <p:spPr>
+          <a:xfrm>
+            <a:off x="1037771" y="592436"/>
+            <a:ext cx="10116457" cy="830997"/>
+          </a:xfrm>
+          <a:prstGeom prst="rect">
+            <a:avLst/>
+          </a:prstGeom>
+          <a:noFill/>
+        </p:spPr>
+        <p:txBody>
+          <a:bodyPr wrap="square" rtlCol="0">
+            <a:spAutoFit/>
+          </a:bodyPr>
+          <a:lstStyle/>
+          <a:p>
+            <a:r>
+              <a:rPr lang="en-US" altLang="zh-TW" sz="4800" dirty="0"/>
+              <a:t>CO – to machine code</a:t>
+            </a:r>
+            <a:endParaRPr lang="zh-TW" altLang="en-US" sz="4800" dirty="0"/>
+          </a:p>
+        </p:txBody>
+      </p:sp>
+      <p:sp>
+        <p:nvSpPr>
+          <p:cNvPr id="15" name="TextBox 2">
+            <a:extLst>
+              <a:ext uri="{FF2B5EF4-FFF2-40B4-BE49-F238E27FC236}">
+                <a16:creationId xmlns:a16="http://schemas.microsoft.com/office/drawing/2014/main" id="{5111EB88-23A8-6C1D-C663-EF3B1460FA5B}"/>
+              </a:ext>
+            </a:extLst>
+          </p:cNvPr>
+          <p:cNvSpPr txBox="1"/>
+          <p:nvPr/>
+        </p:nvSpPr>
+        <p:spPr>
+          <a:xfrm>
+            <a:off x="1037771" y="1732561"/>
+            <a:ext cx="9238381" cy="3046988"/>
+          </a:xfrm>
+          <a:prstGeom prst="rect">
+            <a:avLst/>
+          </a:prstGeom>
+          <a:noFill/>
+        </p:spPr>
+        <p:txBody>
+          <a:bodyPr wrap="square" rtlCol="0">
+            <a:spAutoFit/>
+          </a:bodyPr>
+          <a:lstStyle/>
+          <a:p>
+            <a:pPr marL="457200" indent="-457200">
+              <a:buAutoNum type="arabicPeriod"/>
+            </a:pPr>
+            <a:r>
+              <a:rPr lang="en-US" altLang="zh-TW" sz="2400" dirty="0"/>
+              <a:t>R-type (Register)</a:t>
+            </a:r>
+          </a:p>
+          <a:p>
+            <a:pPr marL="457200" indent="-457200">
+              <a:buAutoNum type="arabicPeriod"/>
+            </a:pPr>
+            <a:r>
+              <a:rPr lang="en-US" altLang="zh-TW" sz="2400" dirty="0"/>
+              <a:t>I-type (Immediate)</a:t>
+            </a:r>
+          </a:p>
+          <a:p>
+            <a:pPr marL="457200" indent="-457200">
+              <a:buAutoNum type="arabicPeriod"/>
+            </a:pPr>
+            <a:endParaRPr lang="en-US" altLang="zh-TW" sz="2400" dirty="0"/>
+          </a:p>
+          <a:p>
+            <a:pPr marL="457200" indent="-457200">
+              <a:buAutoNum type="arabicPeriod"/>
+            </a:pPr>
+            <a:endParaRPr lang="en-US" altLang="zh-TW" sz="2400" dirty="0"/>
+          </a:p>
+          <a:p>
+            <a:pPr marL="914400" lvl="1" indent="-457200">
+              <a:buAutoNum type="arabicPeriod"/>
+            </a:pPr>
+            <a:endParaRPr lang="en-US" altLang="zh-TW" sz="2400" dirty="0"/>
+          </a:p>
+          <a:p>
+            <a:pPr marL="1371600" lvl="2" indent="-457200">
+              <a:buAutoNum type="arabicPeriod"/>
+            </a:pPr>
+            <a:endParaRPr lang="en-US" altLang="zh-TW" sz="2400" dirty="0"/>
+          </a:p>
+          <a:p>
+            <a:pPr marL="1371600" lvl="2" indent="-457200">
+              <a:buAutoNum type="arabicPeriod"/>
+            </a:pPr>
+            <a:endParaRPr lang="en-US" altLang="zh-TW" sz="2400" b="0" dirty="0"/>
+          </a:p>
+          <a:p>
+            <a:pPr marL="1371600" lvl="2" indent="-457200">
+              <a:buAutoNum type="arabicPeriod"/>
+            </a:pPr>
+            <a:endParaRPr lang="zh-TW" altLang="en-US" sz="2400" dirty="0"/>
+          </a:p>
+        </p:txBody>
+      </p:sp>
+      <p:pic>
+        <p:nvPicPr>
+          <p:cNvPr id="4" name="圖片 3" descr="一張含有 文字, 螢幕擷取畫面, 字型, 數字 的圖片&#10;&#10;AI 產生的內容可能不正確。">
+            <a:extLst>
+              <a:ext uri="{FF2B5EF4-FFF2-40B4-BE49-F238E27FC236}">
+                <a16:creationId xmlns:a16="http://schemas.microsoft.com/office/drawing/2014/main" id="{175AB71E-F004-1665-A273-CEBC9BE44AA3}"/>
+              </a:ext>
+            </a:extLst>
+          </p:cNvPr>
+          <p:cNvPicPr>
+            <a:picLocks noChangeAspect="1"/>
+          </p:cNvPicPr>
+          <p:nvPr/>
+        </p:nvPicPr>
+        <p:blipFill>
+          <a:blip r:embed="rId3"/>
+          <a:stretch>
+            <a:fillRect/>
+          </a:stretch>
+        </p:blipFill>
+        <p:spPr>
+          <a:xfrm>
+            <a:off x="4693461" y="3198422"/>
+            <a:ext cx="6727371" cy="3162254"/>
+          </a:xfrm>
+          <a:prstGeom prst="rect">
+            <a:avLst/>
+          </a:prstGeom>
+        </p:spPr>
+      </p:pic>
+      <p:pic>
+        <p:nvPicPr>
+          <p:cNvPr id="5" name="圖片 4" descr="一張含有 文字, 字型, 行, 螢幕擷取畫面 的圖片&#10;&#10;AI 產生的內容可能不正確。">
+            <a:extLst>
+              <a:ext uri="{FF2B5EF4-FFF2-40B4-BE49-F238E27FC236}">
+                <a16:creationId xmlns:a16="http://schemas.microsoft.com/office/drawing/2014/main" id="{57326276-4020-216F-F56A-7053A10111E8}"/>
+              </a:ext>
+            </a:extLst>
+          </p:cNvPr>
+          <p:cNvPicPr>
+            <a:picLocks noChangeAspect="1"/>
+          </p:cNvPicPr>
+          <p:nvPr/>
+        </p:nvPicPr>
+        <p:blipFill>
+          <a:blip r:embed="rId4"/>
+          <a:stretch>
+            <a:fillRect/>
+          </a:stretch>
+        </p:blipFill>
+        <p:spPr>
+          <a:xfrm>
+            <a:off x="1511166" y="2552663"/>
+            <a:ext cx="6843562" cy="876337"/>
+          </a:xfrm>
+          <a:prstGeom prst="rect">
+            <a:avLst/>
+          </a:prstGeom>
+        </p:spPr>
+      </p:pic>
+    </p:spTree>
+    <p:extLst>
+      <p:ext uri="{BB962C8B-B14F-4D97-AF65-F5344CB8AC3E}">
+        <p14:creationId xmlns:p14="http://schemas.microsoft.com/office/powerpoint/2010/main" val="2603507899"/>
+      </p:ext>
+    </p:extLst>
+  </p:cSld>
+  <p:clrMapOvr>
+    <a:masterClrMapping/>
+  </p:clrMapOvr>
+</p:sld>
+</file>
+
+<file path=ppt/slides/slide3.xml><?xml version="1.0" encoding="utf-8"?>
 <p:sld xmlns:a="http://schemas.openxmlformats.org/drawingml/2006/main" xmlns:r="http://schemas.openxmlformats.org/officeDocument/2006/relationships" xmlns:p="http://schemas.openxmlformats.org/presentationml/2006/main">
   <p:cSld>
     <p:spTree>
@@ -3468,126 +7111,6 @@
           <a:chExt cx="0" cy="0"/>
         </a:xfrm>
       </p:grpSpPr>
-    </p:spTree>
-    <p:extLst>
-      <p:ext uri="{BB962C8B-B14F-4D97-AF65-F5344CB8AC3E}">
-        <p14:creationId xmlns:p14="http://schemas.microsoft.com/office/powerpoint/2010/main" val="926670100"/>
-      </p:ext>
-    </p:extLst>
-  </p:cSld>
-  <p:clrMapOvr>
-    <a:masterClrMapping/>
-  </p:clrMapOvr>
-</p:sld>
-</file>
-
-<file path=ppt/slides/slide12.xml><?xml version="1.0" encoding="utf-8"?>
-<p:sld xmlns:a="http://schemas.openxmlformats.org/drawingml/2006/main" xmlns:r="http://schemas.openxmlformats.org/officeDocument/2006/relationships" xmlns:p="http://schemas.openxmlformats.org/presentationml/2006/main">
-  <p:cSld>
-    <p:spTree>
-      <p:nvGrpSpPr>
-        <p:cNvPr id="1" name=""/>
-        <p:cNvGrpSpPr/>
-        <p:nvPr/>
-      </p:nvGrpSpPr>
-      <p:grpSpPr>
-        <a:xfrm>
-          <a:off x="0" y="0"/>
-          <a:ext cx="0" cy="0"/>
-          <a:chOff x="0" y="0"/>
-          <a:chExt cx="0" cy="0"/>
-        </a:xfrm>
-      </p:grpSpPr>
-    </p:spTree>
-    <p:extLst>
-      <p:ext uri="{BB962C8B-B14F-4D97-AF65-F5344CB8AC3E}">
-        <p14:creationId xmlns:p14="http://schemas.microsoft.com/office/powerpoint/2010/main" val="1499469100"/>
-      </p:ext>
-    </p:extLst>
-  </p:cSld>
-  <p:clrMapOvr>
-    <a:masterClrMapping/>
-  </p:clrMapOvr>
-</p:sld>
-</file>
-
-<file path=ppt/slides/slide13.xml><?xml version="1.0" encoding="utf-8"?>
-<p:sld xmlns:a="http://schemas.openxmlformats.org/drawingml/2006/main" xmlns:r="http://schemas.openxmlformats.org/officeDocument/2006/relationships" xmlns:p="http://schemas.openxmlformats.org/presentationml/2006/main">
-  <p:cSld>
-    <p:spTree>
-      <p:nvGrpSpPr>
-        <p:cNvPr id="1" name=""/>
-        <p:cNvGrpSpPr/>
-        <p:nvPr/>
-      </p:nvGrpSpPr>
-      <p:grpSpPr>
-        <a:xfrm>
-          <a:off x="0" y="0"/>
-          <a:ext cx="0" cy="0"/>
-          <a:chOff x="0" y="0"/>
-          <a:chExt cx="0" cy="0"/>
-        </a:xfrm>
-      </p:grpSpPr>
-    </p:spTree>
-    <p:extLst>
-      <p:ext uri="{BB962C8B-B14F-4D97-AF65-F5344CB8AC3E}">
-        <p14:creationId xmlns:p14="http://schemas.microsoft.com/office/powerpoint/2010/main" val="979642463"/>
-      </p:ext>
-    </p:extLst>
-  </p:cSld>
-  <p:clrMapOvr>
-    <a:masterClrMapping/>
-  </p:clrMapOvr>
-</p:sld>
-</file>
-
-<file path=ppt/slides/slide14.xml><?xml version="1.0" encoding="utf-8"?>
-<p:sld xmlns:a="http://schemas.openxmlformats.org/drawingml/2006/main" xmlns:r="http://schemas.openxmlformats.org/officeDocument/2006/relationships" xmlns:p="http://schemas.openxmlformats.org/presentationml/2006/main">
-  <p:cSld>
-    <p:spTree>
-      <p:nvGrpSpPr>
-        <p:cNvPr id="1" name=""/>
-        <p:cNvGrpSpPr/>
-        <p:nvPr/>
-      </p:nvGrpSpPr>
-      <p:grpSpPr>
-        <a:xfrm>
-          <a:off x="0" y="0"/>
-          <a:ext cx="0" cy="0"/>
-          <a:chOff x="0" y="0"/>
-          <a:chExt cx="0" cy="0"/>
-        </a:xfrm>
-      </p:grpSpPr>
-    </p:spTree>
-    <p:extLst>
-      <p:ext uri="{BB962C8B-B14F-4D97-AF65-F5344CB8AC3E}">
-        <p14:creationId xmlns:p14="http://schemas.microsoft.com/office/powerpoint/2010/main" val="3862369491"/>
-      </p:ext>
-    </p:extLst>
-  </p:cSld>
-  <p:clrMapOvr>
-    <a:masterClrMapping/>
-  </p:clrMapOvr>
-</p:sld>
-</file>
-
-<file path=ppt/slides/slide2.xml><?xml version="1.0" encoding="utf-8"?>
-<p:sld xmlns:a="http://schemas.openxmlformats.org/drawingml/2006/main" xmlns:r="http://schemas.openxmlformats.org/officeDocument/2006/relationships" xmlns:p="http://schemas.openxmlformats.org/presentationml/2006/main">
-  <p:cSld>
-    <p:spTree>
-      <p:nvGrpSpPr>
-        <p:cNvPr id="1" name=""/>
-        <p:cNvGrpSpPr/>
-        <p:nvPr/>
-      </p:nvGrpSpPr>
-      <p:grpSpPr>
-        <a:xfrm>
-          <a:off x="0" y="0"/>
-          <a:ext cx="0" cy="0"/>
-          <a:chOff x="0" y="0"/>
-          <a:chExt cx="0" cy="0"/>
-        </a:xfrm>
-      </p:grpSpPr>
       <p:sp>
         <p:nvSpPr>
           <p:cNvPr id="2" name="TextBox 1">
@@ -3624,8 +7147,8 @@
           </a:p>
         </p:txBody>
       </p:sp>
-      <mc:AlternateContent xmlns:mc="http://schemas.openxmlformats.org/markup-compatibility/2006">
-        <mc:Choice xmlns:a14="http://schemas.microsoft.com/office/drawing/2010/main" Requires="a14">
+      <mc:AlternateContent xmlns:mc="http://schemas.openxmlformats.org/markup-compatibility/2006" xmlns:a14="http://schemas.microsoft.com/office/drawing/2010/main">
+        <mc:Choice Requires="a14">
           <p:sp>
             <p:nvSpPr>
               <p:cNvPr id="3" name="TextBox 2">
@@ -3768,13 +7291,7 @@
                       <a:rPr lang="en-US" altLang="zh-TW" sz="2400" b="0" i="0" dirty="0" smtClean="0">
                         <a:latin typeface="Cambria Math" panose="02040503050406030204" pitchFamily="18" charset="0"/>
                       </a:rPr>
-                      <m:t> </m:t>
-                    </m:r>
-                    <m:r>
-                      <a:rPr lang="en-US" altLang="zh-TW" sz="2400" b="0" i="0" dirty="0" smtClean="0">
-                        <a:latin typeface="Cambria Math" panose="02040503050406030204" pitchFamily="18" charset="0"/>
-                      </a:rPr>
-                      <m:t>, </m:t>
+                      <m:t> , </m:t>
                     </m:r>
                   </m:oMath>
                 </a14:m>
@@ -3884,13 +7401,7 @@
                       <a:rPr lang="en-US" altLang="zh-TW" sz="2400" b="0" i="1" dirty="0" smtClean="0">
                         <a:latin typeface="Cambria Math" panose="02040503050406030204" pitchFamily="18" charset="0"/>
                       </a:rPr>
-                      <m:t>𝐴</m:t>
-                    </m:r>
-                    <m:r>
-                      <a:rPr lang="en-US" altLang="zh-TW" sz="2400" b="0" i="1" dirty="0" smtClean="0">
-                        <a:latin typeface="Cambria Math" panose="02040503050406030204" pitchFamily="18" charset="0"/>
-                      </a:rPr>
-                      <m:t>𝑥</m:t>
+                      <m:t>𝐴𝑥</m:t>
                     </m:r>
                     <m:r>
                       <a:rPr lang="en-US" altLang="zh-TW" sz="2400" b="0" i="1" dirty="0" smtClean="0">
@@ -3942,7 +7453,7 @@
             </p:txBody>
           </p:sp>
         </mc:Choice>
-        <mc:Fallback>
+        <mc:Fallback xmlns="">
           <p:sp>
             <p:nvSpPr>
               <p:cNvPr id="3" name="TextBox 2">
@@ -4000,7 +7511,7 @@
 </p:sld>
 </file>
 
-<file path=ppt/slides/slide3.xml><?xml version="1.0" encoding="utf-8"?>
+<file path=ppt/slides/slide4.xml><?xml version="1.0" encoding="utf-8"?>
 <p:sld xmlns:a="http://schemas.openxmlformats.org/drawingml/2006/main" xmlns:r="http://schemas.openxmlformats.org/officeDocument/2006/relationships" xmlns:p="http://schemas.openxmlformats.org/presentationml/2006/main">
   <p:cSld>
     <p:spTree>
@@ -4157,7 +7668,7 @@
 </p:sld>
 </file>
 
-<file path=ppt/slides/slide4.xml><?xml version="1.0" encoding="utf-8"?>
+<file path=ppt/slides/slide5.xml><?xml version="1.0" encoding="utf-8"?>
 <p:sld xmlns:a="http://schemas.openxmlformats.org/drawingml/2006/main" xmlns:r="http://schemas.openxmlformats.org/officeDocument/2006/relationships" xmlns:p="http://schemas.openxmlformats.org/presentationml/2006/main">
   <p:cSld>
     <p:spTree>
@@ -4219,8 +7730,8 @@
           </a:p>
         </p:txBody>
       </p:sp>
-      <mc:AlternateContent xmlns:mc="http://schemas.openxmlformats.org/markup-compatibility/2006">
-        <mc:Choice xmlns:a14="http://schemas.microsoft.com/office/drawing/2010/main" Requires="a14">
+      <mc:AlternateContent xmlns:mc="http://schemas.openxmlformats.org/markup-compatibility/2006" xmlns:a14="http://schemas.microsoft.com/office/drawing/2010/main">
+        <mc:Choice Requires="a14">
           <p:sp>
             <p:nvSpPr>
               <p:cNvPr id="3" name="TextBox 2">
@@ -4480,7 +7991,7 @@
                     <m:d>
                       <m:dPr>
                         <m:ctrlPr>
-                          <a:rPr lang="en-US" altLang="zh-TW" sz="2400" b="0" i="0" dirty="0" smtClean="0">
+                          <a:rPr lang="en-US" altLang="zh-TW" sz="2400" b="0" i="1" dirty="0" smtClean="0">
                             <a:latin typeface="Cambria Math" panose="02040503050406030204" pitchFamily="18" charset="0"/>
                             <a:ea typeface="Cambria Math" panose="02040503050406030204" pitchFamily="18" charset="0"/>
                           </a:rPr>
@@ -4619,13 +8130,7 @@
                       <a:rPr lang="en-US" altLang="zh-TW" sz="2400" b="0" i="0" dirty="0" smtClean="0">
                         <a:latin typeface="Cambria Math" panose="02040503050406030204" pitchFamily="18" charset="0"/>
                       </a:rPr>
-                      <m:t> </m:t>
-                    </m:r>
-                    <m:r>
-                      <a:rPr lang="en-US" altLang="zh-TW" sz="2400" b="0" i="0" dirty="0" smtClean="0">
-                        <a:latin typeface="Cambria Math" panose="02040503050406030204" pitchFamily="18" charset="0"/>
-                      </a:rPr>
-                      <m:t>, </m:t>
+                      <m:t> , </m:t>
                     </m:r>
                     <m:r>
                       <m:rPr>
@@ -4669,7 +8174,7 @@
                     <m:d>
                       <m:dPr>
                         <m:ctrlPr>
-                          <a:rPr lang="en-US" altLang="zh-TW" sz="2400" b="0" i="0" dirty="0" smtClean="0">
+                          <a:rPr lang="en-US" altLang="zh-TW" sz="2400" b="0" i="1" dirty="0" smtClean="0">
                             <a:latin typeface="Cambria Math" panose="02040503050406030204" pitchFamily="18" charset="0"/>
                           </a:rPr>
                         </m:ctrlPr>
@@ -4794,7 +8299,7 @@
                     <m:d>
                       <m:dPr>
                         <m:ctrlPr>
-                          <a:rPr lang="en-US" altLang="zh-TW" sz="2400" b="0" i="0" dirty="0" smtClean="0">
+                          <a:rPr lang="en-US" altLang="zh-TW" sz="2400" b="0" i="1" dirty="0" smtClean="0">
                             <a:latin typeface="Cambria Math" panose="02040503050406030204" pitchFamily="18" charset="0"/>
                           </a:rPr>
                         </m:ctrlPr>
@@ -4849,7 +8354,7 @@
             </p:txBody>
           </p:sp>
         </mc:Choice>
-        <mc:Fallback>
+        <mc:Fallback xmlns="">
           <p:sp>
             <p:nvSpPr>
               <p:cNvPr id="3" name="TextBox 2">
@@ -4907,7 +8412,113 @@
 </p:sld>
 </file>
 
-<file path=ppt/slides/slide5.xml><?xml version="1.0" encoding="utf-8"?>
+<file path=ppt/slides/slide6.xml><?xml version="1.0" encoding="utf-8"?>
+<p:sld xmlns:a="http://schemas.openxmlformats.org/drawingml/2006/main" xmlns:r="http://schemas.openxmlformats.org/officeDocument/2006/relationships" xmlns:p="http://schemas.openxmlformats.org/presentationml/2006/main">
+  <p:cSld>
+    <p:bg>
+      <p:bgPr>
+        <a:solidFill>
+          <a:schemeClr val="accent2"/>
+        </a:solidFill>
+        <a:effectLst/>
+      </p:bgPr>
+    </p:bg>
+    <p:spTree>
+      <p:nvGrpSpPr>
+        <p:cNvPr id="1" name="">
+          <a:extLst>
+            <a:ext uri="{FF2B5EF4-FFF2-40B4-BE49-F238E27FC236}">
+              <a16:creationId xmlns:a16="http://schemas.microsoft.com/office/drawing/2014/main" id="{74FB7D69-D0FB-314D-4F3C-4804EDD04AC8}"/>
+            </a:ext>
+          </a:extLst>
+        </p:cNvPr>
+        <p:cNvGrpSpPr/>
+        <p:nvPr/>
+      </p:nvGrpSpPr>
+      <p:grpSpPr>
+        <a:xfrm>
+          <a:off x="0" y="0"/>
+          <a:ext cx="0" cy="0"/>
+          <a:chOff x="0" y="0"/>
+          <a:chExt cx="0" cy="0"/>
+        </a:xfrm>
+      </p:grpSpPr>
+      <p:sp>
+        <p:nvSpPr>
+          <p:cNvPr id="2" name="標題 1">
+            <a:extLst>
+              <a:ext uri="{FF2B5EF4-FFF2-40B4-BE49-F238E27FC236}">
+                <a16:creationId xmlns:a16="http://schemas.microsoft.com/office/drawing/2014/main" id="{786BE27C-F4B9-5F84-9079-87EA4DEB4686}"/>
+              </a:ext>
+            </a:extLst>
+          </p:cNvPr>
+          <p:cNvSpPr>
+            <a:spLocks noGrp="1"/>
+          </p:cNvSpPr>
+          <p:nvPr>
+            <p:ph type="title"/>
+          </p:nvPr>
+        </p:nvSpPr>
+        <p:spPr/>
+        <p:txBody>
+          <a:bodyPr/>
+          <a:lstStyle/>
+          <a:p>
+            <a:r>
+              <a:rPr lang="en-US" altLang="zh-TW" dirty="0">
+                <a:solidFill>
+                  <a:schemeClr val="bg1"/>
+                </a:solidFill>
+              </a:rPr>
+              <a:t>DM</a:t>
+            </a:r>
+            <a:endParaRPr lang="zh-TW" altLang="en-US" dirty="0">
+              <a:solidFill>
+                <a:schemeClr val="bg1"/>
+              </a:solidFill>
+            </a:endParaRPr>
+          </a:p>
+        </p:txBody>
+      </p:sp>
+      <p:sp>
+        <p:nvSpPr>
+          <p:cNvPr id="3" name="文字版面配置區 2">
+            <a:extLst>
+              <a:ext uri="{FF2B5EF4-FFF2-40B4-BE49-F238E27FC236}">
+                <a16:creationId xmlns:a16="http://schemas.microsoft.com/office/drawing/2014/main" id="{823D1535-80B2-F9A5-A3CF-FBCC0664FFD5}"/>
+              </a:ext>
+            </a:extLst>
+          </p:cNvPr>
+          <p:cNvSpPr>
+            <a:spLocks noGrp="1"/>
+          </p:cNvSpPr>
+          <p:nvPr>
+            <p:ph type="body" idx="1"/>
+          </p:nvPr>
+        </p:nvSpPr>
+        <p:spPr/>
+        <p:txBody>
+          <a:bodyPr/>
+          <a:lstStyle/>
+          <a:p>
+            <a:endParaRPr lang="zh-TW" altLang="en-US"/>
+          </a:p>
+        </p:txBody>
+      </p:sp>
+    </p:spTree>
+    <p:extLst>
+      <p:ext uri="{BB962C8B-B14F-4D97-AF65-F5344CB8AC3E}">
+        <p14:creationId xmlns:p14="http://schemas.microsoft.com/office/powerpoint/2010/main" val="4284226728"/>
+      </p:ext>
+    </p:extLst>
+  </p:cSld>
+  <p:clrMapOvr>
+    <a:masterClrMapping/>
+  </p:clrMapOvr>
+</p:sld>
+</file>
+
+<file path=ppt/slides/slide7.xml><?xml version="1.0" encoding="utf-8"?>
 <p:sld xmlns:a="http://schemas.openxmlformats.org/drawingml/2006/main" xmlns:r="http://schemas.openxmlformats.org/officeDocument/2006/relationships" xmlns:p="http://schemas.openxmlformats.org/presentationml/2006/main">
   <p:cSld>
     <p:spTree>
@@ -5056,7 +8667,7 @@
 </p:sld>
 </file>
 
-<file path=ppt/slides/slide6.xml><?xml version="1.0" encoding="utf-8"?>
+<file path=ppt/slides/slide8.xml><?xml version="1.0" encoding="utf-8"?>
 <p:sld xmlns:a="http://schemas.openxmlformats.org/drawingml/2006/main" xmlns:r="http://schemas.openxmlformats.org/officeDocument/2006/relationships" xmlns:p="http://schemas.openxmlformats.org/presentationml/2006/main">
   <p:cSld>
     <p:spTree>
@@ -5304,7 +8915,7 @@
 </p:sld>
 </file>
 
-<file path=ppt/slides/slide7.xml><?xml version="1.0" encoding="utf-8"?>
+<file path=ppt/slides/slide9.xml><?xml version="1.0" encoding="utf-8"?>
 <p:sld xmlns:a="http://schemas.openxmlformats.org/drawingml/2006/main" xmlns:r="http://schemas.openxmlformats.org/officeDocument/2006/relationships" xmlns:p="http://schemas.openxmlformats.org/presentationml/2006/main">
   <p:cSld>
     <p:spTree>
@@ -5570,342 +9181,323 @@
 </p:sld>
 </file>
 
-<file path=ppt/slides/slide8.xml><?xml version="1.0" encoding="utf-8"?>
-<p:sld xmlns:a="http://schemas.openxmlformats.org/drawingml/2006/main" xmlns:r="http://schemas.openxmlformats.org/officeDocument/2006/relationships" xmlns:p="http://schemas.openxmlformats.org/presentationml/2006/main">
-  <p:cSld>
-    <p:spTree>
-      <p:nvGrpSpPr>
-        <p:cNvPr id="1" name="">
-          <a:extLst>
-            <a:ext uri="{FF2B5EF4-FFF2-40B4-BE49-F238E27FC236}">
-              <a16:creationId xmlns:a16="http://schemas.microsoft.com/office/drawing/2014/main" id="{207FBE3F-F781-91E4-A82B-B49C7C81B3BB}"/>
-            </a:ext>
-          </a:extLst>
-        </p:cNvPr>
-        <p:cNvGrpSpPr/>
-        <p:nvPr/>
-      </p:nvGrpSpPr>
-      <p:grpSpPr>
-        <a:xfrm>
-          <a:off x="0" y="0"/>
-          <a:ext cx="0" cy="0"/>
-          <a:chOff x="0" y="0"/>
-          <a:chExt cx="0" cy="0"/>
-        </a:xfrm>
-      </p:grpSpPr>
-      <p:sp>
-        <p:nvSpPr>
-          <p:cNvPr id="2" name="TextBox 1">
-            <a:extLst>
-              <a:ext uri="{FF2B5EF4-FFF2-40B4-BE49-F238E27FC236}">
-                <a16:creationId xmlns:a16="http://schemas.microsoft.com/office/drawing/2014/main" id="{83CF2076-D7E4-121F-ED08-4A7D15E4E261}"/>
-              </a:ext>
-            </a:extLst>
-          </p:cNvPr>
-          <p:cNvSpPr txBox="1"/>
-          <p:nvPr/>
-        </p:nvSpPr>
-        <p:spPr>
-          <a:xfrm>
-            <a:off x="889000" y="702734"/>
-            <a:ext cx="3471244" cy="830997"/>
-          </a:xfrm>
-          <a:prstGeom prst="rect">
-            <a:avLst/>
-          </a:prstGeom>
-          <a:noFill/>
-        </p:spPr>
-        <p:txBody>
-          <a:bodyPr wrap="square" rtlCol="0">
-            <a:spAutoFit/>
-          </a:bodyPr>
-          <a:lstStyle/>
-          <a:p>
-            <a:r>
-              <a:rPr lang="en-US" altLang="zh-TW" sz="4800" dirty="0"/>
-              <a:t>AM - graph</a:t>
-            </a:r>
-            <a:endParaRPr lang="zh-TW" altLang="en-US" sz="4800" dirty="0"/>
-          </a:p>
-        </p:txBody>
-      </p:sp>
-      <p:sp>
-        <p:nvSpPr>
-          <p:cNvPr id="3" name="TextBox 2">
-            <a:extLst>
-              <a:ext uri="{FF2B5EF4-FFF2-40B4-BE49-F238E27FC236}">
-                <a16:creationId xmlns:a16="http://schemas.microsoft.com/office/drawing/2014/main" id="{3F499FC3-D207-6041-8517-05A640E37618}"/>
-              </a:ext>
-            </a:extLst>
-          </p:cNvPr>
-          <p:cNvSpPr txBox="1"/>
-          <p:nvPr/>
-        </p:nvSpPr>
-        <p:spPr>
-          <a:xfrm>
-            <a:off x="889000" y="1595021"/>
-            <a:ext cx="9238381" cy="3416320"/>
-          </a:xfrm>
-          <a:prstGeom prst="rect">
-            <a:avLst/>
-          </a:prstGeom>
-          <a:noFill/>
-        </p:spPr>
-        <p:txBody>
-          <a:bodyPr wrap="square" rtlCol="0">
-            <a:spAutoFit/>
-          </a:bodyPr>
-          <a:lstStyle/>
-          <a:p>
-            <a:pPr marL="457200" indent="-457200">
-              <a:buAutoNum type="arabicPeriod"/>
-            </a:pPr>
-            <a:r>
-              <a:rPr lang="en-US" altLang="zh-TW" sz="2400" dirty="0"/>
-              <a:t>MST(Minimum Spanning Tree)</a:t>
-            </a:r>
-          </a:p>
-          <a:p>
-            <a:pPr marL="457200" indent="-457200">
-              <a:buAutoNum type="arabicPeriod"/>
-            </a:pPr>
-            <a:r>
-              <a:rPr lang="en-US" altLang="zh-TW" sz="2400" dirty="0"/>
-              <a:t>Shortest Path Problem</a:t>
-            </a:r>
-          </a:p>
-          <a:p>
-            <a:pPr marL="457200" indent="-457200">
-              <a:buAutoNum type="arabicPeriod"/>
-            </a:pPr>
-            <a:r>
-              <a:rPr lang="en-US" altLang="zh-TW" sz="2400" dirty="0"/>
-              <a:t>Max flow problem</a:t>
-            </a:r>
-          </a:p>
-          <a:p>
-            <a:pPr marL="457200" indent="-457200">
-              <a:buAutoNum type="arabicPeriod"/>
-            </a:pPr>
-            <a:r>
-              <a:rPr lang="en-US" altLang="zh-TW" sz="2400" dirty="0"/>
-              <a:t> </a:t>
-            </a:r>
-          </a:p>
-          <a:p>
-            <a:pPr marL="1371600" lvl="2" indent="-457200">
-              <a:buAutoNum type="arabicPeriod"/>
-            </a:pPr>
-            <a:endParaRPr lang="en-US" altLang="zh-TW" sz="2400" dirty="0"/>
-          </a:p>
-          <a:p>
-            <a:pPr marL="914400" lvl="1" indent="-457200">
-              <a:buAutoNum type="arabicPeriod"/>
-            </a:pPr>
-            <a:endParaRPr lang="en-US" altLang="zh-TW" sz="2400" dirty="0"/>
-          </a:p>
-          <a:p>
-            <a:pPr marL="1371600" lvl="2" indent="-457200">
-              <a:buAutoNum type="arabicPeriod"/>
-            </a:pPr>
-            <a:endParaRPr lang="en-US" altLang="zh-TW" sz="2400" dirty="0"/>
-          </a:p>
-          <a:p>
-            <a:pPr marL="1371600" lvl="2" indent="-457200">
-              <a:buAutoNum type="arabicPeriod"/>
-            </a:pPr>
-            <a:endParaRPr lang="en-US" altLang="zh-TW" sz="2400" b="0" dirty="0"/>
-          </a:p>
-          <a:p>
-            <a:pPr marL="1371600" lvl="2" indent="-457200">
-              <a:buAutoNum type="arabicPeriod"/>
-            </a:pPr>
-            <a:endParaRPr lang="zh-TW" altLang="en-US" sz="2400" dirty="0"/>
-          </a:p>
-        </p:txBody>
-      </p:sp>
-    </p:spTree>
-    <p:extLst>
-      <p:ext uri="{BB962C8B-B14F-4D97-AF65-F5344CB8AC3E}">
-        <p14:creationId xmlns:p14="http://schemas.microsoft.com/office/powerpoint/2010/main" val="2390224448"/>
-      </p:ext>
-    </p:extLst>
-  </p:cSld>
-  <p:clrMapOvr>
-    <a:masterClrMapping/>
-  </p:clrMapOvr>
-</p:sld>
+<file path=ppt/theme/theme1.xml><?xml version="1.0" encoding="utf-8"?>
+<a:theme xmlns:a="http://schemas.openxmlformats.org/drawingml/2006/main" name="Office Theme">
+  <a:themeElements>
+    <a:clrScheme name="Office 佈景主題">
+      <a:dk1>
+        <a:sysClr val="windowText" lastClr="000000"/>
+      </a:dk1>
+      <a:lt1>
+        <a:sysClr val="window" lastClr="FFFFFF"/>
+      </a:lt1>
+      <a:dk2>
+        <a:srgbClr val="0E2841"/>
+      </a:dk2>
+      <a:lt2>
+        <a:srgbClr val="E8E8E8"/>
+      </a:lt2>
+      <a:accent1>
+        <a:srgbClr val="156082"/>
+      </a:accent1>
+      <a:accent2>
+        <a:srgbClr val="E97132"/>
+      </a:accent2>
+      <a:accent3>
+        <a:srgbClr val="196B24"/>
+      </a:accent3>
+      <a:accent4>
+        <a:srgbClr val="0F9ED5"/>
+      </a:accent4>
+      <a:accent5>
+        <a:srgbClr val="A02B93"/>
+      </a:accent5>
+      <a:accent6>
+        <a:srgbClr val="4EA72E"/>
+      </a:accent6>
+      <a:hlink>
+        <a:srgbClr val="467886"/>
+      </a:hlink>
+      <a:folHlink>
+        <a:srgbClr val="96607D"/>
+      </a:folHlink>
+    </a:clrScheme>
+    <a:fontScheme name="Office 佈景主題">
+      <a:majorFont>
+        <a:latin typeface="Aptos Display" panose="02110004020202020204"/>
+        <a:ea typeface=""/>
+        <a:cs typeface=""/>
+        <a:font script="Jpan" typeface="游ゴシック Light"/>
+        <a:font script="Hang" typeface="맑은 고딕"/>
+        <a:font script="Hans" typeface="等线 Light"/>
+        <a:font script="Hant" typeface="新細明體"/>
+        <a:font script="Arab" typeface="Times New Roman"/>
+        <a:font script="Hebr" typeface="Times New Roman"/>
+        <a:font script="Thai" typeface="Angsana New"/>
+        <a:font script="Ethi" typeface="Nyala"/>
+        <a:font script="Beng" typeface="Vrinda"/>
+        <a:font script="Gujr" typeface="Shruti"/>
+        <a:font script="Khmr" typeface="MoolBoran"/>
+        <a:font script="Knda" typeface="Tunga"/>
+        <a:font script="Guru" typeface="Raavi"/>
+        <a:font script="Cans" typeface="Euphemia"/>
+        <a:font script="Cher" typeface="Plantagenet Cherokee"/>
+        <a:font script="Yiii" typeface="Microsoft Yi Baiti"/>
+        <a:font script="Tibt" typeface="Microsoft Himalaya"/>
+        <a:font script="Thaa" typeface="MV Boli"/>
+        <a:font script="Deva" typeface="Mangal"/>
+        <a:font script="Telu" typeface="Gautami"/>
+        <a:font script="Taml" typeface="Latha"/>
+        <a:font script="Syrc" typeface="Estrangelo Edessa"/>
+        <a:font script="Orya" typeface="Kalinga"/>
+        <a:font script="Mlym" typeface="Kartika"/>
+        <a:font script="Laoo" typeface="DokChampa"/>
+        <a:font script="Sinh" typeface="Iskoola Pota"/>
+        <a:font script="Mong" typeface="Mongolian Baiti"/>
+        <a:font script="Viet" typeface="Times New Roman"/>
+        <a:font script="Uigh" typeface="Microsoft Uighur"/>
+        <a:font script="Geor" typeface="Sylfaen"/>
+        <a:font script="Armn" typeface="Arial"/>
+        <a:font script="Bugi" typeface="Leelawadee UI"/>
+        <a:font script="Bopo" typeface="Microsoft JhengHei"/>
+        <a:font script="Java" typeface="Javanese Text"/>
+        <a:font script="Lisu" typeface="Segoe UI"/>
+        <a:font script="Mymr" typeface="Myanmar Text"/>
+        <a:font script="Nkoo" typeface="Ebrima"/>
+        <a:font script="Olck" typeface="Nirmala UI"/>
+        <a:font script="Osma" typeface="Ebrima"/>
+        <a:font script="Phag" typeface="Phagspa"/>
+        <a:font script="Syrn" typeface="Estrangelo Edessa"/>
+        <a:font script="Syrj" typeface="Estrangelo Edessa"/>
+        <a:font script="Syre" typeface="Estrangelo Edessa"/>
+        <a:font script="Sora" typeface="Nirmala UI"/>
+        <a:font script="Tale" typeface="Microsoft Tai Le"/>
+        <a:font script="Talu" typeface="Microsoft New Tai Lue"/>
+        <a:font script="Tfng" typeface="Ebrima"/>
+      </a:majorFont>
+      <a:minorFont>
+        <a:latin typeface="Aptos" panose="02110004020202020204"/>
+        <a:ea typeface=""/>
+        <a:cs typeface=""/>
+        <a:font script="Jpan" typeface="游ゴシック"/>
+        <a:font script="Hang" typeface="맑은 고딕"/>
+        <a:font script="Hans" typeface="等线"/>
+        <a:font script="Hant" typeface="新細明體"/>
+        <a:font script="Arab" typeface="Arial"/>
+        <a:font script="Hebr" typeface="Arial"/>
+        <a:font script="Thai" typeface="Cordia New"/>
+        <a:font script="Ethi" typeface="Nyala"/>
+        <a:font script="Beng" typeface="Vrinda"/>
+        <a:font script="Gujr" typeface="Shruti"/>
+        <a:font script="Khmr" typeface="DaunPenh"/>
+        <a:font script="Knda" typeface="Tunga"/>
+        <a:font script="Guru" typeface="Raavi"/>
+        <a:font script="Cans" typeface="Euphemia"/>
+        <a:font script="Cher" typeface="Plantagenet Cherokee"/>
+        <a:font script="Yiii" typeface="Microsoft Yi Baiti"/>
+        <a:font script="Tibt" typeface="Microsoft Himalaya"/>
+        <a:font script="Thaa" typeface="MV Boli"/>
+        <a:font script="Deva" typeface="Mangal"/>
+        <a:font script="Telu" typeface="Gautami"/>
+        <a:font script="Taml" typeface="Latha"/>
+        <a:font script="Syrc" typeface="Estrangelo Edessa"/>
+        <a:font script="Orya" typeface="Kalinga"/>
+        <a:font script="Mlym" typeface="Kartika"/>
+        <a:font script="Laoo" typeface="DokChampa"/>
+        <a:font script="Sinh" typeface="Iskoola Pota"/>
+        <a:font script="Mong" typeface="Mongolian Baiti"/>
+        <a:font script="Viet" typeface="Arial"/>
+        <a:font script="Uigh" typeface="Microsoft Uighur"/>
+        <a:font script="Geor" typeface="Sylfaen"/>
+        <a:font script="Armn" typeface="Arial"/>
+        <a:font script="Bugi" typeface="Leelawadee UI"/>
+        <a:font script="Bopo" typeface="Microsoft JhengHei"/>
+        <a:font script="Java" typeface="Javanese Text"/>
+        <a:font script="Lisu" typeface="Segoe UI"/>
+        <a:font script="Mymr" typeface="Myanmar Text"/>
+        <a:font script="Nkoo" typeface="Ebrima"/>
+        <a:font script="Olck" typeface="Nirmala UI"/>
+        <a:font script="Osma" typeface="Ebrima"/>
+        <a:font script="Phag" typeface="Phagspa"/>
+        <a:font script="Syrn" typeface="Estrangelo Edessa"/>
+        <a:font script="Syrj" typeface="Estrangelo Edessa"/>
+        <a:font script="Syre" typeface="Estrangelo Edessa"/>
+        <a:font script="Sora" typeface="Nirmala UI"/>
+        <a:font script="Tale" typeface="Microsoft Tai Le"/>
+        <a:font script="Talu" typeface="Microsoft New Tai Lue"/>
+        <a:font script="Tfng" typeface="Ebrima"/>
+      </a:minorFont>
+    </a:fontScheme>
+    <a:fmtScheme name="Office 佈景主題">
+      <a:fillStyleLst>
+        <a:solidFill>
+          <a:schemeClr val="phClr"/>
+        </a:solidFill>
+        <a:gradFill rotWithShape="1">
+          <a:gsLst>
+            <a:gs pos="0">
+              <a:schemeClr val="phClr">
+                <a:lumMod val="110000"/>
+                <a:satMod val="105000"/>
+                <a:tint val="67000"/>
+              </a:schemeClr>
+            </a:gs>
+            <a:gs pos="50000">
+              <a:schemeClr val="phClr">
+                <a:lumMod val="105000"/>
+                <a:satMod val="103000"/>
+                <a:tint val="73000"/>
+              </a:schemeClr>
+            </a:gs>
+            <a:gs pos="100000">
+              <a:schemeClr val="phClr">
+                <a:lumMod val="105000"/>
+                <a:satMod val="109000"/>
+                <a:tint val="81000"/>
+              </a:schemeClr>
+            </a:gs>
+          </a:gsLst>
+          <a:lin ang="5400000" scaled="0"/>
+        </a:gradFill>
+        <a:gradFill rotWithShape="1">
+          <a:gsLst>
+            <a:gs pos="0">
+              <a:schemeClr val="phClr">
+                <a:satMod val="103000"/>
+                <a:lumMod val="102000"/>
+                <a:tint val="94000"/>
+              </a:schemeClr>
+            </a:gs>
+            <a:gs pos="50000">
+              <a:schemeClr val="phClr">
+                <a:satMod val="110000"/>
+                <a:lumMod val="100000"/>
+                <a:shade val="100000"/>
+              </a:schemeClr>
+            </a:gs>
+            <a:gs pos="100000">
+              <a:schemeClr val="phClr">
+                <a:lumMod val="99000"/>
+                <a:satMod val="120000"/>
+                <a:shade val="78000"/>
+              </a:schemeClr>
+            </a:gs>
+          </a:gsLst>
+          <a:lin ang="5400000" scaled="0"/>
+        </a:gradFill>
+      </a:fillStyleLst>
+      <a:lnStyleLst>
+        <a:ln w="12700" cap="flat" cmpd="sng" algn="ctr">
+          <a:solidFill>
+            <a:schemeClr val="phClr"/>
+          </a:solidFill>
+          <a:prstDash val="solid"/>
+          <a:miter lim="800000"/>
+        </a:ln>
+        <a:ln w="19050" cap="flat" cmpd="sng" algn="ctr">
+          <a:solidFill>
+            <a:schemeClr val="phClr"/>
+          </a:solidFill>
+          <a:prstDash val="solid"/>
+          <a:miter lim="800000"/>
+        </a:ln>
+        <a:ln w="25400" cap="flat" cmpd="sng" algn="ctr">
+          <a:solidFill>
+            <a:schemeClr val="phClr"/>
+          </a:solidFill>
+          <a:prstDash val="solid"/>
+          <a:miter lim="800000"/>
+        </a:ln>
+      </a:lnStyleLst>
+      <a:effectStyleLst>
+        <a:effectStyle>
+          <a:effectLst/>
+        </a:effectStyle>
+        <a:effectStyle>
+          <a:effectLst/>
+        </a:effectStyle>
+        <a:effectStyle>
+          <a:effectLst>
+            <a:outerShdw blurRad="57150" dist="19050" dir="5400000" algn="ctr" rotWithShape="0">
+              <a:srgbClr val="000000">
+                <a:alpha val="63000"/>
+              </a:srgbClr>
+            </a:outerShdw>
+          </a:effectLst>
+        </a:effectStyle>
+      </a:effectStyleLst>
+      <a:bgFillStyleLst>
+        <a:solidFill>
+          <a:schemeClr val="phClr"/>
+        </a:solidFill>
+        <a:solidFill>
+          <a:schemeClr val="phClr">
+            <a:tint val="95000"/>
+            <a:satMod val="170000"/>
+          </a:schemeClr>
+        </a:solidFill>
+        <a:gradFill rotWithShape="1">
+          <a:gsLst>
+            <a:gs pos="0">
+              <a:schemeClr val="phClr">
+                <a:tint val="93000"/>
+                <a:satMod val="150000"/>
+                <a:shade val="98000"/>
+                <a:lumMod val="102000"/>
+              </a:schemeClr>
+            </a:gs>
+            <a:gs pos="50000">
+              <a:schemeClr val="phClr">
+                <a:tint val="98000"/>
+                <a:satMod val="130000"/>
+                <a:shade val="90000"/>
+                <a:lumMod val="103000"/>
+              </a:schemeClr>
+            </a:gs>
+            <a:gs pos="100000">
+              <a:schemeClr val="phClr">
+                <a:shade val="63000"/>
+                <a:satMod val="120000"/>
+              </a:schemeClr>
+            </a:gs>
+          </a:gsLst>
+          <a:lin ang="5400000" scaled="0"/>
+        </a:gradFill>
+      </a:bgFillStyleLst>
+    </a:fmtScheme>
+  </a:themeElements>
+  <a:objectDefaults>
+    <a:lnDef>
+      <a:spPr/>
+      <a:bodyPr/>
+      <a:lstStyle/>
+      <a:style>
+        <a:lnRef idx="2">
+          <a:schemeClr val="accent1"/>
+        </a:lnRef>
+        <a:fillRef idx="0">
+          <a:schemeClr val="accent1"/>
+        </a:fillRef>
+        <a:effectRef idx="1">
+          <a:schemeClr val="accent1"/>
+        </a:effectRef>
+        <a:fontRef idx="minor">
+          <a:schemeClr val="tx1"/>
+        </a:fontRef>
+      </a:style>
+    </a:lnDef>
+  </a:objectDefaults>
+  <a:extraClrSchemeLst/>
+  <a:extLst>
+    <a:ext uri="{05A4C25C-085E-4340-85A3-A5531E510DB2}">
+      <thm15:themeFamily xmlns:thm15="http://schemas.microsoft.com/office/thememl/2012/main" name="Office Theme" id="{2E142A2C-CD16-42D6-873A-C26D2A0506FA}" vid="{1BDDFF52-6CD6-40A5-AB3C-68EB2F1E4D0A}"/>
+    </a:ext>
+  </a:extLst>
+</a:theme>
 </file>
 
-<file path=ppt/slides/slide9.xml><?xml version="1.0" encoding="utf-8"?>
-<p:sld xmlns:a="http://schemas.openxmlformats.org/drawingml/2006/main" xmlns:r="http://schemas.openxmlformats.org/officeDocument/2006/relationships" xmlns:p="http://schemas.openxmlformats.org/presentationml/2006/main">
-  <p:cSld>
-    <p:spTree>
-      <p:nvGrpSpPr>
-        <p:cNvPr id="1" name="">
-          <a:extLst>
-            <a:ext uri="{FF2B5EF4-FFF2-40B4-BE49-F238E27FC236}">
-              <a16:creationId xmlns:a16="http://schemas.microsoft.com/office/drawing/2014/main" id="{DAAD0A7C-8E96-38C7-A648-F405B3A96D9C}"/>
-            </a:ext>
-          </a:extLst>
-        </p:cNvPr>
-        <p:cNvGrpSpPr/>
-        <p:nvPr/>
-      </p:nvGrpSpPr>
-      <p:grpSpPr>
-        <a:xfrm>
-          <a:off x="0" y="0"/>
-          <a:ext cx="0" cy="0"/>
-          <a:chOff x="0" y="0"/>
-          <a:chExt cx="0" cy="0"/>
-        </a:xfrm>
-      </p:grpSpPr>
-      <p:sp>
-        <p:nvSpPr>
-          <p:cNvPr id="2" name="TextBox 1">
-            <a:extLst>
-              <a:ext uri="{FF2B5EF4-FFF2-40B4-BE49-F238E27FC236}">
-                <a16:creationId xmlns:a16="http://schemas.microsoft.com/office/drawing/2014/main" id="{1D6F7A4B-11B9-54C7-2A11-AB4043EE36B1}"/>
-              </a:ext>
-            </a:extLst>
-          </p:cNvPr>
-          <p:cNvSpPr txBox="1"/>
-          <p:nvPr/>
-        </p:nvSpPr>
-        <p:spPr>
-          <a:xfrm>
-            <a:off x="889000" y="702734"/>
-            <a:ext cx="5207000" cy="830997"/>
-          </a:xfrm>
-          <a:prstGeom prst="rect">
-            <a:avLst/>
-          </a:prstGeom>
-          <a:noFill/>
-        </p:spPr>
-        <p:txBody>
-          <a:bodyPr wrap="square" rtlCol="0">
-            <a:spAutoFit/>
-          </a:bodyPr>
-          <a:lstStyle/>
-          <a:p>
-            <a:r>
-              <a:rPr lang="en-US" altLang="zh-TW" sz="4800" dirty="0"/>
-              <a:t>AM – NP hardness</a:t>
-            </a:r>
-            <a:endParaRPr lang="zh-TW" altLang="en-US" sz="4800" dirty="0"/>
-          </a:p>
-        </p:txBody>
-      </p:sp>
-      <p:sp>
-        <p:nvSpPr>
-          <p:cNvPr id="3" name="TextBox 2">
-            <a:extLst>
-              <a:ext uri="{FF2B5EF4-FFF2-40B4-BE49-F238E27FC236}">
-                <a16:creationId xmlns:a16="http://schemas.microsoft.com/office/drawing/2014/main" id="{334D3564-369C-09DA-2124-5BBBA111D6B2}"/>
-              </a:ext>
-            </a:extLst>
-          </p:cNvPr>
-          <p:cNvSpPr txBox="1"/>
-          <p:nvPr/>
-        </p:nvSpPr>
-        <p:spPr>
-          <a:xfrm>
-            <a:off x="889000" y="1595021"/>
-            <a:ext cx="9238381" cy="3416320"/>
-          </a:xfrm>
-          <a:prstGeom prst="rect">
-            <a:avLst/>
-          </a:prstGeom>
-          <a:noFill/>
-        </p:spPr>
-        <p:txBody>
-          <a:bodyPr wrap="square" rtlCol="0">
-            <a:spAutoFit/>
-          </a:bodyPr>
-          <a:lstStyle/>
-          <a:p>
-            <a:pPr marL="457200" indent="-457200">
-              <a:buAutoNum type="arabicPeriod"/>
-            </a:pPr>
-            <a:r>
-              <a:rPr lang="en-US" altLang="zh-TW" sz="2400" dirty="0"/>
-              <a:t>reduction</a:t>
-            </a:r>
-          </a:p>
-          <a:p>
-            <a:pPr marL="457200" indent="-457200">
-              <a:buAutoNum type="arabicPeriod"/>
-            </a:pPr>
-            <a:r>
-              <a:rPr lang="en-US" altLang="zh-TW" sz="2400" dirty="0"/>
-              <a:t>Definition</a:t>
-            </a:r>
-          </a:p>
-          <a:p>
-            <a:pPr marL="457200" indent="-457200">
-              <a:buAutoNum type="arabicPeriod"/>
-            </a:pPr>
-            <a:r>
-              <a:rPr lang="en-US" altLang="zh-TW" sz="2400" dirty="0"/>
-              <a:t>Example</a:t>
-            </a:r>
-          </a:p>
-          <a:p>
-            <a:pPr marL="914400" lvl="1" indent="-457200">
-              <a:buAutoNum type="arabicPeriod"/>
-            </a:pPr>
-            <a:r>
-              <a:rPr lang="en-US" altLang="zh-TW" sz="2400" dirty="0"/>
-              <a:t>TSP(Travel Salesman Problem)</a:t>
-            </a:r>
-          </a:p>
-          <a:p>
-            <a:pPr marL="1371600" lvl="2" indent="-457200">
-              <a:buAutoNum type="arabicPeriod"/>
-            </a:pPr>
-            <a:endParaRPr lang="en-US" altLang="zh-TW" sz="2400" dirty="0"/>
-          </a:p>
-          <a:p>
-            <a:pPr marL="914400" lvl="1" indent="-457200">
-              <a:buAutoNum type="arabicPeriod"/>
-            </a:pPr>
-            <a:endParaRPr lang="en-US" altLang="zh-TW" sz="2400" dirty="0"/>
-          </a:p>
-          <a:p>
-            <a:pPr marL="1371600" lvl="2" indent="-457200">
-              <a:buAutoNum type="arabicPeriod"/>
-            </a:pPr>
-            <a:endParaRPr lang="en-US" altLang="zh-TW" sz="2400" dirty="0"/>
-          </a:p>
-          <a:p>
-            <a:pPr marL="1371600" lvl="2" indent="-457200">
-              <a:buAutoNum type="arabicPeriod"/>
-            </a:pPr>
-            <a:endParaRPr lang="en-US" altLang="zh-TW" sz="2400" b="0" dirty="0"/>
-          </a:p>
-          <a:p>
-            <a:pPr marL="1371600" lvl="2" indent="-457200">
-              <a:buAutoNum type="arabicPeriod"/>
-            </a:pPr>
-            <a:endParaRPr lang="zh-TW" altLang="en-US" sz="2400" dirty="0"/>
-          </a:p>
-        </p:txBody>
-      </p:sp>
-    </p:spTree>
-    <p:extLst>
-      <p:ext uri="{BB962C8B-B14F-4D97-AF65-F5344CB8AC3E}">
-        <p14:creationId xmlns:p14="http://schemas.microsoft.com/office/powerpoint/2010/main" val="813923832"/>
-      </p:ext>
-    </p:extLst>
-  </p:cSld>
-  <p:clrMapOvr>
-    <a:masterClrMapping/>
-  </p:clrMapOvr>
-</p:sld>
-</file>
-
-<file path=ppt/theme/theme1.xml><?xml version="1.0" encoding="utf-8"?>
-<a:theme xmlns:a="http://schemas.openxmlformats.org/drawingml/2006/main" name="Office Theme">
+<file path=ppt/theme/theme2.xml><?xml version="1.0" encoding="utf-8"?>
+<a:theme xmlns:a="http://schemas.openxmlformats.org/drawingml/2006/main" name="Office 佈景主題">
   <a:themeElements>
     <a:clrScheme name="Office">
       <a:dk1>

--- a/考研.pptx
+++ b/考研.pptx
@@ -5,7 +5,7 @@
     <p:sldMasterId id="2147483672" r:id="rId1"/>
   </p:sldMasterIdLst>
   <p:notesMasterIdLst>
-    <p:notesMasterId r:id="rId28"/>
+    <p:notesMasterId r:id="rId33"/>
   </p:notesMasterIdLst>
   <p:sldIdLst>
     <p:sldId id="256" r:id="rId2"/>
@@ -34,6 +34,11 @@
     <p:sldId id="284" r:id="rId25"/>
     <p:sldId id="285" r:id="rId26"/>
     <p:sldId id="286" r:id="rId27"/>
+    <p:sldId id="287" r:id="rId28"/>
+    <p:sldId id="288" r:id="rId29"/>
+    <p:sldId id="291" r:id="rId30"/>
+    <p:sldId id="289" r:id="rId31"/>
+    <p:sldId id="290" r:id="rId32"/>
   </p:sldIdLst>
   <p:sldSz cx="12192000" cy="6858000"/>
   <p:notesSz cx="6858000" cy="9144000"/>
@@ -140,6 +145,146 @@
 </p:presentation>
 </file>
 
+<file path=ppt/ink/ink1.xml><?xml version="1.0" encoding="utf-8"?>
+<inkml:ink xmlns:inkml="http://www.w3.org/2003/InkML">
+  <inkml:definitions>
+    <inkml:context xml:id="ctx0">
+      <inkml:inkSource xml:id="inkSrc0">
+        <inkml:traceFormat>
+          <inkml:channel name="X" type="integer" min="-2.14748E9" max="2.14748E9" units="cm"/>
+          <inkml:channel name="Y" type="integer" min="-2.14748E9" max="2.14748E9" units="cm"/>
+          <inkml:channel name="F" type="integer" max="32767" units="dev"/>
+        </inkml:traceFormat>
+        <inkml:channelProperties>
+          <inkml:channelProperty channel="X" name="resolution" value="1000" units="1/cm"/>
+          <inkml:channelProperty channel="Y" name="resolution" value="1000" units="1/cm"/>
+          <inkml:channelProperty channel="F" name="resolution" value="0" units="1/dev"/>
+        </inkml:channelProperties>
+      </inkml:inkSource>
+      <inkml:timestamp xml:id="ts0" timeString="2026-01-31T04:09:32.253"/>
+    </inkml:context>
+    <inkml:brush xml:id="br0">
+      <inkml:brushProperty name="width" value="0.035" units="cm"/>
+      <inkml:brushProperty name="height" value="0.035" units="cm"/>
+      <inkml:brushProperty name="color" value="#E71224"/>
+    </inkml:brush>
+  </inkml:definitions>
+  <inkml:trace contextRef="#ctx0" brushRef="#br0">487 7 24575,'0'0'0,"0"-1"0,-1 1 0,1-1 0,-1 1 0,1-1 0,-1 1 0,1-1 0,-1 1 0,0 0 0,1 0 0,-1-1 0,1 1 0,-1 0 0,0 0 0,1-1 0,-1 1 0,1 0 0,-1 0 0,0 0 0,1 0 0,-1 0 0,0 0 0,1 0 0,-1 0 0,0 0 0,1 0 0,-2 1 0,-19 1 0,-14 3 0,24-4 0,0 1 0,0 0 0,1 0 0,-21 8 0,27-9 0,1 1 0,0-1 0,0 1 0,-1 0 0,1 0 0,0 0 0,1 0 0,-1 1 0,0-1 0,1 1 0,-1 0 0,1-1 0,0 1 0,0 0 0,0 0 0,0 1 0,0-1 0,1 0 0,0 1 0,-1-1 0,1 1 0,0-1 0,0 5 0,1-3 0,0-1 0,1 1 0,0 0 0,-1-1 0,1 1 0,1-1 0,-1 1 0,1-1 0,0 0 0,0 0 0,0 0 0,0 0 0,1 0 0,-1 0 0,1 0 0,0-1 0,7 7 0,-5-5 0,1 0 0,-2 1 0,1 0 0,-1 0 0,0 0 0,0 0 0,0 1 0,-1-1 0,0 1 0,-1 0 0,1 0 0,-1 0 0,-1 0 0,2 9 0,-3-10 0,0 0 0,0 0 0,0 0 0,-1 0 0,0 0 0,0 0 0,0 0 0,-1-1 0,0 1 0,0-1 0,0 1 0,-1-1 0,0 0 0,0 1 0,0-2 0,-1 1 0,0 0 0,-4 4 0,-3 2 0,0-1 0,-1 0 0,0-1 0,0 0 0,-1-1 0,0-1 0,-1 0 0,0 0 0,0-2 0,0 1 0,0-2 0,-1 0 0,0-1 0,0 0 0,0-1 0,0-1 0,0 0 0,0-1 0,-1-1 0,1-1 0,0 0 0,-14-4 0,80 31 0,-9-9 0,-20-8 0,-1 0 0,0 1 0,34 21 0,-53-29 0,-1 1 0,1-1 0,0 1 0,-1-1 0,1 1 0,-1 0 0,0-1 0,1 1 0,-1 0 0,0 0 0,0 0 0,0 0 0,-1 0 0,1 0 0,0 0 0,0 4 0,-1-2 0,1 1 0,-1-1 0,0 1 0,-1-1 0,1 0 0,-1 1 0,-2 7 0,-1 1 0,-1 0 0,0 0 0,-2 0 0,-8 13 0,-8 11 0,8-15 0,1 0 0,1 2 0,1-1 0,-13 36 0,23-52 0,0-1 0,1 0 0,0 1 0,0-1 0,0 1 0,1-1 0,-1 1 0,2-1 0,-1 1 0,1-1 0,0 1 0,0-1 0,1 0 0,-1 1 0,2-1 0,-1 0 0,1 0 0,-1 0 0,2-1 0,-1 1 0,1 0 0,-1-1 0,7 6 0,-6-7 0,0 0 0,0 0 0,1-1 0,-1 0 0,1 0 0,0 0 0,-1 0 0,1-1 0,0 1 0,1-1 0,-1-1 0,10 3 0,-2-2 0,1-1 0,-1 0 0,1-1 0,14-1 0,-28 1-65,1 0 0,0 0 0,0 0 0,0 0 0,0 0 0,0-1 0,0 1 0,-1 0 0,1 0 0,0-1 0,0 1 0,0 0 0,0-1 0,-1 1 0,1-1 0,0 1 0,-1-1 0,1 1 0,0-1 0,0 0 0</inkml:trace>
+</inkml:ink>
+</file>
+
+<file path=ppt/ink/ink2.xml><?xml version="1.0" encoding="utf-8"?>
+<inkml:ink xmlns:inkml="http://www.w3.org/2003/InkML">
+  <inkml:definitions>
+    <inkml:context xml:id="ctx0">
+      <inkml:inkSource xml:id="inkSrc0">
+        <inkml:traceFormat>
+          <inkml:channel name="X" type="integer" min="-2.14748E9" max="2.14748E9" units="cm"/>
+          <inkml:channel name="Y" type="integer" min="-2.14748E9" max="2.14748E9" units="cm"/>
+          <inkml:channel name="F" type="integer" max="32767" units="dev"/>
+        </inkml:traceFormat>
+        <inkml:channelProperties>
+          <inkml:channelProperty channel="X" name="resolution" value="1000" units="1/cm"/>
+          <inkml:channelProperty channel="Y" name="resolution" value="1000" units="1/cm"/>
+          <inkml:channelProperty channel="F" name="resolution" value="0" units="1/dev"/>
+        </inkml:channelProperties>
+      </inkml:inkSource>
+      <inkml:timestamp xml:id="ts0" timeString="2026-01-31T04:09:44.261"/>
+    </inkml:context>
+    <inkml:brush xml:id="br0">
+      <inkml:brushProperty name="width" value="0.035" units="cm"/>
+      <inkml:brushProperty name="height" value="0.035" units="cm"/>
+      <inkml:brushProperty name="color" value="#E71224"/>
+    </inkml:brush>
+  </inkml:definitions>
+  <inkml:trace contextRef="#ctx0" brushRef="#br0">0 0 24575,'1'1'0,"1"0"0,-1 0 0,1 0 0,0 0 0,-1 0 0,1-1 0,-1 1 0,1-1 0,0 1 0,-1-1 0,4 0 0,0 1 0,23 7 0,89 21 0,-99-26 0,0 0 0,1-1 0,-1-2 0,28-1 0,-44 1-72,-1 0 1,1-1-1,0 1 0,-1 0 0,1-1 0,-1 0 0,1 1 0,0-1 1,-1 0-1,1 0 0,-1 0 0,0 0 0,1 0 0,-1 0 0,0 0 1,0 0-1,1-1 0,0-1 0</inkml:trace>
+</inkml:ink>
+</file>
+
+<file path=ppt/ink/ink3.xml><?xml version="1.0" encoding="utf-8"?>
+<inkml:ink xmlns:inkml="http://www.w3.org/2003/InkML">
+  <inkml:definitions>
+    <inkml:context xml:id="ctx0">
+      <inkml:inkSource xml:id="inkSrc0">
+        <inkml:traceFormat>
+          <inkml:channel name="X" type="integer" min="-2.14748E9" max="2.14748E9" units="cm"/>
+          <inkml:channel name="Y" type="integer" min="-2.14748E9" max="2.14748E9" units="cm"/>
+          <inkml:channel name="F" type="integer" max="32767" units="dev"/>
+        </inkml:traceFormat>
+        <inkml:channelProperties>
+          <inkml:channelProperty channel="X" name="resolution" value="1000" units="1/cm"/>
+          <inkml:channelProperty channel="Y" name="resolution" value="1000" units="1/cm"/>
+          <inkml:channelProperty channel="F" name="resolution" value="0" units="1/dev"/>
+        </inkml:channelProperties>
+      </inkml:inkSource>
+      <inkml:timestamp xml:id="ts0" timeString="2026-01-31T04:09:45.243"/>
+    </inkml:context>
+    <inkml:brush xml:id="br0">
+      <inkml:brushProperty name="width" value="0.035" units="cm"/>
+      <inkml:brushProperty name="height" value="0.035" units="cm"/>
+      <inkml:brushProperty name="color" value="#E71224"/>
+    </inkml:brush>
+  </inkml:definitions>
+  <inkml:trace contextRef="#ctx0" brushRef="#br0">116 0 24575,'-1'1'0,"-1"0"0,0 1 0,0-1 0,1 0 0,-1 0 0,1 1 0,-1-1 0,1 1 0,-2 2 0,-3 2 0,-21 16 0,20-18 0,1 1 0,-1 0 0,1 0 0,0 1 0,0 0 0,1 0 0,0 0 0,0 1 0,-6 10 0,10-15 0,1-1 0,0 1 0,0-1 0,0 1 0,0-1 0,0 1 0,0-1 0,0 0 0,0 1 0,1-1 0,-1 1 0,0-1 0,1 1 0,0-1 0,-1 0 0,1 1 0,1 1 0,18 25 0,-7-9 0,23 56-1365,-33-69-5461</inkml:trace>
+</inkml:ink>
+</file>
+
+<file path=ppt/ink/ink4.xml><?xml version="1.0" encoding="utf-8"?>
+<inkml:ink xmlns:inkml="http://www.w3.org/2003/InkML">
+  <inkml:definitions>
+    <inkml:context xml:id="ctx0">
+      <inkml:inkSource xml:id="inkSrc0">
+        <inkml:traceFormat>
+          <inkml:channel name="X" type="integer" min="-2.14748E9" max="2.14748E9" units="cm"/>
+          <inkml:channel name="Y" type="integer" min="-2.14748E9" max="2.14748E9" units="cm"/>
+          <inkml:channel name="F" type="integer" max="32767" units="dev"/>
+        </inkml:traceFormat>
+        <inkml:channelProperties>
+          <inkml:channelProperty channel="X" name="resolution" value="1000" units="1/cm"/>
+          <inkml:channelProperty channel="Y" name="resolution" value="1000" units="1/cm"/>
+          <inkml:channelProperty channel="F" name="resolution" value="0" units="1/dev"/>
+        </inkml:channelProperties>
+      </inkml:inkSource>
+      <inkml:timestamp xml:id="ts0" timeString="2026-01-31T04:09:47.291"/>
+    </inkml:context>
+    <inkml:brush xml:id="br0">
+      <inkml:brushProperty name="width" value="0.035" units="cm"/>
+      <inkml:brushProperty name="height" value="0.035" units="cm"/>
+      <inkml:brushProperty name="color" value="#E71224"/>
+    </inkml:brush>
+  </inkml:definitions>
+  <inkml:trace contextRef="#ctx0" brushRef="#br0">0 0 24575,'1'0'0,"3"0"0,5 0 0,4 1 0,3 1 0,6 0 0,0 0 0,4 0 0,0 1 0,2-1 0,1 0 0,0 1 0,-3 0 0,-5 0 0,-4-1 0,-3 0 0,-4-1 0,-3-1-8191</inkml:trace>
+</inkml:ink>
+</file>
+
+<file path=ppt/ink/ink5.xml><?xml version="1.0" encoding="utf-8"?>
+<inkml:ink xmlns:inkml="http://www.w3.org/2003/InkML">
+  <inkml:definitions>
+    <inkml:context xml:id="ctx0">
+      <inkml:inkSource xml:id="inkSrc0">
+        <inkml:traceFormat>
+          <inkml:channel name="X" type="integer" min="-2.14748E9" max="2.14748E9" units="cm"/>
+          <inkml:channel name="Y" type="integer" min="-2.14748E9" max="2.14748E9" units="cm"/>
+          <inkml:channel name="F" type="integer" max="32767" units="dev"/>
+        </inkml:traceFormat>
+        <inkml:channelProperties>
+          <inkml:channelProperty channel="X" name="resolution" value="1000" units="1/cm"/>
+          <inkml:channelProperty channel="Y" name="resolution" value="1000" units="1/cm"/>
+          <inkml:channelProperty channel="F" name="resolution" value="0" units="1/dev"/>
+        </inkml:channelProperties>
+      </inkml:inkSource>
+      <inkml:timestamp xml:id="ts0" timeString="2026-01-31T04:09:48.433"/>
+    </inkml:context>
+    <inkml:brush xml:id="br0">
+      <inkml:brushProperty name="width" value="0.035" units="cm"/>
+      <inkml:brushProperty name="height" value="0.035" units="cm"/>
+      <inkml:brushProperty name="color" value="#E71224"/>
+    </inkml:brush>
+  </inkml:definitions>
+  <inkml:trace contextRef="#ctx0" brushRef="#br0">1 1 24575,'2'1'0,"1"0"0,0 1 0,-1-1 0,1 1 0,-1 0 0,0-1 0,1 1 0,2 4 0,2 0 0,7 6 0,0 0 0,24 27 0,-34-34 0,0 1 0,0-1 0,0 0 0,-1 1 0,0 0 0,0 0 0,-1 0 0,1 0 0,-1 0 0,-1 1 0,3 12 0,-4-17 0,0-1 0,-1 1 0,1 0 0,0 0 0,-1-1 0,1 1 0,-1 0 0,0-1 0,1 1 0,-1-1 0,0 1 0,0-1 0,0 1 0,0-1 0,0 1 0,-2 1 0,-27 22 0,5-4 0,6-1-1365</inkml:trace>
+</inkml:ink>
+</file>
+
 <file path=ppt/notesMasters/notesMaster1.xml><?xml version="1.0" encoding="utf-8"?>
 <p:notesMaster xmlns:a="http://schemas.openxmlformats.org/drawingml/2006/main" xmlns:r="http://schemas.openxmlformats.org/officeDocument/2006/relationships" xmlns:p="http://schemas.openxmlformats.org/presentationml/2006/main">
   <p:cSld>
@@ -222,7 +367,7 @@
           <a:p>
             <a:fld id="{07E5D595-80C0-4B28-BA03-ED45ADACC533}" type="datetimeFigureOut">
               <a:rPr lang="zh-TW" altLang="en-US" smtClean="0"/>
-              <a:t>2026/1/30</a:t>
+              <a:t>2026/2/2</a:t>
             </a:fld>
             <a:endParaRPr lang="zh-TW" altLang="en-US"/>
           </a:p>
@@ -789,6 +934,546 @@
 </p:notes>
 </file>
 
+<file path=ppt/notesSlides/notesSlide4.xml><?xml version="1.0" encoding="utf-8"?>
+<p:notes xmlns:a="http://schemas.openxmlformats.org/drawingml/2006/main" xmlns:r="http://schemas.openxmlformats.org/officeDocument/2006/relationships" xmlns:p="http://schemas.openxmlformats.org/presentationml/2006/main">
+  <p:cSld>
+    <p:spTree>
+      <p:nvGrpSpPr>
+        <p:cNvPr id="1" name="">
+          <a:extLst>
+            <a:ext uri="{FF2B5EF4-FFF2-40B4-BE49-F238E27FC236}">
+              <a16:creationId xmlns:a16="http://schemas.microsoft.com/office/drawing/2014/main" id="{AF58638F-89D5-2760-A5CD-1BE849CA3AD2}"/>
+            </a:ext>
+          </a:extLst>
+        </p:cNvPr>
+        <p:cNvGrpSpPr/>
+        <p:nvPr/>
+      </p:nvGrpSpPr>
+      <p:grpSpPr>
+        <a:xfrm>
+          <a:off x="0" y="0"/>
+          <a:ext cx="0" cy="0"/>
+          <a:chOff x="0" y="0"/>
+          <a:chExt cx="0" cy="0"/>
+        </a:xfrm>
+      </p:grpSpPr>
+      <p:sp>
+        <p:nvSpPr>
+          <p:cNvPr id="2" name="投影片影像版面配置區 1">
+            <a:extLst>
+              <a:ext uri="{FF2B5EF4-FFF2-40B4-BE49-F238E27FC236}">
+                <a16:creationId xmlns:a16="http://schemas.microsoft.com/office/drawing/2014/main" id="{31F07A60-62AF-2827-D6C3-30D1AF4CC499}"/>
+              </a:ext>
+            </a:extLst>
+          </p:cNvPr>
+          <p:cNvSpPr>
+            <a:spLocks noGrp="1" noRot="1" noChangeAspect="1"/>
+          </p:cNvSpPr>
+          <p:nvPr>
+            <p:ph type="sldImg"/>
+          </p:nvPr>
+        </p:nvSpPr>
+        <p:spPr/>
+      </p:sp>
+      <p:sp>
+        <p:nvSpPr>
+          <p:cNvPr id="3" name="備忘稿版面配置區 2">
+            <a:extLst>
+              <a:ext uri="{FF2B5EF4-FFF2-40B4-BE49-F238E27FC236}">
+                <a16:creationId xmlns:a16="http://schemas.microsoft.com/office/drawing/2014/main" id="{66236718-BD01-9B7E-7BE9-F336D4CB61E9}"/>
+              </a:ext>
+            </a:extLst>
+          </p:cNvPr>
+          <p:cNvSpPr>
+            <a:spLocks noGrp="1"/>
+          </p:cNvSpPr>
+          <p:nvPr>
+            <p:ph type="body" idx="1"/>
+          </p:nvPr>
+        </p:nvSpPr>
+        <p:spPr/>
+        <p:txBody>
+          <a:bodyPr/>
+          <a:lstStyle/>
+          <a:p>
+            <a:endParaRPr lang="zh-TW" altLang="en-US" dirty="0"/>
+          </a:p>
+        </p:txBody>
+      </p:sp>
+      <p:sp>
+        <p:nvSpPr>
+          <p:cNvPr id="4" name="投影片編號版面配置區 3">
+            <a:extLst>
+              <a:ext uri="{FF2B5EF4-FFF2-40B4-BE49-F238E27FC236}">
+                <a16:creationId xmlns:a16="http://schemas.microsoft.com/office/drawing/2014/main" id="{232DCA17-832F-017E-92A6-BDA991E21873}"/>
+              </a:ext>
+            </a:extLst>
+          </p:cNvPr>
+          <p:cNvSpPr>
+            <a:spLocks noGrp="1"/>
+          </p:cNvSpPr>
+          <p:nvPr>
+            <p:ph type="sldNum" sz="quarter" idx="5"/>
+          </p:nvPr>
+        </p:nvSpPr>
+        <p:spPr/>
+        <p:txBody>
+          <a:bodyPr/>
+          <a:lstStyle/>
+          <a:p>
+            <a:fld id="{5281C8EC-84E3-4AA0-83D2-C262AD0C7E35}" type="slidenum">
+              <a:rPr lang="zh-TW" altLang="en-US" smtClean="0"/>
+              <a:t>27</a:t>
+            </a:fld>
+            <a:endParaRPr lang="zh-TW" altLang="en-US"/>
+          </a:p>
+        </p:txBody>
+      </p:sp>
+    </p:spTree>
+    <p:extLst>
+      <p:ext uri="{BB962C8B-B14F-4D97-AF65-F5344CB8AC3E}">
+        <p14:creationId xmlns:p14="http://schemas.microsoft.com/office/powerpoint/2010/main" val="2874216686"/>
+      </p:ext>
+    </p:extLst>
+  </p:cSld>
+  <p:clrMapOvr>
+    <a:masterClrMapping/>
+  </p:clrMapOvr>
+</p:notes>
+</file>
+
+<file path=ppt/notesSlides/notesSlide5.xml><?xml version="1.0" encoding="utf-8"?>
+<p:notes xmlns:a="http://schemas.openxmlformats.org/drawingml/2006/main" xmlns:r="http://schemas.openxmlformats.org/officeDocument/2006/relationships" xmlns:p="http://schemas.openxmlformats.org/presentationml/2006/main">
+  <p:cSld>
+    <p:spTree>
+      <p:nvGrpSpPr>
+        <p:cNvPr id="1" name="">
+          <a:extLst>
+            <a:ext uri="{FF2B5EF4-FFF2-40B4-BE49-F238E27FC236}">
+              <a16:creationId xmlns:a16="http://schemas.microsoft.com/office/drawing/2014/main" id="{A775638B-4B3D-0E0E-73FE-774869EBF823}"/>
+            </a:ext>
+          </a:extLst>
+        </p:cNvPr>
+        <p:cNvGrpSpPr/>
+        <p:nvPr/>
+      </p:nvGrpSpPr>
+      <p:grpSpPr>
+        <a:xfrm>
+          <a:off x="0" y="0"/>
+          <a:ext cx="0" cy="0"/>
+          <a:chOff x="0" y="0"/>
+          <a:chExt cx="0" cy="0"/>
+        </a:xfrm>
+      </p:grpSpPr>
+      <p:sp>
+        <p:nvSpPr>
+          <p:cNvPr id="2" name="投影片影像版面配置區 1">
+            <a:extLst>
+              <a:ext uri="{FF2B5EF4-FFF2-40B4-BE49-F238E27FC236}">
+                <a16:creationId xmlns:a16="http://schemas.microsoft.com/office/drawing/2014/main" id="{6E47926F-4F63-14BB-A4FB-E361FEB709D0}"/>
+              </a:ext>
+            </a:extLst>
+          </p:cNvPr>
+          <p:cNvSpPr>
+            <a:spLocks noGrp="1" noRot="1" noChangeAspect="1"/>
+          </p:cNvSpPr>
+          <p:nvPr>
+            <p:ph type="sldImg"/>
+          </p:nvPr>
+        </p:nvSpPr>
+        <p:spPr/>
+      </p:sp>
+      <p:sp>
+        <p:nvSpPr>
+          <p:cNvPr id="3" name="備忘稿版面配置區 2">
+            <a:extLst>
+              <a:ext uri="{FF2B5EF4-FFF2-40B4-BE49-F238E27FC236}">
+                <a16:creationId xmlns:a16="http://schemas.microsoft.com/office/drawing/2014/main" id="{F5137C03-8009-26B0-FB4E-E04842E8B7CB}"/>
+              </a:ext>
+            </a:extLst>
+          </p:cNvPr>
+          <p:cNvSpPr>
+            <a:spLocks noGrp="1"/>
+          </p:cNvSpPr>
+          <p:nvPr>
+            <p:ph type="body" idx="1"/>
+          </p:nvPr>
+        </p:nvSpPr>
+        <p:spPr/>
+        <p:txBody>
+          <a:bodyPr/>
+          <a:lstStyle/>
+          <a:p>
+            <a:endParaRPr lang="zh-TW" altLang="en-US" dirty="0"/>
+          </a:p>
+        </p:txBody>
+      </p:sp>
+      <p:sp>
+        <p:nvSpPr>
+          <p:cNvPr id="4" name="投影片編號版面配置區 3">
+            <a:extLst>
+              <a:ext uri="{FF2B5EF4-FFF2-40B4-BE49-F238E27FC236}">
+                <a16:creationId xmlns:a16="http://schemas.microsoft.com/office/drawing/2014/main" id="{070D930E-F800-D862-00FF-518846ED3A33}"/>
+              </a:ext>
+            </a:extLst>
+          </p:cNvPr>
+          <p:cNvSpPr>
+            <a:spLocks noGrp="1"/>
+          </p:cNvSpPr>
+          <p:nvPr>
+            <p:ph type="sldNum" sz="quarter" idx="5"/>
+          </p:nvPr>
+        </p:nvSpPr>
+        <p:spPr/>
+        <p:txBody>
+          <a:bodyPr/>
+          <a:lstStyle/>
+          <a:p>
+            <a:fld id="{5281C8EC-84E3-4AA0-83D2-C262AD0C7E35}" type="slidenum">
+              <a:rPr lang="zh-TW" altLang="en-US" smtClean="0"/>
+              <a:t>28</a:t>
+            </a:fld>
+            <a:endParaRPr lang="zh-TW" altLang="en-US"/>
+          </a:p>
+        </p:txBody>
+      </p:sp>
+    </p:spTree>
+    <p:extLst>
+      <p:ext uri="{BB962C8B-B14F-4D97-AF65-F5344CB8AC3E}">
+        <p14:creationId xmlns:p14="http://schemas.microsoft.com/office/powerpoint/2010/main" val="3187046915"/>
+      </p:ext>
+    </p:extLst>
+  </p:cSld>
+  <p:clrMapOvr>
+    <a:masterClrMapping/>
+  </p:clrMapOvr>
+</p:notes>
+</file>
+
+<file path=ppt/notesSlides/notesSlide6.xml><?xml version="1.0" encoding="utf-8"?>
+<p:notes xmlns:a="http://schemas.openxmlformats.org/drawingml/2006/main" xmlns:r="http://schemas.openxmlformats.org/officeDocument/2006/relationships" xmlns:p="http://schemas.openxmlformats.org/presentationml/2006/main">
+  <p:cSld>
+    <p:spTree>
+      <p:nvGrpSpPr>
+        <p:cNvPr id="1" name="">
+          <a:extLst>
+            <a:ext uri="{FF2B5EF4-FFF2-40B4-BE49-F238E27FC236}">
+              <a16:creationId xmlns:a16="http://schemas.microsoft.com/office/drawing/2014/main" id="{C65E1294-43ED-8DF1-665F-2B635BA9575F}"/>
+            </a:ext>
+          </a:extLst>
+        </p:cNvPr>
+        <p:cNvGrpSpPr/>
+        <p:nvPr/>
+      </p:nvGrpSpPr>
+      <p:grpSpPr>
+        <a:xfrm>
+          <a:off x="0" y="0"/>
+          <a:ext cx="0" cy="0"/>
+          <a:chOff x="0" y="0"/>
+          <a:chExt cx="0" cy="0"/>
+        </a:xfrm>
+      </p:grpSpPr>
+      <p:sp>
+        <p:nvSpPr>
+          <p:cNvPr id="2" name="投影片影像版面配置區 1">
+            <a:extLst>
+              <a:ext uri="{FF2B5EF4-FFF2-40B4-BE49-F238E27FC236}">
+                <a16:creationId xmlns:a16="http://schemas.microsoft.com/office/drawing/2014/main" id="{4F885216-94B2-8145-2CEC-72515ABBE9C0}"/>
+              </a:ext>
+            </a:extLst>
+          </p:cNvPr>
+          <p:cNvSpPr>
+            <a:spLocks noGrp="1" noRot="1" noChangeAspect="1"/>
+          </p:cNvSpPr>
+          <p:nvPr>
+            <p:ph type="sldImg"/>
+          </p:nvPr>
+        </p:nvSpPr>
+        <p:spPr/>
+      </p:sp>
+      <p:sp>
+        <p:nvSpPr>
+          <p:cNvPr id="3" name="備忘稿版面配置區 2">
+            <a:extLst>
+              <a:ext uri="{FF2B5EF4-FFF2-40B4-BE49-F238E27FC236}">
+                <a16:creationId xmlns:a16="http://schemas.microsoft.com/office/drawing/2014/main" id="{ED149161-7FDA-7E77-BD6C-BC7CDBFF710F}"/>
+              </a:ext>
+            </a:extLst>
+          </p:cNvPr>
+          <p:cNvSpPr>
+            <a:spLocks noGrp="1"/>
+          </p:cNvSpPr>
+          <p:nvPr>
+            <p:ph type="body" idx="1"/>
+          </p:nvPr>
+        </p:nvSpPr>
+        <p:spPr/>
+        <p:txBody>
+          <a:bodyPr/>
+          <a:lstStyle/>
+          <a:p>
+            <a:endParaRPr lang="zh-TW" altLang="en-US" dirty="0"/>
+          </a:p>
+        </p:txBody>
+      </p:sp>
+      <p:sp>
+        <p:nvSpPr>
+          <p:cNvPr id="4" name="投影片編號版面配置區 3">
+            <a:extLst>
+              <a:ext uri="{FF2B5EF4-FFF2-40B4-BE49-F238E27FC236}">
+                <a16:creationId xmlns:a16="http://schemas.microsoft.com/office/drawing/2014/main" id="{FC41AF2B-3589-1E87-9482-F34B8E29B0FB}"/>
+              </a:ext>
+            </a:extLst>
+          </p:cNvPr>
+          <p:cNvSpPr>
+            <a:spLocks noGrp="1"/>
+          </p:cNvSpPr>
+          <p:nvPr>
+            <p:ph type="sldNum" sz="quarter" idx="5"/>
+          </p:nvPr>
+        </p:nvSpPr>
+        <p:spPr/>
+        <p:txBody>
+          <a:bodyPr/>
+          <a:lstStyle/>
+          <a:p>
+            <a:fld id="{5281C8EC-84E3-4AA0-83D2-C262AD0C7E35}" type="slidenum">
+              <a:rPr lang="zh-TW" altLang="en-US" smtClean="0"/>
+              <a:t>29</a:t>
+            </a:fld>
+            <a:endParaRPr lang="zh-TW" altLang="en-US"/>
+          </a:p>
+        </p:txBody>
+      </p:sp>
+    </p:spTree>
+    <p:extLst>
+      <p:ext uri="{BB962C8B-B14F-4D97-AF65-F5344CB8AC3E}">
+        <p14:creationId xmlns:p14="http://schemas.microsoft.com/office/powerpoint/2010/main" val="1584297608"/>
+      </p:ext>
+    </p:extLst>
+  </p:cSld>
+  <p:clrMapOvr>
+    <a:masterClrMapping/>
+  </p:clrMapOvr>
+</p:notes>
+</file>
+
+<file path=ppt/notesSlides/notesSlide7.xml><?xml version="1.0" encoding="utf-8"?>
+<p:notes xmlns:a="http://schemas.openxmlformats.org/drawingml/2006/main" xmlns:r="http://schemas.openxmlformats.org/officeDocument/2006/relationships" xmlns:p="http://schemas.openxmlformats.org/presentationml/2006/main">
+  <p:cSld>
+    <p:spTree>
+      <p:nvGrpSpPr>
+        <p:cNvPr id="1" name="">
+          <a:extLst>
+            <a:ext uri="{FF2B5EF4-FFF2-40B4-BE49-F238E27FC236}">
+              <a16:creationId xmlns:a16="http://schemas.microsoft.com/office/drawing/2014/main" id="{36FA93A4-7DD5-EF11-01F1-E720985EB7CF}"/>
+            </a:ext>
+          </a:extLst>
+        </p:cNvPr>
+        <p:cNvGrpSpPr/>
+        <p:nvPr/>
+      </p:nvGrpSpPr>
+      <p:grpSpPr>
+        <a:xfrm>
+          <a:off x="0" y="0"/>
+          <a:ext cx="0" cy="0"/>
+          <a:chOff x="0" y="0"/>
+          <a:chExt cx="0" cy="0"/>
+        </a:xfrm>
+      </p:grpSpPr>
+      <p:sp>
+        <p:nvSpPr>
+          <p:cNvPr id="2" name="投影片影像版面配置區 1">
+            <a:extLst>
+              <a:ext uri="{FF2B5EF4-FFF2-40B4-BE49-F238E27FC236}">
+                <a16:creationId xmlns:a16="http://schemas.microsoft.com/office/drawing/2014/main" id="{A004498C-909C-8113-2AEE-AE6C4E511DD1}"/>
+              </a:ext>
+            </a:extLst>
+          </p:cNvPr>
+          <p:cNvSpPr>
+            <a:spLocks noGrp="1" noRot="1" noChangeAspect="1"/>
+          </p:cNvSpPr>
+          <p:nvPr>
+            <p:ph type="sldImg"/>
+          </p:nvPr>
+        </p:nvSpPr>
+        <p:spPr/>
+      </p:sp>
+      <p:sp>
+        <p:nvSpPr>
+          <p:cNvPr id="3" name="備忘稿版面配置區 2">
+            <a:extLst>
+              <a:ext uri="{FF2B5EF4-FFF2-40B4-BE49-F238E27FC236}">
+                <a16:creationId xmlns:a16="http://schemas.microsoft.com/office/drawing/2014/main" id="{F1F1CE46-3ED4-D257-3A50-0C3CADB671A3}"/>
+              </a:ext>
+            </a:extLst>
+          </p:cNvPr>
+          <p:cNvSpPr>
+            <a:spLocks noGrp="1"/>
+          </p:cNvSpPr>
+          <p:nvPr>
+            <p:ph type="body" idx="1"/>
+          </p:nvPr>
+        </p:nvSpPr>
+        <p:spPr/>
+        <p:txBody>
+          <a:bodyPr/>
+          <a:lstStyle/>
+          <a:p>
+            <a:endParaRPr lang="zh-TW" altLang="en-US" dirty="0"/>
+          </a:p>
+        </p:txBody>
+      </p:sp>
+      <p:sp>
+        <p:nvSpPr>
+          <p:cNvPr id="4" name="投影片編號版面配置區 3">
+            <a:extLst>
+              <a:ext uri="{FF2B5EF4-FFF2-40B4-BE49-F238E27FC236}">
+                <a16:creationId xmlns:a16="http://schemas.microsoft.com/office/drawing/2014/main" id="{0CDD6901-E662-9541-6C30-9FE2DD18D84A}"/>
+              </a:ext>
+            </a:extLst>
+          </p:cNvPr>
+          <p:cNvSpPr>
+            <a:spLocks noGrp="1"/>
+          </p:cNvSpPr>
+          <p:nvPr>
+            <p:ph type="sldNum" sz="quarter" idx="5"/>
+          </p:nvPr>
+        </p:nvSpPr>
+        <p:spPr/>
+        <p:txBody>
+          <a:bodyPr/>
+          <a:lstStyle/>
+          <a:p>
+            <a:fld id="{5281C8EC-84E3-4AA0-83D2-C262AD0C7E35}" type="slidenum">
+              <a:rPr lang="zh-TW" altLang="en-US" smtClean="0"/>
+              <a:t>30</a:t>
+            </a:fld>
+            <a:endParaRPr lang="zh-TW" altLang="en-US"/>
+          </a:p>
+        </p:txBody>
+      </p:sp>
+    </p:spTree>
+    <p:extLst>
+      <p:ext uri="{BB962C8B-B14F-4D97-AF65-F5344CB8AC3E}">
+        <p14:creationId xmlns:p14="http://schemas.microsoft.com/office/powerpoint/2010/main" val="2299327285"/>
+      </p:ext>
+    </p:extLst>
+  </p:cSld>
+  <p:clrMapOvr>
+    <a:masterClrMapping/>
+  </p:clrMapOvr>
+</p:notes>
+</file>
+
+<file path=ppt/notesSlides/notesSlide8.xml><?xml version="1.0" encoding="utf-8"?>
+<p:notes xmlns:a="http://schemas.openxmlformats.org/drawingml/2006/main" xmlns:r="http://schemas.openxmlformats.org/officeDocument/2006/relationships" xmlns:p="http://schemas.openxmlformats.org/presentationml/2006/main">
+  <p:cSld>
+    <p:spTree>
+      <p:nvGrpSpPr>
+        <p:cNvPr id="1" name="">
+          <a:extLst>
+            <a:ext uri="{FF2B5EF4-FFF2-40B4-BE49-F238E27FC236}">
+              <a16:creationId xmlns:a16="http://schemas.microsoft.com/office/drawing/2014/main" id="{DC5389DC-D7DD-6548-8222-85D2CB92B2E2}"/>
+            </a:ext>
+          </a:extLst>
+        </p:cNvPr>
+        <p:cNvGrpSpPr/>
+        <p:nvPr/>
+      </p:nvGrpSpPr>
+      <p:grpSpPr>
+        <a:xfrm>
+          <a:off x="0" y="0"/>
+          <a:ext cx="0" cy="0"/>
+          <a:chOff x="0" y="0"/>
+          <a:chExt cx="0" cy="0"/>
+        </a:xfrm>
+      </p:grpSpPr>
+      <p:sp>
+        <p:nvSpPr>
+          <p:cNvPr id="2" name="投影片影像版面配置區 1">
+            <a:extLst>
+              <a:ext uri="{FF2B5EF4-FFF2-40B4-BE49-F238E27FC236}">
+                <a16:creationId xmlns:a16="http://schemas.microsoft.com/office/drawing/2014/main" id="{F4E3CD3E-B736-5319-1575-4C3B50045279}"/>
+              </a:ext>
+            </a:extLst>
+          </p:cNvPr>
+          <p:cNvSpPr>
+            <a:spLocks noGrp="1" noRot="1" noChangeAspect="1"/>
+          </p:cNvSpPr>
+          <p:nvPr>
+            <p:ph type="sldImg"/>
+          </p:nvPr>
+        </p:nvSpPr>
+        <p:spPr/>
+      </p:sp>
+      <p:sp>
+        <p:nvSpPr>
+          <p:cNvPr id="3" name="備忘稿版面配置區 2">
+            <a:extLst>
+              <a:ext uri="{FF2B5EF4-FFF2-40B4-BE49-F238E27FC236}">
+                <a16:creationId xmlns:a16="http://schemas.microsoft.com/office/drawing/2014/main" id="{6848F93F-E9FB-2846-E8EB-D3809328315D}"/>
+              </a:ext>
+            </a:extLst>
+          </p:cNvPr>
+          <p:cNvSpPr>
+            <a:spLocks noGrp="1"/>
+          </p:cNvSpPr>
+          <p:nvPr>
+            <p:ph type="body" idx="1"/>
+          </p:nvPr>
+        </p:nvSpPr>
+        <p:spPr/>
+        <p:txBody>
+          <a:bodyPr/>
+          <a:lstStyle/>
+          <a:p>
+            <a:endParaRPr lang="zh-TW" altLang="en-US" dirty="0"/>
+          </a:p>
+        </p:txBody>
+      </p:sp>
+      <p:sp>
+        <p:nvSpPr>
+          <p:cNvPr id="4" name="投影片編號版面配置區 3">
+            <a:extLst>
+              <a:ext uri="{FF2B5EF4-FFF2-40B4-BE49-F238E27FC236}">
+                <a16:creationId xmlns:a16="http://schemas.microsoft.com/office/drawing/2014/main" id="{C5E5A903-CF9F-4FD2-9ED2-9F499561DAAB}"/>
+              </a:ext>
+            </a:extLst>
+          </p:cNvPr>
+          <p:cNvSpPr>
+            <a:spLocks noGrp="1"/>
+          </p:cNvSpPr>
+          <p:nvPr>
+            <p:ph type="sldNum" sz="quarter" idx="5"/>
+          </p:nvPr>
+        </p:nvSpPr>
+        <p:spPr/>
+        <p:txBody>
+          <a:bodyPr/>
+          <a:lstStyle/>
+          <a:p>
+            <a:fld id="{5281C8EC-84E3-4AA0-83D2-C262AD0C7E35}" type="slidenum">
+              <a:rPr lang="zh-TW" altLang="en-US" smtClean="0"/>
+              <a:t>31</a:t>
+            </a:fld>
+            <a:endParaRPr lang="zh-TW" altLang="en-US"/>
+          </a:p>
+        </p:txBody>
+      </p:sp>
+    </p:spTree>
+    <p:extLst>
+      <p:ext uri="{BB962C8B-B14F-4D97-AF65-F5344CB8AC3E}">
+        <p14:creationId xmlns:p14="http://schemas.microsoft.com/office/powerpoint/2010/main" val="1489981523"/>
+      </p:ext>
+    </p:extLst>
+  </p:cSld>
+  <p:clrMapOvr>
+    <a:masterClrMapping/>
+  </p:clrMapOvr>
+</p:notes>
+</file>
+
 <file path=ppt/slideLayouts/slideLayout1.xml><?xml version="1.0" encoding="utf-8"?>
 <p:sldLayout xmlns:a="http://schemas.openxmlformats.org/drawingml/2006/main" xmlns:r="http://schemas.openxmlformats.org/officeDocument/2006/relationships" xmlns:p="http://schemas.openxmlformats.org/presentationml/2006/main" type="title" preserve="1">
   <p:cSld name="標題投影片">
@@ -920,7 +1605,7 @@
           <a:p>
             <a:fld id="{17ED38C7-CC33-4A9A-AE74-C01421608BED}" type="datetimeFigureOut">
               <a:rPr lang="zh-TW" altLang="en-US" smtClean="0"/>
-              <a:t>2026/1/30</a:t>
+              <a:t>2026/2/2</a:t>
             </a:fld>
             <a:endParaRPr lang="zh-TW" altLang="en-US"/>
           </a:p>
@@ -1090,7 +1775,7 @@
           <a:p>
             <a:fld id="{17ED38C7-CC33-4A9A-AE74-C01421608BED}" type="datetimeFigureOut">
               <a:rPr lang="zh-TW" altLang="en-US" smtClean="0"/>
-              <a:t>2026/1/30</a:t>
+              <a:t>2026/2/2</a:t>
             </a:fld>
             <a:endParaRPr lang="zh-TW" altLang="en-US"/>
           </a:p>
@@ -1270,7 +1955,7 @@
           <a:p>
             <a:fld id="{17ED38C7-CC33-4A9A-AE74-C01421608BED}" type="datetimeFigureOut">
               <a:rPr lang="zh-TW" altLang="en-US" smtClean="0"/>
-              <a:t>2026/1/30</a:t>
+              <a:t>2026/2/2</a:t>
             </a:fld>
             <a:endParaRPr lang="zh-TW" altLang="en-US"/>
           </a:p>
@@ -1440,7 +2125,7 @@
           <a:p>
             <a:fld id="{17ED38C7-CC33-4A9A-AE74-C01421608BED}" type="datetimeFigureOut">
               <a:rPr lang="zh-TW" altLang="en-US" smtClean="0"/>
-              <a:t>2026/1/30</a:t>
+              <a:t>2026/2/2</a:t>
             </a:fld>
             <a:endParaRPr lang="zh-TW" altLang="en-US"/>
           </a:p>
@@ -1686,7 +2371,7 @@
           <a:p>
             <a:fld id="{17ED38C7-CC33-4A9A-AE74-C01421608BED}" type="datetimeFigureOut">
               <a:rPr lang="zh-TW" altLang="en-US" smtClean="0"/>
-              <a:t>2026/1/30</a:t>
+              <a:t>2026/2/2</a:t>
             </a:fld>
             <a:endParaRPr lang="zh-TW" altLang="en-US"/>
           </a:p>
@@ -1918,7 +2603,7 @@
           <a:p>
             <a:fld id="{17ED38C7-CC33-4A9A-AE74-C01421608BED}" type="datetimeFigureOut">
               <a:rPr lang="zh-TW" altLang="en-US" smtClean="0"/>
-              <a:t>2026/1/30</a:t>
+              <a:t>2026/2/2</a:t>
             </a:fld>
             <a:endParaRPr lang="zh-TW" altLang="en-US"/>
           </a:p>
@@ -2285,7 +2970,7 @@
           <a:p>
             <a:fld id="{17ED38C7-CC33-4A9A-AE74-C01421608BED}" type="datetimeFigureOut">
               <a:rPr lang="zh-TW" altLang="en-US" smtClean="0"/>
-              <a:t>2026/1/30</a:t>
+              <a:t>2026/2/2</a:t>
             </a:fld>
             <a:endParaRPr lang="zh-TW" altLang="en-US"/>
           </a:p>
@@ -2403,7 +3088,7 @@
           <a:p>
             <a:fld id="{17ED38C7-CC33-4A9A-AE74-C01421608BED}" type="datetimeFigureOut">
               <a:rPr lang="zh-TW" altLang="en-US" smtClean="0"/>
-              <a:t>2026/1/30</a:t>
+              <a:t>2026/2/2</a:t>
             </a:fld>
             <a:endParaRPr lang="zh-TW" altLang="en-US"/>
           </a:p>
@@ -2498,7 +3183,7 @@
           <a:p>
             <a:fld id="{17ED38C7-CC33-4A9A-AE74-C01421608BED}" type="datetimeFigureOut">
               <a:rPr lang="zh-TW" altLang="en-US" smtClean="0"/>
-              <a:t>2026/1/30</a:t>
+              <a:t>2026/2/2</a:t>
             </a:fld>
             <a:endParaRPr lang="zh-TW" altLang="en-US"/>
           </a:p>
@@ -2775,7 +3460,7 @@
           <a:p>
             <a:fld id="{17ED38C7-CC33-4A9A-AE74-C01421608BED}" type="datetimeFigureOut">
               <a:rPr lang="zh-TW" altLang="en-US" smtClean="0"/>
-              <a:t>2026/1/30</a:t>
+              <a:t>2026/2/2</a:t>
             </a:fld>
             <a:endParaRPr lang="zh-TW" altLang="en-US"/>
           </a:p>
@@ -3032,7 +3717,7 @@
           <a:p>
             <a:fld id="{17ED38C7-CC33-4A9A-AE74-C01421608BED}" type="datetimeFigureOut">
               <a:rPr lang="zh-TW" altLang="en-US" smtClean="0"/>
-              <a:t>2026/1/30</a:t>
+              <a:t>2026/2/2</a:t>
             </a:fld>
             <a:endParaRPr lang="zh-TW" altLang="en-US"/>
           </a:p>
@@ -3245,7 +3930,7 @@
           <a:p>
             <a:fld id="{17ED38C7-CC33-4A9A-AE74-C01421608BED}" type="datetimeFigureOut">
               <a:rPr lang="zh-TW" altLang="en-US" smtClean="0"/>
-              <a:t>2026/1/30</a:t>
+              <a:t>2026/2/2</a:t>
             </a:fld>
             <a:endParaRPr lang="zh-TW" altLang="en-US"/>
           </a:p>
@@ -5412,6 +6097,303 @@
           </a:prstGeom>
         </p:spPr>
       </p:pic>
+      <mc:AlternateContent xmlns:mc="http://schemas.openxmlformats.org/markup-compatibility/2006" xmlns:p14="http://schemas.microsoft.com/office/powerpoint/2010/main">
+        <mc:Choice Requires="p14">
+          <p:contentPart p14:bwMode="auto" r:id="rId3">
+            <p14:nvContentPartPr>
+              <p14:cNvPr id="3" name="筆跡 2">
+                <a:extLst>
+                  <a:ext uri="{FF2B5EF4-FFF2-40B4-BE49-F238E27FC236}">
+                    <a16:creationId xmlns:a16="http://schemas.microsoft.com/office/drawing/2014/main" id="{C75595ED-E9E6-3B56-884A-51C232CC4DA2}"/>
+                  </a:ext>
+                </a:extLst>
+              </p14:cNvPr>
+              <p14:cNvContentPartPr/>
+              <p14:nvPr/>
+            </p14:nvContentPartPr>
+            <p14:xfrm>
+              <a:off x="3350897" y="3157630"/>
+              <a:ext cx="175680" cy="403200"/>
+            </p14:xfrm>
+          </p:contentPart>
+        </mc:Choice>
+        <mc:Fallback xmlns="">
+          <p:pic>
+            <p:nvPicPr>
+              <p:cNvPr id="3" name="筆跡 2">
+                <a:extLst>
+                  <a:ext uri="{FF2B5EF4-FFF2-40B4-BE49-F238E27FC236}">
+                    <a16:creationId xmlns:a16="http://schemas.microsoft.com/office/drawing/2014/main" id="{C75595ED-E9E6-3B56-884A-51C232CC4DA2}"/>
+                  </a:ext>
+                </a:extLst>
+              </p:cNvPr>
+              <p:cNvPicPr/>
+              <p:nvPr/>
+            </p:nvPicPr>
+            <p:blipFill>
+              <a:blip r:embed="rId4"/>
+              <a:stretch>
+                <a:fillRect/>
+              </a:stretch>
+            </p:blipFill>
+            <p:spPr>
+              <a:xfrm>
+                <a:off x="3344777" y="3151510"/>
+                <a:ext cx="187920" cy="415440"/>
+              </a:xfrm>
+              <a:prstGeom prst="rect">
+                <a:avLst/>
+              </a:prstGeom>
+            </p:spPr>
+          </p:pic>
+        </mc:Fallback>
+      </mc:AlternateContent>
+      <p:grpSp>
+        <p:nvGrpSpPr>
+          <p:cNvPr id="9" name="群組 8">
+            <a:extLst>
+              <a:ext uri="{FF2B5EF4-FFF2-40B4-BE49-F238E27FC236}">
+                <a16:creationId xmlns:a16="http://schemas.microsoft.com/office/drawing/2014/main" id="{0F5705F0-2022-DBB0-59DD-C0730E474EEB}"/>
+              </a:ext>
+            </a:extLst>
+          </p:cNvPr>
+          <p:cNvGrpSpPr/>
+          <p:nvPr/>
+        </p:nvGrpSpPr>
+        <p:grpSpPr>
+          <a:xfrm>
+            <a:off x="4331177" y="3064750"/>
+            <a:ext cx="127800" cy="96480"/>
+            <a:chOff x="4331177" y="3064750"/>
+            <a:chExt cx="127800" cy="96480"/>
+          </a:xfrm>
+        </p:grpSpPr>
+        <mc:AlternateContent xmlns:mc="http://schemas.openxmlformats.org/markup-compatibility/2006" xmlns:p14="http://schemas.microsoft.com/office/powerpoint/2010/main">
+          <mc:Choice Requires="p14">
+            <p:contentPart p14:bwMode="auto" r:id="rId5">
+              <p14:nvContentPartPr>
+                <p14:cNvPr id="7" name="筆跡 6">
+                  <a:extLst>
+                    <a:ext uri="{FF2B5EF4-FFF2-40B4-BE49-F238E27FC236}">
+                      <a16:creationId xmlns:a16="http://schemas.microsoft.com/office/drawing/2014/main" id="{8CC197EF-7698-F249-289C-0320C4D7CB95}"/>
+                    </a:ext>
+                  </a:extLst>
+                </p14:cNvPr>
+                <p14:cNvContentPartPr/>
+                <p14:nvPr/>
+              </p14:nvContentPartPr>
+              <p14:xfrm>
+                <a:off x="4343417" y="3102910"/>
+                <a:ext cx="115560" cy="19800"/>
+              </p14:xfrm>
+            </p:contentPart>
+          </mc:Choice>
+          <mc:Fallback xmlns="">
+            <p:pic>
+              <p:nvPicPr>
+                <p:cNvPr id="7" name="筆跡 6">
+                  <a:extLst>
+                    <a:ext uri="{FF2B5EF4-FFF2-40B4-BE49-F238E27FC236}">
+                      <a16:creationId xmlns:a16="http://schemas.microsoft.com/office/drawing/2014/main" id="{8CC197EF-7698-F249-289C-0320C4D7CB95}"/>
+                    </a:ext>
+                  </a:extLst>
+                </p:cNvPr>
+                <p:cNvPicPr/>
+                <p:nvPr/>
+              </p:nvPicPr>
+              <p:blipFill>
+                <a:blip r:embed="rId6"/>
+                <a:stretch>
+                  <a:fillRect/>
+                </a:stretch>
+              </p:blipFill>
+              <p:spPr>
+                <a:xfrm>
+                  <a:off x="4337297" y="3096790"/>
+                  <a:ext cx="127800" cy="32040"/>
+                </a:xfrm>
+                <a:prstGeom prst="rect">
+                  <a:avLst/>
+                </a:prstGeom>
+              </p:spPr>
+            </p:pic>
+          </mc:Fallback>
+        </mc:AlternateContent>
+        <mc:AlternateContent xmlns:mc="http://schemas.openxmlformats.org/markup-compatibility/2006" xmlns:p14="http://schemas.microsoft.com/office/powerpoint/2010/main">
+          <mc:Choice Requires="p14">
+            <p:contentPart p14:bwMode="auto" r:id="rId7">
+              <p14:nvContentPartPr>
+                <p14:cNvPr id="8" name="筆跡 7">
+                  <a:extLst>
+                    <a:ext uri="{FF2B5EF4-FFF2-40B4-BE49-F238E27FC236}">
+                      <a16:creationId xmlns:a16="http://schemas.microsoft.com/office/drawing/2014/main" id="{7433CC82-E7DD-1F29-0B2F-1CEB2C20A29C}"/>
+                    </a:ext>
+                  </a:extLst>
+                </p14:cNvPr>
+                <p14:cNvContentPartPr/>
+                <p14:nvPr/>
+              </p14:nvContentPartPr>
+              <p14:xfrm>
+                <a:off x="4331177" y="3064750"/>
+                <a:ext cx="42120" cy="96480"/>
+              </p14:xfrm>
+            </p:contentPart>
+          </mc:Choice>
+          <mc:Fallback xmlns="">
+            <p:pic>
+              <p:nvPicPr>
+                <p:cNvPr id="8" name="筆跡 7">
+                  <a:extLst>
+                    <a:ext uri="{FF2B5EF4-FFF2-40B4-BE49-F238E27FC236}">
+                      <a16:creationId xmlns:a16="http://schemas.microsoft.com/office/drawing/2014/main" id="{7433CC82-E7DD-1F29-0B2F-1CEB2C20A29C}"/>
+                    </a:ext>
+                  </a:extLst>
+                </p:cNvPr>
+                <p:cNvPicPr/>
+                <p:nvPr/>
+              </p:nvPicPr>
+              <p:blipFill>
+                <a:blip r:embed="rId8"/>
+                <a:stretch>
+                  <a:fillRect/>
+                </a:stretch>
+              </p:blipFill>
+              <p:spPr>
+                <a:xfrm>
+                  <a:off x="4325057" y="3058630"/>
+                  <a:ext cx="54360" cy="108720"/>
+                </a:xfrm>
+                <a:prstGeom prst="rect">
+                  <a:avLst/>
+                </a:prstGeom>
+              </p:spPr>
+            </p:pic>
+          </mc:Fallback>
+        </mc:AlternateContent>
+      </p:grpSp>
+      <p:grpSp>
+        <p:nvGrpSpPr>
+          <p:cNvPr id="12" name="群組 11">
+            <a:extLst>
+              <a:ext uri="{FF2B5EF4-FFF2-40B4-BE49-F238E27FC236}">
+                <a16:creationId xmlns:a16="http://schemas.microsoft.com/office/drawing/2014/main" id="{AB950EC4-E2F1-3E3F-0A3E-950C2C07D0CD}"/>
+              </a:ext>
+            </a:extLst>
+          </p:cNvPr>
+          <p:cNvGrpSpPr/>
+          <p:nvPr/>
+        </p:nvGrpSpPr>
+        <p:grpSpPr>
+          <a:xfrm>
+            <a:off x="4322177" y="3358870"/>
+            <a:ext cx="127080" cy="96120"/>
+            <a:chOff x="4322177" y="3358870"/>
+            <a:chExt cx="127080" cy="96120"/>
+          </a:xfrm>
+        </p:grpSpPr>
+        <mc:AlternateContent xmlns:mc="http://schemas.openxmlformats.org/markup-compatibility/2006" xmlns:p14="http://schemas.microsoft.com/office/powerpoint/2010/main">
+          <mc:Choice Requires="p14">
+            <p:contentPart p14:bwMode="auto" r:id="rId9">
+              <p14:nvContentPartPr>
+                <p14:cNvPr id="10" name="筆跡 9">
+                  <a:extLst>
+                    <a:ext uri="{FF2B5EF4-FFF2-40B4-BE49-F238E27FC236}">
+                      <a16:creationId xmlns:a16="http://schemas.microsoft.com/office/drawing/2014/main" id="{F8DEA8A4-DB4D-8F40-6AE3-DB46733A8AD3}"/>
+                    </a:ext>
+                  </a:extLst>
+                </p14:cNvPr>
+                <p14:cNvContentPartPr/>
+                <p14:nvPr/>
+              </p14:nvContentPartPr>
+              <p14:xfrm>
+                <a:off x="4322177" y="3405670"/>
+                <a:ext cx="115560" cy="11160"/>
+              </p14:xfrm>
+            </p:contentPart>
+          </mc:Choice>
+          <mc:Fallback xmlns="">
+            <p:pic>
+              <p:nvPicPr>
+                <p:cNvPr id="10" name="筆跡 9">
+                  <a:extLst>
+                    <a:ext uri="{FF2B5EF4-FFF2-40B4-BE49-F238E27FC236}">
+                      <a16:creationId xmlns:a16="http://schemas.microsoft.com/office/drawing/2014/main" id="{F8DEA8A4-DB4D-8F40-6AE3-DB46733A8AD3}"/>
+                    </a:ext>
+                  </a:extLst>
+                </p:cNvPr>
+                <p:cNvPicPr/>
+                <p:nvPr/>
+              </p:nvPicPr>
+              <p:blipFill>
+                <a:blip r:embed="rId10"/>
+                <a:stretch>
+                  <a:fillRect/>
+                </a:stretch>
+              </p:blipFill>
+              <p:spPr>
+                <a:xfrm>
+                  <a:off x="4316057" y="3399550"/>
+                  <a:ext cx="127800" cy="23400"/>
+                </a:xfrm>
+                <a:prstGeom prst="rect">
+                  <a:avLst/>
+                </a:prstGeom>
+              </p:spPr>
+            </p:pic>
+          </mc:Fallback>
+        </mc:AlternateContent>
+        <mc:AlternateContent xmlns:mc="http://schemas.openxmlformats.org/markup-compatibility/2006" xmlns:p14="http://schemas.microsoft.com/office/powerpoint/2010/main">
+          <mc:Choice Requires="p14">
+            <p:contentPart p14:bwMode="auto" r:id="rId11">
+              <p14:nvContentPartPr>
+                <p14:cNvPr id="11" name="筆跡 10">
+                  <a:extLst>
+                    <a:ext uri="{FF2B5EF4-FFF2-40B4-BE49-F238E27FC236}">
+                      <a16:creationId xmlns:a16="http://schemas.microsoft.com/office/drawing/2014/main" id="{08C338A2-F11D-6C75-E5D6-8E0C0257B9C8}"/>
+                    </a:ext>
+                  </a:extLst>
+                </p14:cNvPr>
+                <p14:cNvContentPartPr/>
+                <p14:nvPr/>
+              </p14:nvContentPartPr>
+              <p14:xfrm>
+                <a:off x="4400297" y="3358870"/>
+                <a:ext cx="48960" cy="96120"/>
+              </p14:xfrm>
+            </p:contentPart>
+          </mc:Choice>
+          <mc:Fallback xmlns="">
+            <p:pic>
+              <p:nvPicPr>
+                <p:cNvPr id="11" name="筆跡 10">
+                  <a:extLst>
+                    <a:ext uri="{FF2B5EF4-FFF2-40B4-BE49-F238E27FC236}">
+                      <a16:creationId xmlns:a16="http://schemas.microsoft.com/office/drawing/2014/main" id="{08C338A2-F11D-6C75-E5D6-8E0C0257B9C8}"/>
+                    </a:ext>
+                  </a:extLst>
+                </p:cNvPr>
+                <p:cNvPicPr/>
+                <p:nvPr/>
+              </p:nvPicPr>
+              <p:blipFill>
+                <a:blip r:embed="rId12"/>
+                <a:stretch>
+                  <a:fillRect/>
+                </a:stretch>
+              </p:blipFill>
+              <p:spPr>
+                <a:xfrm>
+                  <a:off x="4394177" y="3352750"/>
+                  <a:ext cx="61200" cy="108360"/>
+                </a:xfrm>
+                <a:prstGeom prst="rect">
+                  <a:avLst/>
+                </a:prstGeom>
+              </p:spPr>
+            </p:pic>
+          </mc:Fallback>
+        </mc:AlternateContent>
+      </p:grpSp>
     </p:spTree>
     <p:extLst>
       <p:ext uri="{BB962C8B-B14F-4D97-AF65-F5344CB8AC3E}">
@@ -5448,98 +6430,6 @@
           <a:chExt cx="0" cy="0"/>
         </a:xfrm>
       </p:grpSpPr>
-      <p:sp>
-        <p:nvSpPr>
-          <p:cNvPr id="2" name="TextBox 1">
-            <a:extLst>
-              <a:ext uri="{FF2B5EF4-FFF2-40B4-BE49-F238E27FC236}">
-                <a16:creationId xmlns:a16="http://schemas.microsoft.com/office/drawing/2014/main" id="{C4FAD9E3-5084-8EED-A078-1D23DE16EB33}"/>
-              </a:ext>
-            </a:extLst>
-          </p:cNvPr>
-          <p:cNvSpPr txBox="1"/>
-          <p:nvPr/>
-        </p:nvSpPr>
-        <p:spPr>
-          <a:xfrm>
-            <a:off x="1037771" y="592436"/>
-            <a:ext cx="10116457" cy="830997"/>
-          </a:xfrm>
-          <a:prstGeom prst="rect">
-            <a:avLst/>
-          </a:prstGeom>
-          <a:noFill/>
-        </p:spPr>
-        <p:txBody>
-          <a:bodyPr wrap="square" rtlCol="0">
-            <a:spAutoFit/>
-          </a:bodyPr>
-          <a:lstStyle/>
-          <a:p>
-            <a:r>
-              <a:rPr lang="en-US" altLang="zh-TW" sz="4800" dirty="0"/>
-              <a:t>CO – instruction</a:t>
-            </a:r>
-            <a:endParaRPr lang="zh-TW" altLang="en-US" sz="4800" dirty="0"/>
-          </a:p>
-        </p:txBody>
-      </p:sp>
-      <p:sp>
-        <p:nvSpPr>
-          <p:cNvPr id="3" name="TextBox 2">
-            <a:extLst>
-              <a:ext uri="{FF2B5EF4-FFF2-40B4-BE49-F238E27FC236}">
-                <a16:creationId xmlns:a16="http://schemas.microsoft.com/office/drawing/2014/main" id="{01500482-3284-ED57-FCAF-DAFF600847EF}"/>
-              </a:ext>
-            </a:extLst>
-          </p:cNvPr>
-          <p:cNvSpPr txBox="1"/>
-          <p:nvPr/>
-        </p:nvSpPr>
-        <p:spPr>
-          <a:xfrm>
-            <a:off x="4205514" y="324454"/>
-            <a:ext cx="9238381" cy="1569660"/>
-          </a:xfrm>
-          <a:prstGeom prst="rect">
-            <a:avLst/>
-          </a:prstGeom>
-          <a:noFill/>
-        </p:spPr>
-        <p:txBody>
-          <a:bodyPr wrap="square" rtlCol="0">
-            <a:spAutoFit/>
-          </a:bodyPr>
-          <a:lstStyle/>
-          <a:p>
-            <a:pPr marL="457200" indent="-457200">
-              <a:buAutoNum type="arabicPeriod"/>
-            </a:pPr>
-            <a:r>
-              <a:rPr lang="en-US" altLang="zh-TW" sz="2400" dirty="0"/>
-              <a:t>Amdahl’s law</a:t>
-            </a:r>
-          </a:p>
-          <a:p>
-            <a:pPr marL="1371600" lvl="2" indent="-457200">
-              <a:buAutoNum type="arabicPeriod"/>
-            </a:pPr>
-            <a:endParaRPr lang="en-US" altLang="zh-TW" sz="2400" dirty="0"/>
-          </a:p>
-          <a:p>
-            <a:pPr marL="1371600" lvl="2" indent="-457200">
-              <a:buAutoNum type="arabicPeriod"/>
-            </a:pPr>
-            <a:endParaRPr lang="en-US" altLang="zh-TW" sz="2400" b="0" dirty="0"/>
-          </a:p>
-          <a:p>
-            <a:pPr marL="1371600" lvl="2" indent="-457200">
-              <a:buAutoNum type="arabicPeriod"/>
-            </a:pPr>
-            <a:endParaRPr lang="zh-TW" altLang="en-US" sz="2400" dirty="0"/>
-          </a:p>
-        </p:txBody>
-      </p:sp>
       <p:pic>
         <p:nvPicPr>
           <p:cNvPr id="5" name="圖片 4" descr="一張含有 文字, 數字, 字型, 文件 的圖片&#10;&#10;AI 產生的內容可能不正確。">
@@ -5562,7 +6452,7 @@
         </p:blipFill>
         <p:spPr>
           <a:xfrm>
-            <a:off x="843642" y="1263015"/>
+            <a:off x="843643" y="711380"/>
             <a:ext cx="10504714" cy="5435240"/>
           </a:xfrm>
           <a:prstGeom prst="rect">
@@ -7085,6 +7975,457 @@
     <p:extLst>
       <p:ext uri="{BB962C8B-B14F-4D97-AF65-F5344CB8AC3E}">
         <p14:creationId xmlns:p14="http://schemas.microsoft.com/office/powerpoint/2010/main" val="2603507899"/>
+      </p:ext>
+    </p:extLst>
+  </p:cSld>
+  <p:clrMapOvr>
+    <a:masterClrMapping/>
+  </p:clrMapOvr>
+</p:sld>
+</file>
+
+<file path=ppt/slides/slide27.xml><?xml version="1.0" encoding="utf-8"?>
+<p:sld xmlns:a="http://schemas.openxmlformats.org/drawingml/2006/main" xmlns:r="http://schemas.openxmlformats.org/officeDocument/2006/relationships" xmlns:p="http://schemas.openxmlformats.org/presentationml/2006/main">
+  <p:cSld>
+    <p:spTree>
+      <p:nvGrpSpPr>
+        <p:cNvPr id="1" name="">
+          <a:extLst>
+            <a:ext uri="{FF2B5EF4-FFF2-40B4-BE49-F238E27FC236}">
+              <a16:creationId xmlns:a16="http://schemas.microsoft.com/office/drawing/2014/main" id="{CE5C0822-B4E9-FD2E-6F52-4B957D7A4190}"/>
+            </a:ext>
+          </a:extLst>
+        </p:cNvPr>
+        <p:cNvGrpSpPr/>
+        <p:nvPr/>
+      </p:nvGrpSpPr>
+      <p:grpSpPr>
+        <a:xfrm>
+          <a:off x="0" y="0"/>
+          <a:ext cx="0" cy="0"/>
+          <a:chOff x="0" y="0"/>
+          <a:chExt cx="0" cy="0"/>
+        </a:xfrm>
+      </p:grpSpPr>
+      <p:sp>
+        <p:nvSpPr>
+          <p:cNvPr id="2" name="TextBox 1">
+            <a:extLst>
+              <a:ext uri="{FF2B5EF4-FFF2-40B4-BE49-F238E27FC236}">
+                <a16:creationId xmlns:a16="http://schemas.microsoft.com/office/drawing/2014/main" id="{1AD164B6-7595-69BC-89EE-C43D1AF74174}"/>
+              </a:ext>
+            </a:extLst>
+          </p:cNvPr>
+          <p:cNvSpPr txBox="1"/>
+          <p:nvPr/>
+        </p:nvSpPr>
+        <p:spPr>
+          <a:xfrm>
+            <a:off x="1037771" y="592436"/>
+            <a:ext cx="10116457" cy="830997"/>
+          </a:xfrm>
+          <a:prstGeom prst="rect">
+            <a:avLst/>
+          </a:prstGeom>
+          <a:noFill/>
+        </p:spPr>
+        <p:txBody>
+          <a:bodyPr wrap="square" rtlCol="0">
+            <a:spAutoFit/>
+          </a:bodyPr>
+          <a:lstStyle/>
+          <a:p>
+            <a:r>
+              <a:rPr lang="en-US" altLang="zh-TW" sz="4800" dirty="0"/>
+              <a:t>CO – support procedure</a:t>
+            </a:r>
+            <a:endParaRPr lang="zh-TW" altLang="en-US" sz="4800" dirty="0"/>
+          </a:p>
+        </p:txBody>
+      </p:sp>
+      <p:sp>
+        <p:nvSpPr>
+          <p:cNvPr id="15" name="TextBox 2">
+            <a:extLst>
+              <a:ext uri="{FF2B5EF4-FFF2-40B4-BE49-F238E27FC236}">
+                <a16:creationId xmlns:a16="http://schemas.microsoft.com/office/drawing/2014/main" id="{7088992A-B31B-74F8-44AC-F58BEBC57935}"/>
+              </a:ext>
+            </a:extLst>
+          </p:cNvPr>
+          <p:cNvSpPr txBox="1"/>
+          <p:nvPr/>
+        </p:nvSpPr>
+        <p:spPr>
+          <a:xfrm>
+            <a:off x="1037771" y="1732561"/>
+            <a:ext cx="9238381" cy="3416320"/>
+          </a:xfrm>
+          <a:prstGeom prst="rect">
+            <a:avLst/>
+          </a:prstGeom>
+          <a:noFill/>
+        </p:spPr>
+        <p:txBody>
+          <a:bodyPr wrap="square" rtlCol="0">
+            <a:spAutoFit/>
+          </a:bodyPr>
+          <a:lstStyle/>
+          <a:p>
+            <a:pPr marL="457200" indent="-457200">
+              <a:buAutoNum type="arabicPeriod"/>
+            </a:pPr>
+            <a:r>
+              <a:rPr lang="en-US" altLang="zh-TW" sz="2400" dirty="0"/>
+              <a:t>Function (or procedure)</a:t>
+            </a:r>
+          </a:p>
+          <a:p>
+            <a:pPr marL="914400" lvl="1" indent="-457200">
+              <a:buAutoNum type="arabicPeriod"/>
+            </a:pPr>
+            <a:r>
+              <a:rPr lang="en-US" altLang="zh-TW" sz="2400" dirty="0"/>
+              <a:t>Implement using stack (push parameter to stack before entering function)</a:t>
+            </a:r>
+          </a:p>
+          <a:p>
+            <a:pPr marL="457200" indent="-457200">
+              <a:buAutoNum type="arabicPeriod"/>
+            </a:pPr>
+            <a:endParaRPr lang="en-US" altLang="zh-TW" sz="2400" dirty="0"/>
+          </a:p>
+          <a:p>
+            <a:pPr marL="457200" indent="-457200">
+              <a:buAutoNum type="arabicPeriod"/>
+            </a:pPr>
+            <a:endParaRPr lang="en-US" altLang="zh-TW" sz="2400" dirty="0"/>
+          </a:p>
+          <a:p>
+            <a:pPr marL="914400" lvl="1" indent="-457200">
+              <a:buAutoNum type="arabicPeriod"/>
+            </a:pPr>
+            <a:endParaRPr lang="en-US" altLang="zh-TW" sz="2400" dirty="0"/>
+          </a:p>
+          <a:p>
+            <a:pPr marL="1371600" lvl="2" indent="-457200">
+              <a:buAutoNum type="arabicPeriod"/>
+            </a:pPr>
+            <a:endParaRPr lang="en-US" altLang="zh-TW" sz="2400" dirty="0"/>
+          </a:p>
+          <a:p>
+            <a:pPr marL="1371600" lvl="2" indent="-457200">
+              <a:buAutoNum type="arabicPeriod"/>
+            </a:pPr>
+            <a:endParaRPr lang="en-US" altLang="zh-TW" sz="2400" b="0" dirty="0"/>
+          </a:p>
+          <a:p>
+            <a:pPr marL="1371600" lvl="2" indent="-457200">
+              <a:buAutoNum type="arabicPeriod"/>
+            </a:pPr>
+            <a:endParaRPr lang="zh-TW" altLang="en-US" sz="2400" dirty="0"/>
+          </a:p>
+        </p:txBody>
+      </p:sp>
+      <p:pic>
+        <p:nvPicPr>
+          <p:cNvPr id="6" name="圖片 5" descr="一張含有 文字, 字型, 螢幕擷取畫面 的圖片&#10;&#10;AI 產生的內容可能不正確。">
+            <a:extLst>
+              <a:ext uri="{FF2B5EF4-FFF2-40B4-BE49-F238E27FC236}">
+                <a16:creationId xmlns:a16="http://schemas.microsoft.com/office/drawing/2014/main" id="{FE96545F-45FD-8729-2FBB-C4A19DD44C2D}"/>
+              </a:ext>
+            </a:extLst>
+          </p:cNvPr>
+          <p:cNvPicPr>
+            <a:picLocks noChangeAspect="1"/>
+          </p:cNvPicPr>
+          <p:nvPr/>
+        </p:nvPicPr>
+        <p:blipFill>
+          <a:blip r:embed="rId3"/>
+          <a:stretch>
+            <a:fillRect/>
+          </a:stretch>
+        </p:blipFill>
+        <p:spPr>
+          <a:xfrm>
+            <a:off x="8124854" y="2738473"/>
+            <a:ext cx="2947445" cy="3527091"/>
+          </a:xfrm>
+          <a:prstGeom prst="rect">
+            <a:avLst/>
+          </a:prstGeom>
+        </p:spPr>
+      </p:pic>
+      <p:pic>
+        <p:nvPicPr>
+          <p:cNvPr id="8" name="圖片 7" descr="一張含有 文字, 字型, 螢幕擷取畫面, 筆跡 的圖片&#10;&#10;AI 產生的內容可能不正確。">
+            <a:extLst>
+              <a:ext uri="{FF2B5EF4-FFF2-40B4-BE49-F238E27FC236}">
+                <a16:creationId xmlns:a16="http://schemas.microsoft.com/office/drawing/2014/main" id="{A3921011-FC27-2396-A68D-C80DBC2E1230}"/>
+              </a:ext>
+            </a:extLst>
+          </p:cNvPr>
+          <p:cNvPicPr>
+            <a:picLocks noChangeAspect="1"/>
+          </p:cNvPicPr>
+          <p:nvPr/>
+        </p:nvPicPr>
+        <p:blipFill>
+          <a:blip r:embed="rId4"/>
+          <a:stretch>
+            <a:fillRect/>
+          </a:stretch>
+        </p:blipFill>
+        <p:spPr>
+          <a:xfrm>
+            <a:off x="1833918" y="3544071"/>
+            <a:ext cx="4648849" cy="1724266"/>
+          </a:xfrm>
+          <a:prstGeom prst="rect">
+            <a:avLst/>
+          </a:prstGeom>
+        </p:spPr>
+      </p:pic>
+    </p:spTree>
+    <p:extLst>
+      <p:ext uri="{BB962C8B-B14F-4D97-AF65-F5344CB8AC3E}">
+        <p14:creationId xmlns:p14="http://schemas.microsoft.com/office/powerpoint/2010/main" val="1577087185"/>
+      </p:ext>
+    </p:extLst>
+  </p:cSld>
+  <p:clrMapOvr>
+    <a:masterClrMapping/>
+  </p:clrMapOvr>
+</p:sld>
+</file>
+
+<file path=ppt/slides/slide28.xml><?xml version="1.0" encoding="utf-8"?>
+<p:sld xmlns:a="http://schemas.openxmlformats.org/drawingml/2006/main" xmlns:r="http://schemas.openxmlformats.org/officeDocument/2006/relationships" xmlns:p="http://schemas.openxmlformats.org/presentationml/2006/main">
+  <p:cSld>
+    <p:spTree>
+      <p:nvGrpSpPr>
+        <p:cNvPr id="1" name="">
+          <a:extLst>
+            <a:ext uri="{FF2B5EF4-FFF2-40B4-BE49-F238E27FC236}">
+              <a16:creationId xmlns:a16="http://schemas.microsoft.com/office/drawing/2014/main" id="{D00D7D7E-2606-69DB-D733-51E65ABC5BB1}"/>
+            </a:ext>
+          </a:extLst>
+        </p:cNvPr>
+        <p:cNvGrpSpPr/>
+        <p:nvPr/>
+      </p:nvGrpSpPr>
+      <p:grpSpPr>
+        <a:xfrm>
+          <a:off x="0" y="0"/>
+          <a:ext cx="0" cy="0"/>
+          <a:chOff x="0" y="0"/>
+          <a:chExt cx="0" cy="0"/>
+        </a:xfrm>
+      </p:grpSpPr>
+      <p:pic>
+        <p:nvPicPr>
+          <p:cNvPr id="10" name="圖片 9" descr="一張含有 文字, 螢幕擷取畫面, 字型 的圖片&#10;&#10;AI 產生的內容可能不正確。">
+            <a:extLst>
+              <a:ext uri="{FF2B5EF4-FFF2-40B4-BE49-F238E27FC236}">
+                <a16:creationId xmlns:a16="http://schemas.microsoft.com/office/drawing/2014/main" id="{41489B3E-1815-3E80-3DB5-9EC225FE9797}"/>
+              </a:ext>
+            </a:extLst>
+          </p:cNvPr>
+          <p:cNvPicPr>
+            <a:picLocks noChangeAspect="1"/>
+          </p:cNvPicPr>
+          <p:nvPr/>
+        </p:nvPicPr>
+        <p:blipFill>
+          <a:blip r:embed="rId3"/>
+          <a:stretch>
+            <a:fillRect/>
+          </a:stretch>
+        </p:blipFill>
+        <p:spPr>
+          <a:xfrm>
+            <a:off x="470731" y="192551"/>
+            <a:ext cx="8230749" cy="1657581"/>
+          </a:xfrm>
+          <a:prstGeom prst="rect">
+            <a:avLst/>
+          </a:prstGeom>
+        </p:spPr>
+      </p:pic>
+      <p:pic>
+        <p:nvPicPr>
+          <p:cNvPr id="12" name="圖片 11" descr="一張含有 文字, 螢幕擷取畫面, 軟體, 字型 的圖片&#10;&#10;AI 產生的內容可能不正確。">
+            <a:extLst>
+              <a:ext uri="{FF2B5EF4-FFF2-40B4-BE49-F238E27FC236}">
+                <a16:creationId xmlns:a16="http://schemas.microsoft.com/office/drawing/2014/main" id="{D8832EA3-0BB1-2CFD-8EAA-B10D1BCD9581}"/>
+              </a:ext>
+            </a:extLst>
+          </p:cNvPr>
+          <p:cNvPicPr>
+            <a:picLocks noChangeAspect="1"/>
+          </p:cNvPicPr>
+          <p:nvPr/>
+        </p:nvPicPr>
+        <p:blipFill>
+          <a:blip r:embed="rId4"/>
+          <a:stretch>
+            <a:fillRect/>
+          </a:stretch>
+        </p:blipFill>
+        <p:spPr>
+          <a:xfrm>
+            <a:off x="470731" y="1950834"/>
+            <a:ext cx="5708345" cy="4714615"/>
+          </a:xfrm>
+          <a:prstGeom prst="rect">
+            <a:avLst/>
+          </a:prstGeom>
+        </p:spPr>
+      </p:pic>
+      <p:pic>
+        <p:nvPicPr>
+          <p:cNvPr id="4" name="圖片 3" descr="一張含有 文字, 螢幕擷取畫面, 行, 字型 的圖片&#10;&#10;AI 產生的內容可能不正確。">
+            <a:extLst>
+              <a:ext uri="{FF2B5EF4-FFF2-40B4-BE49-F238E27FC236}">
+                <a16:creationId xmlns:a16="http://schemas.microsoft.com/office/drawing/2014/main" id="{47A0BE9E-6EBA-C64A-30F6-BEF6F975F831}"/>
+              </a:ext>
+            </a:extLst>
+          </p:cNvPr>
+          <p:cNvPicPr>
+            <a:picLocks noChangeAspect="1"/>
+          </p:cNvPicPr>
+          <p:nvPr/>
+        </p:nvPicPr>
+        <p:blipFill>
+          <a:blip r:embed="rId5"/>
+          <a:stretch>
+            <a:fillRect/>
+          </a:stretch>
+        </p:blipFill>
+        <p:spPr>
+          <a:xfrm>
+            <a:off x="6588503" y="2797628"/>
+            <a:ext cx="5402239" cy="2832069"/>
+          </a:xfrm>
+          <a:prstGeom prst="rect">
+            <a:avLst/>
+          </a:prstGeom>
+        </p:spPr>
+      </p:pic>
+    </p:spTree>
+    <p:extLst>
+      <p:ext uri="{BB962C8B-B14F-4D97-AF65-F5344CB8AC3E}">
+        <p14:creationId xmlns:p14="http://schemas.microsoft.com/office/powerpoint/2010/main" val="154248235"/>
+      </p:ext>
+    </p:extLst>
+  </p:cSld>
+  <p:clrMapOvr>
+    <a:masterClrMapping/>
+  </p:clrMapOvr>
+</p:sld>
+</file>
+
+<file path=ppt/slides/slide29.xml><?xml version="1.0" encoding="utf-8"?>
+<p:sld xmlns:a="http://schemas.openxmlformats.org/drawingml/2006/main" xmlns:r="http://schemas.openxmlformats.org/officeDocument/2006/relationships" xmlns:p="http://schemas.openxmlformats.org/presentationml/2006/main">
+  <p:cSld>
+    <p:spTree>
+      <p:nvGrpSpPr>
+        <p:cNvPr id="1" name="">
+          <a:extLst>
+            <a:ext uri="{FF2B5EF4-FFF2-40B4-BE49-F238E27FC236}">
+              <a16:creationId xmlns:a16="http://schemas.microsoft.com/office/drawing/2014/main" id="{9A3B694C-6381-4313-E381-D38BF8B6B729}"/>
+            </a:ext>
+          </a:extLst>
+        </p:cNvPr>
+        <p:cNvGrpSpPr/>
+        <p:nvPr/>
+      </p:nvGrpSpPr>
+      <p:grpSpPr>
+        <a:xfrm>
+          <a:off x="0" y="0"/>
+          <a:ext cx="0" cy="0"/>
+          <a:chOff x="0" y="0"/>
+          <a:chExt cx="0" cy="0"/>
+        </a:xfrm>
+      </p:grpSpPr>
+      <p:sp>
+        <p:nvSpPr>
+          <p:cNvPr id="2" name="TextBox 1">
+            <a:extLst>
+              <a:ext uri="{FF2B5EF4-FFF2-40B4-BE49-F238E27FC236}">
+                <a16:creationId xmlns:a16="http://schemas.microsoft.com/office/drawing/2014/main" id="{AF590D5A-293F-E6CB-7D1C-36135ED2187C}"/>
+              </a:ext>
+            </a:extLst>
+          </p:cNvPr>
+          <p:cNvSpPr txBox="1"/>
+          <p:nvPr/>
+        </p:nvSpPr>
+        <p:spPr>
+          <a:xfrm>
+            <a:off x="1037771" y="592436"/>
+            <a:ext cx="10116457" cy="830997"/>
+          </a:xfrm>
+          <a:prstGeom prst="rect">
+            <a:avLst/>
+          </a:prstGeom>
+          <a:noFill/>
+        </p:spPr>
+        <p:txBody>
+          <a:bodyPr wrap="square" rtlCol="0">
+            <a:spAutoFit/>
+          </a:bodyPr>
+          <a:lstStyle/>
+          <a:p>
+            <a:r>
+              <a:rPr lang="en-US" altLang="zh-TW" sz="4800" dirty="0"/>
+              <a:t>CO – cache </a:t>
+            </a:r>
+            <a:r>
+              <a:rPr lang="en-US" altLang="zh-TW" sz="4800" dirty="0" err="1"/>
+              <a:t>v.s</a:t>
+            </a:r>
+            <a:r>
+              <a:rPr lang="en-US" altLang="zh-TW" sz="4800" dirty="0"/>
+              <a:t>. memory </a:t>
+            </a:r>
+            <a:endParaRPr lang="zh-TW" altLang="en-US" sz="4800" dirty="0"/>
+          </a:p>
+        </p:txBody>
+      </p:sp>
+      <p:pic>
+        <p:nvPicPr>
+          <p:cNvPr id="5" name="圖片 4" descr="一張含有 文字, 螢幕擷取畫面, 軟體 的圖片&#10;&#10;AI 產生的內容可能不正確。">
+            <a:extLst>
+              <a:ext uri="{FF2B5EF4-FFF2-40B4-BE49-F238E27FC236}">
+                <a16:creationId xmlns:a16="http://schemas.microsoft.com/office/drawing/2014/main" id="{FA333EEE-72A1-0029-816E-64B403EA798C}"/>
+              </a:ext>
+            </a:extLst>
+          </p:cNvPr>
+          <p:cNvPicPr>
+            <a:picLocks noChangeAspect="1"/>
+          </p:cNvPicPr>
+          <p:nvPr/>
+        </p:nvPicPr>
+        <p:blipFill>
+          <a:blip r:embed="rId3"/>
+          <a:stretch>
+            <a:fillRect/>
+          </a:stretch>
+        </p:blipFill>
+        <p:spPr>
+          <a:xfrm>
+            <a:off x="2279952" y="1607357"/>
+            <a:ext cx="7187927" cy="4473657"/>
+          </a:xfrm>
+          <a:prstGeom prst="rect">
+            <a:avLst/>
+          </a:prstGeom>
+        </p:spPr>
+      </p:pic>
+    </p:spTree>
+    <p:extLst>
+      <p:ext uri="{BB962C8B-B14F-4D97-AF65-F5344CB8AC3E}">
+        <p14:creationId xmlns:p14="http://schemas.microsoft.com/office/powerpoint/2010/main" val="10126727"/>
       </p:ext>
     </p:extLst>
   </p:cSld>
@@ -7502,6 +8843,395 @@
     <p:extLst>
       <p:ext uri="{BB962C8B-B14F-4D97-AF65-F5344CB8AC3E}">
         <p14:creationId xmlns:p14="http://schemas.microsoft.com/office/powerpoint/2010/main" val="2135991365"/>
+      </p:ext>
+    </p:extLst>
+  </p:cSld>
+  <p:clrMapOvr>
+    <a:masterClrMapping/>
+  </p:clrMapOvr>
+</p:sld>
+</file>
+
+<file path=ppt/slides/slide30.xml><?xml version="1.0" encoding="utf-8"?>
+<p:sld xmlns:a="http://schemas.openxmlformats.org/drawingml/2006/main" xmlns:r="http://schemas.openxmlformats.org/officeDocument/2006/relationships" xmlns:p="http://schemas.openxmlformats.org/presentationml/2006/main">
+  <p:cSld>
+    <p:spTree>
+      <p:nvGrpSpPr>
+        <p:cNvPr id="1" name="">
+          <a:extLst>
+            <a:ext uri="{FF2B5EF4-FFF2-40B4-BE49-F238E27FC236}">
+              <a16:creationId xmlns:a16="http://schemas.microsoft.com/office/drawing/2014/main" id="{8CC913CD-F0E3-220D-72F5-635C3825E845}"/>
+            </a:ext>
+          </a:extLst>
+        </p:cNvPr>
+        <p:cNvGrpSpPr/>
+        <p:nvPr/>
+      </p:nvGrpSpPr>
+      <p:grpSpPr>
+        <a:xfrm>
+          <a:off x="0" y="0"/>
+          <a:ext cx="0" cy="0"/>
+          <a:chOff x="0" y="0"/>
+          <a:chExt cx="0" cy="0"/>
+        </a:xfrm>
+      </p:grpSpPr>
+      <p:sp>
+        <p:nvSpPr>
+          <p:cNvPr id="2" name="TextBox 1">
+            <a:extLst>
+              <a:ext uri="{FF2B5EF4-FFF2-40B4-BE49-F238E27FC236}">
+                <a16:creationId xmlns:a16="http://schemas.microsoft.com/office/drawing/2014/main" id="{306EA064-5FFE-9133-B38F-B59C7058301C}"/>
+              </a:ext>
+            </a:extLst>
+          </p:cNvPr>
+          <p:cNvSpPr txBox="1"/>
+          <p:nvPr/>
+        </p:nvSpPr>
+        <p:spPr>
+          <a:xfrm>
+            <a:off x="1037771" y="592436"/>
+            <a:ext cx="10116457" cy="830997"/>
+          </a:xfrm>
+          <a:prstGeom prst="rect">
+            <a:avLst/>
+          </a:prstGeom>
+          <a:noFill/>
+        </p:spPr>
+        <p:txBody>
+          <a:bodyPr wrap="square" rtlCol="0">
+            <a:spAutoFit/>
+          </a:bodyPr>
+          <a:lstStyle/>
+          <a:p>
+            <a:r>
+              <a:rPr lang="en-US" altLang="zh-TW" sz="4800" dirty="0"/>
+              <a:t>CO – memory</a:t>
+            </a:r>
+            <a:endParaRPr lang="zh-TW" altLang="en-US" sz="4800" dirty="0"/>
+          </a:p>
+        </p:txBody>
+      </p:sp>
+      <p:sp>
+        <p:nvSpPr>
+          <p:cNvPr id="15" name="TextBox 2">
+            <a:extLst>
+              <a:ext uri="{FF2B5EF4-FFF2-40B4-BE49-F238E27FC236}">
+                <a16:creationId xmlns:a16="http://schemas.microsoft.com/office/drawing/2014/main" id="{578ABD74-FDC6-6EE9-9205-8FF23D7598DF}"/>
+              </a:ext>
+            </a:extLst>
+          </p:cNvPr>
+          <p:cNvSpPr txBox="1"/>
+          <p:nvPr/>
+        </p:nvSpPr>
+        <p:spPr>
+          <a:xfrm>
+            <a:off x="1037771" y="1732561"/>
+            <a:ext cx="9238381" cy="3416320"/>
+          </a:xfrm>
+          <a:prstGeom prst="rect">
+            <a:avLst/>
+          </a:prstGeom>
+          <a:noFill/>
+        </p:spPr>
+        <p:txBody>
+          <a:bodyPr wrap="square" rtlCol="0">
+            <a:spAutoFit/>
+          </a:bodyPr>
+          <a:lstStyle/>
+          <a:p>
+            <a:pPr marL="457200" indent="-457200">
+              <a:buAutoNum type="arabicPeriod"/>
+            </a:pPr>
+            <a:r>
+              <a:rPr lang="en-US" altLang="zh-TW" sz="2400" dirty="0"/>
+              <a:t>Locality</a:t>
+            </a:r>
+          </a:p>
+          <a:p>
+            <a:pPr marL="914400" lvl="1" indent="-457200">
+              <a:buAutoNum type="arabicPeriod"/>
+            </a:pPr>
+            <a:r>
+              <a:rPr lang="en-US" altLang="zh-TW" sz="2400" dirty="0"/>
+              <a:t>Temporal locality (locality in time)</a:t>
+            </a:r>
+          </a:p>
+          <a:p>
+            <a:pPr marL="914400" lvl="1" indent="-457200">
+              <a:buAutoNum type="arabicPeriod"/>
+            </a:pPr>
+            <a:r>
+              <a:rPr lang="en-US" altLang="zh-TW" sz="2400" dirty="0"/>
+              <a:t>Spatial locality (locality in space)</a:t>
+            </a:r>
+          </a:p>
+          <a:p>
+            <a:pPr marL="457200" indent="-457200">
+              <a:buAutoNum type="arabicPeriod"/>
+            </a:pPr>
+            <a:endParaRPr lang="en-US" altLang="zh-TW" sz="2400" dirty="0"/>
+          </a:p>
+          <a:p>
+            <a:pPr marL="457200" indent="-457200">
+              <a:buAutoNum type="arabicPeriod"/>
+            </a:pPr>
+            <a:endParaRPr lang="en-US" altLang="zh-TW" sz="2400" dirty="0"/>
+          </a:p>
+          <a:p>
+            <a:pPr marL="914400" lvl="1" indent="-457200">
+              <a:buAutoNum type="arabicPeriod"/>
+            </a:pPr>
+            <a:endParaRPr lang="en-US" altLang="zh-TW" sz="2400" dirty="0"/>
+          </a:p>
+          <a:p>
+            <a:pPr marL="1371600" lvl="2" indent="-457200">
+              <a:buAutoNum type="arabicPeriod"/>
+            </a:pPr>
+            <a:endParaRPr lang="en-US" altLang="zh-TW" sz="2400" dirty="0"/>
+          </a:p>
+          <a:p>
+            <a:pPr marL="1371600" lvl="2" indent="-457200">
+              <a:buAutoNum type="arabicPeriod"/>
+            </a:pPr>
+            <a:endParaRPr lang="en-US" altLang="zh-TW" sz="2400" b="0" dirty="0"/>
+          </a:p>
+          <a:p>
+            <a:pPr marL="1371600" lvl="2" indent="-457200">
+              <a:buAutoNum type="arabicPeriod"/>
+            </a:pPr>
+            <a:endParaRPr lang="zh-TW" altLang="en-US" sz="2400" dirty="0"/>
+          </a:p>
+        </p:txBody>
+      </p:sp>
+      <p:pic>
+        <p:nvPicPr>
+          <p:cNvPr id="4" name="圖片 3" descr="一張含有 文字, 字型, 螢幕擷取畫面 的圖片&#10;&#10;AI 產生的內容可能不正確。">
+            <a:extLst>
+              <a:ext uri="{FF2B5EF4-FFF2-40B4-BE49-F238E27FC236}">
+                <a16:creationId xmlns:a16="http://schemas.microsoft.com/office/drawing/2014/main" id="{BBCB5025-8522-A390-C6E4-2669BBC139A6}"/>
+              </a:ext>
+            </a:extLst>
+          </p:cNvPr>
+          <p:cNvPicPr>
+            <a:picLocks noChangeAspect="1"/>
+          </p:cNvPicPr>
+          <p:nvPr/>
+        </p:nvPicPr>
+        <p:blipFill>
+          <a:blip r:embed="rId3"/>
+          <a:stretch>
+            <a:fillRect/>
+          </a:stretch>
+        </p:blipFill>
+        <p:spPr>
+          <a:xfrm>
+            <a:off x="8070810" y="416105"/>
+            <a:ext cx="3801005" cy="5210902"/>
+          </a:xfrm>
+          <a:prstGeom prst="rect">
+            <a:avLst/>
+          </a:prstGeom>
+        </p:spPr>
+      </p:pic>
+    </p:spTree>
+    <p:extLst>
+      <p:ext uri="{BB962C8B-B14F-4D97-AF65-F5344CB8AC3E}">
+        <p14:creationId xmlns:p14="http://schemas.microsoft.com/office/powerpoint/2010/main" val="1325899591"/>
+      </p:ext>
+    </p:extLst>
+  </p:cSld>
+  <p:clrMapOvr>
+    <a:masterClrMapping/>
+  </p:clrMapOvr>
+</p:sld>
+</file>
+
+<file path=ppt/slides/slide31.xml><?xml version="1.0" encoding="utf-8"?>
+<p:sld xmlns:a="http://schemas.openxmlformats.org/drawingml/2006/main" xmlns:r="http://schemas.openxmlformats.org/officeDocument/2006/relationships" xmlns:p="http://schemas.openxmlformats.org/presentationml/2006/main">
+  <p:cSld>
+    <p:spTree>
+      <p:nvGrpSpPr>
+        <p:cNvPr id="1" name="">
+          <a:extLst>
+            <a:ext uri="{FF2B5EF4-FFF2-40B4-BE49-F238E27FC236}">
+              <a16:creationId xmlns:a16="http://schemas.microsoft.com/office/drawing/2014/main" id="{7D6FB06C-6B3E-B60A-FA5A-A32C58CACEA9}"/>
+            </a:ext>
+          </a:extLst>
+        </p:cNvPr>
+        <p:cNvGrpSpPr/>
+        <p:nvPr/>
+      </p:nvGrpSpPr>
+      <p:grpSpPr>
+        <a:xfrm>
+          <a:off x="0" y="0"/>
+          <a:ext cx="0" cy="0"/>
+          <a:chOff x="0" y="0"/>
+          <a:chExt cx="0" cy="0"/>
+        </a:xfrm>
+      </p:grpSpPr>
+      <p:sp>
+        <p:nvSpPr>
+          <p:cNvPr id="2" name="TextBox 1">
+            <a:extLst>
+              <a:ext uri="{FF2B5EF4-FFF2-40B4-BE49-F238E27FC236}">
+                <a16:creationId xmlns:a16="http://schemas.microsoft.com/office/drawing/2014/main" id="{B63599BD-7266-2ADC-1A0E-A62DD2D17BF2}"/>
+              </a:ext>
+            </a:extLst>
+          </p:cNvPr>
+          <p:cNvSpPr txBox="1"/>
+          <p:nvPr/>
+        </p:nvSpPr>
+        <p:spPr>
+          <a:xfrm>
+            <a:off x="1037771" y="592436"/>
+            <a:ext cx="10116457" cy="830997"/>
+          </a:xfrm>
+          <a:prstGeom prst="rect">
+            <a:avLst/>
+          </a:prstGeom>
+          <a:noFill/>
+        </p:spPr>
+        <p:txBody>
+          <a:bodyPr wrap="square" rtlCol="0">
+            <a:spAutoFit/>
+          </a:bodyPr>
+          <a:lstStyle/>
+          <a:p>
+            <a:r>
+              <a:rPr lang="en-US" altLang="zh-TW" sz="4800" dirty="0"/>
+              <a:t>CO – memory hierarchy</a:t>
+            </a:r>
+            <a:endParaRPr lang="zh-TW" altLang="en-US" sz="4800" dirty="0"/>
+          </a:p>
+        </p:txBody>
+      </p:sp>
+      <p:sp>
+        <p:nvSpPr>
+          <p:cNvPr id="15" name="TextBox 2">
+            <a:extLst>
+              <a:ext uri="{FF2B5EF4-FFF2-40B4-BE49-F238E27FC236}">
+                <a16:creationId xmlns:a16="http://schemas.microsoft.com/office/drawing/2014/main" id="{B54DDCCC-EFFD-4FCB-5253-CFA6B715AB35}"/>
+              </a:ext>
+            </a:extLst>
+          </p:cNvPr>
+          <p:cNvSpPr txBox="1"/>
+          <p:nvPr/>
+        </p:nvSpPr>
+        <p:spPr>
+          <a:xfrm>
+            <a:off x="1037771" y="1732561"/>
+            <a:ext cx="9238381" cy="1938992"/>
+          </a:xfrm>
+          <a:prstGeom prst="rect">
+            <a:avLst/>
+          </a:prstGeom>
+          <a:noFill/>
+        </p:spPr>
+        <p:txBody>
+          <a:bodyPr wrap="square" rtlCol="0">
+            <a:spAutoFit/>
+          </a:bodyPr>
+          <a:lstStyle/>
+          <a:p>
+            <a:pPr marL="457200" indent="-457200">
+              <a:buAutoNum type="arabicPeriod"/>
+            </a:pPr>
+            <a:r>
+              <a:rPr lang="en-US" altLang="zh-TW" sz="2400" dirty="0" err="1"/>
+              <a:t>fd</a:t>
+            </a:r>
+            <a:endParaRPr lang="en-US" altLang="zh-TW" sz="2400" dirty="0"/>
+          </a:p>
+          <a:p>
+            <a:pPr marL="914400" lvl="1" indent="-457200">
+              <a:buAutoNum type="arabicPeriod"/>
+            </a:pPr>
+            <a:endParaRPr lang="en-US" altLang="zh-TW" sz="2400" dirty="0"/>
+          </a:p>
+          <a:p>
+            <a:pPr marL="1371600" lvl="2" indent="-457200">
+              <a:buAutoNum type="arabicPeriod"/>
+            </a:pPr>
+            <a:endParaRPr lang="en-US" altLang="zh-TW" sz="2400" dirty="0"/>
+          </a:p>
+          <a:p>
+            <a:pPr marL="1371600" lvl="2" indent="-457200">
+              <a:buAutoNum type="arabicPeriod"/>
+            </a:pPr>
+            <a:endParaRPr lang="en-US" altLang="zh-TW" sz="2400" b="0" dirty="0"/>
+          </a:p>
+          <a:p>
+            <a:pPr marL="1371600" lvl="2" indent="-457200">
+              <a:buAutoNum type="arabicPeriod"/>
+            </a:pPr>
+            <a:endParaRPr lang="zh-TW" altLang="en-US" sz="2400" dirty="0"/>
+          </a:p>
+        </p:txBody>
+      </p:sp>
+      <p:pic>
+        <p:nvPicPr>
+          <p:cNvPr id="5" name="圖片 4" descr="一張含有 文字, 圖表, 螢幕擷取畫面, 行 的圖片&#10;&#10;AI 產生的內容可能不正確。">
+            <a:extLst>
+              <a:ext uri="{FF2B5EF4-FFF2-40B4-BE49-F238E27FC236}">
+                <a16:creationId xmlns:a16="http://schemas.microsoft.com/office/drawing/2014/main" id="{46CEF69E-B786-10DC-5B2B-E49B8B359010}"/>
+              </a:ext>
+            </a:extLst>
+          </p:cNvPr>
+          <p:cNvPicPr>
+            <a:picLocks noChangeAspect="1"/>
+          </p:cNvPicPr>
+          <p:nvPr/>
+        </p:nvPicPr>
+        <p:blipFill>
+          <a:blip r:embed="rId3"/>
+          <a:stretch>
+            <a:fillRect/>
+          </a:stretch>
+        </p:blipFill>
+        <p:spPr>
+          <a:xfrm>
+            <a:off x="4974771" y="2702057"/>
+            <a:ext cx="7021286" cy="3869458"/>
+          </a:xfrm>
+          <a:prstGeom prst="rect">
+            <a:avLst/>
+          </a:prstGeom>
+        </p:spPr>
+      </p:pic>
+      <p:pic>
+        <p:nvPicPr>
+          <p:cNvPr id="7" name="圖片 6" descr="一張含有 文字, 字型, 螢幕擷取畫面 的圖片&#10;&#10;AI 產生的內容可能不正確。">
+            <a:extLst>
+              <a:ext uri="{FF2B5EF4-FFF2-40B4-BE49-F238E27FC236}">
+                <a16:creationId xmlns:a16="http://schemas.microsoft.com/office/drawing/2014/main" id="{9E28F7EA-4E74-F01B-64B3-95F3D738172C}"/>
+              </a:ext>
+            </a:extLst>
+          </p:cNvPr>
+          <p:cNvPicPr>
+            <a:picLocks noChangeAspect="1"/>
+          </p:cNvPicPr>
+          <p:nvPr/>
+        </p:nvPicPr>
+        <p:blipFill>
+          <a:blip r:embed="rId4"/>
+          <a:stretch>
+            <a:fillRect/>
+          </a:stretch>
+        </p:blipFill>
+        <p:spPr>
+          <a:xfrm>
+            <a:off x="859933" y="2787029"/>
+            <a:ext cx="3553145" cy="3302923"/>
+          </a:xfrm>
+          <a:prstGeom prst="rect">
+            <a:avLst/>
+          </a:prstGeom>
+        </p:spPr>
+      </p:pic>
+    </p:spTree>
+    <p:extLst>
+      <p:ext uri="{BB962C8B-B14F-4D97-AF65-F5344CB8AC3E}">
+        <p14:creationId xmlns:p14="http://schemas.microsoft.com/office/powerpoint/2010/main" val="4146605283"/>
       </p:ext>
     </p:extLst>
   </p:cSld>
